--- a/Presentation/abschlusspraesentation.pptx
+++ b/Presentation/abschlusspraesentation.pptx
@@ -7,6 +7,10 @@
   <p:sldIdLst>
     <p:sldId id="256" r:id="rId2"/>
     <p:sldId id="257" r:id="rId3"/>
+    <p:sldId id="258" r:id="rId4"/>
+    <p:sldId id="259" r:id="rId5"/>
+    <p:sldId id="260" r:id="rId6"/>
+    <p:sldId id="261" r:id="rId7"/>
   </p:sldIdLst>
   <p:sldSz cx="9144000" cy="6858000" type="screen4x3"/>
   <p:notesSz cx="6858000" cy="9144000"/>
@@ -297,7 +301,7 @@
           <a:p>
             <a:fld id="{35338F35-DB24-49B2-A8E9-97B12F03D8AE}" type="datetimeFigureOut">
               <a:rPr lang="de-DE" smtClean="0"/>
-              <a:t>06.06.2013</a:t>
+              <a:t>12.06.2013</a:t>
             </a:fld>
             <a:endParaRPr lang="de-DE"/>
           </a:p>
@@ -474,7 +478,7 @@
           <a:p>
             <a:fld id="{35338F35-DB24-49B2-A8E9-97B12F03D8AE}" type="datetimeFigureOut">
               <a:rPr lang="de-DE" smtClean="0"/>
-              <a:t>06.06.2013</a:t>
+              <a:t>12.06.2013</a:t>
             </a:fld>
             <a:endParaRPr lang="de-DE"/>
           </a:p>
@@ -672,7 +676,7 @@
           <a:p>
             <a:fld id="{35338F35-DB24-49B2-A8E9-97B12F03D8AE}" type="datetimeFigureOut">
               <a:rPr lang="de-DE" smtClean="0"/>
-              <a:t>06.06.2013</a:t>
+              <a:t>12.06.2013</a:t>
             </a:fld>
             <a:endParaRPr lang="de-DE"/>
           </a:p>
@@ -826,7 +830,7 @@
           <a:p>
             <a:fld id="{35338F35-DB24-49B2-A8E9-97B12F03D8AE}" type="datetimeFigureOut">
               <a:rPr lang="de-DE" smtClean="0"/>
-              <a:t>06.06.2013</a:t>
+              <a:t>12.06.2013</a:t>
             </a:fld>
             <a:endParaRPr lang="de-DE"/>
           </a:p>
@@ -1101,7 +1105,7 @@
           <a:p>
             <a:fld id="{35338F35-DB24-49B2-A8E9-97B12F03D8AE}" type="datetimeFigureOut">
               <a:rPr lang="de-DE" smtClean="0"/>
-              <a:t>06.06.2013</a:t>
+              <a:t>12.06.2013</a:t>
             </a:fld>
             <a:endParaRPr lang="de-DE"/>
           </a:p>
@@ -1400,7 +1404,7 @@
           <a:p>
             <a:fld id="{35338F35-DB24-49B2-A8E9-97B12F03D8AE}" type="datetimeFigureOut">
               <a:rPr lang="de-DE" smtClean="0"/>
-              <a:t>06.06.2013</a:t>
+              <a:t>12.06.2013</a:t>
             </a:fld>
             <a:endParaRPr lang="de-DE"/>
           </a:p>
@@ -1842,7 +1846,7 @@
           <a:p>
             <a:fld id="{35338F35-DB24-49B2-A8E9-97B12F03D8AE}" type="datetimeFigureOut">
               <a:rPr lang="de-DE" smtClean="0"/>
-              <a:t>06.06.2013</a:t>
+              <a:t>12.06.2013</a:t>
             </a:fld>
             <a:endParaRPr lang="de-DE"/>
           </a:p>
@@ -1949,7 +1953,7 @@
           <a:p>
             <a:fld id="{35338F35-DB24-49B2-A8E9-97B12F03D8AE}" type="datetimeFigureOut">
               <a:rPr lang="de-DE" smtClean="0"/>
-              <a:t>06.06.2013</a:t>
+              <a:t>12.06.2013</a:t>
             </a:fld>
             <a:endParaRPr lang="de-DE"/>
           </a:p>
@@ -2069,7 +2073,7 @@
           <a:p>
             <a:fld id="{35338F35-DB24-49B2-A8E9-97B12F03D8AE}" type="datetimeFigureOut">
               <a:rPr lang="de-DE" smtClean="0"/>
-              <a:t>06.06.2013</a:t>
+              <a:t>12.06.2013</a:t>
             </a:fld>
             <a:endParaRPr lang="de-DE"/>
           </a:p>
@@ -2354,7 +2358,7 @@
           <a:p>
             <a:fld id="{35338F35-DB24-49B2-A8E9-97B12F03D8AE}" type="datetimeFigureOut">
               <a:rPr lang="de-DE" smtClean="0"/>
-              <a:t>06.06.2013</a:t>
+              <a:t>12.06.2013</a:t>
             </a:fld>
             <a:endParaRPr lang="de-DE"/>
           </a:p>
@@ -2625,7 +2629,7 @@
           <a:p>
             <a:fld id="{35338F35-DB24-49B2-A8E9-97B12F03D8AE}" type="datetimeFigureOut">
               <a:rPr lang="de-DE" smtClean="0"/>
-              <a:t>06.06.2013</a:t>
+              <a:t>12.06.2013</a:t>
             </a:fld>
             <a:endParaRPr lang="de-DE"/>
           </a:p>
@@ -2845,7 +2849,7 @@
           <a:p>
             <a:fld id="{35338F35-DB24-49B2-A8E9-97B12F03D8AE}" type="datetimeFigureOut">
               <a:rPr lang="de-DE" smtClean="0"/>
-              <a:t>06.06.2013</a:t>
+              <a:t>12.06.2013</a:t>
             </a:fld>
             <a:endParaRPr lang="de-DE"/>
           </a:p>
@@ -3407,11 +3411,15 @@
   <p:cSld>
     <p:bg>
       <p:bgPr>
-        <a:solidFill>
-          <a:srgbClr val="66DAD7">
-            <a:alpha val="95000"/>
-          </a:srgbClr>
-        </a:solidFill>
+        <a:blipFill dpi="0" rotWithShape="1">
+          <a:blip r:embed="rId2">
+            <a:lum/>
+          </a:blip>
+          <a:srcRect/>
+          <a:stretch>
+            <a:fillRect/>
+          </a:stretch>
+        </a:blipFill>
         <a:effectLst/>
       </p:bgPr>
     </p:bg>
@@ -3429,10 +3437,643 @@
           <a:chExt cx="0" cy="0"/>
         </a:xfrm>
       </p:grpSpPr>
+      <p:sp>
+        <p:nvSpPr>
+          <p:cNvPr id="4" name="Textplatzhalter 2"/>
+          <p:cNvSpPr>
+            <a:spLocks noGrp="1"/>
+          </p:cNvSpPr>
+          <p:nvPr>
+            <p:ph type="body" idx="1"/>
+          </p:nvPr>
+        </p:nvSpPr>
+        <p:spPr>
+          <a:xfrm>
+            <a:off x="578903" y="1700808"/>
+            <a:ext cx="7920880" cy="4248472"/>
+          </a:xfrm>
+        </p:spPr>
+        <p:txBody>
+          <a:bodyPr/>
+          <a:lstStyle/>
+          <a:p>
+            <a:r>
+              <a:rPr lang="de-DE" dirty="0">
+                <a:solidFill>
+                  <a:schemeClr val="bg1"/>
+                </a:solidFill>
+              </a:rPr>
+              <a:t>Ich bin ein Beispieltext mit einem Beispielbild</a:t>
+            </a:r>
+          </a:p>
+        </p:txBody>
+      </p:sp>
+      <p:sp>
+        <p:nvSpPr>
+          <p:cNvPr id="5" name="Titel 1"/>
+          <p:cNvSpPr>
+            <a:spLocks noGrp="1"/>
+          </p:cNvSpPr>
+          <p:nvPr>
+            <p:ph type="title"/>
+          </p:nvPr>
+        </p:nvSpPr>
+        <p:spPr>
+          <a:xfrm>
+            <a:off x="539552" y="260648"/>
+            <a:ext cx="6172200" cy="1008112"/>
+          </a:xfrm>
+        </p:spPr>
+        <p:txBody>
+          <a:bodyPr/>
+          <a:lstStyle/>
+          <a:p>
+            <a:r>
+              <a:rPr lang="de-DE" dirty="0"/>
+              <a:t>Muster</a:t>
+            </a:r>
+          </a:p>
+        </p:txBody>
+      </p:sp>
     </p:spTree>
     <p:extLst>
       <p:ext uri="{BB962C8B-B14F-4D97-AF65-F5344CB8AC3E}">
-        <p14:creationId xmlns:p14="http://schemas.microsoft.com/office/powerpoint/2010/main" val="1696846407"/>
+        <p14:creationId xmlns:p14="http://schemas.microsoft.com/office/powerpoint/2010/main" val="2384525814"/>
+      </p:ext>
+    </p:extLst>
+  </p:cSld>
+  <p:clrMapOvr>
+    <a:masterClrMapping/>
+  </p:clrMapOvr>
+  <p:timing>
+    <p:tnLst>
+      <p:par>
+        <p:cTn id="1" dur="indefinite" restart="never" nodeType="tmRoot"/>
+      </p:par>
+    </p:tnLst>
+  </p:timing>
+</p:sld>
+</file>
+
+<file path=ppt/slides/slide3.xml><?xml version="1.0" encoding="utf-8"?>
+<p:sld xmlns:a="http://schemas.openxmlformats.org/drawingml/2006/main" xmlns:r="http://schemas.openxmlformats.org/officeDocument/2006/relationships" xmlns:p="http://schemas.openxmlformats.org/presentationml/2006/main">
+  <p:cSld>
+    <p:bg>
+      <p:bgPr>
+        <a:blipFill dpi="0" rotWithShape="1">
+          <a:blip r:embed="rId2">
+            <a:lum/>
+          </a:blip>
+          <a:srcRect/>
+          <a:stretch>
+            <a:fillRect/>
+          </a:stretch>
+        </a:blipFill>
+        <a:effectLst/>
+      </p:bgPr>
+    </p:bg>
+    <p:spTree>
+      <p:nvGrpSpPr>
+        <p:cNvPr id="1" name=""/>
+        <p:cNvGrpSpPr/>
+        <p:nvPr/>
+      </p:nvGrpSpPr>
+      <p:grpSpPr>
+        <a:xfrm>
+          <a:off x="0" y="0"/>
+          <a:ext cx="0" cy="0"/>
+          <a:chOff x="0" y="0"/>
+          <a:chExt cx="0" cy="0"/>
+        </a:xfrm>
+      </p:grpSpPr>
+      <p:sp>
+        <p:nvSpPr>
+          <p:cNvPr id="4" name="Textplatzhalter 2"/>
+          <p:cNvSpPr>
+            <a:spLocks noGrp="1"/>
+          </p:cNvSpPr>
+          <p:nvPr>
+            <p:ph type="body" idx="1"/>
+          </p:nvPr>
+        </p:nvSpPr>
+        <p:spPr>
+          <a:xfrm>
+            <a:off x="578903" y="1700808"/>
+            <a:ext cx="7920880" cy="4248472"/>
+          </a:xfrm>
+        </p:spPr>
+        <p:txBody>
+          <a:bodyPr/>
+          <a:lstStyle/>
+          <a:p>
+            <a:r>
+              <a:rPr lang="de-DE" dirty="0" smtClean="0">
+                <a:solidFill>
+                  <a:schemeClr val="bg1"/>
+                </a:solidFill>
+              </a:rPr>
+              <a:t>Ich bin ein Beispieltext mit einem Beispielbild</a:t>
+            </a:r>
+            <a:endParaRPr lang="de-DE" dirty="0">
+              <a:solidFill>
+                <a:schemeClr val="bg1"/>
+              </a:solidFill>
+            </a:endParaRPr>
+          </a:p>
+        </p:txBody>
+      </p:sp>
+      <p:sp>
+        <p:nvSpPr>
+          <p:cNvPr id="5" name="Titel 1"/>
+          <p:cNvSpPr>
+            <a:spLocks noGrp="1"/>
+          </p:cNvSpPr>
+          <p:nvPr>
+            <p:ph type="title"/>
+          </p:nvPr>
+        </p:nvSpPr>
+        <p:spPr>
+          <a:xfrm>
+            <a:off x="539552" y="260648"/>
+            <a:ext cx="6172200" cy="1008112"/>
+          </a:xfrm>
+        </p:spPr>
+        <p:txBody>
+          <a:bodyPr/>
+          <a:lstStyle/>
+          <a:p>
+            <a:r>
+              <a:rPr lang="de-DE" dirty="0" smtClean="0">
+                <a:latin typeface="Calibri" pitchFamily="34" charset="0"/>
+              </a:rPr>
+              <a:t>Muster</a:t>
+            </a:r>
+            <a:endParaRPr lang="de-DE" dirty="0">
+              <a:latin typeface="Calibri" pitchFamily="34" charset="0"/>
+            </a:endParaRPr>
+          </a:p>
+        </p:txBody>
+      </p:sp>
+    </p:spTree>
+    <p:extLst>
+      <p:ext uri="{BB962C8B-B14F-4D97-AF65-F5344CB8AC3E}">
+        <p14:creationId xmlns:p14="http://schemas.microsoft.com/office/powerpoint/2010/main" val="736413357"/>
+      </p:ext>
+    </p:extLst>
+  </p:cSld>
+  <p:clrMapOvr>
+    <a:masterClrMapping/>
+  </p:clrMapOvr>
+  <p:timing>
+    <p:tnLst>
+      <p:par>
+        <p:cTn id="1" dur="indefinite" restart="never" nodeType="tmRoot"/>
+      </p:par>
+    </p:tnLst>
+  </p:timing>
+</p:sld>
+</file>
+
+<file path=ppt/slides/slide4.xml><?xml version="1.0" encoding="utf-8"?>
+<p:sld xmlns:a="http://schemas.openxmlformats.org/drawingml/2006/main" xmlns:r="http://schemas.openxmlformats.org/officeDocument/2006/relationships" xmlns:p="http://schemas.openxmlformats.org/presentationml/2006/main">
+  <p:cSld>
+    <p:bg>
+      <p:bgPr>
+        <a:blipFill dpi="0" rotWithShape="1">
+          <a:blip r:embed="rId2">
+            <a:lum/>
+          </a:blip>
+          <a:srcRect/>
+          <a:stretch>
+            <a:fillRect/>
+          </a:stretch>
+        </a:blipFill>
+        <a:effectLst/>
+      </p:bgPr>
+    </p:bg>
+    <p:spTree>
+      <p:nvGrpSpPr>
+        <p:cNvPr id="1" name=""/>
+        <p:cNvGrpSpPr/>
+        <p:nvPr/>
+      </p:nvGrpSpPr>
+      <p:grpSpPr>
+        <a:xfrm>
+          <a:off x="0" y="0"/>
+          <a:ext cx="0" cy="0"/>
+          <a:chOff x="0" y="0"/>
+          <a:chExt cx="0" cy="0"/>
+        </a:xfrm>
+      </p:grpSpPr>
+      <p:sp>
+        <p:nvSpPr>
+          <p:cNvPr id="2" name="Titel 1"/>
+          <p:cNvSpPr>
+            <a:spLocks noGrp="1"/>
+          </p:cNvSpPr>
+          <p:nvPr>
+            <p:ph type="title"/>
+          </p:nvPr>
+        </p:nvSpPr>
+        <p:spPr>
+          <a:xfrm>
+            <a:off x="539552" y="260648"/>
+            <a:ext cx="6172200" cy="1008112"/>
+          </a:xfrm>
+        </p:spPr>
+        <p:txBody>
+          <a:bodyPr/>
+          <a:lstStyle/>
+          <a:p>
+            <a:r>
+              <a:rPr lang="de-DE" dirty="0" smtClean="0">
+                <a:solidFill>
+                  <a:srgbClr val="6ECDD2"/>
+                </a:solidFill>
+                <a:latin typeface="Calibri" pitchFamily="34" charset="0"/>
+              </a:rPr>
+              <a:t>Muster</a:t>
+            </a:r>
+            <a:endParaRPr lang="de-DE" dirty="0">
+              <a:solidFill>
+                <a:srgbClr val="6ECDD2"/>
+              </a:solidFill>
+              <a:latin typeface="Calibri" pitchFamily="34" charset="0"/>
+            </a:endParaRPr>
+          </a:p>
+        </p:txBody>
+      </p:sp>
+      <p:sp>
+        <p:nvSpPr>
+          <p:cNvPr id="3" name="Textplatzhalter 2"/>
+          <p:cNvSpPr>
+            <a:spLocks noGrp="1"/>
+          </p:cNvSpPr>
+          <p:nvPr>
+            <p:ph type="body" idx="1"/>
+          </p:nvPr>
+        </p:nvSpPr>
+        <p:spPr>
+          <a:xfrm>
+            <a:off x="611560" y="1916832"/>
+            <a:ext cx="7920880" cy="4608512"/>
+          </a:xfrm>
+        </p:spPr>
+        <p:txBody>
+          <a:bodyPr/>
+          <a:lstStyle/>
+          <a:p>
+            <a:r>
+              <a:rPr lang="de-DE" dirty="0" smtClean="0">
+                <a:solidFill>
+                  <a:schemeClr val="bg1"/>
+                </a:solidFill>
+              </a:rPr>
+              <a:t>Ich bin ein Beispieltext mit einem Beispielbild</a:t>
+            </a:r>
+            <a:endParaRPr lang="de-DE" dirty="0">
+              <a:solidFill>
+                <a:schemeClr val="bg1"/>
+              </a:solidFill>
+            </a:endParaRPr>
+          </a:p>
+        </p:txBody>
+      </p:sp>
+    </p:spTree>
+    <p:extLst>
+      <p:ext uri="{BB962C8B-B14F-4D97-AF65-F5344CB8AC3E}">
+        <p14:creationId xmlns:p14="http://schemas.microsoft.com/office/powerpoint/2010/main" val="3443593050"/>
+      </p:ext>
+    </p:extLst>
+  </p:cSld>
+  <p:clrMapOvr>
+    <a:masterClrMapping/>
+  </p:clrMapOvr>
+  <p:timing>
+    <p:tnLst>
+      <p:par>
+        <p:cTn id="1" dur="indefinite" restart="never" nodeType="tmRoot"/>
+      </p:par>
+    </p:tnLst>
+  </p:timing>
+</p:sld>
+</file>
+
+<file path=ppt/slides/slide5.xml><?xml version="1.0" encoding="utf-8"?>
+<p:sld xmlns:a="http://schemas.openxmlformats.org/drawingml/2006/main" xmlns:r="http://schemas.openxmlformats.org/officeDocument/2006/relationships" xmlns:p="http://schemas.openxmlformats.org/presentationml/2006/main">
+  <p:cSld>
+    <p:bg>
+      <p:bgPr>
+        <a:blipFill dpi="0" rotWithShape="1">
+          <a:blip r:embed="rId2">
+            <a:lum/>
+          </a:blip>
+          <a:srcRect/>
+          <a:stretch>
+            <a:fillRect/>
+          </a:stretch>
+        </a:blipFill>
+        <a:effectLst/>
+      </p:bgPr>
+    </p:bg>
+    <p:spTree>
+      <p:nvGrpSpPr>
+        <p:cNvPr id="1" name=""/>
+        <p:cNvGrpSpPr/>
+        <p:nvPr/>
+      </p:nvGrpSpPr>
+      <p:grpSpPr>
+        <a:xfrm>
+          <a:off x="0" y="0"/>
+          <a:ext cx="0" cy="0"/>
+          <a:chOff x="0" y="0"/>
+          <a:chExt cx="0" cy="0"/>
+        </a:xfrm>
+      </p:grpSpPr>
+      <p:sp>
+        <p:nvSpPr>
+          <p:cNvPr id="2" name="Titel 1"/>
+          <p:cNvSpPr>
+            <a:spLocks noGrp="1"/>
+          </p:cNvSpPr>
+          <p:nvPr>
+            <p:ph type="title"/>
+          </p:nvPr>
+        </p:nvSpPr>
+        <p:spPr>
+          <a:xfrm>
+            <a:off x="1475656" y="188640"/>
+            <a:ext cx="6172200" cy="1008112"/>
+          </a:xfrm>
+        </p:spPr>
+        <p:txBody>
+          <a:bodyPr/>
+          <a:lstStyle/>
+          <a:p>
+            <a:r>
+              <a:rPr lang="de-DE" dirty="0" smtClean="0">
+                <a:solidFill>
+                  <a:srgbClr val="6ECDD2"/>
+                </a:solidFill>
+              </a:rPr>
+              <a:t>Muster</a:t>
+            </a:r>
+            <a:endParaRPr lang="de-DE" dirty="0">
+              <a:solidFill>
+                <a:srgbClr val="6ECDD2"/>
+              </a:solidFill>
+            </a:endParaRPr>
+          </a:p>
+        </p:txBody>
+      </p:sp>
+      <p:sp>
+        <p:nvSpPr>
+          <p:cNvPr id="3" name="Textplatzhalter 2"/>
+          <p:cNvSpPr>
+            <a:spLocks noGrp="1"/>
+          </p:cNvSpPr>
+          <p:nvPr>
+            <p:ph type="body" idx="1"/>
+          </p:nvPr>
+        </p:nvSpPr>
+        <p:spPr>
+          <a:xfrm>
+            <a:off x="1619672" y="1196752"/>
+            <a:ext cx="6912768" cy="5400600"/>
+          </a:xfrm>
+        </p:spPr>
+        <p:txBody>
+          <a:bodyPr/>
+          <a:lstStyle/>
+          <a:p>
+            <a:r>
+              <a:rPr lang="de-DE" dirty="0" smtClean="0">
+                <a:solidFill>
+                  <a:schemeClr val="bg1"/>
+                </a:solidFill>
+              </a:rPr>
+              <a:t>Ich bin ein Beispieltext mit einem Beispielbild auf der Folie.</a:t>
+            </a:r>
+            <a:endParaRPr lang="de-DE" dirty="0">
+              <a:solidFill>
+                <a:schemeClr val="bg1"/>
+              </a:solidFill>
+            </a:endParaRPr>
+          </a:p>
+        </p:txBody>
+      </p:sp>
+    </p:spTree>
+    <p:extLst>
+      <p:ext uri="{BB962C8B-B14F-4D97-AF65-F5344CB8AC3E}">
+        <p14:creationId xmlns:p14="http://schemas.microsoft.com/office/powerpoint/2010/main" val="1319889826"/>
+      </p:ext>
+    </p:extLst>
+  </p:cSld>
+  <p:clrMapOvr>
+    <a:masterClrMapping/>
+  </p:clrMapOvr>
+  <p:timing>
+    <p:tnLst>
+      <p:par>
+        <p:cTn id="1" dur="indefinite" restart="never" nodeType="tmRoot"/>
+      </p:par>
+    </p:tnLst>
+  </p:timing>
+</p:sld>
+</file>
+
+<file path=ppt/slides/slide6.xml><?xml version="1.0" encoding="utf-8"?>
+<p:sld xmlns:a="http://schemas.openxmlformats.org/drawingml/2006/main" xmlns:r="http://schemas.openxmlformats.org/officeDocument/2006/relationships" xmlns:p="http://schemas.openxmlformats.org/presentationml/2006/main">
+  <p:cSld>
+    <p:bg>
+      <p:bgPr>
+        <a:blipFill dpi="0" rotWithShape="1">
+          <a:blip r:embed="rId2">
+            <a:lum/>
+          </a:blip>
+          <a:srcRect/>
+          <a:stretch>
+            <a:fillRect/>
+          </a:stretch>
+        </a:blipFill>
+        <a:effectLst/>
+      </p:bgPr>
+    </p:bg>
+    <p:spTree>
+      <p:nvGrpSpPr>
+        <p:cNvPr id="1" name=""/>
+        <p:cNvGrpSpPr/>
+        <p:nvPr/>
+      </p:nvGrpSpPr>
+      <p:grpSpPr>
+        <a:xfrm>
+          <a:off x="0" y="0"/>
+          <a:ext cx="0" cy="0"/>
+          <a:chOff x="0" y="0"/>
+          <a:chExt cx="0" cy="0"/>
+        </a:xfrm>
+      </p:grpSpPr>
+      <p:sp>
+        <p:nvSpPr>
+          <p:cNvPr id="2" name="Titel 1"/>
+          <p:cNvSpPr>
+            <a:spLocks noGrp="1"/>
+          </p:cNvSpPr>
+          <p:nvPr>
+            <p:ph type="title"/>
+          </p:nvPr>
+        </p:nvSpPr>
+        <p:spPr>
+          <a:xfrm>
+            <a:off x="1860104" y="1268760"/>
+            <a:ext cx="6172200" cy="5184576"/>
+          </a:xfrm>
+        </p:spPr>
+        <p:txBody>
+          <a:bodyPr/>
+          <a:lstStyle/>
+          <a:p>
+            <a:r>
+              <a:rPr lang="de-DE" sz="2800" b="0" dirty="0" smtClean="0">
+                <a:solidFill>
+                  <a:schemeClr val="bg1"/>
+                </a:solidFill>
+                <a:latin typeface="Calibri" pitchFamily="34" charset="0"/>
+              </a:rPr>
+              <a:t>Hallo ich bin </a:t>
+            </a:r>
+            <a:r>
+              <a:rPr lang="de-DE" sz="2800" b="0" dirty="0" err="1" smtClean="0">
+                <a:solidFill>
+                  <a:schemeClr val="bg1"/>
+                </a:solidFill>
+                <a:latin typeface="Calibri" pitchFamily="34" charset="0"/>
+              </a:rPr>
+              <a:t>platzhalter</a:t>
+            </a:r>
+            <a:endParaRPr lang="de-DE" sz="2800" b="0" dirty="0">
+              <a:solidFill>
+                <a:schemeClr val="bg1"/>
+              </a:solidFill>
+              <a:latin typeface="Calibri" pitchFamily="34" charset="0"/>
+            </a:endParaRPr>
+          </a:p>
+        </p:txBody>
+      </p:sp>
+      <p:sp>
+        <p:nvSpPr>
+          <p:cNvPr id="4" name="Titel 1"/>
+          <p:cNvSpPr txBox="1">
+            <a:spLocks/>
+          </p:cNvSpPr>
+          <p:nvPr/>
+        </p:nvSpPr>
+        <p:spPr>
+          <a:xfrm>
+            <a:off x="1835696" y="188640"/>
+            <a:ext cx="6172200" cy="1008112"/>
+          </a:xfrm>
+          <a:prstGeom prst="rect">
+            <a:avLst/>
+          </a:prstGeom>
+        </p:spPr>
+        <p:txBody>
+          <a:bodyPr vert="horz" lIns="91440" tIns="45720" rIns="91440" bIns="45720" rtlCol="0" anchor="t">
+            <a:noAutofit/>
+          </a:bodyPr>
+          <a:lstStyle>
+            <a:lvl1pPr algn="l" defTabSz="914400" rtl="0" eaLnBrk="1" latinLnBrk="0" hangingPunct="1">
+              <a:spcBef>
+                <a:spcPct val="0"/>
+              </a:spcBef>
+              <a:buNone/>
+              <a:defRPr sz="4800" b="1" kern="1200" cap="all" baseline="0">
+                <a:solidFill>
+                  <a:schemeClr val="tx1"/>
+                </a:solidFill>
+                <a:latin typeface="+mj-lt"/>
+                <a:ea typeface="+mj-ea"/>
+                <a:cs typeface="+mj-cs"/>
+              </a:defRPr>
+            </a:lvl1pPr>
+            <a:lvl2pPr eaLnBrk="1" hangingPunct="1">
+              <a:defRPr>
+                <a:solidFill>
+                  <a:schemeClr val="tx2"/>
+                </a:solidFill>
+              </a:defRPr>
+            </a:lvl2pPr>
+            <a:lvl3pPr eaLnBrk="1" hangingPunct="1">
+              <a:defRPr>
+                <a:solidFill>
+                  <a:schemeClr val="tx2"/>
+                </a:solidFill>
+              </a:defRPr>
+            </a:lvl3pPr>
+            <a:lvl4pPr eaLnBrk="1" hangingPunct="1">
+              <a:defRPr>
+                <a:solidFill>
+                  <a:schemeClr val="tx2"/>
+                </a:solidFill>
+              </a:defRPr>
+            </a:lvl4pPr>
+            <a:lvl5pPr eaLnBrk="1" hangingPunct="1">
+              <a:defRPr>
+                <a:solidFill>
+                  <a:schemeClr val="tx2"/>
+                </a:solidFill>
+              </a:defRPr>
+            </a:lvl5pPr>
+            <a:lvl6pPr eaLnBrk="1" hangingPunct="1">
+              <a:defRPr>
+                <a:solidFill>
+                  <a:schemeClr val="tx2"/>
+                </a:solidFill>
+              </a:defRPr>
+            </a:lvl6pPr>
+            <a:lvl7pPr eaLnBrk="1" hangingPunct="1">
+              <a:defRPr>
+                <a:solidFill>
+                  <a:schemeClr val="tx2"/>
+                </a:solidFill>
+              </a:defRPr>
+            </a:lvl7pPr>
+            <a:lvl8pPr eaLnBrk="1" hangingPunct="1">
+              <a:defRPr>
+                <a:solidFill>
+                  <a:schemeClr val="tx2"/>
+                </a:solidFill>
+              </a:defRPr>
+            </a:lvl8pPr>
+            <a:lvl9pPr eaLnBrk="1" hangingPunct="1">
+              <a:defRPr>
+                <a:solidFill>
+                  <a:schemeClr val="tx2"/>
+                </a:solidFill>
+              </a:defRPr>
+            </a:lvl9pPr>
+          </a:lstStyle>
+          <a:p>
+            <a:r>
+              <a:rPr lang="de-DE" smtClean="0">
+                <a:solidFill>
+                  <a:srgbClr val="6ECDD2"/>
+                </a:solidFill>
+              </a:rPr>
+              <a:t>Muster</a:t>
+            </a:r>
+            <a:endParaRPr lang="de-DE" dirty="0">
+              <a:solidFill>
+                <a:srgbClr val="6ECDD2"/>
+              </a:solidFill>
+            </a:endParaRPr>
+          </a:p>
+        </p:txBody>
+      </p:sp>
+    </p:spTree>
+    <p:extLst>
+      <p:ext uri="{BB962C8B-B14F-4D97-AF65-F5344CB8AC3E}">
+        <p14:creationId xmlns:p14="http://schemas.microsoft.com/office/powerpoint/2010/main" val="2874446517"/>
       </p:ext>
     </p:extLst>
   </p:cSld>

--- a/Presentation/abschlusspraesentation.pptx
+++ b/Presentation/abschlusspraesentation.pptx
@@ -301,7 +301,7 @@
           <a:p>
             <a:fld id="{35338F35-DB24-49B2-A8E9-97B12F03D8AE}" type="datetimeFigureOut">
               <a:rPr lang="de-DE" smtClean="0"/>
-              <a:t>12.06.2013</a:t>
+              <a:t>18.06.13</a:t>
             </a:fld>
             <a:endParaRPr lang="de-DE"/>
           </a:p>
@@ -357,7 +357,7 @@
   <p:timing>
     <p:tnLst>
       <p:par>
-        <p:cTn id="1" dur="indefinite" restart="never" nodeType="tmRoot"/>
+        <p:cTn xmlns:p14="http://schemas.microsoft.com/office/powerpoint/2010/main" id="1" dur="indefinite" restart="never" nodeType="tmRoot"/>
       </p:par>
     </p:tnLst>
   </p:timing>
@@ -478,7 +478,7 @@
           <a:p>
             <a:fld id="{35338F35-DB24-49B2-A8E9-97B12F03D8AE}" type="datetimeFigureOut">
               <a:rPr lang="de-DE" smtClean="0"/>
-              <a:t>12.06.2013</a:t>
+              <a:t>18.06.13</a:t>
             </a:fld>
             <a:endParaRPr lang="de-DE"/>
           </a:p>
@@ -534,7 +534,7 @@
   <p:timing>
     <p:tnLst>
       <p:par>
-        <p:cTn id="1" dur="indefinite" restart="never" nodeType="tmRoot"/>
+        <p:cTn xmlns:p14="http://schemas.microsoft.com/office/powerpoint/2010/main" id="1" dur="indefinite" restart="never" nodeType="tmRoot"/>
       </p:par>
     </p:tnLst>
   </p:timing>
@@ -676,7 +676,7 @@
           <a:p>
             <a:fld id="{35338F35-DB24-49B2-A8E9-97B12F03D8AE}" type="datetimeFigureOut">
               <a:rPr lang="de-DE" smtClean="0"/>
-              <a:t>12.06.2013</a:t>
+              <a:t>18.06.13</a:t>
             </a:fld>
             <a:endParaRPr lang="de-DE"/>
           </a:p>
@@ -732,7 +732,7 @@
   <p:timing>
     <p:tnLst>
       <p:par>
-        <p:cTn id="1" dur="indefinite" restart="never" nodeType="tmRoot"/>
+        <p:cTn xmlns:p14="http://schemas.microsoft.com/office/powerpoint/2010/main" id="1" dur="indefinite" restart="never" nodeType="tmRoot"/>
       </p:par>
     </p:tnLst>
   </p:timing>
@@ -830,7 +830,7 @@
           <a:p>
             <a:fld id="{35338F35-DB24-49B2-A8E9-97B12F03D8AE}" type="datetimeFigureOut">
               <a:rPr lang="de-DE" smtClean="0"/>
-              <a:t>12.06.2013</a:t>
+              <a:t>18.06.13</a:t>
             </a:fld>
             <a:endParaRPr lang="de-DE"/>
           </a:p>
@@ -909,7 +909,7 @@
   <p:timing>
     <p:tnLst>
       <p:par>
-        <p:cTn id="1" dur="indefinite" restart="never" nodeType="tmRoot"/>
+        <p:cTn xmlns:p14="http://schemas.microsoft.com/office/powerpoint/2010/main" id="1" dur="indefinite" restart="never" nodeType="tmRoot"/>
       </p:par>
     </p:tnLst>
   </p:timing>
@@ -1105,7 +1105,7 @@
           <a:p>
             <a:fld id="{35338F35-DB24-49B2-A8E9-97B12F03D8AE}" type="datetimeFigureOut">
               <a:rPr lang="de-DE" smtClean="0"/>
-              <a:t>12.06.2013</a:t>
+              <a:t>18.06.13</a:t>
             </a:fld>
             <a:endParaRPr lang="de-DE"/>
           </a:p>
@@ -1161,7 +1161,7 @@
   <p:timing>
     <p:tnLst>
       <p:par>
-        <p:cTn id="1" dur="indefinite" restart="never" nodeType="tmRoot"/>
+        <p:cTn xmlns:p14="http://schemas.microsoft.com/office/powerpoint/2010/main" id="1" dur="indefinite" restart="never" nodeType="tmRoot"/>
       </p:par>
     </p:tnLst>
   </p:timing>
@@ -1404,7 +1404,7 @@
           <a:p>
             <a:fld id="{35338F35-DB24-49B2-A8E9-97B12F03D8AE}" type="datetimeFigureOut">
               <a:rPr lang="de-DE" smtClean="0"/>
-              <a:t>12.06.2013</a:t>
+              <a:t>18.06.13</a:t>
             </a:fld>
             <a:endParaRPr lang="de-DE"/>
           </a:p>
@@ -1465,7 +1465,7 @@
   <p:timing>
     <p:tnLst>
       <p:par>
-        <p:cTn id="1" dur="indefinite" restart="never" nodeType="tmRoot"/>
+        <p:cTn xmlns:p14="http://schemas.microsoft.com/office/powerpoint/2010/main" id="1" dur="indefinite" restart="never" nodeType="tmRoot"/>
       </p:par>
     </p:tnLst>
   </p:timing>
@@ -1846,7 +1846,7 @@
           <a:p>
             <a:fld id="{35338F35-DB24-49B2-A8E9-97B12F03D8AE}" type="datetimeFigureOut">
               <a:rPr lang="de-DE" smtClean="0"/>
-              <a:t>12.06.2013</a:t>
+              <a:t>18.06.13</a:t>
             </a:fld>
             <a:endParaRPr lang="de-DE"/>
           </a:p>
@@ -1907,7 +1907,7 @@
   <p:timing>
     <p:tnLst>
       <p:par>
-        <p:cTn id="1" dur="indefinite" restart="never" nodeType="tmRoot"/>
+        <p:cTn xmlns:p14="http://schemas.microsoft.com/office/powerpoint/2010/main" id="1" dur="indefinite" restart="never" nodeType="tmRoot"/>
       </p:par>
     </p:tnLst>
   </p:timing>
@@ -1953,7 +1953,7 @@
           <a:p>
             <a:fld id="{35338F35-DB24-49B2-A8E9-97B12F03D8AE}" type="datetimeFigureOut">
               <a:rPr lang="de-DE" smtClean="0"/>
-              <a:t>12.06.2013</a:t>
+              <a:t>18.06.13</a:t>
             </a:fld>
             <a:endParaRPr lang="de-DE"/>
           </a:p>
@@ -2032,7 +2032,7 @@
   <p:timing>
     <p:tnLst>
       <p:par>
-        <p:cTn id="1" dur="indefinite" restart="never" nodeType="tmRoot"/>
+        <p:cTn xmlns:p14="http://schemas.microsoft.com/office/powerpoint/2010/main" id="1" dur="indefinite" restart="never" nodeType="tmRoot"/>
       </p:par>
     </p:tnLst>
   </p:timing>
@@ -2073,7 +2073,7 @@
           <a:p>
             <a:fld id="{35338F35-DB24-49B2-A8E9-97B12F03D8AE}" type="datetimeFigureOut">
               <a:rPr lang="de-DE" smtClean="0"/>
-              <a:t>12.06.2013</a:t>
+              <a:t>18.06.13</a:t>
             </a:fld>
             <a:endParaRPr lang="de-DE"/>
           </a:p>
@@ -2129,7 +2129,7 @@
   <p:timing>
     <p:tnLst>
       <p:par>
-        <p:cTn id="1" dur="indefinite" restart="never" nodeType="tmRoot"/>
+        <p:cTn xmlns:p14="http://schemas.microsoft.com/office/powerpoint/2010/main" id="1" dur="indefinite" restart="never" nodeType="tmRoot"/>
       </p:par>
     </p:tnLst>
   </p:timing>
@@ -2358,7 +2358,7 @@
           <a:p>
             <a:fld id="{35338F35-DB24-49B2-A8E9-97B12F03D8AE}" type="datetimeFigureOut">
               <a:rPr lang="de-DE" smtClean="0"/>
-              <a:t>12.06.2013</a:t>
+              <a:t>18.06.13</a:t>
             </a:fld>
             <a:endParaRPr lang="de-DE"/>
           </a:p>
@@ -2419,7 +2419,7 @@
   <p:timing>
     <p:tnLst>
       <p:par>
-        <p:cTn id="1" dur="indefinite" restart="never" nodeType="tmRoot"/>
+        <p:cTn xmlns:p14="http://schemas.microsoft.com/office/powerpoint/2010/main" id="1" dur="indefinite" restart="never" nodeType="tmRoot"/>
       </p:par>
     </p:tnLst>
   </p:timing>
@@ -2629,7 +2629,7 @@
           <a:p>
             <a:fld id="{35338F35-DB24-49B2-A8E9-97B12F03D8AE}" type="datetimeFigureOut">
               <a:rPr lang="de-DE" smtClean="0"/>
-              <a:t>12.06.2013</a:t>
+              <a:t>18.06.13</a:t>
             </a:fld>
             <a:endParaRPr lang="de-DE"/>
           </a:p>
@@ -2690,7 +2690,7 @@
   <p:timing>
     <p:tnLst>
       <p:par>
-        <p:cTn id="1" dur="indefinite" restart="never" nodeType="tmRoot"/>
+        <p:cTn xmlns:p14="http://schemas.microsoft.com/office/powerpoint/2010/main" id="1" dur="indefinite" restart="never" nodeType="tmRoot"/>
       </p:par>
     </p:tnLst>
   </p:timing>
@@ -2849,7 +2849,7 @@
           <a:p>
             <a:fld id="{35338F35-DB24-49B2-A8E9-97B12F03D8AE}" type="datetimeFigureOut">
               <a:rPr lang="de-DE" smtClean="0"/>
-              <a:t>12.06.2013</a:t>
+              <a:t>18.06.13</a:t>
             </a:fld>
             <a:endParaRPr lang="de-DE"/>
           </a:p>
@@ -2950,7 +2950,7 @@
   <p:timing>
     <p:tnLst>
       <p:par>
-        <p:cTn id="1" dur="indefinite" restart="never" nodeType="tmRoot"/>
+        <p:cTn xmlns:p14="http://schemas.microsoft.com/office/powerpoint/2010/main" id="1" dur="indefinite" restart="never" nodeType="tmRoot"/>
       </p:par>
     </p:tnLst>
   </p:timing>
@@ -3318,7 +3318,7 @@
           <a:p>
             <a:pPr algn="ctr"/>
             <a:r>
-              <a:rPr lang="de-DE" sz="3200" b="1" dirty="0" err="1" smtClean="0">
+              <a:rPr lang="de-DE" sz="3200" b="1" smtClean="0">
                 <a:solidFill>
                   <a:schemeClr val="bg1">
                     <a:lumMod val="50000"/>
@@ -3326,10 +3326,10 @@
                 </a:solidFill>
                 <a:latin typeface="Century Gothic" pitchFamily="34" charset="0"/>
               </a:rPr>
-              <a:t>Projektdokumentaion</a:t>
-            </a:r>
-            <a:r>
-              <a:rPr lang="de-DE" sz="3200" dirty="0" smtClean="0">
+              <a:t>Projektpräsentation</a:t>
+            </a:r>
+            <a:r>
+              <a:rPr lang="de-DE" sz="3200" smtClean="0">
                 <a:solidFill>
                   <a:schemeClr val="bg1">
                     <a:lumMod val="50000"/>
@@ -3339,6 +3339,14 @@
               </a:rPr>
               <a:t> </a:t>
             </a:r>
+            <a:endParaRPr lang="de-DE" sz="3200" dirty="0" smtClean="0">
+              <a:solidFill>
+                <a:schemeClr val="bg1">
+                  <a:lumMod val="50000"/>
+                </a:schemeClr>
+              </a:solidFill>
+              <a:latin typeface="Century Gothic" pitchFamily="34" charset="0"/>
+            </a:endParaRPr>
           </a:p>
           <a:p>
             <a:pPr algn="ctr">
@@ -3399,7 +3407,7 @@
   <p:timing>
     <p:tnLst>
       <p:par>
-        <p:cTn id="1" dur="indefinite" restart="never" nodeType="tmRoot"/>
+        <p:cTn xmlns:p14="http://schemas.microsoft.com/office/powerpoint/2010/main" id="1" dur="indefinite" restart="never" nodeType="tmRoot"/>
       </p:par>
     </p:tnLst>
   </p:timing>
@@ -3508,7 +3516,7 @@
   <p:timing>
     <p:tnLst>
       <p:par>
-        <p:cTn id="1" dur="indefinite" restart="never" nodeType="tmRoot"/>
+        <p:cTn xmlns:p14="http://schemas.microsoft.com/office/powerpoint/2010/main" id="1" dur="indefinite" restart="never" nodeType="tmRoot"/>
       </p:par>
     </p:tnLst>
   </p:timing>
@@ -3627,7 +3635,7 @@
   <p:timing>
     <p:tnLst>
       <p:par>
-        <p:cTn id="1" dur="indefinite" restart="never" nodeType="tmRoot"/>
+        <p:cTn xmlns:p14="http://schemas.microsoft.com/office/powerpoint/2010/main" id="1" dur="indefinite" restart="never" nodeType="tmRoot"/>
       </p:par>
     </p:tnLst>
   </p:timing>
@@ -3752,7 +3760,7 @@
   <p:timing>
     <p:tnLst>
       <p:par>
-        <p:cTn id="1" dur="indefinite" restart="never" nodeType="tmRoot"/>
+        <p:cTn xmlns:p14="http://schemas.microsoft.com/office/powerpoint/2010/main" id="1" dur="indefinite" restart="never" nodeType="tmRoot"/>
       </p:par>
     </p:tnLst>
   </p:timing>
@@ -3875,7 +3883,7 @@
   <p:timing>
     <p:tnLst>
       <p:par>
-        <p:cTn id="1" dur="indefinite" restart="never" nodeType="tmRoot"/>
+        <p:cTn xmlns:p14="http://schemas.microsoft.com/office/powerpoint/2010/main" id="1" dur="indefinite" restart="never" nodeType="tmRoot"/>
       </p:par>
     </p:tnLst>
   </p:timing>
@@ -4083,7 +4091,7 @@
   <p:timing>
     <p:tnLst>
       <p:par>
-        <p:cTn id="1" dur="indefinite" restart="never" nodeType="tmRoot"/>
+        <p:cTn xmlns:p14="http://schemas.microsoft.com/office/powerpoint/2010/main" id="1" dur="indefinite" restart="never" nodeType="tmRoot"/>
       </p:par>
     </p:tnLst>
   </p:timing>

--- a/Presentation/abschlusspraesentation.pptx
+++ b/Presentation/abschlusspraesentation.pptx
@@ -11,6 +11,15 @@
     <p:sldId id="259" r:id="rId5"/>
     <p:sldId id="260" r:id="rId6"/>
     <p:sldId id="261" r:id="rId7"/>
+    <p:sldId id="262" r:id="rId8"/>
+    <p:sldId id="263" r:id="rId9"/>
+    <p:sldId id="264" r:id="rId10"/>
+    <p:sldId id="265" r:id="rId11"/>
+    <p:sldId id="266" r:id="rId12"/>
+    <p:sldId id="267" r:id="rId13"/>
+    <p:sldId id="268" r:id="rId14"/>
+    <p:sldId id="269" r:id="rId15"/>
+    <p:sldId id="270" r:id="rId16"/>
   </p:sldIdLst>
   <p:sldSz cx="9144000" cy="6858000" type="screen4x3"/>
   <p:notesSz cx="6858000" cy="9144000"/>
@@ -301,7 +310,7 @@
           <a:p>
             <a:fld id="{35338F35-DB24-49B2-A8E9-97B12F03D8AE}" type="datetimeFigureOut">
               <a:rPr lang="de-DE" smtClean="0"/>
-              <a:t>18.06.13</a:t>
+              <a:t>18.06.2013</a:t>
             </a:fld>
             <a:endParaRPr lang="de-DE"/>
           </a:p>
@@ -357,7 +366,7 @@
   <p:timing>
     <p:tnLst>
       <p:par>
-        <p:cTn xmlns:p14="http://schemas.microsoft.com/office/powerpoint/2010/main" id="1" dur="indefinite" restart="never" nodeType="tmRoot"/>
+        <p:cTn id="1" dur="indefinite" restart="never" nodeType="tmRoot"/>
       </p:par>
     </p:tnLst>
   </p:timing>
@@ -478,7 +487,7 @@
           <a:p>
             <a:fld id="{35338F35-DB24-49B2-A8E9-97B12F03D8AE}" type="datetimeFigureOut">
               <a:rPr lang="de-DE" smtClean="0"/>
-              <a:t>18.06.13</a:t>
+              <a:t>18.06.2013</a:t>
             </a:fld>
             <a:endParaRPr lang="de-DE"/>
           </a:p>
@@ -534,7 +543,7 @@
   <p:timing>
     <p:tnLst>
       <p:par>
-        <p:cTn xmlns:p14="http://schemas.microsoft.com/office/powerpoint/2010/main" id="1" dur="indefinite" restart="never" nodeType="tmRoot"/>
+        <p:cTn id="1" dur="indefinite" restart="never" nodeType="tmRoot"/>
       </p:par>
     </p:tnLst>
   </p:timing>
@@ -676,7 +685,7 @@
           <a:p>
             <a:fld id="{35338F35-DB24-49B2-A8E9-97B12F03D8AE}" type="datetimeFigureOut">
               <a:rPr lang="de-DE" smtClean="0"/>
-              <a:t>18.06.13</a:t>
+              <a:t>18.06.2013</a:t>
             </a:fld>
             <a:endParaRPr lang="de-DE"/>
           </a:p>
@@ -732,7 +741,7 @@
   <p:timing>
     <p:tnLst>
       <p:par>
-        <p:cTn xmlns:p14="http://schemas.microsoft.com/office/powerpoint/2010/main" id="1" dur="indefinite" restart="never" nodeType="tmRoot"/>
+        <p:cTn id="1" dur="indefinite" restart="never" nodeType="tmRoot"/>
       </p:par>
     </p:tnLst>
   </p:timing>
@@ -830,7 +839,7 @@
           <a:p>
             <a:fld id="{35338F35-DB24-49B2-A8E9-97B12F03D8AE}" type="datetimeFigureOut">
               <a:rPr lang="de-DE" smtClean="0"/>
-              <a:t>18.06.13</a:t>
+              <a:t>18.06.2013</a:t>
             </a:fld>
             <a:endParaRPr lang="de-DE"/>
           </a:p>
@@ -909,7 +918,7 @@
   <p:timing>
     <p:tnLst>
       <p:par>
-        <p:cTn xmlns:p14="http://schemas.microsoft.com/office/powerpoint/2010/main" id="1" dur="indefinite" restart="never" nodeType="tmRoot"/>
+        <p:cTn id="1" dur="indefinite" restart="never" nodeType="tmRoot"/>
       </p:par>
     </p:tnLst>
   </p:timing>
@@ -1105,7 +1114,7 @@
           <a:p>
             <a:fld id="{35338F35-DB24-49B2-A8E9-97B12F03D8AE}" type="datetimeFigureOut">
               <a:rPr lang="de-DE" smtClean="0"/>
-              <a:t>18.06.13</a:t>
+              <a:t>18.06.2013</a:t>
             </a:fld>
             <a:endParaRPr lang="de-DE"/>
           </a:p>
@@ -1161,7 +1170,7 @@
   <p:timing>
     <p:tnLst>
       <p:par>
-        <p:cTn xmlns:p14="http://schemas.microsoft.com/office/powerpoint/2010/main" id="1" dur="indefinite" restart="never" nodeType="tmRoot"/>
+        <p:cTn id="1" dur="indefinite" restart="never" nodeType="tmRoot"/>
       </p:par>
     </p:tnLst>
   </p:timing>
@@ -1404,7 +1413,7 @@
           <a:p>
             <a:fld id="{35338F35-DB24-49B2-A8E9-97B12F03D8AE}" type="datetimeFigureOut">
               <a:rPr lang="de-DE" smtClean="0"/>
-              <a:t>18.06.13</a:t>
+              <a:t>18.06.2013</a:t>
             </a:fld>
             <a:endParaRPr lang="de-DE"/>
           </a:p>
@@ -1465,7 +1474,7 @@
   <p:timing>
     <p:tnLst>
       <p:par>
-        <p:cTn xmlns:p14="http://schemas.microsoft.com/office/powerpoint/2010/main" id="1" dur="indefinite" restart="never" nodeType="tmRoot"/>
+        <p:cTn id="1" dur="indefinite" restart="never" nodeType="tmRoot"/>
       </p:par>
     </p:tnLst>
   </p:timing>
@@ -1846,7 +1855,7 @@
           <a:p>
             <a:fld id="{35338F35-DB24-49B2-A8E9-97B12F03D8AE}" type="datetimeFigureOut">
               <a:rPr lang="de-DE" smtClean="0"/>
-              <a:t>18.06.13</a:t>
+              <a:t>18.06.2013</a:t>
             </a:fld>
             <a:endParaRPr lang="de-DE"/>
           </a:p>
@@ -1907,7 +1916,7 @@
   <p:timing>
     <p:tnLst>
       <p:par>
-        <p:cTn xmlns:p14="http://schemas.microsoft.com/office/powerpoint/2010/main" id="1" dur="indefinite" restart="never" nodeType="tmRoot"/>
+        <p:cTn id="1" dur="indefinite" restart="never" nodeType="tmRoot"/>
       </p:par>
     </p:tnLst>
   </p:timing>
@@ -1953,7 +1962,7 @@
           <a:p>
             <a:fld id="{35338F35-DB24-49B2-A8E9-97B12F03D8AE}" type="datetimeFigureOut">
               <a:rPr lang="de-DE" smtClean="0"/>
-              <a:t>18.06.13</a:t>
+              <a:t>18.06.2013</a:t>
             </a:fld>
             <a:endParaRPr lang="de-DE"/>
           </a:p>
@@ -2032,7 +2041,7 @@
   <p:timing>
     <p:tnLst>
       <p:par>
-        <p:cTn xmlns:p14="http://schemas.microsoft.com/office/powerpoint/2010/main" id="1" dur="indefinite" restart="never" nodeType="tmRoot"/>
+        <p:cTn id="1" dur="indefinite" restart="never" nodeType="tmRoot"/>
       </p:par>
     </p:tnLst>
   </p:timing>
@@ -2073,7 +2082,7 @@
           <a:p>
             <a:fld id="{35338F35-DB24-49B2-A8E9-97B12F03D8AE}" type="datetimeFigureOut">
               <a:rPr lang="de-DE" smtClean="0"/>
-              <a:t>18.06.13</a:t>
+              <a:t>18.06.2013</a:t>
             </a:fld>
             <a:endParaRPr lang="de-DE"/>
           </a:p>
@@ -2129,7 +2138,7 @@
   <p:timing>
     <p:tnLst>
       <p:par>
-        <p:cTn xmlns:p14="http://schemas.microsoft.com/office/powerpoint/2010/main" id="1" dur="indefinite" restart="never" nodeType="tmRoot"/>
+        <p:cTn id="1" dur="indefinite" restart="never" nodeType="tmRoot"/>
       </p:par>
     </p:tnLst>
   </p:timing>
@@ -2358,7 +2367,7 @@
           <a:p>
             <a:fld id="{35338F35-DB24-49B2-A8E9-97B12F03D8AE}" type="datetimeFigureOut">
               <a:rPr lang="de-DE" smtClean="0"/>
-              <a:t>18.06.13</a:t>
+              <a:t>18.06.2013</a:t>
             </a:fld>
             <a:endParaRPr lang="de-DE"/>
           </a:p>
@@ -2419,7 +2428,7 @@
   <p:timing>
     <p:tnLst>
       <p:par>
-        <p:cTn xmlns:p14="http://schemas.microsoft.com/office/powerpoint/2010/main" id="1" dur="indefinite" restart="never" nodeType="tmRoot"/>
+        <p:cTn id="1" dur="indefinite" restart="never" nodeType="tmRoot"/>
       </p:par>
     </p:tnLst>
   </p:timing>
@@ -2629,7 +2638,7 @@
           <a:p>
             <a:fld id="{35338F35-DB24-49B2-A8E9-97B12F03D8AE}" type="datetimeFigureOut">
               <a:rPr lang="de-DE" smtClean="0"/>
-              <a:t>18.06.13</a:t>
+              <a:t>18.06.2013</a:t>
             </a:fld>
             <a:endParaRPr lang="de-DE"/>
           </a:p>
@@ -2690,7 +2699,7 @@
   <p:timing>
     <p:tnLst>
       <p:par>
-        <p:cTn xmlns:p14="http://schemas.microsoft.com/office/powerpoint/2010/main" id="1" dur="indefinite" restart="never" nodeType="tmRoot"/>
+        <p:cTn id="1" dur="indefinite" restart="never" nodeType="tmRoot"/>
       </p:par>
     </p:tnLst>
   </p:timing>
@@ -2849,7 +2858,7 @@
           <a:p>
             <a:fld id="{35338F35-DB24-49B2-A8E9-97B12F03D8AE}" type="datetimeFigureOut">
               <a:rPr lang="de-DE" smtClean="0"/>
-              <a:t>18.06.13</a:t>
+              <a:t>18.06.2013</a:t>
             </a:fld>
             <a:endParaRPr lang="de-DE"/>
           </a:p>
@@ -2950,7 +2959,7 @@
   <p:timing>
     <p:tnLst>
       <p:par>
-        <p:cTn xmlns:p14="http://schemas.microsoft.com/office/powerpoint/2010/main" id="1" dur="indefinite" restart="never" nodeType="tmRoot"/>
+        <p:cTn id="1" dur="indefinite" restart="never" nodeType="tmRoot"/>
       </p:par>
     </p:tnLst>
   </p:timing>
@@ -3407,7 +3416,1129 @@
   <p:timing>
     <p:tnLst>
       <p:par>
-        <p:cTn xmlns:p14="http://schemas.microsoft.com/office/powerpoint/2010/main" id="1" dur="indefinite" restart="never" nodeType="tmRoot"/>
+        <p:cTn id="1" dur="indefinite" restart="never" nodeType="tmRoot"/>
+      </p:par>
+    </p:tnLst>
+  </p:timing>
+</p:sld>
+</file>
+
+<file path=ppt/slides/slide10.xml><?xml version="1.0" encoding="utf-8"?>
+<p:sld xmlns:a="http://schemas.openxmlformats.org/drawingml/2006/main" xmlns:r="http://schemas.openxmlformats.org/officeDocument/2006/relationships" xmlns:p="http://schemas.openxmlformats.org/presentationml/2006/main">
+  <p:cSld>
+    <p:bg>
+      <p:bgPr>
+        <a:blipFill dpi="0" rotWithShape="1">
+          <a:blip r:embed="rId2">
+            <a:lum/>
+          </a:blip>
+          <a:srcRect/>
+          <a:stretch>
+            <a:fillRect/>
+          </a:stretch>
+        </a:blipFill>
+        <a:effectLst/>
+      </p:bgPr>
+    </p:bg>
+    <p:spTree>
+      <p:nvGrpSpPr>
+        <p:cNvPr id="1" name=""/>
+        <p:cNvGrpSpPr/>
+        <p:nvPr/>
+      </p:nvGrpSpPr>
+      <p:grpSpPr>
+        <a:xfrm>
+          <a:off x="0" y="0"/>
+          <a:ext cx="0" cy="0"/>
+          <a:chOff x="0" y="0"/>
+          <a:chExt cx="0" cy="0"/>
+        </a:xfrm>
+      </p:grpSpPr>
+      <p:sp>
+        <p:nvSpPr>
+          <p:cNvPr id="5" name="Titel 1"/>
+          <p:cNvSpPr txBox="1">
+            <a:spLocks/>
+          </p:cNvSpPr>
+          <p:nvPr/>
+        </p:nvSpPr>
+        <p:spPr>
+          <a:xfrm>
+            <a:off x="539552" y="260648"/>
+            <a:ext cx="6172200" cy="1008112"/>
+          </a:xfrm>
+          <a:prstGeom prst="rect">
+            <a:avLst/>
+          </a:prstGeom>
+        </p:spPr>
+        <p:txBody>
+          <a:bodyPr vert="horz" lIns="91440" tIns="45720" rIns="91440" bIns="45720" rtlCol="0" anchor="t">
+            <a:noAutofit/>
+          </a:bodyPr>
+          <a:lstStyle>
+            <a:lvl1pPr algn="l" defTabSz="914400" rtl="0" eaLnBrk="1" latinLnBrk="0" hangingPunct="1">
+              <a:spcBef>
+                <a:spcPct val="0"/>
+              </a:spcBef>
+              <a:buNone/>
+              <a:defRPr sz="4800" b="1" kern="1200" cap="all" baseline="0">
+                <a:solidFill>
+                  <a:schemeClr val="tx1"/>
+                </a:solidFill>
+                <a:latin typeface="+mj-lt"/>
+                <a:ea typeface="+mj-ea"/>
+                <a:cs typeface="+mj-cs"/>
+              </a:defRPr>
+            </a:lvl1pPr>
+            <a:lvl2pPr eaLnBrk="1" hangingPunct="1">
+              <a:defRPr>
+                <a:solidFill>
+                  <a:schemeClr val="tx2"/>
+                </a:solidFill>
+              </a:defRPr>
+            </a:lvl2pPr>
+            <a:lvl3pPr eaLnBrk="1" hangingPunct="1">
+              <a:defRPr>
+                <a:solidFill>
+                  <a:schemeClr val="tx2"/>
+                </a:solidFill>
+              </a:defRPr>
+            </a:lvl3pPr>
+            <a:lvl4pPr eaLnBrk="1" hangingPunct="1">
+              <a:defRPr>
+                <a:solidFill>
+                  <a:schemeClr val="tx2"/>
+                </a:solidFill>
+              </a:defRPr>
+            </a:lvl4pPr>
+            <a:lvl5pPr eaLnBrk="1" hangingPunct="1">
+              <a:defRPr>
+                <a:solidFill>
+                  <a:schemeClr val="tx2"/>
+                </a:solidFill>
+              </a:defRPr>
+            </a:lvl5pPr>
+            <a:lvl6pPr eaLnBrk="1" hangingPunct="1">
+              <a:defRPr>
+                <a:solidFill>
+                  <a:schemeClr val="tx2"/>
+                </a:solidFill>
+              </a:defRPr>
+            </a:lvl6pPr>
+            <a:lvl7pPr eaLnBrk="1" hangingPunct="1">
+              <a:defRPr>
+                <a:solidFill>
+                  <a:schemeClr val="tx2"/>
+                </a:solidFill>
+              </a:defRPr>
+            </a:lvl7pPr>
+            <a:lvl8pPr eaLnBrk="1" hangingPunct="1">
+              <a:defRPr>
+                <a:solidFill>
+                  <a:schemeClr val="tx2"/>
+                </a:solidFill>
+              </a:defRPr>
+            </a:lvl8pPr>
+            <a:lvl9pPr eaLnBrk="1" hangingPunct="1">
+              <a:defRPr>
+                <a:solidFill>
+                  <a:schemeClr val="tx2"/>
+                </a:solidFill>
+              </a:defRPr>
+            </a:lvl9pPr>
+          </a:lstStyle>
+          <a:p>
+            <a:r>
+              <a:rPr lang="de-DE" dirty="0" smtClean="0">
+                <a:latin typeface="Calibri" pitchFamily="34" charset="0"/>
+              </a:rPr>
+              <a:t>Risikoplan</a:t>
+            </a:r>
+            <a:endParaRPr lang="de-DE" dirty="0">
+              <a:latin typeface="Calibri" pitchFamily="34" charset="0"/>
+            </a:endParaRPr>
+          </a:p>
+        </p:txBody>
+      </p:sp>
+      <p:pic>
+        <p:nvPicPr>
+          <p:cNvPr id="6" name="Grafik 5"/>
+          <p:cNvPicPr>
+            <a:picLocks noChangeAspect="1"/>
+          </p:cNvPicPr>
+          <p:nvPr/>
+        </p:nvPicPr>
+        <p:blipFill>
+          <a:blip r:embed="rId3">
+            <a:extLst>
+              <a:ext uri="{28A0092B-C50C-407E-A947-70E740481C1C}">
+                <a14:useLocalDpi xmlns:a14="http://schemas.microsoft.com/office/drawing/2010/main" val="0"/>
+              </a:ext>
+            </a:extLst>
+          </a:blip>
+          <a:stretch>
+            <a:fillRect/>
+          </a:stretch>
+        </p:blipFill>
+        <p:spPr>
+          <a:xfrm>
+            <a:off x="827584" y="1628801"/>
+            <a:ext cx="7920880" cy="4888410"/>
+          </a:xfrm>
+          <a:prstGeom prst="rect">
+            <a:avLst/>
+          </a:prstGeom>
+        </p:spPr>
+      </p:pic>
+    </p:spTree>
+    <p:extLst>
+      <p:ext uri="{BB962C8B-B14F-4D97-AF65-F5344CB8AC3E}">
+        <p14:creationId xmlns:p14="http://schemas.microsoft.com/office/powerpoint/2010/main" val="2859122505"/>
+      </p:ext>
+    </p:extLst>
+  </p:cSld>
+  <p:clrMapOvr>
+    <a:masterClrMapping/>
+  </p:clrMapOvr>
+  <p:timing>
+    <p:tnLst>
+      <p:par>
+        <p:cTn id="1" dur="indefinite" restart="never" nodeType="tmRoot"/>
+      </p:par>
+    </p:tnLst>
+  </p:timing>
+</p:sld>
+</file>
+
+<file path=ppt/slides/slide11.xml><?xml version="1.0" encoding="utf-8"?>
+<p:sld xmlns:a="http://schemas.openxmlformats.org/drawingml/2006/main" xmlns:r="http://schemas.openxmlformats.org/officeDocument/2006/relationships" xmlns:p="http://schemas.openxmlformats.org/presentationml/2006/main">
+  <p:cSld>
+    <p:bg>
+      <p:bgPr>
+        <a:blipFill dpi="0" rotWithShape="1">
+          <a:blip r:embed="rId2">
+            <a:lum/>
+          </a:blip>
+          <a:srcRect/>
+          <a:stretch>
+            <a:fillRect/>
+          </a:stretch>
+        </a:blipFill>
+        <a:effectLst/>
+      </p:bgPr>
+    </p:bg>
+    <p:spTree>
+      <p:nvGrpSpPr>
+        <p:cNvPr id="1" name=""/>
+        <p:cNvGrpSpPr/>
+        <p:nvPr/>
+      </p:nvGrpSpPr>
+      <p:grpSpPr>
+        <a:xfrm>
+          <a:off x="0" y="0"/>
+          <a:ext cx="0" cy="0"/>
+          <a:chOff x="0" y="0"/>
+          <a:chExt cx="0" cy="0"/>
+        </a:xfrm>
+      </p:grpSpPr>
+      <p:sp>
+        <p:nvSpPr>
+          <p:cNvPr id="5" name="Titel 1"/>
+          <p:cNvSpPr txBox="1">
+            <a:spLocks/>
+          </p:cNvSpPr>
+          <p:nvPr/>
+        </p:nvSpPr>
+        <p:spPr>
+          <a:xfrm>
+            <a:off x="539552" y="260648"/>
+            <a:ext cx="6172200" cy="1008112"/>
+          </a:xfrm>
+          <a:prstGeom prst="rect">
+            <a:avLst/>
+          </a:prstGeom>
+        </p:spPr>
+        <p:txBody>
+          <a:bodyPr vert="horz" lIns="91440" tIns="45720" rIns="91440" bIns="45720" rtlCol="0" anchor="t">
+            <a:noAutofit/>
+          </a:bodyPr>
+          <a:lstStyle>
+            <a:lvl1pPr algn="l" defTabSz="914400" rtl="0" eaLnBrk="1" latinLnBrk="0" hangingPunct="1">
+              <a:spcBef>
+                <a:spcPct val="0"/>
+              </a:spcBef>
+              <a:buNone/>
+              <a:defRPr sz="4800" b="1" kern="1200" cap="all" baseline="0">
+                <a:solidFill>
+                  <a:schemeClr val="tx1"/>
+                </a:solidFill>
+                <a:latin typeface="+mj-lt"/>
+                <a:ea typeface="+mj-ea"/>
+                <a:cs typeface="+mj-cs"/>
+              </a:defRPr>
+            </a:lvl1pPr>
+            <a:lvl2pPr eaLnBrk="1" hangingPunct="1">
+              <a:defRPr>
+                <a:solidFill>
+                  <a:schemeClr val="tx2"/>
+                </a:solidFill>
+              </a:defRPr>
+            </a:lvl2pPr>
+            <a:lvl3pPr eaLnBrk="1" hangingPunct="1">
+              <a:defRPr>
+                <a:solidFill>
+                  <a:schemeClr val="tx2"/>
+                </a:solidFill>
+              </a:defRPr>
+            </a:lvl3pPr>
+            <a:lvl4pPr eaLnBrk="1" hangingPunct="1">
+              <a:defRPr>
+                <a:solidFill>
+                  <a:schemeClr val="tx2"/>
+                </a:solidFill>
+              </a:defRPr>
+            </a:lvl4pPr>
+            <a:lvl5pPr eaLnBrk="1" hangingPunct="1">
+              <a:defRPr>
+                <a:solidFill>
+                  <a:schemeClr val="tx2"/>
+                </a:solidFill>
+              </a:defRPr>
+            </a:lvl5pPr>
+            <a:lvl6pPr eaLnBrk="1" hangingPunct="1">
+              <a:defRPr>
+                <a:solidFill>
+                  <a:schemeClr val="tx2"/>
+                </a:solidFill>
+              </a:defRPr>
+            </a:lvl6pPr>
+            <a:lvl7pPr eaLnBrk="1" hangingPunct="1">
+              <a:defRPr>
+                <a:solidFill>
+                  <a:schemeClr val="tx2"/>
+                </a:solidFill>
+              </a:defRPr>
+            </a:lvl7pPr>
+            <a:lvl8pPr eaLnBrk="1" hangingPunct="1">
+              <a:defRPr>
+                <a:solidFill>
+                  <a:schemeClr val="tx2"/>
+                </a:solidFill>
+              </a:defRPr>
+            </a:lvl8pPr>
+            <a:lvl9pPr eaLnBrk="1" hangingPunct="1">
+              <a:defRPr>
+                <a:solidFill>
+                  <a:schemeClr val="tx2"/>
+                </a:solidFill>
+              </a:defRPr>
+            </a:lvl9pPr>
+          </a:lstStyle>
+          <a:p>
+            <a:r>
+              <a:rPr lang="de-DE" dirty="0" smtClean="0">
+                <a:latin typeface="Calibri" pitchFamily="34" charset="0"/>
+              </a:rPr>
+              <a:t>Projektplan</a:t>
+            </a:r>
+            <a:endParaRPr lang="de-DE" dirty="0">
+              <a:latin typeface="Calibri" pitchFamily="34" charset="0"/>
+            </a:endParaRPr>
+          </a:p>
+        </p:txBody>
+      </p:sp>
+      <p:pic>
+        <p:nvPicPr>
+          <p:cNvPr id="6" name="Grafik 5"/>
+          <p:cNvPicPr>
+            <a:picLocks noChangeAspect="1"/>
+          </p:cNvPicPr>
+          <p:nvPr/>
+        </p:nvPicPr>
+        <p:blipFill>
+          <a:blip r:embed="rId3">
+            <a:extLst>
+              <a:ext uri="{28A0092B-C50C-407E-A947-70E740481C1C}">
+                <a14:useLocalDpi xmlns:a14="http://schemas.microsoft.com/office/drawing/2010/main" val="0"/>
+              </a:ext>
+            </a:extLst>
+          </a:blip>
+          <a:stretch>
+            <a:fillRect/>
+          </a:stretch>
+        </p:blipFill>
+        <p:spPr>
+          <a:xfrm>
+            <a:off x="1187625" y="1700808"/>
+            <a:ext cx="6197234" cy="4752528"/>
+          </a:xfrm>
+          <a:prstGeom prst="rect">
+            <a:avLst/>
+          </a:prstGeom>
+        </p:spPr>
+      </p:pic>
+    </p:spTree>
+    <p:extLst>
+      <p:ext uri="{BB962C8B-B14F-4D97-AF65-F5344CB8AC3E}">
+        <p14:creationId xmlns:p14="http://schemas.microsoft.com/office/powerpoint/2010/main" val="2459024765"/>
+      </p:ext>
+    </p:extLst>
+  </p:cSld>
+  <p:clrMapOvr>
+    <a:masterClrMapping/>
+  </p:clrMapOvr>
+  <p:timing>
+    <p:tnLst>
+      <p:par>
+        <p:cTn id="1" dur="indefinite" restart="never" nodeType="tmRoot"/>
+      </p:par>
+    </p:tnLst>
+  </p:timing>
+</p:sld>
+</file>
+
+<file path=ppt/slides/slide12.xml><?xml version="1.0" encoding="utf-8"?>
+<p:sld xmlns:a="http://schemas.openxmlformats.org/drawingml/2006/main" xmlns:r="http://schemas.openxmlformats.org/officeDocument/2006/relationships" xmlns:p="http://schemas.openxmlformats.org/presentationml/2006/main">
+  <p:cSld>
+    <p:bg>
+      <p:bgPr>
+        <a:blipFill dpi="0" rotWithShape="1">
+          <a:blip r:embed="rId2">
+            <a:lum/>
+          </a:blip>
+          <a:srcRect/>
+          <a:stretch>
+            <a:fillRect/>
+          </a:stretch>
+        </a:blipFill>
+        <a:effectLst/>
+      </p:bgPr>
+    </p:bg>
+    <p:spTree>
+      <p:nvGrpSpPr>
+        <p:cNvPr id="1" name=""/>
+        <p:cNvGrpSpPr/>
+        <p:nvPr/>
+      </p:nvGrpSpPr>
+      <p:grpSpPr>
+        <a:xfrm>
+          <a:off x="0" y="0"/>
+          <a:ext cx="0" cy="0"/>
+          <a:chOff x="0" y="0"/>
+          <a:chExt cx="0" cy="0"/>
+        </a:xfrm>
+      </p:grpSpPr>
+      <p:sp>
+        <p:nvSpPr>
+          <p:cNvPr id="5" name="Titel 1"/>
+          <p:cNvSpPr txBox="1">
+            <a:spLocks/>
+          </p:cNvSpPr>
+          <p:nvPr/>
+        </p:nvSpPr>
+        <p:spPr>
+          <a:xfrm>
+            <a:off x="539552" y="260648"/>
+            <a:ext cx="8064896" cy="1008112"/>
+          </a:xfrm>
+          <a:prstGeom prst="rect">
+            <a:avLst/>
+          </a:prstGeom>
+        </p:spPr>
+        <p:txBody>
+          <a:bodyPr vert="horz" lIns="91440" tIns="45720" rIns="91440" bIns="45720" rtlCol="0" anchor="t">
+            <a:noAutofit/>
+          </a:bodyPr>
+          <a:lstStyle>
+            <a:lvl1pPr algn="l" defTabSz="914400" rtl="0" eaLnBrk="1" latinLnBrk="0" hangingPunct="1">
+              <a:spcBef>
+                <a:spcPct val="0"/>
+              </a:spcBef>
+              <a:buNone/>
+              <a:defRPr sz="4800" b="1" kern="1200" cap="all" baseline="0">
+                <a:solidFill>
+                  <a:schemeClr val="tx1"/>
+                </a:solidFill>
+                <a:latin typeface="+mj-lt"/>
+                <a:ea typeface="+mj-ea"/>
+                <a:cs typeface="+mj-cs"/>
+              </a:defRPr>
+            </a:lvl1pPr>
+            <a:lvl2pPr eaLnBrk="1" hangingPunct="1">
+              <a:defRPr>
+                <a:solidFill>
+                  <a:schemeClr val="tx2"/>
+                </a:solidFill>
+              </a:defRPr>
+            </a:lvl2pPr>
+            <a:lvl3pPr eaLnBrk="1" hangingPunct="1">
+              <a:defRPr>
+                <a:solidFill>
+                  <a:schemeClr val="tx2"/>
+                </a:solidFill>
+              </a:defRPr>
+            </a:lvl3pPr>
+            <a:lvl4pPr eaLnBrk="1" hangingPunct="1">
+              <a:defRPr>
+                <a:solidFill>
+                  <a:schemeClr val="tx2"/>
+                </a:solidFill>
+              </a:defRPr>
+            </a:lvl4pPr>
+            <a:lvl5pPr eaLnBrk="1" hangingPunct="1">
+              <a:defRPr>
+                <a:solidFill>
+                  <a:schemeClr val="tx2"/>
+                </a:solidFill>
+              </a:defRPr>
+            </a:lvl5pPr>
+            <a:lvl6pPr eaLnBrk="1" hangingPunct="1">
+              <a:defRPr>
+                <a:solidFill>
+                  <a:schemeClr val="tx2"/>
+                </a:solidFill>
+              </a:defRPr>
+            </a:lvl6pPr>
+            <a:lvl7pPr eaLnBrk="1" hangingPunct="1">
+              <a:defRPr>
+                <a:solidFill>
+                  <a:schemeClr val="tx2"/>
+                </a:solidFill>
+              </a:defRPr>
+            </a:lvl7pPr>
+            <a:lvl8pPr eaLnBrk="1" hangingPunct="1">
+              <a:defRPr>
+                <a:solidFill>
+                  <a:schemeClr val="tx2"/>
+                </a:solidFill>
+              </a:defRPr>
+            </a:lvl8pPr>
+            <a:lvl9pPr eaLnBrk="1" hangingPunct="1">
+              <a:defRPr>
+                <a:solidFill>
+                  <a:schemeClr val="tx2"/>
+                </a:solidFill>
+              </a:defRPr>
+            </a:lvl9pPr>
+          </a:lstStyle>
+          <a:p>
+            <a:r>
+              <a:rPr lang="de-DE" dirty="0" smtClean="0">
+                <a:latin typeface="Calibri" pitchFamily="34" charset="0"/>
+              </a:rPr>
+              <a:t>Funktion Points </a:t>
+            </a:r>
+            <a:r>
+              <a:rPr lang="de-DE" dirty="0" err="1" smtClean="0">
+                <a:latin typeface="Calibri" pitchFamily="34" charset="0"/>
+              </a:rPr>
+              <a:t>vs</a:t>
+            </a:r>
+            <a:r>
+              <a:rPr lang="de-DE" dirty="0" smtClean="0">
+                <a:latin typeface="Calibri" pitchFamily="34" charset="0"/>
+              </a:rPr>
+              <a:t> </a:t>
+            </a:r>
+            <a:r>
+              <a:rPr lang="de-DE" dirty="0" err="1" smtClean="0">
+                <a:latin typeface="Calibri" pitchFamily="34" charset="0"/>
+              </a:rPr>
+              <a:t>Effort</a:t>
+            </a:r>
+            <a:endParaRPr lang="de-DE" dirty="0">
+              <a:latin typeface="Calibri" pitchFamily="34" charset="0"/>
+            </a:endParaRPr>
+          </a:p>
+        </p:txBody>
+      </p:sp>
+      <p:pic>
+        <p:nvPicPr>
+          <p:cNvPr id="6" name="Grafik 5"/>
+          <p:cNvPicPr>
+            <a:picLocks noChangeAspect="1"/>
+          </p:cNvPicPr>
+          <p:nvPr/>
+        </p:nvPicPr>
+        <p:blipFill>
+          <a:blip r:embed="rId3">
+            <a:extLst>
+              <a:ext uri="{28A0092B-C50C-407E-A947-70E740481C1C}">
+                <a14:useLocalDpi xmlns:a14="http://schemas.microsoft.com/office/drawing/2010/main" val="0"/>
+              </a:ext>
+            </a:extLst>
+          </a:blip>
+          <a:stretch>
+            <a:fillRect/>
+          </a:stretch>
+        </p:blipFill>
+        <p:spPr>
+          <a:xfrm>
+            <a:off x="674044" y="1765713"/>
+            <a:ext cx="7956376" cy="4485024"/>
+          </a:xfrm>
+          <a:prstGeom prst="rect">
+            <a:avLst/>
+          </a:prstGeom>
+        </p:spPr>
+      </p:pic>
+    </p:spTree>
+    <p:extLst>
+      <p:ext uri="{BB962C8B-B14F-4D97-AF65-F5344CB8AC3E}">
+        <p14:creationId xmlns:p14="http://schemas.microsoft.com/office/powerpoint/2010/main" val="3351663620"/>
+      </p:ext>
+    </p:extLst>
+  </p:cSld>
+  <p:clrMapOvr>
+    <a:masterClrMapping/>
+  </p:clrMapOvr>
+  <p:timing>
+    <p:tnLst>
+      <p:par>
+        <p:cTn id="1" dur="indefinite" restart="never" nodeType="tmRoot"/>
+      </p:par>
+    </p:tnLst>
+  </p:timing>
+</p:sld>
+</file>
+
+<file path=ppt/slides/slide13.xml><?xml version="1.0" encoding="utf-8"?>
+<p:sld xmlns:a="http://schemas.openxmlformats.org/drawingml/2006/main" xmlns:r="http://schemas.openxmlformats.org/officeDocument/2006/relationships" xmlns:p="http://schemas.openxmlformats.org/presentationml/2006/main">
+  <p:cSld>
+    <p:bg>
+      <p:bgPr>
+        <a:blipFill dpi="0" rotWithShape="1">
+          <a:blip r:embed="rId2">
+            <a:lum/>
+          </a:blip>
+          <a:srcRect/>
+          <a:stretch>
+            <a:fillRect/>
+          </a:stretch>
+        </a:blipFill>
+        <a:effectLst/>
+      </p:bgPr>
+    </p:bg>
+    <p:spTree>
+      <p:nvGrpSpPr>
+        <p:cNvPr id="1" name=""/>
+        <p:cNvGrpSpPr/>
+        <p:nvPr/>
+      </p:nvGrpSpPr>
+      <p:grpSpPr>
+        <a:xfrm>
+          <a:off x="0" y="0"/>
+          <a:ext cx="0" cy="0"/>
+          <a:chOff x="0" y="0"/>
+          <a:chExt cx="0" cy="0"/>
+        </a:xfrm>
+      </p:grpSpPr>
+      <p:sp>
+        <p:nvSpPr>
+          <p:cNvPr id="4" name="Textplatzhalter 2"/>
+          <p:cNvSpPr>
+            <a:spLocks noGrp="1"/>
+          </p:cNvSpPr>
+          <p:nvPr>
+            <p:ph type="body" idx="1"/>
+          </p:nvPr>
+        </p:nvSpPr>
+        <p:spPr>
+          <a:xfrm>
+            <a:off x="539552" y="1700808"/>
+            <a:ext cx="7848872" cy="4464496"/>
+          </a:xfrm>
+        </p:spPr>
+        <p:txBody>
+          <a:bodyPr/>
+          <a:lstStyle/>
+          <a:p>
+            <a:endParaRPr lang="de-DE" dirty="0"/>
+          </a:p>
+        </p:txBody>
+      </p:sp>
+      <p:sp>
+        <p:nvSpPr>
+          <p:cNvPr id="5" name="Titel 1"/>
+          <p:cNvSpPr txBox="1">
+            <a:spLocks/>
+          </p:cNvSpPr>
+          <p:nvPr/>
+        </p:nvSpPr>
+        <p:spPr>
+          <a:xfrm>
+            <a:off x="539552" y="260648"/>
+            <a:ext cx="6172200" cy="1008112"/>
+          </a:xfrm>
+          <a:prstGeom prst="rect">
+            <a:avLst/>
+          </a:prstGeom>
+        </p:spPr>
+        <p:txBody>
+          <a:bodyPr vert="horz" lIns="91440" tIns="45720" rIns="91440" bIns="45720" rtlCol="0" anchor="t">
+            <a:noAutofit/>
+          </a:bodyPr>
+          <a:lstStyle>
+            <a:lvl1pPr algn="l" defTabSz="914400" rtl="0" eaLnBrk="1" latinLnBrk="0" hangingPunct="1">
+              <a:spcBef>
+                <a:spcPct val="0"/>
+              </a:spcBef>
+              <a:buNone/>
+              <a:defRPr sz="4800" b="1" kern="1200" cap="all" baseline="0">
+                <a:solidFill>
+                  <a:schemeClr val="tx1"/>
+                </a:solidFill>
+                <a:latin typeface="+mj-lt"/>
+                <a:ea typeface="+mj-ea"/>
+                <a:cs typeface="+mj-cs"/>
+              </a:defRPr>
+            </a:lvl1pPr>
+            <a:lvl2pPr eaLnBrk="1" hangingPunct="1">
+              <a:defRPr>
+                <a:solidFill>
+                  <a:schemeClr val="tx2"/>
+                </a:solidFill>
+              </a:defRPr>
+            </a:lvl2pPr>
+            <a:lvl3pPr eaLnBrk="1" hangingPunct="1">
+              <a:defRPr>
+                <a:solidFill>
+                  <a:schemeClr val="tx2"/>
+                </a:solidFill>
+              </a:defRPr>
+            </a:lvl3pPr>
+            <a:lvl4pPr eaLnBrk="1" hangingPunct="1">
+              <a:defRPr>
+                <a:solidFill>
+                  <a:schemeClr val="tx2"/>
+                </a:solidFill>
+              </a:defRPr>
+            </a:lvl4pPr>
+            <a:lvl5pPr eaLnBrk="1" hangingPunct="1">
+              <a:defRPr>
+                <a:solidFill>
+                  <a:schemeClr val="tx2"/>
+                </a:solidFill>
+              </a:defRPr>
+            </a:lvl5pPr>
+            <a:lvl6pPr eaLnBrk="1" hangingPunct="1">
+              <a:defRPr>
+                <a:solidFill>
+                  <a:schemeClr val="tx2"/>
+                </a:solidFill>
+              </a:defRPr>
+            </a:lvl6pPr>
+            <a:lvl7pPr eaLnBrk="1" hangingPunct="1">
+              <a:defRPr>
+                <a:solidFill>
+                  <a:schemeClr val="tx2"/>
+                </a:solidFill>
+              </a:defRPr>
+            </a:lvl7pPr>
+            <a:lvl8pPr eaLnBrk="1" hangingPunct="1">
+              <a:defRPr>
+                <a:solidFill>
+                  <a:schemeClr val="tx2"/>
+                </a:solidFill>
+              </a:defRPr>
+            </a:lvl8pPr>
+            <a:lvl9pPr eaLnBrk="1" hangingPunct="1">
+              <a:defRPr>
+                <a:solidFill>
+                  <a:schemeClr val="tx2"/>
+                </a:solidFill>
+              </a:defRPr>
+            </a:lvl9pPr>
+          </a:lstStyle>
+          <a:p>
+            <a:r>
+              <a:rPr lang="de-DE" dirty="0" smtClean="0">
+                <a:latin typeface="Calibri" pitchFamily="34" charset="0"/>
+              </a:rPr>
+              <a:t>Muster</a:t>
+            </a:r>
+            <a:endParaRPr lang="de-DE" dirty="0">
+              <a:latin typeface="Calibri" pitchFamily="34" charset="0"/>
+            </a:endParaRPr>
+          </a:p>
+        </p:txBody>
+      </p:sp>
+    </p:spTree>
+    <p:extLst>
+      <p:ext uri="{BB962C8B-B14F-4D97-AF65-F5344CB8AC3E}">
+        <p14:creationId xmlns:p14="http://schemas.microsoft.com/office/powerpoint/2010/main" val="1448771075"/>
+      </p:ext>
+    </p:extLst>
+  </p:cSld>
+  <p:clrMapOvr>
+    <a:masterClrMapping/>
+  </p:clrMapOvr>
+  <p:timing>
+    <p:tnLst>
+      <p:par>
+        <p:cTn id="1" dur="indefinite" restart="never" nodeType="tmRoot"/>
+      </p:par>
+    </p:tnLst>
+  </p:timing>
+</p:sld>
+</file>
+
+<file path=ppt/slides/slide14.xml><?xml version="1.0" encoding="utf-8"?>
+<p:sld xmlns:a="http://schemas.openxmlformats.org/drawingml/2006/main" xmlns:r="http://schemas.openxmlformats.org/officeDocument/2006/relationships" xmlns:p="http://schemas.openxmlformats.org/presentationml/2006/main">
+  <p:cSld>
+    <p:bg>
+      <p:bgPr>
+        <a:blipFill dpi="0" rotWithShape="1">
+          <a:blip r:embed="rId2">
+            <a:lum/>
+          </a:blip>
+          <a:srcRect/>
+          <a:stretch>
+            <a:fillRect/>
+          </a:stretch>
+        </a:blipFill>
+        <a:effectLst/>
+      </p:bgPr>
+    </p:bg>
+    <p:spTree>
+      <p:nvGrpSpPr>
+        <p:cNvPr id="1" name=""/>
+        <p:cNvGrpSpPr/>
+        <p:nvPr/>
+      </p:nvGrpSpPr>
+      <p:grpSpPr>
+        <a:xfrm>
+          <a:off x="0" y="0"/>
+          <a:ext cx="0" cy="0"/>
+          <a:chOff x="0" y="0"/>
+          <a:chExt cx="0" cy="0"/>
+        </a:xfrm>
+      </p:grpSpPr>
+      <p:sp>
+        <p:nvSpPr>
+          <p:cNvPr id="4" name="Textplatzhalter 2"/>
+          <p:cNvSpPr>
+            <a:spLocks noGrp="1"/>
+          </p:cNvSpPr>
+          <p:nvPr>
+            <p:ph type="body" idx="1"/>
+          </p:nvPr>
+        </p:nvSpPr>
+        <p:spPr>
+          <a:xfrm>
+            <a:off x="539552" y="1700808"/>
+            <a:ext cx="7848872" cy="4464496"/>
+          </a:xfrm>
+        </p:spPr>
+        <p:txBody>
+          <a:bodyPr/>
+          <a:lstStyle/>
+          <a:p>
+            <a:endParaRPr lang="de-DE" dirty="0"/>
+          </a:p>
+        </p:txBody>
+      </p:sp>
+      <p:sp>
+        <p:nvSpPr>
+          <p:cNvPr id="5" name="Titel 1"/>
+          <p:cNvSpPr txBox="1">
+            <a:spLocks/>
+          </p:cNvSpPr>
+          <p:nvPr/>
+        </p:nvSpPr>
+        <p:spPr>
+          <a:xfrm>
+            <a:off x="539552" y="260648"/>
+            <a:ext cx="6172200" cy="1008112"/>
+          </a:xfrm>
+          <a:prstGeom prst="rect">
+            <a:avLst/>
+          </a:prstGeom>
+        </p:spPr>
+        <p:txBody>
+          <a:bodyPr vert="horz" lIns="91440" tIns="45720" rIns="91440" bIns="45720" rtlCol="0" anchor="t">
+            <a:noAutofit/>
+          </a:bodyPr>
+          <a:lstStyle>
+            <a:lvl1pPr algn="l" defTabSz="914400" rtl="0" eaLnBrk="1" latinLnBrk="0" hangingPunct="1">
+              <a:spcBef>
+                <a:spcPct val="0"/>
+              </a:spcBef>
+              <a:buNone/>
+              <a:defRPr sz="4800" b="1" kern="1200" cap="all" baseline="0">
+                <a:solidFill>
+                  <a:schemeClr val="tx1"/>
+                </a:solidFill>
+                <a:latin typeface="+mj-lt"/>
+                <a:ea typeface="+mj-ea"/>
+                <a:cs typeface="+mj-cs"/>
+              </a:defRPr>
+            </a:lvl1pPr>
+            <a:lvl2pPr eaLnBrk="1" hangingPunct="1">
+              <a:defRPr>
+                <a:solidFill>
+                  <a:schemeClr val="tx2"/>
+                </a:solidFill>
+              </a:defRPr>
+            </a:lvl2pPr>
+            <a:lvl3pPr eaLnBrk="1" hangingPunct="1">
+              <a:defRPr>
+                <a:solidFill>
+                  <a:schemeClr val="tx2"/>
+                </a:solidFill>
+              </a:defRPr>
+            </a:lvl3pPr>
+            <a:lvl4pPr eaLnBrk="1" hangingPunct="1">
+              <a:defRPr>
+                <a:solidFill>
+                  <a:schemeClr val="tx2"/>
+                </a:solidFill>
+              </a:defRPr>
+            </a:lvl4pPr>
+            <a:lvl5pPr eaLnBrk="1" hangingPunct="1">
+              <a:defRPr>
+                <a:solidFill>
+                  <a:schemeClr val="tx2"/>
+                </a:solidFill>
+              </a:defRPr>
+            </a:lvl5pPr>
+            <a:lvl6pPr eaLnBrk="1" hangingPunct="1">
+              <a:defRPr>
+                <a:solidFill>
+                  <a:schemeClr val="tx2"/>
+                </a:solidFill>
+              </a:defRPr>
+            </a:lvl6pPr>
+            <a:lvl7pPr eaLnBrk="1" hangingPunct="1">
+              <a:defRPr>
+                <a:solidFill>
+                  <a:schemeClr val="tx2"/>
+                </a:solidFill>
+              </a:defRPr>
+            </a:lvl7pPr>
+            <a:lvl8pPr eaLnBrk="1" hangingPunct="1">
+              <a:defRPr>
+                <a:solidFill>
+                  <a:schemeClr val="tx2"/>
+                </a:solidFill>
+              </a:defRPr>
+            </a:lvl8pPr>
+            <a:lvl9pPr eaLnBrk="1" hangingPunct="1">
+              <a:defRPr>
+                <a:solidFill>
+                  <a:schemeClr val="tx2"/>
+                </a:solidFill>
+              </a:defRPr>
+            </a:lvl9pPr>
+          </a:lstStyle>
+          <a:p>
+            <a:r>
+              <a:rPr lang="de-DE" dirty="0" smtClean="0">
+                <a:latin typeface="Calibri" pitchFamily="34" charset="0"/>
+              </a:rPr>
+              <a:t>Muster</a:t>
+            </a:r>
+            <a:endParaRPr lang="de-DE" dirty="0">
+              <a:latin typeface="Calibri" pitchFamily="34" charset="0"/>
+            </a:endParaRPr>
+          </a:p>
+        </p:txBody>
+      </p:sp>
+    </p:spTree>
+    <p:extLst>
+      <p:ext uri="{BB962C8B-B14F-4D97-AF65-F5344CB8AC3E}">
+        <p14:creationId xmlns:p14="http://schemas.microsoft.com/office/powerpoint/2010/main" val="2146414034"/>
+      </p:ext>
+    </p:extLst>
+  </p:cSld>
+  <p:clrMapOvr>
+    <a:masterClrMapping/>
+  </p:clrMapOvr>
+  <p:timing>
+    <p:tnLst>
+      <p:par>
+        <p:cTn id="1" dur="indefinite" restart="never" nodeType="tmRoot"/>
+      </p:par>
+    </p:tnLst>
+  </p:timing>
+</p:sld>
+</file>
+
+<file path=ppt/slides/slide15.xml><?xml version="1.0" encoding="utf-8"?>
+<p:sld xmlns:a="http://schemas.openxmlformats.org/drawingml/2006/main" xmlns:r="http://schemas.openxmlformats.org/officeDocument/2006/relationships" xmlns:p="http://schemas.openxmlformats.org/presentationml/2006/main">
+  <p:cSld>
+    <p:bg>
+      <p:bgPr>
+        <a:blipFill dpi="0" rotWithShape="1">
+          <a:blip r:embed="rId2">
+            <a:lum/>
+          </a:blip>
+          <a:srcRect/>
+          <a:stretch>
+            <a:fillRect/>
+          </a:stretch>
+        </a:blipFill>
+        <a:effectLst/>
+      </p:bgPr>
+    </p:bg>
+    <p:spTree>
+      <p:nvGrpSpPr>
+        <p:cNvPr id="1" name=""/>
+        <p:cNvGrpSpPr/>
+        <p:nvPr/>
+      </p:nvGrpSpPr>
+      <p:grpSpPr>
+        <a:xfrm>
+          <a:off x="0" y="0"/>
+          <a:ext cx="0" cy="0"/>
+          <a:chOff x="0" y="0"/>
+          <a:chExt cx="0" cy="0"/>
+        </a:xfrm>
+      </p:grpSpPr>
+      <p:sp>
+        <p:nvSpPr>
+          <p:cNvPr id="4" name="Textplatzhalter 2"/>
+          <p:cNvSpPr>
+            <a:spLocks noGrp="1"/>
+          </p:cNvSpPr>
+          <p:nvPr>
+            <p:ph type="body" idx="1"/>
+          </p:nvPr>
+        </p:nvSpPr>
+        <p:spPr>
+          <a:xfrm>
+            <a:off x="539552" y="1700808"/>
+            <a:ext cx="7848872" cy="4464496"/>
+          </a:xfrm>
+        </p:spPr>
+        <p:txBody>
+          <a:bodyPr/>
+          <a:lstStyle/>
+          <a:p>
+            <a:endParaRPr lang="de-DE" dirty="0"/>
+          </a:p>
+        </p:txBody>
+      </p:sp>
+      <p:sp>
+        <p:nvSpPr>
+          <p:cNvPr id="5" name="Titel 1"/>
+          <p:cNvSpPr txBox="1">
+            <a:spLocks/>
+          </p:cNvSpPr>
+          <p:nvPr/>
+        </p:nvSpPr>
+        <p:spPr>
+          <a:xfrm>
+            <a:off x="539552" y="260648"/>
+            <a:ext cx="6172200" cy="1008112"/>
+          </a:xfrm>
+          <a:prstGeom prst="rect">
+            <a:avLst/>
+          </a:prstGeom>
+        </p:spPr>
+        <p:txBody>
+          <a:bodyPr vert="horz" lIns="91440" tIns="45720" rIns="91440" bIns="45720" rtlCol="0" anchor="t">
+            <a:noAutofit/>
+          </a:bodyPr>
+          <a:lstStyle>
+            <a:lvl1pPr algn="l" defTabSz="914400" rtl="0" eaLnBrk="1" latinLnBrk="0" hangingPunct="1">
+              <a:spcBef>
+                <a:spcPct val="0"/>
+              </a:spcBef>
+              <a:buNone/>
+              <a:defRPr sz="4800" b="1" kern="1200" cap="all" baseline="0">
+                <a:solidFill>
+                  <a:schemeClr val="tx1"/>
+                </a:solidFill>
+                <a:latin typeface="+mj-lt"/>
+                <a:ea typeface="+mj-ea"/>
+                <a:cs typeface="+mj-cs"/>
+              </a:defRPr>
+            </a:lvl1pPr>
+            <a:lvl2pPr eaLnBrk="1" hangingPunct="1">
+              <a:defRPr>
+                <a:solidFill>
+                  <a:schemeClr val="tx2"/>
+                </a:solidFill>
+              </a:defRPr>
+            </a:lvl2pPr>
+            <a:lvl3pPr eaLnBrk="1" hangingPunct="1">
+              <a:defRPr>
+                <a:solidFill>
+                  <a:schemeClr val="tx2"/>
+                </a:solidFill>
+              </a:defRPr>
+            </a:lvl3pPr>
+            <a:lvl4pPr eaLnBrk="1" hangingPunct="1">
+              <a:defRPr>
+                <a:solidFill>
+                  <a:schemeClr val="tx2"/>
+                </a:solidFill>
+              </a:defRPr>
+            </a:lvl4pPr>
+            <a:lvl5pPr eaLnBrk="1" hangingPunct="1">
+              <a:defRPr>
+                <a:solidFill>
+                  <a:schemeClr val="tx2"/>
+                </a:solidFill>
+              </a:defRPr>
+            </a:lvl5pPr>
+            <a:lvl6pPr eaLnBrk="1" hangingPunct="1">
+              <a:defRPr>
+                <a:solidFill>
+                  <a:schemeClr val="tx2"/>
+                </a:solidFill>
+              </a:defRPr>
+            </a:lvl6pPr>
+            <a:lvl7pPr eaLnBrk="1" hangingPunct="1">
+              <a:defRPr>
+                <a:solidFill>
+                  <a:schemeClr val="tx2"/>
+                </a:solidFill>
+              </a:defRPr>
+            </a:lvl7pPr>
+            <a:lvl8pPr eaLnBrk="1" hangingPunct="1">
+              <a:defRPr>
+                <a:solidFill>
+                  <a:schemeClr val="tx2"/>
+                </a:solidFill>
+              </a:defRPr>
+            </a:lvl8pPr>
+            <a:lvl9pPr eaLnBrk="1" hangingPunct="1">
+              <a:defRPr>
+                <a:solidFill>
+                  <a:schemeClr val="tx2"/>
+                </a:solidFill>
+              </a:defRPr>
+            </a:lvl9pPr>
+          </a:lstStyle>
+          <a:p>
+            <a:r>
+              <a:rPr lang="de-DE" dirty="0" smtClean="0">
+                <a:latin typeface="Calibri" pitchFamily="34" charset="0"/>
+              </a:rPr>
+              <a:t>Muster</a:t>
+            </a:r>
+            <a:endParaRPr lang="de-DE" dirty="0">
+              <a:latin typeface="Calibri" pitchFamily="34" charset="0"/>
+            </a:endParaRPr>
+          </a:p>
+        </p:txBody>
+      </p:sp>
+    </p:spTree>
+    <p:extLst>
+      <p:ext uri="{BB962C8B-B14F-4D97-AF65-F5344CB8AC3E}">
+        <p14:creationId xmlns:p14="http://schemas.microsoft.com/office/powerpoint/2010/main" val="1029869636"/>
+      </p:ext>
+    </p:extLst>
+  </p:cSld>
+  <p:clrMapOvr>
+    <a:masterClrMapping/>
+  </p:clrMapOvr>
+  <p:timing>
+    <p:tnLst>
+      <p:par>
+        <p:cTn id="1" dur="indefinite" restart="never" nodeType="tmRoot"/>
       </p:par>
     </p:tnLst>
   </p:timing>
@@ -3462,44 +4593,326 @@
           </a:xfrm>
         </p:spPr>
         <p:txBody>
-          <a:bodyPr/>
+          <a:bodyPr>
+            <a:noAutofit/>
+          </a:bodyPr>
           <a:lstStyle/>
           <a:p>
-            <a:r>
-              <a:rPr lang="de-DE" dirty="0">
+            <a:pPr marL="285750" indent="-285750">
+              <a:buFont typeface="Arial" pitchFamily="34" charset="0"/>
+              <a:buChar char="•"/>
+            </a:pPr>
+            <a:r>
+              <a:rPr lang="de-DE" sz="2400" b="1" dirty="0">
+                <a:solidFill>
+                  <a:srgbClr val="6ECDD2"/>
+                </a:solidFill>
+              </a:rPr>
+              <a:t>Ziel</a:t>
+            </a:r>
+          </a:p>
+          <a:p>
+            <a:pPr lvl="1"/>
+            <a:r>
+              <a:rPr lang="de-DE" sz="2400" dirty="0">
                 <a:solidFill>
                   <a:schemeClr val="bg1"/>
                 </a:solidFill>
               </a:rPr>
-              <a:t>Ich bin ein Beispieltext mit einem Beispielbild</a:t>
-            </a:r>
-          </a:p>
-        </p:txBody>
-      </p:sp>
-      <p:sp>
-        <p:nvSpPr>
-          <p:cNvPr id="5" name="Titel 1"/>
-          <p:cNvSpPr>
-            <a:spLocks noGrp="1"/>
-          </p:cNvSpPr>
-          <p:nvPr>
-            <p:ph type="title"/>
-          </p:nvPr>
+              <a:t>Ein amüsantes Spiel  für Groß und Klein zur Förderung von Logik, räumlichem Vorstellungsvermögen und zur Vermittlung von kulturellen Informationen</a:t>
+            </a:r>
+            <a:r>
+              <a:rPr lang="de-DE" sz="2400" dirty="0" smtClean="0">
+                <a:solidFill>
+                  <a:schemeClr val="bg1"/>
+                </a:solidFill>
+              </a:rPr>
+              <a:t>.</a:t>
+            </a:r>
+          </a:p>
+          <a:p>
+            <a:pPr lvl="1"/>
+            <a:endParaRPr lang="de-DE" sz="2400" dirty="0">
+              <a:solidFill>
+                <a:schemeClr val="bg1"/>
+              </a:solidFill>
+            </a:endParaRPr>
+          </a:p>
+          <a:p>
+            <a:pPr marL="742950" lvl="1" indent="-285750">
+              <a:buFont typeface="Arial" pitchFamily="34" charset="0"/>
+              <a:buChar char="•"/>
+            </a:pPr>
+            <a:r>
+              <a:rPr lang="de-DE" sz="2400" dirty="0">
+                <a:solidFill>
+                  <a:schemeClr val="bg1"/>
+                </a:solidFill>
+              </a:rPr>
+              <a:t>Das </a:t>
+            </a:r>
+            <a:r>
+              <a:rPr lang="de-DE" sz="2400" dirty="0" smtClean="0">
+                <a:solidFill>
+                  <a:schemeClr val="bg1"/>
+                </a:solidFill>
+              </a:rPr>
+              <a:t>Brettspiel </a:t>
+            </a:r>
+            <a:r>
+              <a:rPr lang="de-DE" sz="2400" dirty="0">
+                <a:solidFill>
+                  <a:schemeClr val="bg1"/>
+                </a:solidFill>
+              </a:rPr>
+              <a:t>„Das verrückte Labyrinth“ </a:t>
+            </a:r>
+            <a:endParaRPr lang="de-DE" sz="2400" dirty="0" smtClean="0">
+              <a:solidFill>
+                <a:schemeClr val="bg1"/>
+              </a:solidFill>
+            </a:endParaRPr>
+          </a:p>
+          <a:p>
+            <a:pPr marL="742950" lvl="1" indent="-285750">
+              <a:buFont typeface="Arial" pitchFamily="34" charset="0"/>
+              <a:buChar char="•"/>
+            </a:pPr>
+            <a:r>
+              <a:rPr lang="de-DE" sz="2400" dirty="0" smtClean="0">
+                <a:solidFill>
+                  <a:schemeClr val="bg1"/>
+                </a:solidFill>
+              </a:rPr>
+              <a:t>abgewandelter </a:t>
+            </a:r>
+            <a:r>
+              <a:rPr lang="de-DE" sz="2400" dirty="0">
+                <a:solidFill>
+                  <a:schemeClr val="bg1"/>
+                </a:solidFill>
+              </a:rPr>
+              <a:t>Form als </a:t>
+            </a:r>
+            <a:r>
+              <a:rPr lang="de-DE" sz="2400" dirty="0" err="1">
+                <a:solidFill>
+                  <a:schemeClr val="bg1"/>
+                </a:solidFill>
+              </a:rPr>
+              <a:t>Android</a:t>
+            </a:r>
+            <a:r>
+              <a:rPr lang="de-DE" sz="2400" dirty="0">
+                <a:solidFill>
+                  <a:schemeClr val="bg1"/>
+                </a:solidFill>
+              </a:rPr>
+              <a:t>-App mit </a:t>
+            </a:r>
+            <a:r>
+              <a:rPr lang="de-DE" sz="2400" dirty="0" smtClean="0">
+                <a:solidFill>
+                  <a:schemeClr val="bg1"/>
+                </a:solidFill>
+              </a:rPr>
+              <a:t>Java </a:t>
+            </a:r>
+          </a:p>
+          <a:p>
+            <a:pPr marL="742950" lvl="1" indent="-285750">
+              <a:buFont typeface="Arial" pitchFamily="34" charset="0"/>
+              <a:buChar char="•"/>
+            </a:pPr>
+            <a:r>
+              <a:rPr lang="de-DE" sz="2400" dirty="0" smtClean="0">
+                <a:solidFill>
+                  <a:schemeClr val="bg1"/>
+                </a:solidFill>
+              </a:rPr>
+              <a:t>für </a:t>
+            </a:r>
+            <a:r>
+              <a:rPr lang="de-DE" sz="2400" dirty="0">
+                <a:solidFill>
+                  <a:schemeClr val="bg1"/>
+                </a:solidFill>
+              </a:rPr>
+              <a:t>1-6 Spieler </a:t>
+            </a:r>
+            <a:endParaRPr lang="de-DE" sz="2400" dirty="0" smtClean="0">
+              <a:solidFill>
+                <a:schemeClr val="bg1"/>
+              </a:solidFill>
+            </a:endParaRPr>
+          </a:p>
+          <a:p>
+            <a:pPr marL="742950" lvl="1" indent="-285750">
+              <a:buFont typeface="Arial" pitchFamily="34" charset="0"/>
+              <a:buChar char="•"/>
+            </a:pPr>
+            <a:r>
+              <a:rPr lang="de-DE" sz="2400" dirty="0" smtClean="0">
+                <a:solidFill>
+                  <a:schemeClr val="bg1"/>
+                </a:solidFill>
+              </a:rPr>
+              <a:t>ab </a:t>
+            </a:r>
+            <a:r>
+              <a:rPr lang="de-DE" sz="2400" dirty="0">
+                <a:solidFill>
+                  <a:schemeClr val="bg1"/>
+                </a:solidFill>
+              </a:rPr>
+              <a:t>7 Jahren </a:t>
+            </a:r>
+            <a:endParaRPr lang="de-DE" sz="2400" dirty="0" smtClean="0">
+              <a:solidFill>
+                <a:schemeClr val="bg1"/>
+              </a:solidFill>
+            </a:endParaRPr>
+          </a:p>
+          <a:p>
+            <a:pPr marL="742950" lvl="1" indent="-285750">
+              <a:buFont typeface="Arial" pitchFamily="34" charset="0"/>
+              <a:buChar char="•"/>
+            </a:pPr>
+            <a:r>
+              <a:rPr lang="de-DE" sz="2400" dirty="0" smtClean="0">
+                <a:solidFill>
+                  <a:schemeClr val="bg1"/>
+                </a:solidFill>
+              </a:rPr>
+              <a:t>an </a:t>
+            </a:r>
+            <a:r>
+              <a:rPr lang="de-DE" sz="2400" dirty="0">
+                <a:solidFill>
+                  <a:schemeClr val="bg1"/>
+                </a:solidFill>
+              </a:rPr>
+              <a:t>einem </a:t>
+            </a:r>
+            <a:r>
+              <a:rPr lang="de-DE" sz="2400" dirty="0" smtClean="0">
+                <a:solidFill>
+                  <a:schemeClr val="bg1"/>
+                </a:solidFill>
+              </a:rPr>
+              <a:t>Geräten spielbar</a:t>
+            </a:r>
+            <a:endParaRPr lang="de-DE" sz="2400" dirty="0">
+              <a:solidFill>
+                <a:schemeClr val="bg1"/>
+              </a:solidFill>
+            </a:endParaRPr>
+          </a:p>
+        </p:txBody>
+      </p:sp>
+      <p:sp>
+        <p:nvSpPr>
+          <p:cNvPr id="6" name="Titel 1"/>
+          <p:cNvSpPr txBox="1">
+            <a:spLocks/>
+          </p:cNvSpPr>
+          <p:nvPr/>
         </p:nvSpPr>
         <p:spPr>
           <a:xfrm>
             <a:off x="539552" y="260648"/>
             <a:ext cx="6172200" cy="1008112"/>
           </a:xfrm>
+          <a:prstGeom prst="rect">
+            <a:avLst/>
+          </a:prstGeom>
         </p:spPr>
         <p:txBody>
-          <a:bodyPr/>
-          <a:lstStyle/>
-          <a:p>
-            <a:r>
-              <a:rPr lang="de-DE" dirty="0"/>
-              <a:t>Muster</a:t>
-            </a:r>
+          <a:bodyPr vert="horz" lIns="91440" tIns="45720" rIns="91440" bIns="45720" rtlCol="0" anchor="t">
+            <a:noAutofit/>
+          </a:bodyPr>
+          <a:lstStyle>
+            <a:lvl1pPr algn="l" defTabSz="914400" rtl="0" eaLnBrk="1" latinLnBrk="0" hangingPunct="1">
+              <a:spcBef>
+                <a:spcPct val="0"/>
+              </a:spcBef>
+              <a:buNone/>
+              <a:defRPr sz="4800" b="1" kern="1200" cap="all" baseline="0">
+                <a:solidFill>
+                  <a:schemeClr val="tx1"/>
+                </a:solidFill>
+                <a:latin typeface="+mj-lt"/>
+                <a:ea typeface="+mj-ea"/>
+                <a:cs typeface="+mj-cs"/>
+              </a:defRPr>
+            </a:lvl1pPr>
+            <a:lvl2pPr eaLnBrk="1" hangingPunct="1">
+              <a:defRPr>
+                <a:solidFill>
+                  <a:schemeClr val="tx2"/>
+                </a:solidFill>
+              </a:defRPr>
+            </a:lvl2pPr>
+            <a:lvl3pPr eaLnBrk="1" hangingPunct="1">
+              <a:defRPr>
+                <a:solidFill>
+                  <a:schemeClr val="tx2"/>
+                </a:solidFill>
+              </a:defRPr>
+            </a:lvl3pPr>
+            <a:lvl4pPr eaLnBrk="1" hangingPunct="1">
+              <a:defRPr>
+                <a:solidFill>
+                  <a:schemeClr val="tx2"/>
+                </a:solidFill>
+              </a:defRPr>
+            </a:lvl4pPr>
+            <a:lvl5pPr eaLnBrk="1" hangingPunct="1">
+              <a:defRPr>
+                <a:solidFill>
+                  <a:schemeClr val="tx2"/>
+                </a:solidFill>
+              </a:defRPr>
+            </a:lvl5pPr>
+            <a:lvl6pPr eaLnBrk="1" hangingPunct="1">
+              <a:defRPr>
+                <a:solidFill>
+                  <a:schemeClr val="tx2"/>
+                </a:solidFill>
+              </a:defRPr>
+            </a:lvl6pPr>
+            <a:lvl7pPr eaLnBrk="1" hangingPunct="1">
+              <a:defRPr>
+                <a:solidFill>
+                  <a:schemeClr val="tx2"/>
+                </a:solidFill>
+              </a:defRPr>
+            </a:lvl7pPr>
+            <a:lvl8pPr eaLnBrk="1" hangingPunct="1">
+              <a:defRPr>
+                <a:solidFill>
+                  <a:schemeClr val="tx2"/>
+                </a:solidFill>
+              </a:defRPr>
+            </a:lvl8pPr>
+            <a:lvl9pPr eaLnBrk="1" hangingPunct="1">
+              <a:defRPr>
+                <a:solidFill>
+                  <a:schemeClr val="tx2"/>
+                </a:solidFill>
+              </a:defRPr>
+            </a:lvl9pPr>
+          </a:lstStyle>
+          <a:p>
+            <a:r>
+              <a:rPr lang="de-DE" dirty="0" smtClean="0">
+                <a:latin typeface="Calibri" pitchFamily="34" charset="0"/>
+              </a:rPr>
+              <a:t>Projektvorstellung</a:t>
+            </a:r>
+            <a:endParaRPr lang="de-DE" dirty="0">
+              <a:latin typeface="Calibri" pitchFamily="34" charset="0"/>
+            </a:endParaRPr>
           </a:p>
         </p:txBody>
       </p:sp>
@@ -3516,7 +4929,7 @@
   <p:timing>
     <p:tnLst>
       <p:par>
-        <p:cTn xmlns:p14="http://schemas.microsoft.com/office/powerpoint/2010/main" id="1" dur="indefinite" restart="never" nodeType="tmRoot"/>
+        <p:cTn id="1" dur="indefinite" restart="never" nodeType="tmRoot"/>
       </p:par>
     </p:tnLst>
   </p:timing>
@@ -3571,18 +4984,161 @@
           </a:xfrm>
         </p:spPr>
         <p:txBody>
-          <a:bodyPr/>
+          <a:bodyPr>
+            <a:normAutofit/>
+          </a:bodyPr>
           <a:lstStyle/>
           <a:p>
-            <a:r>
-              <a:rPr lang="de-DE" dirty="0" smtClean="0">
+            <a:pPr marL="285750" indent="-285750">
+              <a:buFont typeface="Arial" pitchFamily="34" charset="0"/>
+              <a:buChar char="•"/>
+            </a:pPr>
+            <a:r>
+              <a:rPr lang="de-DE" sz="2400" b="1" dirty="0" smtClean="0">
+                <a:solidFill>
+                  <a:srgbClr val="6ECDD2"/>
+                </a:solidFill>
+              </a:rPr>
+              <a:t>Christiane Helmchen:</a:t>
+            </a:r>
+            <a:r>
+              <a:rPr lang="de-DE" sz="2400" b="1" dirty="0">
+                <a:solidFill>
+                  <a:srgbClr val="6ECDD2"/>
+                </a:solidFill>
+              </a:rPr>
+              <a:t/>
+            </a:r>
+            <a:br>
+              <a:rPr lang="de-DE" sz="2400" b="1" dirty="0">
+                <a:solidFill>
+                  <a:srgbClr val="6ECDD2"/>
+                </a:solidFill>
+              </a:rPr>
+            </a:br>
+            <a:r>
+              <a:rPr lang="de-DE" sz="2400" dirty="0">
                 <a:solidFill>
                   <a:schemeClr val="bg1"/>
                 </a:solidFill>
               </a:rPr>
-              <a:t>Ich bin ein Beispieltext mit einem Beispielbild</a:t>
-            </a:r>
-            <a:endParaRPr lang="de-DE" dirty="0">
+              <a:t>Entwicklung, Konzeption, Dokumentation, </a:t>
+            </a:r>
+            <a:r>
+              <a:rPr lang="de-DE" sz="2400" dirty="0" smtClean="0">
+                <a:solidFill>
+                  <a:schemeClr val="bg1"/>
+                </a:solidFill>
+              </a:rPr>
+              <a:t>Tests</a:t>
+            </a:r>
+            <a:br>
+              <a:rPr lang="de-DE" sz="2400" dirty="0" smtClean="0">
+                <a:solidFill>
+                  <a:schemeClr val="bg1"/>
+                </a:solidFill>
+              </a:rPr>
+            </a:br>
+            <a:endParaRPr lang="de-DE" sz="2400" dirty="0" smtClean="0">
+              <a:solidFill>
+                <a:schemeClr val="bg1"/>
+              </a:solidFill>
+            </a:endParaRPr>
+          </a:p>
+          <a:p>
+            <a:pPr marL="285750" indent="-285750">
+              <a:buFont typeface="Arial" pitchFamily="34" charset="0"/>
+              <a:buChar char="•"/>
+            </a:pPr>
+            <a:r>
+              <a:rPr lang="de-DE" sz="2400" b="1" dirty="0" smtClean="0">
+                <a:solidFill>
+                  <a:srgbClr val="6ECDD2"/>
+                </a:solidFill>
+              </a:rPr>
+              <a:t>Janina Schilling:</a:t>
+            </a:r>
+            <a:r>
+              <a:rPr lang="de-DE" sz="2400" b="1" dirty="0">
+                <a:solidFill>
+                  <a:schemeClr val="bg1"/>
+                </a:solidFill>
+              </a:rPr>
+              <a:t/>
+            </a:r>
+            <a:br>
+              <a:rPr lang="de-DE" sz="2400" b="1" dirty="0">
+                <a:solidFill>
+                  <a:schemeClr val="bg1"/>
+                </a:solidFill>
+              </a:rPr>
+            </a:br>
+            <a:r>
+              <a:rPr lang="de-DE" sz="2400" dirty="0">
+                <a:solidFill>
+                  <a:schemeClr val="bg1"/>
+                </a:solidFill>
+              </a:rPr>
+              <a:t>Entwicklung, Konzeption, Dokumentation, </a:t>
+            </a:r>
+            <a:r>
+              <a:rPr lang="de-DE" sz="2400" dirty="0" smtClean="0">
+                <a:solidFill>
+                  <a:schemeClr val="bg1"/>
+                </a:solidFill>
+              </a:rPr>
+              <a:t>Projektleitung</a:t>
+            </a:r>
+            <a:br>
+              <a:rPr lang="de-DE" sz="2400" dirty="0" smtClean="0">
+                <a:solidFill>
+                  <a:schemeClr val="bg1"/>
+                </a:solidFill>
+              </a:rPr>
+            </a:br>
+            <a:endParaRPr lang="de-DE" sz="2400" dirty="0" smtClean="0">
+              <a:solidFill>
+                <a:schemeClr val="bg1"/>
+              </a:solidFill>
+            </a:endParaRPr>
+          </a:p>
+          <a:p>
+            <a:pPr marL="285750" indent="-285750">
+              <a:buFont typeface="Arial" pitchFamily="34" charset="0"/>
+              <a:buChar char="•"/>
+            </a:pPr>
+            <a:r>
+              <a:rPr lang="de-DE" sz="2400" b="1" dirty="0" smtClean="0">
+                <a:solidFill>
+                  <a:srgbClr val="6ECDD2"/>
+                </a:solidFill>
+              </a:rPr>
+              <a:t>Yvonne Meininger:</a:t>
+            </a:r>
+            <a:r>
+              <a:rPr lang="de-DE" sz="2400" b="1" dirty="0">
+                <a:solidFill>
+                  <a:schemeClr val="bg1"/>
+                </a:solidFill>
+              </a:rPr>
+              <a:t/>
+            </a:r>
+            <a:br>
+              <a:rPr lang="de-DE" sz="2400" b="1" dirty="0">
+                <a:solidFill>
+                  <a:schemeClr val="bg1"/>
+                </a:solidFill>
+              </a:rPr>
+            </a:br>
+            <a:r>
+              <a:rPr lang="de-DE" sz="2400" dirty="0">
+                <a:solidFill>
+                  <a:schemeClr val="bg1"/>
+                </a:solidFill>
+              </a:rPr>
+              <a:t>Entwicklung, Konzeption, Dokumentation, Design</a:t>
+            </a:r>
+            <a:endParaRPr lang="de-DE" sz="2400" b="1" dirty="0" smtClean="0">
               <a:solidFill>
                 <a:schemeClr val="bg1"/>
               </a:solidFill>
@@ -3614,7 +5170,7 @@
               <a:rPr lang="de-DE" dirty="0" smtClean="0">
                 <a:latin typeface="Calibri" pitchFamily="34" charset="0"/>
               </a:rPr>
-              <a:t>Muster</a:t>
+              <a:t>Rollenverteilung</a:t>
             </a:r>
             <a:endParaRPr lang="de-DE" dirty="0">
               <a:latin typeface="Calibri" pitchFamily="34" charset="0"/>
@@ -3635,7 +5191,7 @@
   <p:timing>
     <p:tnLst>
       <p:par>
-        <p:cTn xmlns:p14="http://schemas.microsoft.com/office/powerpoint/2010/main" id="1" dur="indefinite" restart="never" nodeType="tmRoot"/>
+        <p:cTn id="1" dur="indefinite" restart="never" nodeType="tmRoot"/>
       </p:par>
     </p:tnLst>
   </p:timing>
@@ -3675,82 +5231,192 @@
       </p:grpSpPr>
       <p:sp>
         <p:nvSpPr>
-          <p:cNvPr id="2" name="Titel 1"/>
-          <p:cNvSpPr>
-            <a:spLocks noGrp="1"/>
-          </p:cNvSpPr>
-          <p:nvPr>
-            <p:ph type="title"/>
-          </p:nvPr>
+          <p:cNvPr id="3" name="Textplatzhalter 2"/>
+          <p:cNvSpPr>
+            <a:spLocks noGrp="1"/>
+          </p:cNvSpPr>
+          <p:nvPr>
+            <p:ph type="body" idx="1"/>
+          </p:nvPr>
+        </p:nvSpPr>
+        <p:spPr>
+          <a:xfrm>
+            <a:off x="539552" y="1700808"/>
+            <a:ext cx="7848872" cy="4464496"/>
+          </a:xfrm>
+        </p:spPr>
+        <p:txBody>
+          <a:bodyPr/>
+          <a:lstStyle/>
+          <a:p>
+            <a:endParaRPr lang="de-DE" dirty="0"/>
+          </a:p>
+        </p:txBody>
+      </p:sp>
+      <p:sp>
+        <p:nvSpPr>
+          <p:cNvPr id="4" name="Titel 1"/>
+          <p:cNvSpPr txBox="1">
+            <a:spLocks/>
+          </p:cNvSpPr>
+          <p:nvPr/>
         </p:nvSpPr>
         <p:spPr>
           <a:xfrm>
             <a:off x="539552" y="260648"/>
             <a:ext cx="6172200" cy="1008112"/>
           </a:xfrm>
+          <a:prstGeom prst="rect">
+            <a:avLst/>
+          </a:prstGeom>
         </p:spPr>
         <p:txBody>
-          <a:bodyPr/>
-          <a:lstStyle/>
-          <a:p>
+          <a:bodyPr vert="horz" lIns="91440" tIns="45720" rIns="91440" bIns="45720" rtlCol="0" anchor="t">
+            <a:noAutofit/>
+          </a:bodyPr>
+          <a:lstStyle>
+            <a:lvl1pPr algn="l" defTabSz="914400" rtl="0" eaLnBrk="1" latinLnBrk="0" hangingPunct="1">
+              <a:spcBef>
+                <a:spcPct val="0"/>
+              </a:spcBef>
+              <a:buNone/>
+              <a:defRPr sz="4800" b="1" kern="1200" cap="all" baseline="0">
+                <a:solidFill>
+                  <a:schemeClr val="tx1"/>
+                </a:solidFill>
+                <a:latin typeface="+mj-lt"/>
+                <a:ea typeface="+mj-ea"/>
+                <a:cs typeface="+mj-cs"/>
+              </a:defRPr>
+            </a:lvl1pPr>
+            <a:lvl2pPr eaLnBrk="1" hangingPunct="1">
+              <a:defRPr>
+                <a:solidFill>
+                  <a:schemeClr val="tx2"/>
+                </a:solidFill>
+              </a:defRPr>
+            </a:lvl2pPr>
+            <a:lvl3pPr eaLnBrk="1" hangingPunct="1">
+              <a:defRPr>
+                <a:solidFill>
+                  <a:schemeClr val="tx2"/>
+                </a:solidFill>
+              </a:defRPr>
+            </a:lvl3pPr>
+            <a:lvl4pPr eaLnBrk="1" hangingPunct="1">
+              <a:defRPr>
+                <a:solidFill>
+                  <a:schemeClr val="tx2"/>
+                </a:solidFill>
+              </a:defRPr>
+            </a:lvl4pPr>
+            <a:lvl5pPr eaLnBrk="1" hangingPunct="1">
+              <a:defRPr>
+                <a:solidFill>
+                  <a:schemeClr val="tx2"/>
+                </a:solidFill>
+              </a:defRPr>
+            </a:lvl5pPr>
+            <a:lvl6pPr eaLnBrk="1" hangingPunct="1">
+              <a:defRPr>
+                <a:solidFill>
+                  <a:schemeClr val="tx2"/>
+                </a:solidFill>
+              </a:defRPr>
+            </a:lvl6pPr>
+            <a:lvl7pPr eaLnBrk="1" hangingPunct="1">
+              <a:defRPr>
+                <a:solidFill>
+                  <a:schemeClr val="tx2"/>
+                </a:solidFill>
+              </a:defRPr>
+            </a:lvl7pPr>
+            <a:lvl8pPr eaLnBrk="1" hangingPunct="1">
+              <a:defRPr>
+                <a:solidFill>
+                  <a:schemeClr val="tx2"/>
+                </a:solidFill>
+              </a:defRPr>
+            </a:lvl8pPr>
+            <a:lvl9pPr eaLnBrk="1" hangingPunct="1">
+              <a:defRPr>
+                <a:solidFill>
+                  <a:schemeClr val="tx2"/>
+                </a:solidFill>
+              </a:defRPr>
+            </a:lvl9pPr>
+          </a:lstStyle>
+          <a:p>
+            <a:r>
+              <a:rPr lang="de-DE" dirty="0" err="1" smtClean="0">
+                <a:latin typeface="Calibri" pitchFamily="34" charset="0"/>
+              </a:rPr>
+              <a:t>Use</a:t>
+            </a:r>
             <a:r>
               <a:rPr lang="de-DE" dirty="0" smtClean="0">
-                <a:solidFill>
-                  <a:srgbClr val="6ECDD2"/>
-                </a:solidFill>
                 <a:latin typeface="Calibri" pitchFamily="34" charset="0"/>
               </a:rPr>
-              <a:t>Muster</a:t>
+              <a:t> </a:t>
+            </a:r>
+            <a:r>
+              <a:rPr lang="de-DE" dirty="0" err="1" smtClean="0">
+                <a:latin typeface="Calibri" pitchFamily="34" charset="0"/>
+              </a:rPr>
+              <a:t>case</a:t>
+            </a:r>
+            <a:r>
+              <a:rPr lang="de-DE" dirty="0" smtClean="0">
+                <a:latin typeface="Calibri" pitchFamily="34" charset="0"/>
+              </a:rPr>
+              <a:t> und </a:t>
+            </a:r>
+            <a:r>
+              <a:rPr lang="de-DE" dirty="0" err="1" smtClean="0">
+                <a:latin typeface="Calibri" pitchFamily="34" charset="0"/>
+              </a:rPr>
+              <a:t>scope</a:t>
             </a:r>
             <a:endParaRPr lang="de-DE" dirty="0">
-              <a:solidFill>
-                <a:srgbClr val="6ECDD2"/>
-              </a:solidFill>
               <a:latin typeface="Calibri" pitchFamily="34" charset="0"/>
             </a:endParaRPr>
           </a:p>
         </p:txBody>
       </p:sp>
-      <p:sp>
-        <p:nvSpPr>
-          <p:cNvPr id="3" name="Textplatzhalter 2"/>
-          <p:cNvSpPr>
-            <a:spLocks noGrp="1"/>
-          </p:cNvSpPr>
-          <p:nvPr>
-            <p:ph type="body" idx="1"/>
-          </p:nvPr>
-        </p:nvSpPr>
+      <p:pic>
+        <p:nvPicPr>
+          <p:cNvPr id="5" name="Grafik 4"/>
+          <p:cNvPicPr>
+            <a:picLocks noChangeAspect="1"/>
+          </p:cNvPicPr>
+          <p:nvPr/>
+        </p:nvPicPr>
+        <p:blipFill>
+          <a:blip r:embed="rId3">
+            <a:extLst>
+              <a:ext uri="{28A0092B-C50C-407E-A947-70E740481C1C}">
+                <a14:useLocalDpi xmlns:a14="http://schemas.microsoft.com/office/drawing/2010/main" val="0"/>
+              </a:ext>
+            </a:extLst>
+          </a:blip>
+          <a:stretch>
+            <a:fillRect/>
+          </a:stretch>
+        </p:blipFill>
         <p:spPr>
           <a:xfrm>
-            <a:off x="611560" y="1916832"/>
-            <a:ext cx="7920880" cy="4608512"/>
+            <a:off x="1619672" y="1628800"/>
+            <a:ext cx="3168352" cy="5176260"/>
           </a:xfrm>
+          <a:prstGeom prst="rect">
+            <a:avLst/>
+          </a:prstGeom>
         </p:spPr>
-        <p:txBody>
-          <a:bodyPr/>
-          <a:lstStyle/>
-          <a:p>
-            <a:r>
-              <a:rPr lang="de-DE" dirty="0" smtClean="0">
-                <a:solidFill>
-                  <a:schemeClr val="bg1"/>
-                </a:solidFill>
-              </a:rPr>
-              <a:t>Ich bin ein Beispieltext mit einem Beispielbild</a:t>
-            </a:r>
-            <a:endParaRPr lang="de-DE" dirty="0">
-              <a:solidFill>
-                <a:schemeClr val="bg1"/>
-              </a:solidFill>
-            </a:endParaRPr>
-          </a:p>
-        </p:txBody>
-      </p:sp>
+      </p:pic>
     </p:spTree>
     <p:extLst>
       <p:ext uri="{BB962C8B-B14F-4D97-AF65-F5344CB8AC3E}">
-        <p14:creationId xmlns:p14="http://schemas.microsoft.com/office/powerpoint/2010/main" val="3443593050"/>
+        <p14:creationId xmlns:p14="http://schemas.microsoft.com/office/powerpoint/2010/main" val="1229680095"/>
       </p:ext>
     </p:extLst>
   </p:cSld>
@@ -3760,7 +5426,7 @@
   <p:timing>
     <p:tnLst>
       <p:par>
-        <p:cTn xmlns:p14="http://schemas.microsoft.com/office/powerpoint/2010/main" id="1" dur="indefinite" restart="never" nodeType="tmRoot"/>
+        <p:cTn id="1" dur="indefinite" restart="never" nodeType="tmRoot"/>
       </p:par>
     </p:tnLst>
   </p:timing>
@@ -3800,80 +5466,239 @@
       </p:grpSpPr>
       <p:sp>
         <p:nvSpPr>
-          <p:cNvPr id="2" name="Titel 1"/>
-          <p:cNvSpPr>
-            <a:spLocks noGrp="1"/>
-          </p:cNvSpPr>
-          <p:nvPr>
-            <p:ph type="title"/>
+          <p:cNvPr id="4" name="Textplatzhalter 2"/>
+          <p:cNvSpPr>
+            <a:spLocks noGrp="1"/>
+          </p:cNvSpPr>
+          <p:nvPr>
+            <p:ph type="body" idx="1"/>
           </p:nvPr>
         </p:nvSpPr>
         <p:spPr>
           <a:xfrm>
-            <a:off x="1475656" y="188640"/>
-            <a:ext cx="6172200" cy="1008112"/>
+            <a:off x="539552" y="1700808"/>
+            <a:ext cx="7848872" cy="4464496"/>
           </a:xfrm>
         </p:spPr>
         <p:txBody>
-          <a:bodyPr/>
+          <a:bodyPr>
+            <a:normAutofit/>
+          </a:bodyPr>
           <a:lstStyle/>
           <a:p>
-            <a:r>
-              <a:rPr lang="de-DE" dirty="0" smtClean="0">
+            <a:pPr marL="342900" indent="-342900">
+              <a:buFont typeface="Arial" pitchFamily="34" charset="0"/>
+              <a:buChar char="•"/>
+            </a:pPr>
+            <a:r>
+              <a:rPr lang="de-DE" sz="2400" b="1" dirty="0" smtClean="0">
                 <a:solidFill>
                   <a:srgbClr val="6ECDD2"/>
                 </a:solidFill>
               </a:rPr>
-              <a:t>Muster</a:t>
-            </a:r>
-            <a:endParaRPr lang="de-DE" dirty="0">
-              <a:solidFill>
-                <a:srgbClr val="6ECDD2"/>
-              </a:solidFill>
-            </a:endParaRPr>
-          </a:p>
-        </p:txBody>
-      </p:sp>
-      <p:sp>
-        <p:nvSpPr>
-          <p:cNvPr id="3" name="Textplatzhalter 2"/>
-          <p:cNvSpPr>
-            <a:spLocks noGrp="1"/>
-          </p:cNvSpPr>
-          <p:nvPr>
-            <p:ph type="body" idx="1"/>
-          </p:nvPr>
-        </p:nvSpPr>
-        <p:spPr>
-          <a:xfrm>
-            <a:off x="1619672" y="1196752"/>
-            <a:ext cx="6912768" cy="5400600"/>
-          </a:xfrm>
-        </p:spPr>
-        <p:txBody>
-          <a:bodyPr/>
-          <a:lstStyle/>
-          <a:p>
-            <a:r>
-              <a:rPr lang="de-DE" dirty="0" smtClean="0">
+              <a:t>Beschreibung:</a:t>
+            </a:r>
+            <a:r>
+              <a:rPr lang="de-DE" sz="2400" dirty="0" smtClean="0">
+                <a:solidFill>
+                  <a:srgbClr val="6ECDD2"/>
+                </a:solidFill>
+              </a:rPr>
+              <a:t/>
+            </a:r>
+            <a:br>
+              <a:rPr lang="de-DE" sz="2400" dirty="0" smtClean="0">
+                <a:solidFill>
+                  <a:srgbClr val="6ECDD2"/>
+                </a:solidFill>
+              </a:rPr>
+            </a:br>
+            <a:r>
+              <a:rPr lang="de-DE" sz="2400" dirty="0" smtClean="0">
                 <a:solidFill>
                   <a:schemeClr val="bg1"/>
                 </a:solidFill>
               </a:rPr>
-              <a:t>Ich bin ein Beispieltext mit einem Beispielbild auf der Folie.</a:t>
-            </a:r>
-            <a:endParaRPr lang="de-DE" dirty="0">
+              <a:t>Neuen Spieler anlegen mit:</a:t>
+            </a:r>
+            <a:endParaRPr lang="de-DE" sz="2400" dirty="0">
               <a:solidFill>
                 <a:schemeClr val="bg1"/>
               </a:solidFill>
             </a:endParaRPr>
           </a:p>
+          <a:p>
+            <a:pPr marL="800100" lvl="1" indent="-342900">
+              <a:buFont typeface="Arial" pitchFamily="34" charset="0"/>
+              <a:buChar char="•"/>
+            </a:pPr>
+            <a:r>
+              <a:rPr lang="de-DE" sz="2400" dirty="0" smtClean="0">
+                <a:solidFill>
+                  <a:schemeClr val="bg1"/>
+                </a:solidFill>
+              </a:rPr>
+              <a:t>Name</a:t>
+            </a:r>
+          </a:p>
+          <a:p>
+            <a:pPr marL="800100" lvl="1" indent="-342900">
+              <a:buFont typeface="Arial" pitchFamily="34" charset="0"/>
+              <a:buChar char="•"/>
+            </a:pPr>
+            <a:r>
+              <a:rPr lang="de-DE" sz="2400" dirty="0" smtClean="0">
+                <a:solidFill>
+                  <a:schemeClr val="bg1"/>
+                </a:solidFill>
+              </a:rPr>
+              <a:t>Farbe</a:t>
+            </a:r>
+          </a:p>
+          <a:p>
+            <a:pPr marL="800100" lvl="1" indent="-342900">
+              <a:buFont typeface="Arial" pitchFamily="34" charset="0"/>
+              <a:buChar char="•"/>
+            </a:pPr>
+            <a:r>
+              <a:rPr lang="de-DE" sz="2400" dirty="0" smtClean="0">
+                <a:solidFill>
+                  <a:schemeClr val="bg1"/>
+                </a:solidFill>
+              </a:rPr>
+              <a:t>Spielfigur</a:t>
+            </a:r>
+          </a:p>
+        </p:txBody>
+      </p:sp>
+      <p:sp>
+        <p:nvSpPr>
+          <p:cNvPr id="5" name="Titel 1"/>
+          <p:cNvSpPr txBox="1">
+            <a:spLocks/>
+          </p:cNvSpPr>
+          <p:nvPr/>
+        </p:nvSpPr>
+        <p:spPr>
+          <a:xfrm>
+            <a:off x="539552" y="260648"/>
+            <a:ext cx="8064896" cy="1008112"/>
+          </a:xfrm>
+          <a:prstGeom prst="rect">
+            <a:avLst/>
+          </a:prstGeom>
+        </p:spPr>
+        <p:txBody>
+          <a:bodyPr vert="horz" lIns="91440" tIns="45720" rIns="91440" bIns="45720" rtlCol="0" anchor="t">
+            <a:noAutofit/>
+          </a:bodyPr>
+          <a:lstStyle>
+            <a:lvl1pPr algn="l" defTabSz="914400" rtl="0" eaLnBrk="1" latinLnBrk="0" hangingPunct="1">
+              <a:spcBef>
+                <a:spcPct val="0"/>
+              </a:spcBef>
+              <a:buNone/>
+              <a:defRPr sz="4800" b="1" kern="1200" cap="all" baseline="0">
+                <a:solidFill>
+                  <a:schemeClr val="tx1"/>
+                </a:solidFill>
+                <a:latin typeface="+mj-lt"/>
+                <a:ea typeface="+mj-ea"/>
+                <a:cs typeface="+mj-cs"/>
+              </a:defRPr>
+            </a:lvl1pPr>
+            <a:lvl2pPr eaLnBrk="1" hangingPunct="1">
+              <a:defRPr>
+                <a:solidFill>
+                  <a:schemeClr val="tx2"/>
+                </a:solidFill>
+              </a:defRPr>
+            </a:lvl2pPr>
+            <a:lvl3pPr eaLnBrk="1" hangingPunct="1">
+              <a:defRPr>
+                <a:solidFill>
+                  <a:schemeClr val="tx2"/>
+                </a:solidFill>
+              </a:defRPr>
+            </a:lvl3pPr>
+            <a:lvl4pPr eaLnBrk="1" hangingPunct="1">
+              <a:defRPr>
+                <a:solidFill>
+                  <a:schemeClr val="tx2"/>
+                </a:solidFill>
+              </a:defRPr>
+            </a:lvl4pPr>
+            <a:lvl5pPr eaLnBrk="1" hangingPunct="1">
+              <a:defRPr>
+                <a:solidFill>
+                  <a:schemeClr val="tx2"/>
+                </a:solidFill>
+              </a:defRPr>
+            </a:lvl5pPr>
+            <a:lvl6pPr eaLnBrk="1" hangingPunct="1">
+              <a:defRPr>
+                <a:solidFill>
+                  <a:schemeClr val="tx2"/>
+                </a:solidFill>
+              </a:defRPr>
+            </a:lvl6pPr>
+            <a:lvl7pPr eaLnBrk="1" hangingPunct="1">
+              <a:defRPr>
+                <a:solidFill>
+                  <a:schemeClr val="tx2"/>
+                </a:solidFill>
+              </a:defRPr>
+            </a:lvl7pPr>
+            <a:lvl8pPr eaLnBrk="1" hangingPunct="1">
+              <a:defRPr>
+                <a:solidFill>
+                  <a:schemeClr val="tx2"/>
+                </a:solidFill>
+              </a:defRPr>
+            </a:lvl8pPr>
+            <a:lvl9pPr eaLnBrk="1" hangingPunct="1">
+              <a:defRPr>
+                <a:solidFill>
+                  <a:schemeClr val="tx2"/>
+                </a:solidFill>
+              </a:defRPr>
+            </a:lvl9pPr>
+          </a:lstStyle>
+          <a:p>
+            <a:r>
+              <a:rPr lang="de-DE" dirty="0" err="1" smtClean="0">
+                <a:latin typeface="Calibri" pitchFamily="34" charset="0"/>
+              </a:rPr>
+              <a:t>Use</a:t>
+            </a:r>
+            <a:r>
+              <a:rPr lang="de-DE" dirty="0" smtClean="0">
+                <a:latin typeface="Calibri" pitchFamily="34" charset="0"/>
+              </a:rPr>
+              <a:t> </a:t>
+            </a:r>
+            <a:r>
+              <a:rPr lang="de-DE" dirty="0" err="1" smtClean="0">
+                <a:latin typeface="Calibri" pitchFamily="34" charset="0"/>
+              </a:rPr>
+              <a:t>case</a:t>
+            </a:r>
+            <a:r>
+              <a:rPr lang="de-DE" dirty="0" smtClean="0">
+                <a:latin typeface="Calibri" pitchFamily="34" charset="0"/>
+              </a:rPr>
+              <a:t> Spieler erstellen</a:t>
+            </a:r>
+            <a:endParaRPr lang="de-DE" dirty="0">
+              <a:latin typeface="Calibri" pitchFamily="34" charset="0"/>
+            </a:endParaRPr>
+          </a:p>
         </p:txBody>
       </p:sp>
     </p:spTree>
     <p:extLst>
       <p:ext uri="{BB962C8B-B14F-4D97-AF65-F5344CB8AC3E}">
-        <p14:creationId xmlns:p14="http://schemas.microsoft.com/office/powerpoint/2010/main" val="1319889826"/>
+        <p14:creationId xmlns:p14="http://schemas.microsoft.com/office/powerpoint/2010/main" val="3529303053"/>
       </p:ext>
     </p:extLst>
   </p:cSld>
@@ -3883,7 +5708,7 @@
   <p:timing>
     <p:tnLst>
       <p:par>
-        <p:cTn xmlns:p14="http://schemas.microsoft.com/office/powerpoint/2010/main" id="1" dur="indefinite" restart="never" nodeType="tmRoot"/>
+        <p:cTn id="1" dur="indefinite" restart="never" nodeType="tmRoot"/>
       </p:par>
     </p:tnLst>
   </p:timing>
@@ -3923,54 +5748,31 @@
       </p:grpSpPr>
       <p:sp>
         <p:nvSpPr>
-          <p:cNvPr id="2" name="Titel 1"/>
-          <p:cNvSpPr>
-            <a:spLocks noGrp="1"/>
-          </p:cNvSpPr>
-          <p:nvPr>
-            <p:ph type="title"/>
+          <p:cNvPr id="4" name="Textplatzhalter 2"/>
+          <p:cNvSpPr>
+            <a:spLocks noGrp="1"/>
+          </p:cNvSpPr>
+          <p:nvPr>
+            <p:ph type="body" idx="1"/>
           </p:nvPr>
         </p:nvSpPr>
         <p:spPr>
           <a:xfrm>
-            <a:off x="1860104" y="1268760"/>
-            <a:ext cx="6172200" cy="5184576"/>
+            <a:off x="539552" y="1700808"/>
+            <a:ext cx="7848872" cy="4464496"/>
           </a:xfrm>
         </p:spPr>
         <p:txBody>
           <a:bodyPr/>
           <a:lstStyle/>
           <a:p>
-            <a:r>
-              <a:rPr lang="de-DE" sz="2800" b="0" dirty="0" smtClean="0">
-                <a:solidFill>
-                  <a:schemeClr val="bg1"/>
-                </a:solidFill>
-                <a:latin typeface="Calibri" pitchFamily="34" charset="0"/>
-              </a:rPr>
-              <a:t>Hallo ich bin </a:t>
-            </a:r>
-            <a:r>
-              <a:rPr lang="de-DE" sz="2800" b="0" dirty="0" err="1" smtClean="0">
-                <a:solidFill>
-                  <a:schemeClr val="bg1"/>
-                </a:solidFill>
-                <a:latin typeface="Calibri" pitchFamily="34" charset="0"/>
-              </a:rPr>
-              <a:t>platzhalter</a:t>
-            </a:r>
-            <a:endParaRPr lang="de-DE" sz="2800" b="0" dirty="0">
-              <a:solidFill>
-                <a:schemeClr val="bg1"/>
-              </a:solidFill>
-              <a:latin typeface="Calibri" pitchFamily="34" charset="0"/>
-            </a:endParaRPr>
-          </a:p>
-        </p:txBody>
-      </p:sp>
-      <p:sp>
-        <p:nvSpPr>
-          <p:cNvPr id="4" name="Titel 1"/>
+            <a:endParaRPr lang="de-DE" dirty="0"/>
+          </a:p>
+        </p:txBody>
+      </p:sp>
+      <p:sp>
+        <p:nvSpPr>
+          <p:cNvPr id="5" name="Titel 1"/>
           <p:cNvSpPr txBox="1">
             <a:spLocks/>
           </p:cNvSpPr>
@@ -3978,8 +5780,8 @@
         </p:nvSpPr>
         <p:spPr>
           <a:xfrm>
-            <a:off x="1835696" y="188640"/>
-            <a:ext cx="6172200" cy="1008112"/>
+            <a:off x="539552" y="260648"/>
+            <a:ext cx="8424936" cy="1008112"/>
           </a:xfrm>
           <a:prstGeom prst="rect">
             <a:avLst/>
@@ -4063,25 +5865,92 @@
           </a:lstStyle>
           <a:p>
             <a:r>
-              <a:rPr lang="de-DE" smtClean="0">
-                <a:solidFill>
-                  <a:srgbClr val="6ECDD2"/>
-                </a:solidFill>
-              </a:rPr>
-              <a:t>Muster</a:t>
+              <a:rPr lang="de-DE" dirty="0" err="1" smtClean="0">
+                <a:latin typeface="Calibri" pitchFamily="34" charset="0"/>
+              </a:rPr>
+              <a:t>Activity</a:t>
+            </a:r>
+            <a:r>
+              <a:rPr lang="de-DE" dirty="0" smtClean="0">
+                <a:latin typeface="Calibri" pitchFamily="34" charset="0"/>
+              </a:rPr>
+              <a:t> </a:t>
+            </a:r>
+            <a:r>
+              <a:rPr lang="de-DE" dirty="0" err="1" smtClean="0">
+                <a:latin typeface="Calibri" pitchFamily="34" charset="0"/>
+              </a:rPr>
+              <a:t>diagramm</a:t>
+            </a:r>
+            <a:r>
+              <a:rPr lang="de-DE" dirty="0" smtClean="0">
+                <a:latin typeface="Calibri" pitchFamily="34" charset="0"/>
+              </a:rPr>
+              <a:t> </a:t>
+            </a:r>
+            <a:r>
+              <a:rPr lang="de-DE" dirty="0" err="1" smtClean="0">
+                <a:latin typeface="Calibri" pitchFamily="34" charset="0"/>
+              </a:rPr>
+              <a:t>use</a:t>
+            </a:r>
+            <a:r>
+              <a:rPr lang="de-DE" dirty="0" smtClean="0">
+                <a:latin typeface="Calibri" pitchFamily="34" charset="0"/>
+              </a:rPr>
+              <a:t> Case</a:t>
             </a:r>
             <a:endParaRPr lang="de-DE" dirty="0">
-              <a:solidFill>
-                <a:srgbClr val="6ECDD2"/>
-              </a:solidFill>
+              <a:latin typeface="Calibri" pitchFamily="34" charset="0"/>
             </a:endParaRPr>
           </a:p>
         </p:txBody>
       </p:sp>
+      <p:pic>
+        <p:nvPicPr>
+          <p:cNvPr id="6" name="Picture 2" descr="C:\Users\Yvonne\Documents\GitHub\DieVerrueckteSightseeingtour\Documentation\UseCasesAndScope\Activity-Diagrams\spieler_erstellen.jpg"/>
+          <p:cNvPicPr>
+            <a:picLocks noChangeAspect="1" noChangeArrowheads="1"/>
+          </p:cNvPicPr>
+          <p:nvPr/>
+        </p:nvPicPr>
+        <p:blipFill>
+          <a:blip r:embed="rId3">
+            <a:extLst>
+              <a:ext uri="{28A0092B-C50C-407E-A947-70E740481C1C}">
+                <a14:useLocalDpi xmlns:a14="http://schemas.microsoft.com/office/drawing/2010/main" val="0"/>
+              </a:ext>
+            </a:extLst>
+          </a:blip>
+          <a:srcRect/>
+          <a:stretch>
+            <a:fillRect/>
+          </a:stretch>
+        </p:blipFill>
+        <p:spPr bwMode="auto">
+          <a:xfrm>
+            <a:off x="1101032" y="1720824"/>
+            <a:ext cx="6063256" cy="4555780"/>
+          </a:xfrm>
+          <a:prstGeom prst="rect">
+            <a:avLst/>
+          </a:prstGeom>
+          <a:noFill/>
+          <a:extLst>
+            <a:ext uri="{909E8E84-426E-40DD-AFC4-6F175D3DCCD1}">
+              <a14:hiddenFill xmlns:a14="http://schemas.microsoft.com/office/drawing/2010/main">
+                <a:solidFill>
+                  <a:srgbClr val="FFFFFF"/>
+                </a:solidFill>
+              </a14:hiddenFill>
+            </a:ext>
+          </a:extLst>
+        </p:spPr>
+      </p:pic>
     </p:spTree>
     <p:extLst>
       <p:ext uri="{BB962C8B-B14F-4D97-AF65-F5344CB8AC3E}">
-        <p14:creationId xmlns:p14="http://schemas.microsoft.com/office/powerpoint/2010/main" val="2874446517"/>
+        <p14:creationId xmlns:p14="http://schemas.microsoft.com/office/powerpoint/2010/main" val="2714676926"/>
       </p:ext>
     </p:extLst>
   </p:cSld>
@@ -4091,7 +5960,668 @@
   <p:timing>
     <p:tnLst>
       <p:par>
-        <p:cTn xmlns:p14="http://schemas.microsoft.com/office/powerpoint/2010/main" id="1" dur="indefinite" restart="never" nodeType="tmRoot"/>
+        <p:cTn id="1" dur="indefinite" restart="never" nodeType="tmRoot"/>
+      </p:par>
+    </p:tnLst>
+  </p:timing>
+</p:sld>
+</file>
+
+<file path=ppt/slides/slide7.xml><?xml version="1.0" encoding="utf-8"?>
+<p:sld xmlns:a="http://schemas.openxmlformats.org/drawingml/2006/main" xmlns:r="http://schemas.openxmlformats.org/officeDocument/2006/relationships" xmlns:p="http://schemas.openxmlformats.org/presentationml/2006/main">
+  <p:cSld>
+    <p:bg>
+      <p:bgPr>
+        <a:blipFill dpi="0" rotWithShape="1">
+          <a:blip r:embed="rId2">
+            <a:lum/>
+          </a:blip>
+          <a:srcRect/>
+          <a:stretch>
+            <a:fillRect/>
+          </a:stretch>
+        </a:blipFill>
+        <a:effectLst/>
+      </p:bgPr>
+    </p:bg>
+    <p:spTree>
+      <p:nvGrpSpPr>
+        <p:cNvPr id="1" name=""/>
+        <p:cNvGrpSpPr/>
+        <p:nvPr/>
+      </p:nvGrpSpPr>
+      <p:grpSpPr>
+        <a:xfrm>
+          <a:off x="0" y="0"/>
+          <a:ext cx="0" cy="0"/>
+          <a:chOff x="0" y="0"/>
+          <a:chExt cx="0" cy="0"/>
+        </a:xfrm>
+      </p:grpSpPr>
+      <p:sp>
+        <p:nvSpPr>
+          <p:cNvPr id="5" name="Titel 1"/>
+          <p:cNvSpPr txBox="1">
+            <a:spLocks/>
+          </p:cNvSpPr>
+          <p:nvPr/>
+        </p:nvSpPr>
+        <p:spPr>
+          <a:xfrm>
+            <a:off x="539552" y="260648"/>
+            <a:ext cx="7920880" cy="1008112"/>
+          </a:xfrm>
+          <a:prstGeom prst="rect">
+            <a:avLst/>
+          </a:prstGeom>
+        </p:spPr>
+        <p:txBody>
+          <a:bodyPr vert="horz" lIns="91440" tIns="45720" rIns="91440" bIns="45720" rtlCol="0" anchor="t">
+            <a:noAutofit/>
+          </a:bodyPr>
+          <a:lstStyle>
+            <a:lvl1pPr algn="l" defTabSz="914400" rtl="0" eaLnBrk="1" latinLnBrk="0" hangingPunct="1">
+              <a:spcBef>
+                <a:spcPct val="0"/>
+              </a:spcBef>
+              <a:buNone/>
+              <a:defRPr sz="4800" b="1" kern="1200" cap="all" baseline="0">
+                <a:solidFill>
+                  <a:schemeClr val="tx1"/>
+                </a:solidFill>
+                <a:latin typeface="+mj-lt"/>
+                <a:ea typeface="+mj-ea"/>
+                <a:cs typeface="+mj-cs"/>
+              </a:defRPr>
+            </a:lvl1pPr>
+            <a:lvl2pPr eaLnBrk="1" hangingPunct="1">
+              <a:defRPr>
+                <a:solidFill>
+                  <a:schemeClr val="tx2"/>
+                </a:solidFill>
+              </a:defRPr>
+            </a:lvl2pPr>
+            <a:lvl3pPr eaLnBrk="1" hangingPunct="1">
+              <a:defRPr>
+                <a:solidFill>
+                  <a:schemeClr val="tx2"/>
+                </a:solidFill>
+              </a:defRPr>
+            </a:lvl3pPr>
+            <a:lvl4pPr eaLnBrk="1" hangingPunct="1">
+              <a:defRPr>
+                <a:solidFill>
+                  <a:schemeClr val="tx2"/>
+                </a:solidFill>
+              </a:defRPr>
+            </a:lvl4pPr>
+            <a:lvl5pPr eaLnBrk="1" hangingPunct="1">
+              <a:defRPr>
+                <a:solidFill>
+                  <a:schemeClr val="tx2"/>
+                </a:solidFill>
+              </a:defRPr>
+            </a:lvl5pPr>
+            <a:lvl6pPr eaLnBrk="1" hangingPunct="1">
+              <a:defRPr>
+                <a:solidFill>
+                  <a:schemeClr val="tx2"/>
+                </a:solidFill>
+              </a:defRPr>
+            </a:lvl6pPr>
+            <a:lvl7pPr eaLnBrk="1" hangingPunct="1">
+              <a:defRPr>
+                <a:solidFill>
+                  <a:schemeClr val="tx2"/>
+                </a:solidFill>
+              </a:defRPr>
+            </a:lvl7pPr>
+            <a:lvl8pPr eaLnBrk="1" hangingPunct="1">
+              <a:defRPr>
+                <a:solidFill>
+                  <a:schemeClr val="tx2"/>
+                </a:solidFill>
+              </a:defRPr>
+            </a:lvl8pPr>
+            <a:lvl9pPr eaLnBrk="1" hangingPunct="1">
+              <a:defRPr>
+                <a:solidFill>
+                  <a:schemeClr val="tx2"/>
+                </a:solidFill>
+              </a:defRPr>
+            </a:lvl9pPr>
+          </a:lstStyle>
+          <a:p>
+            <a:r>
+              <a:rPr lang="de-DE" dirty="0">
+                <a:latin typeface="Calibri" pitchFamily="34" charset="0"/>
+              </a:rPr>
+              <a:t>Architekturmodell</a:t>
+            </a:r>
+            <a:endParaRPr lang="de-DE" dirty="0">
+              <a:latin typeface="Calibri" pitchFamily="34" charset="0"/>
+            </a:endParaRPr>
+          </a:p>
+        </p:txBody>
+      </p:sp>
+    </p:spTree>
+    <p:extLst>
+      <p:ext uri="{BB962C8B-B14F-4D97-AF65-F5344CB8AC3E}">
+        <p14:creationId xmlns:p14="http://schemas.microsoft.com/office/powerpoint/2010/main" val="2939366223"/>
+      </p:ext>
+    </p:extLst>
+  </p:cSld>
+  <p:clrMapOvr>
+    <a:masterClrMapping/>
+  </p:clrMapOvr>
+  <p:timing>
+    <p:tnLst>
+      <p:par>
+        <p:cTn id="1" dur="indefinite" restart="never" nodeType="tmRoot"/>
+      </p:par>
+    </p:tnLst>
+  </p:timing>
+</p:sld>
+</file>
+
+<file path=ppt/slides/slide8.xml><?xml version="1.0" encoding="utf-8"?>
+<p:sld xmlns:a="http://schemas.openxmlformats.org/drawingml/2006/main" xmlns:r="http://schemas.openxmlformats.org/officeDocument/2006/relationships" xmlns:p="http://schemas.openxmlformats.org/presentationml/2006/main">
+  <p:cSld>
+    <p:bg>
+      <p:bgPr>
+        <a:blipFill dpi="0" rotWithShape="1">
+          <a:blip r:embed="rId2">
+            <a:lum/>
+          </a:blip>
+          <a:srcRect/>
+          <a:stretch>
+            <a:fillRect/>
+          </a:stretch>
+        </a:blipFill>
+        <a:effectLst/>
+      </p:bgPr>
+    </p:bg>
+    <p:spTree>
+      <p:nvGrpSpPr>
+        <p:cNvPr id="1" name=""/>
+        <p:cNvGrpSpPr/>
+        <p:nvPr/>
+      </p:nvGrpSpPr>
+      <p:grpSpPr>
+        <a:xfrm>
+          <a:off x="0" y="0"/>
+          <a:ext cx="0" cy="0"/>
+          <a:chOff x="0" y="0"/>
+          <a:chExt cx="0" cy="0"/>
+        </a:xfrm>
+      </p:grpSpPr>
+      <p:sp>
+        <p:nvSpPr>
+          <p:cNvPr id="4" name="Textplatzhalter 2"/>
+          <p:cNvSpPr>
+            <a:spLocks noGrp="1"/>
+          </p:cNvSpPr>
+          <p:nvPr>
+            <p:ph type="body" idx="1"/>
+          </p:nvPr>
+        </p:nvSpPr>
+        <p:spPr>
+          <a:xfrm>
+            <a:off x="539552" y="1700808"/>
+            <a:ext cx="7848872" cy="4464496"/>
+          </a:xfrm>
+        </p:spPr>
+        <p:txBody>
+          <a:bodyPr>
+            <a:normAutofit/>
+          </a:bodyPr>
+          <a:lstStyle/>
+          <a:p>
+            <a:pPr marL="285750" indent="-285750">
+              <a:buFont typeface="Arial" pitchFamily="34" charset="0"/>
+              <a:buChar char="•"/>
+            </a:pPr>
+            <a:r>
+              <a:rPr lang="de-DE" sz="2800" b="1" i="0" dirty="0" err="1">
+                <a:solidFill>
+                  <a:srgbClr val="6ECDD2"/>
+                </a:solidFill>
+              </a:rPr>
+              <a:t>Jira</a:t>
+            </a:r>
+            <a:endParaRPr lang="de-DE" sz="2800" b="1" i="0" dirty="0">
+              <a:solidFill>
+                <a:srgbClr val="6ECDD2"/>
+              </a:solidFill>
+            </a:endParaRPr>
+          </a:p>
+          <a:p>
+            <a:pPr marL="285750" indent="-285750">
+              <a:buFont typeface="Arial" pitchFamily="34" charset="0"/>
+              <a:buChar char="•"/>
+            </a:pPr>
+            <a:r>
+              <a:rPr lang="de-DE" sz="2800" b="1" i="0" dirty="0" err="1">
+                <a:solidFill>
+                  <a:srgbClr val="6ECDD2"/>
+                </a:solidFill>
+              </a:rPr>
+              <a:t>Git</a:t>
+            </a:r>
+            <a:endParaRPr lang="de-DE" sz="2800" b="1" i="0" dirty="0">
+              <a:solidFill>
+                <a:srgbClr val="6ECDD2"/>
+              </a:solidFill>
+            </a:endParaRPr>
+          </a:p>
+          <a:p>
+            <a:pPr marL="285750" indent="-285750">
+              <a:buFont typeface="Arial" pitchFamily="34" charset="0"/>
+              <a:buChar char="•"/>
+            </a:pPr>
+            <a:r>
+              <a:rPr lang="de-DE" sz="2800" b="1" i="0" dirty="0">
+                <a:solidFill>
+                  <a:srgbClr val="6ECDD2"/>
+                </a:solidFill>
+              </a:rPr>
+              <a:t>Sona</a:t>
+            </a:r>
+          </a:p>
+          <a:p>
+            <a:pPr marL="285750" indent="-285750">
+              <a:buFont typeface="Arial" pitchFamily="34" charset="0"/>
+              <a:buChar char="•"/>
+            </a:pPr>
+            <a:r>
+              <a:rPr lang="de-DE" sz="2800" b="1" i="0" dirty="0">
+                <a:solidFill>
+                  <a:srgbClr val="6ECDD2"/>
+                </a:solidFill>
+              </a:rPr>
+              <a:t>Emma</a:t>
+            </a:r>
+          </a:p>
+          <a:p>
+            <a:endParaRPr lang="de-DE" sz="2800" b="1" dirty="0">
+              <a:solidFill>
+                <a:srgbClr val="6ECDD2"/>
+              </a:solidFill>
+            </a:endParaRPr>
+          </a:p>
+        </p:txBody>
+      </p:sp>
+      <p:sp>
+        <p:nvSpPr>
+          <p:cNvPr id="5" name="Titel 1"/>
+          <p:cNvSpPr txBox="1">
+            <a:spLocks/>
+          </p:cNvSpPr>
+          <p:nvPr/>
+        </p:nvSpPr>
+        <p:spPr>
+          <a:xfrm>
+            <a:off x="539552" y="260648"/>
+            <a:ext cx="6172200" cy="1008112"/>
+          </a:xfrm>
+          <a:prstGeom prst="rect">
+            <a:avLst/>
+          </a:prstGeom>
+        </p:spPr>
+        <p:txBody>
+          <a:bodyPr vert="horz" lIns="91440" tIns="45720" rIns="91440" bIns="45720" rtlCol="0" anchor="t">
+            <a:noAutofit/>
+          </a:bodyPr>
+          <a:lstStyle>
+            <a:lvl1pPr algn="l" defTabSz="914400" rtl="0" eaLnBrk="1" latinLnBrk="0" hangingPunct="1">
+              <a:spcBef>
+                <a:spcPct val="0"/>
+              </a:spcBef>
+              <a:buNone/>
+              <a:defRPr sz="4800" b="1" kern="1200" cap="all" baseline="0">
+                <a:solidFill>
+                  <a:schemeClr val="tx1"/>
+                </a:solidFill>
+                <a:latin typeface="+mj-lt"/>
+                <a:ea typeface="+mj-ea"/>
+                <a:cs typeface="+mj-cs"/>
+              </a:defRPr>
+            </a:lvl1pPr>
+            <a:lvl2pPr eaLnBrk="1" hangingPunct="1">
+              <a:defRPr>
+                <a:solidFill>
+                  <a:schemeClr val="tx2"/>
+                </a:solidFill>
+              </a:defRPr>
+            </a:lvl2pPr>
+            <a:lvl3pPr eaLnBrk="1" hangingPunct="1">
+              <a:defRPr>
+                <a:solidFill>
+                  <a:schemeClr val="tx2"/>
+                </a:solidFill>
+              </a:defRPr>
+            </a:lvl3pPr>
+            <a:lvl4pPr eaLnBrk="1" hangingPunct="1">
+              <a:defRPr>
+                <a:solidFill>
+                  <a:schemeClr val="tx2"/>
+                </a:solidFill>
+              </a:defRPr>
+            </a:lvl4pPr>
+            <a:lvl5pPr eaLnBrk="1" hangingPunct="1">
+              <a:defRPr>
+                <a:solidFill>
+                  <a:schemeClr val="tx2"/>
+                </a:solidFill>
+              </a:defRPr>
+            </a:lvl5pPr>
+            <a:lvl6pPr eaLnBrk="1" hangingPunct="1">
+              <a:defRPr>
+                <a:solidFill>
+                  <a:schemeClr val="tx2"/>
+                </a:solidFill>
+              </a:defRPr>
+            </a:lvl6pPr>
+            <a:lvl7pPr eaLnBrk="1" hangingPunct="1">
+              <a:defRPr>
+                <a:solidFill>
+                  <a:schemeClr val="tx2"/>
+                </a:solidFill>
+              </a:defRPr>
+            </a:lvl7pPr>
+            <a:lvl8pPr eaLnBrk="1" hangingPunct="1">
+              <a:defRPr>
+                <a:solidFill>
+                  <a:schemeClr val="tx2"/>
+                </a:solidFill>
+              </a:defRPr>
+            </a:lvl8pPr>
+            <a:lvl9pPr eaLnBrk="1" hangingPunct="1">
+              <a:defRPr>
+                <a:solidFill>
+                  <a:schemeClr val="tx2"/>
+                </a:solidFill>
+              </a:defRPr>
+            </a:lvl9pPr>
+          </a:lstStyle>
+          <a:p>
+            <a:r>
+              <a:rPr lang="de-DE" dirty="0">
+                <a:latin typeface="Calibri" pitchFamily="34" charset="0"/>
+              </a:rPr>
+              <a:t>Verwendete Tools</a:t>
+            </a:r>
+            <a:endParaRPr lang="de-DE" dirty="0">
+              <a:latin typeface="Calibri" pitchFamily="34" charset="0"/>
+            </a:endParaRPr>
+          </a:p>
+        </p:txBody>
+      </p:sp>
+    </p:spTree>
+    <p:extLst>
+      <p:ext uri="{BB962C8B-B14F-4D97-AF65-F5344CB8AC3E}">
+        <p14:creationId xmlns:p14="http://schemas.microsoft.com/office/powerpoint/2010/main" val="1426639316"/>
+      </p:ext>
+    </p:extLst>
+  </p:cSld>
+  <p:clrMapOvr>
+    <a:masterClrMapping/>
+  </p:clrMapOvr>
+  <p:timing>
+    <p:tnLst>
+      <p:par>
+        <p:cTn id="1" dur="indefinite" restart="never" nodeType="tmRoot"/>
+      </p:par>
+    </p:tnLst>
+  </p:timing>
+</p:sld>
+</file>
+
+<file path=ppt/slides/slide9.xml><?xml version="1.0" encoding="utf-8"?>
+<p:sld xmlns:a="http://schemas.openxmlformats.org/drawingml/2006/main" xmlns:r="http://schemas.openxmlformats.org/officeDocument/2006/relationships" xmlns:p="http://schemas.openxmlformats.org/presentationml/2006/main">
+  <p:cSld>
+    <p:bg>
+      <p:bgPr>
+        <a:blipFill dpi="0" rotWithShape="1">
+          <a:blip r:embed="rId2">
+            <a:lum/>
+          </a:blip>
+          <a:srcRect/>
+          <a:stretch>
+            <a:fillRect/>
+          </a:stretch>
+        </a:blipFill>
+        <a:effectLst/>
+      </p:bgPr>
+    </p:bg>
+    <p:spTree>
+      <p:nvGrpSpPr>
+        <p:cNvPr id="1" name=""/>
+        <p:cNvGrpSpPr/>
+        <p:nvPr/>
+      </p:nvGrpSpPr>
+      <p:grpSpPr>
+        <a:xfrm>
+          <a:off x="0" y="0"/>
+          <a:ext cx="0" cy="0"/>
+          <a:chOff x="0" y="0"/>
+          <a:chExt cx="0" cy="0"/>
+        </a:xfrm>
+      </p:grpSpPr>
+      <p:sp>
+        <p:nvSpPr>
+          <p:cNvPr id="4" name="Textplatzhalter 2"/>
+          <p:cNvSpPr>
+            <a:spLocks noGrp="1"/>
+          </p:cNvSpPr>
+          <p:nvPr>
+            <p:ph type="body" idx="1"/>
+          </p:nvPr>
+        </p:nvSpPr>
+        <p:spPr>
+          <a:xfrm>
+            <a:off x="539552" y="1700808"/>
+            <a:ext cx="7848872" cy="4464496"/>
+          </a:xfrm>
+        </p:spPr>
+        <p:txBody>
+          <a:bodyPr/>
+          <a:lstStyle/>
+          <a:p>
+            <a:pPr marL="285750" indent="-285750">
+              <a:buFont typeface="Arial" pitchFamily="34" charset="0"/>
+              <a:buChar char="•"/>
+            </a:pPr>
+            <a:r>
+              <a:rPr lang="de-DE" sz="2800" i="0" dirty="0" err="1" smtClean="0">
+                <a:solidFill>
+                  <a:schemeClr val="bg1"/>
+                </a:solidFill>
+              </a:rPr>
+              <a:t>Jira</a:t>
+            </a:r>
+            <a:endParaRPr lang="de-DE" sz="2800" i="0" dirty="0" smtClean="0">
+              <a:solidFill>
+                <a:schemeClr val="bg1"/>
+              </a:solidFill>
+            </a:endParaRPr>
+          </a:p>
+          <a:p>
+            <a:pPr marL="285750" indent="-285750">
+              <a:buFont typeface="Arial" pitchFamily="34" charset="0"/>
+              <a:buChar char="•"/>
+            </a:pPr>
+            <a:r>
+              <a:rPr lang="de-DE" sz="2800" i="0" dirty="0" err="1" smtClean="0">
+                <a:solidFill>
+                  <a:schemeClr val="bg1"/>
+                </a:solidFill>
+              </a:rPr>
+              <a:t>Git</a:t>
+            </a:r>
+            <a:endParaRPr lang="de-DE" sz="2800" i="0" dirty="0" smtClean="0">
+              <a:solidFill>
+                <a:schemeClr val="bg1"/>
+              </a:solidFill>
+            </a:endParaRPr>
+          </a:p>
+          <a:p>
+            <a:pPr marL="285750" indent="-285750">
+              <a:buFont typeface="Arial" pitchFamily="34" charset="0"/>
+              <a:buChar char="•"/>
+            </a:pPr>
+            <a:r>
+              <a:rPr lang="de-DE" sz="2800" i="0" dirty="0" smtClean="0">
+                <a:solidFill>
+                  <a:schemeClr val="bg1"/>
+                </a:solidFill>
+              </a:rPr>
+              <a:t>Sona</a:t>
+            </a:r>
+          </a:p>
+          <a:p>
+            <a:pPr marL="285750" indent="-285750">
+              <a:buFont typeface="Arial" pitchFamily="34" charset="0"/>
+              <a:buChar char="•"/>
+            </a:pPr>
+            <a:r>
+              <a:rPr lang="de-DE" sz="2800" i="0" dirty="0" smtClean="0">
+                <a:solidFill>
+                  <a:schemeClr val="bg1"/>
+                </a:solidFill>
+              </a:rPr>
+              <a:t>Emma</a:t>
+            </a:r>
+          </a:p>
+          <a:p>
+            <a:endParaRPr lang="de-DE" dirty="0">
+              <a:solidFill>
+                <a:schemeClr val="bg1"/>
+              </a:solidFill>
+            </a:endParaRPr>
+          </a:p>
+        </p:txBody>
+      </p:sp>
+      <p:sp>
+        <p:nvSpPr>
+          <p:cNvPr id="5" name="Titel 1"/>
+          <p:cNvSpPr txBox="1">
+            <a:spLocks/>
+          </p:cNvSpPr>
+          <p:nvPr/>
+        </p:nvSpPr>
+        <p:spPr>
+          <a:xfrm>
+            <a:off x="539552" y="260648"/>
+            <a:ext cx="6172200" cy="1008112"/>
+          </a:xfrm>
+          <a:prstGeom prst="rect">
+            <a:avLst/>
+          </a:prstGeom>
+        </p:spPr>
+        <p:txBody>
+          <a:bodyPr vert="horz" lIns="91440" tIns="45720" rIns="91440" bIns="45720" rtlCol="0" anchor="t">
+            <a:noAutofit/>
+          </a:bodyPr>
+          <a:lstStyle>
+            <a:lvl1pPr algn="l" defTabSz="914400" rtl="0" eaLnBrk="1" latinLnBrk="0" hangingPunct="1">
+              <a:spcBef>
+                <a:spcPct val="0"/>
+              </a:spcBef>
+              <a:buNone/>
+              <a:defRPr sz="4800" b="1" kern="1200" cap="all" baseline="0">
+                <a:solidFill>
+                  <a:schemeClr val="tx1"/>
+                </a:solidFill>
+                <a:latin typeface="+mj-lt"/>
+                <a:ea typeface="+mj-ea"/>
+                <a:cs typeface="+mj-cs"/>
+              </a:defRPr>
+            </a:lvl1pPr>
+            <a:lvl2pPr eaLnBrk="1" hangingPunct="1">
+              <a:defRPr>
+                <a:solidFill>
+                  <a:schemeClr val="tx2"/>
+                </a:solidFill>
+              </a:defRPr>
+            </a:lvl2pPr>
+            <a:lvl3pPr eaLnBrk="1" hangingPunct="1">
+              <a:defRPr>
+                <a:solidFill>
+                  <a:schemeClr val="tx2"/>
+                </a:solidFill>
+              </a:defRPr>
+            </a:lvl3pPr>
+            <a:lvl4pPr eaLnBrk="1" hangingPunct="1">
+              <a:defRPr>
+                <a:solidFill>
+                  <a:schemeClr val="tx2"/>
+                </a:solidFill>
+              </a:defRPr>
+            </a:lvl4pPr>
+            <a:lvl5pPr eaLnBrk="1" hangingPunct="1">
+              <a:defRPr>
+                <a:solidFill>
+                  <a:schemeClr val="tx2"/>
+                </a:solidFill>
+              </a:defRPr>
+            </a:lvl5pPr>
+            <a:lvl6pPr eaLnBrk="1" hangingPunct="1">
+              <a:defRPr>
+                <a:solidFill>
+                  <a:schemeClr val="tx2"/>
+                </a:solidFill>
+              </a:defRPr>
+            </a:lvl6pPr>
+            <a:lvl7pPr eaLnBrk="1" hangingPunct="1">
+              <a:defRPr>
+                <a:solidFill>
+                  <a:schemeClr val="tx2"/>
+                </a:solidFill>
+              </a:defRPr>
+            </a:lvl7pPr>
+            <a:lvl8pPr eaLnBrk="1" hangingPunct="1">
+              <a:defRPr>
+                <a:solidFill>
+                  <a:schemeClr val="tx2"/>
+                </a:solidFill>
+              </a:defRPr>
+            </a:lvl8pPr>
+            <a:lvl9pPr eaLnBrk="1" hangingPunct="1">
+              <a:defRPr>
+                <a:solidFill>
+                  <a:schemeClr val="tx2"/>
+                </a:solidFill>
+              </a:defRPr>
+            </a:lvl9pPr>
+          </a:lstStyle>
+          <a:p>
+            <a:r>
+              <a:rPr lang="de-DE" dirty="0" smtClean="0">
+                <a:latin typeface="Calibri" pitchFamily="34" charset="0"/>
+              </a:rPr>
+              <a:t>Verwendete Tools</a:t>
+            </a:r>
+            <a:endParaRPr lang="de-DE" dirty="0">
+              <a:latin typeface="Calibri" pitchFamily="34" charset="0"/>
+            </a:endParaRPr>
+          </a:p>
+        </p:txBody>
+      </p:sp>
+    </p:spTree>
+    <p:extLst>
+      <p:ext uri="{BB962C8B-B14F-4D97-AF65-F5344CB8AC3E}">
+        <p14:creationId xmlns:p14="http://schemas.microsoft.com/office/powerpoint/2010/main" val="3739637420"/>
+      </p:ext>
+    </p:extLst>
+  </p:cSld>
+  <p:clrMapOvr>
+    <a:masterClrMapping/>
+  </p:clrMapOvr>
+  <p:timing>
+    <p:tnLst>
+      <p:par>
+        <p:cTn id="1" dur="indefinite" restart="never" nodeType="tmRoot"/>
       </p:par>
     </p:tnLst>
   </p:timing>

--- a/Presentation/abschlusspraesentation.pptx
+++ b/Presentation/abschlusspraesentation.pptx
@@ -6098,9 +6098,6 @@
               </a:rPr>
               <a:t>Architekturmodell</a:t>
             </a:r>
-            <a:endParaRPr lang="de-DE" dirty="0">
-              <a:latin typeface="Calibri" pitchFamily="34" charset="0"/>
-            </a:endParaRPr>
           </a:p>
         </p:txBody>
       </p:sp>
@@ -6220,13 +6217,18 @@
               <a:buChar char="•"/>
             </a:pPr>
             <a:r>
-              <a:rPr lang="de-DE" sz="2800" b="1" i="0" dirty="0">
+              <a:rPr lang="de-DE" sz="2800" b="1" i="0" smtClean="0">
                 <a:solidFill>
                   <a:srgbClr val="6ECDD2"/>
                 </a:solidFill>
               </a:rPr>
-              <a:t>Sona</a:t>
-            </a:r>
+              <a:t>Sonar</a:t>
+            </a:r>
+            <a:endParaRPr lang="de-DE" sz="2800" b="1" i="0" dirty="0">
+              <a:solidFill>
+                <a:srgbClr val="6ECDD2"/>
+              </a:solidFill>
+            </a:endParaRPr>
           </a:p>
           <a:p>
             <a:pPr marL="285750" indent="-285750">
@@ -6351,9 +6353,6 @@
               </a:rPr>
               <a:t>Verwendete Tools</a:t>
             </a:r>
-            <a:endParaRPr lang="de-DE" dirty="0">
-              <a:latin typeface="Calibri" pitchFamily="34" charset="0"/>
-            </a:endParaRPr>
           </a:p>
         </p:txBody>
       </p:sp>

--- a/Presentation/abschlusspraesentation.pptx
+++ b/Presentation/abschlusspraesentation.pptx
@@ -310,7 +310,7 @@
           <a:p>
             <a:fld id="{35338F35-DB24-49B2-A8E9-97B12F03D8AE}" type="datetimeFigureOut">
               <a:rPr lang="de-DE" smtClean="0"/>
-              <a:t>18.06.2013</a:t>
+              <a:t>19.06.2013</a:t>
             </a:fld>
             <a:endParaRPr lang="de-DE"/>
           </a:p>
@@ -487,7 +487,7 @@
           <a:p>
             <a:fld id="{35338F35-DB24-49B2-A8E9-97B12F03D8AE}" type="datetimeFigureOut">
               <a:rPr lang="de-DE" smtClean="0"/>
-              <a:t>18.06.2013</a:t>
+              <a:t>19.06.2013</a:t>
             </a:fld>
             <a:endParaRPr lang="de-DE"/>
           </a:p>
@@ -685,7 +685,7 @@
           <a:p>
             <a:fld id="{35338F35-DB24-49B2-A8E9-97B12F03D8AE}" type="datetimeFigureOut">
               <a:rPr lang="de-DE" smtClean="0"/>
-              <a:t>18.06.2013</a:t>
+              <a:t>19.06.2013</a:t>
             </a:fld>
             <a:endParaRPr lang="de-DE"/>
           </a:p>
@@ -839,7 +839,7 @@
           <a:p>
             <a:fld id="{35338F35-DB24-49B2-A8E9-97B12F03D8AE}" type="datetimeFigureOut">
               <a:rPr lang="de-DE" smtClean="0"/>
-              <a:t>18.06.2013</a:t>
+              <a:t>19.06.2013</a:t>
             </a:fld>
             <a:endParaRPr lang="de-DE"/>
           </a:p>
@@ -1114,7 +1114,7 @@
           <a:p>
             <a:fld id="{35338F35-DB24-49B2-A8E9-97B12F03D8AE}" type="datetimeFigureOut">
               <a:rPr lang="de-DE" smtClean="0"/>
-              <a:t>18.06.2013</a:t>
+              <a:t>19.06.2013</a:t>
             </a:fld>
             <a:endParaRPr lang="de-DE"/>
           </a:p>
@@ -1413,7 +1413,7 @@
           <a:p>
             <a:fld id="{35338F35-DB24-49B2-A8E9-97B12F03D8AE}" type="datetimeFigureOut">
               <a:rPr lang="de-DE" smtClean="0"/>
-              <a:t>18.06.2013</a:t>
+              <a:t>19.06.2013</a:t>
             </a:fld>
             <a:endParaRPr lang="de-DE"/>
           </a:p>
@@ -1855,7 +1855,7 @@
           <a:p>
             <a:fld id="{35338F35-DB24-49B2-A8E9-97B12F03D8AE}" type="datetimeFigureOut">
               <a:rPr lang="de-DE" smtClean="0"/>
-              <a:t>18.06.2013</a:t>
+              <a:t>19.06.2013</a:t>
             </a:fld>
             <a:endParaRPr lang="de-DE"/>
           </a:p>
@@ -1962,7 +1962,7 @@
           <a:p>
             <a:fld id="{35338F35-DB24-49B2-A8E9-97B12F03D8AE}" type="datetimeFigureOut">
               <a:rPr lang="de-DE" smtClean="0"/>
-              <a:t>18.06.2013</a:t>
+              <a:t>19.06.2013</a:t>
             </a:fld>
             <a:endParaRPr lang="de-DE"/>
           </a:p>
@@ -2082,7 +2082,7 @@
           <a:p>
             <a:fld id="{35338F35-DB24-49B2-A8E9-97B12F03D8AE}" type="datetimeFigureOut">
               <a:rPr lang="de-DE" smtClean="0"/>
-              <a:t>18.06.2013</a:t>
+              <a:t>19.06.2013</a:t>
             </a:fld>
             <a:endParaRPr lang="de-DE"/>
           </a:p>
@@ -2367,7 +2367,7 @@
           <a:p>
             <a:fld id="{35338F35-DB24-49B2-A8E9-97B12F03D8AE}" type="datetimeFigureOut">
               <a:rPr lang="de-DE" smtClean="0"/>
-              <a:t>18.06.2013</a:t>
+              <a:t>19.06.2013</a:t>
             </a:fld>
             <a:endParaRPr lang="de-DE"/>
           </a:p>
@@ -2638,7 +2638,7 @@
           <a:p>
             <a:fld id="{35338F35-DB24-49B2-A8E9-97B12F03D8AE}" type="datetimeFigureOut">
               <a:rPr lang="de-DE" smtClean="0"/>
-              <a:t>18.06.2013</a:t>
+              <a:t>19.06.2013</a:t>
             </a:fld>
             <a:endParaRPr lang="de-DE"/>
           </a:p>
@@ -2858,7 +2858,7 @@
           <a:p>
             <a:fld id="{35338F35-DB24-49B2-A8E9-97B12F03D8AE}" type="datetimeFigureOut">
               <a:rPr lang="de-DE" smtClean="0"/>
-              <a:t>18.06.2013</a:t>
+              <a:t>19.06.2013</a:t>
             </a:fld>
             <a:endParaRPr lang="de-DE"/>
           </a:p>
@@ -5385,7 +5385,7 @@
       </p:sp>
       <p:pic>
         <p:nvPicPr>
-          <p:cNvPr id="5" name="Grafik 4"/>
+          <p:cNvPr id="7" name="Grafik 6"/>
           <p:cNvPicPr>
             <a:picLocks noChangeAspect="1"/>
           </p:cNvPicPr>
@@ -5405,8 +5405,8 @@
         </p:blipFill>
         <p:spPr>
           <a:xfrm>
-            <a:off x="1619672" y="1628800"/>
-            <a:ext cx="3168352" cy="5176260"/>
+            <a:off x="1547664" y="1023855"/>
+            <a:ext cx="7200800" cy="5812016"/>
           </a:xfrm>
           <a:prstGeom prst="rect">
             <a:avLst/>
@@ -6179,12 +6179,28 @@
               <a:buChar char="•"/>
             </a:pPr>
             <a:r>
-              <a:rPr lang="de-DE" sz="2800" b="1" i="0" dirty="0" err="1">
+              <a:rPr lang="de-DE" sz="2800" b="1" i="0" dirty="0" err="1" smtClean="0">
                 <a:solidFill>
                   <a:srgbClr val="6ECDD2"/>
                 </a:solidFill>
               </a:rPr>
               <a:t>Jira</a:t>
+            </a:r>
+            <a:r>
+              <a:rPr lang="de-DE" sz="2800" b="1" i="0" dirty="0" smtClean="0">
+                <a:solidFill>
+                  <a:srgbClr val="6ECDD2"/>
+                </a:solidFill>
+              </a:rPr>
+              <a:t> + </a:t>
+            </a:r>
+            <a:r>
+              <a:rPr lang="de-DE" sz="2800" b="1" i="0" smtClean="0">
+                <a:solidFill>
+                  <a:srgbClr val="6ECDD2"/>
+                </a:solidFill>
+              </a:rPr>
+              <a:t>MS Projects</a:t>
             </a:r>
             <a:endParaRPr lang="de-DE" sz="2800" b="1" i="0" dirty="0">
               <a:solidFill>
@@ -6217,7 +6233,7 @@
               <a:buChar char="•"/>
             </a:pPr>
             <a:r>
-              <a:rPr lang="de-DE" sz="2800" b="1" i="0" smtClean="0">
+              <a:rPr lang="de-DE" sz="2800" b="1" i="0" dirty="0" smtClean="0">
                 <a:solidFill>
                   <a:srgbClr val="6ECDD2"/>
                 </a:solidFill>

--- a/Presentation/abschlusspraesentation.pptx
+++ b/Presentation/abschlusspraesentation.pptx
@@ -3465,7 +3465,7 @@
         <p:spPr>
           <a:xfrm>
             <a:off x="539552" y="260648"/>
-            <a:ext cx="6172200" cy="1008112"/>
+            <a:ext cx="8208912" cy="1008112"/>
           </a:xfrm>
           <a:prstGeom prst="rect">
             <a:avLst/>
@@ -3552,7 +3552,7 @@
               <a:rPr lang="de-DE" dirty="0" smtClean="0">
                 <a:latin typeface="Calibri" pitchFamily="34" charset="0"/>
               </a:rPr>
-              <a:t>Risikoplan</a:t>
+              <a:t>Die Top 5 im Risikoplan</a:t>
             </a:r>
             <a:endParaRPr lang="de-DE" dirty="0">
               <a:latin typeface="Calibri" pitchFamily="34" charset="0"/>
@@ -3560,36 +3560,350 @@
           </a:p>
         </p:txBody>
       </p:sp>
-      <p:pic>
-        <p:nvPicPr>
-          <p:cNvPr id="6" name="Grafik 5"/>
-          <p:cNvPicPr>
-            <a:picLocks noChangeAspect="1"/>
-          </p:cNvPicPr>
+      <p:sp>
+        <p:nvSpPr>
+          <p:cNvPr id="2" name="Flussdiagramm: Zusammenführen 1"/>
+          <p:cNvSpPr/>
           <p:nvPr/>
-        </p:nvPicPr>
-        <p:blipFill>
-          <a:blip r:embed="rId3">
-            <a:extLst>
-              <a:ext uri="{28A0092B-C50C-407E-A947-70E740481C1C}">
-                <a14:useLocalDpi xmlns:a14="http://schemas.microsoft.com/office/drawing/2010/main" val="0"/>
-              </a:ext>
-            </a:extLst>
-          </a:blip>
-          <a:stretch>
-            <a:fillRect/>
-          </a:stretch>
-        </p:blipFill>
+        </p:nvSpPr>
         <p:spPr>
           <a:xfrm>
-            <a:off x="827584" y="1628801"/>
-            <a:ext cx="7920880" cy="4888410"/>
+            <a:off x="7757455" y="2348880"/>
+            <a:ext cx="1131640" cy="3240360"/>
           </a:xfrm>
-          <a:prstGeom prst="rect">
+          <a:prstGeom prst="flowChartMerge">
             <a:avLst/>
           </a:prstGeom>
+          <a:solidFill>
+            <a:srgbClr val="FF0000"/>
+          </a:solidFill>
+          <a:ln>
+            <a:solidFill>
+              <a:schemeClr val="tx1"/>
+            </a:solidFill>
+          </a:ln>
         </p:spPr>
-      </p:pic>
+        <p:style>
+          <a:lnRef idx="2">
+            <a:schemeClr val="accent1">
+              <a:shade val="50000"/>
+            </a:schemeClr>
+          </a:lnRef>
+          <a:fillRef idx="1">
+            <a:schemeClr val="accent1"/>
+          </a:fillRef>
+          <a:effectRef idx="0">
+            <a:schemeClr val="accent1"/>
+          </a:effectRef>
+          <a:fontRef idx="minor">
+            <a:schemeClr val="lt1"/>
+          </a:fontRef>
+        </p:style>
+        <p:txBody>
+          <a:bodyPr rtlCol="0" anchor="ctr"/>
+          <a:lstStyle/>
+          <a:p>
+            <a:pPr algn="ctr"/>
+            <a:endParaRPr lang="de-DE"/>
+          </a:p>
+        </p:txBody>
+      </p:sp>
+      <p:graphicFrame>
+        <p:nvGraphicFramePr>
+          <p:cNvPr id="3" name="Tabelle 2"/>
+          <p:cNvGraphicFramePr>
+            <a:graphicFrameLocks noGrp="1"/>
+          </p:cNvGraphicFramePr>
+          <p:nvPr>
+            <p:extLst>
+              <p:ext uri="{D42A27DB-BD31-4B8C-83A1-F6EECF244321}">
+                <p14:modId xmlns:p14="http://schemas.microsoft.com/office/powerpoint/2010/main" val="1270506730"/>
+              </p:ext>
+            </p:extLst>
+          </p:nvPr>
+        </p:nvGraphicFramePr>
+        <p:xfrm>
+          <a:off x="755576" y="1844824"/>
+          <a:ext cx="6840760" cy="3869087"/>
+        </p:xfrm>
+        <a:graphic>
+          <a:graphicData uri="http://schemas.openxmlformats.org/drawingml/2006/table">
+            <a:tbl>
+              <a:tblPr firstRow="1" bandRow="1">
+                <a:tableStyleId>{5C22544A-7EE6-4342-B048-85BDC9FD1C3A}</a:tableStyleId>
+              </a:tblPr>
+              <a:tblGrid>
+                <a:gridCol w="4776584"/>
+                <a:gridCol w="2064176"/>
+              </a:tblGrid>
+              <a:tr h="460147">
+                <a:tc>
+                  <a:txBody>
+                    <a:bodyPr/>
+                    <a:lstStyle/>
+                    <a:p>
+                      <a:r>
+                        <a:rPr lang="de-DE" sz="2800" dirty="0" smtClean="0"/>
+                        <a:t>Risiken</a:t>
+                      </a:r>
+                      <a:endParaRPr lang="de-DE" sz="2800" dirty="0"/>
+                    </a:p>
+                  </a:txBody>
+                  <a:tcPr>
+                    <a:solidFill>
+                      <a:srgbClr val="6ECDD2"/>
+                    </a:solidFill>
+                  </a:tcPr>
+                </a:tc>
+                <a:tc>
+                  <a:txBody>
+                    <a:bodyPr/>
+                    <a:lstStyle/>
+                    <a:p>
+                      <a:pPr algn="r"/>
+                      <a:r>
+                        <a:rPr lang="de-DE" sz="2800" dirty="0" smtClean="0"/>
+                        <a:t>Risikofaktor</a:t>
+                      </a:r>
+                      <a:endParaRPr lang="de-DE" sz="2800" dirty="0"/>
+                    </a:p>
+                  </a:txBody>
+                  <a:tcPr>
+                    <a:solidFill>
+                      <a:srgbClr val="6ECDD2"/>
+                    </a:solidFill>
+                  </a:tcPr>
+                </a:tc>
+              </a:tr>
+              <a:tr h="517180">
+                <a:tc>
+                  <a:txBody>
+                    <a:bodyPr/>
+                    <a:lstStyle/>
+                    <a:p>
+                      <a:r>
+                        <a:rPr lang="de-DE" sz="2400" dirty="0" smtClean="0"/>
+                        <a:t>Zu großer </a:t>
+                      </a:r>
+                      <a:r>
+                        <a:rPr lang="de-DE" sz="2400" dirty="0" err="1" smtClean="0"/>
+                        <a:t>Scope</a:t>
+                      </a:r>
+                      <a:endParaRPr lang="de-DE" sz="2400" dirty="0"/>
+                    </a:p>
+                  </a:txBody>
+                  <a:tcPr>
+                    <a:solidFill>
+                      <a:srgbClr val="7AE3E6">
+                        <a:alpha val="19000"/>
+                      </a:srgbClr>
+                    </a:solidFill>
+                  </a:tcPr>
+                </a:tc>
+                <a:tc>
+                  <a:txBody>
+                    <a:bodyPr/>
+                    <a:lstStyle/>
+                    <a:p>
+                      <a:pPr algn="r"/>
+                      <a:r>
+                        <a:rPr lang="de-DE" sz="2400" dirty="0" smtClean="0"/>
+                        <a:t>6,8</a:t>
+                      </a:r>
+                      <a:endParaRPr lang="de-DE" sz="2400" dirty="0"/>
+                    </a:p>
+                  </a:txBody>
+                  <a:tcPr>
+                    <a:solidFill>
+                      <a:srgbClr val="7AE3E6">
+                        <a:alpha val="19000"/>
+                      </a:srgbClr>
+                    </a:solidFill>
+                  </a:tcPr>
+                </a:tc>
+              </a:tr>
+              <a:tr h="517180">
+                <a:tc>
+                  <a:txBody>
+                    <a:bodyPr/>
+                    <a:lstStyle/>
+                    <a:p>
+                      <a:r>
+                        <a:rPr lang="de-DE" sz="2400" dirty="0" smtClean="0"/>
+                        <a:t>Fehlerhafte (Zeit-)Planung</a:t>
+                      </a:r>
+                      <a:endParaRPr lang="de-DE" sz="2400" dirty="0"/>
+                    </a:p>
+                  </a:txBody>
+                  <a:tcPr>
+                    <a:solidFill>
+                      <a:srgbClr val="7AE3E6">
+                        <a:alpha val="19000"/>
+                      </a:srgbClr>
+                    </a:solidFill>
+                  </a:tcPr>
+                </a:tc>
+                <a:tc>
+                  <a:txBody>
+                    <a:bodyPr/>
+                    <a:lstStyle/>
+                    <a:p>
+                      <a:pPr algn="r"/>
+                      <a:r>
+                        <a:rPr lang="de-DE" sz="2400" dirty="0" smtClean="0"/>
+                        <a:t>6,4</a:t>
+                      </a:r>
+                      <a:endParaRPr lang="de-DE" sz="2400" dirty="0"/>
+                    </a:p>
+                  </a:txBody>
+                  <a:tcPr>
+                    <a:solidFill>
+                      <a:srgbClr val="7AE3E6">
+                        <a:alpha val="19000"/>
+                      </a:srgbClr>
+                    </a:solidFill>
+                  </a:tcPr>
+                </a:tc>
+              </a:tr>
+              <a:tr h="794227">
+                <a:tc>
+                  <a:txBody>
+                    <a:bodyPr/>
+                    <a:lstStyle/>
+                    <a:p>
+                      <a:r>
+                        <a:rPr lang="de-DE" sz="2400" dirty="0" smtClean="0"/>
+                        <a:t>Zeitmangel durch andere Projekte</a:t>
+                      </a:r>
+                      <a:endParaRPr lang="de-DE" sz="2400" dirty="0"/>
+                    </a:p>
+                  </a:txBody>
+                  <a:tcPr>
+                    <a:solidFill>
+                      <a:srgbClr val="7AE3E6">
+                        <a:alpha val="19000"/>
+                      </a:srgbClr>
+                    </a:solidFill>
+                  </a:tcPr>
+                </a:tc>
+                <a:tc>
+                  <a:txBody>
+                    <a:bodyPr/>
+                    <a:lstStyle/>
+                    <a:p>
+                      <a:pPr algn="r"/>
+                      <a:r>
+                        <a:rPr lang="de-DE" sz="2400" dirty="0" smtClean="0"/>
+                        <a:t>5,6</a:t>
+                      </a:r>
+                      <a:endParaRPr lang="de-DE" sz="2400" dirty="0"/>
+                    </a:p>
+                  </a:txBody>
+                  <a:tcPr>
+                    <a:solidFill>
+                      <a:srgbClr val="7AE3E6">
+                        <a:alpha val="19000"/>
+                      </a:srgbClr>
+                    </a:solidFill>
+                  </a:tcPr>
+                </a:tc>
+              </a:tr>
+              <a:tr h="930924">
+                <a:tc>
+                  <a:txBody>
+                    <a:bodyPr/>
+                    <a:lstStyle/>
+                    <a:p>
+                      <a:r>
+                        <a:rPr lang="de-DE" sz="2400" dirty="0" smtClean="0"/>
+                        <a:t>Mangelnde Fehlerfindung &lt;=</a:t>
+                      </a:r>
+                    </a:p>
+                    <a:p>
+                      <a:r>
+                        <a:rPr lang="de-DE" sz="2400" dirty="0" smtClean="0"/>
+                        <a:t>Fehlende Tests</a:t>
+                      </a:r>
+                      <a:endParaRPr lang="de-DE" sz="2400" dirty="0"/>
+                    </a:p>
+                  </a:txBody>
+                  <a:tcPr>
+                    <a:solidFill>
+                      <a:srgbClr val="7AE3E6">
+                        <a:alpha val="19000"/>
+                      </a:srgbClr>
+                    </a:solidFill>
+                  </a:tcPr>
+                </a:tc>
+                <a:tc>
+                  <a:txBody>
+                    <a:bodyPr/>
+                    <a:lstStyle/>
+                    <a:p>
+                      <a:pPr algn="r"/>
+                      <a:r>
+                        <a:rPr lang="de-DE" sz="2400" dirty="0" smtClean="0"/>
+                        <a:t>5,6</a:t>
+                      </a:r>
+                      <a:endParaRPr lang="de-DE" sz="2400" dirty="0"/>
+                    </a:p>
+                  </a:txBody>
+                  <a:tcPr>
+                    <a:solidFill>
+                      <a:srgbClr val="7AE3E6">
+                        <a:alpha val="19000"/>
+                      </a:srgbClr>
+                    </a:solidFill>
+                  </a:tcPr>
+                </a:tc>
+              </a:tr>
+              <a:tr h="591416">
+                <a:tc>
+                  <a:txBody>
+                    <a:bodyPr/>
+                    <a:lstStyle/>
+                    <a:p>
+                      <a:r>
+                        <a:rPr lang="de-DE" sz="2400" dirty="0" smtClean="0"/>
+                        <a:t>mangelndes Fachwissen</a:t>
+                      </a:r>
+                      <a:endParaRPr lang="de-DE" sz="2400" dirty="0"/>
+                    </a:p>
+                  </a:txBody>
+                  <a:tcPr>
+                    <a:solidFill>
+                      <a:srgbClr val="7AE3E6">
+                        <a:alpha val="19000"/>
+                      </a:srgbClr>
+                    </a:solidFill>
+                  </a:tcPr>
+                </a:tc>
+                <a:tc>
+                  <a:txBody>
+                    <a:bodyPr/>
+                    <a:lstStyle/>
+                    <a:p>
+                      <a:pPr algn="r"/>
+                      <a:r>
+                        <a:rPr lang="de-DE" sz="2400" dirty="0" smtClean="0"/>
+                        <a:t>4,5</a:t>
+                      </a:r>
+                      <a:endParaRPr lang="de-DE" sz="2400" dirty="0"/>
+                    </a:p>
+                  </a:txBody>
+                  <a:tcPr>
+                    <a:solidFill>
+                      <a:srgbClr val="7AE3E6">
+                        <a:alpha val="19000"/>
+                      </a:srgbClr>
+                    </a:solidFill>
+                  </a:tcPr>
+                </a:tc>
+              </a:tr>
+            </a:tbl>
+          </a:graphicData>
+        </a:graphic>
+      </p:graphicFrame>
     </p:spTree>
     <p:extLst>
       <p:ext uri="{BB962C8B-B14F-4D97-AF65-F5344CB8AC3E}">
@@ -4684,7 +4998,7 @@
                   <a:schemeClr val="bg1"/>
                 </a:solidFill>
               </a:rPr>
-              <a:t>abgewandelter </a:t>
+              <a:t>abgewandelte </a:t>
             </a:r>
             <a:r>
               <a:rPr lang="de-DE" sz="2400" dirty="0">
@@ -5231,30 +5545,6 @@
       </p:grpSpPr>
       <p:sp>
         <p:nvSpPr>
-          <p:cNvPr id="3" name="Textplatzhalter 2"/>
-          <p:cNvSpPr>
-            <a:spLocks noGrp="1"/>
-          </p:cNvSpPr>
-          <p:nvPr>
-            <p:ph type="body" idx="1"/>
-          </p:nvPr>
-        </p:nvSpPr>
-        <p:spPr>
-          <a:xfrm>
-            <a:off x="539552" y="1700808"/>
-            <a:ext cx="7848872" cy="4464496"/>
-          </a:xfrm>
-        </p:spPr>
-        <p:txBody>
-          <a:bodyPr/>
-          <a:lstStyle/>
-          <a:p>
-            <a:endParaRPr lang="de-DE" dirty="0"/>
-          </a:p>
-        </p:txBody>
-      </p:sp>
-      <p:sp>
-        <p:nvSpPr>
           <p:cNvPr id="4" name="Titel 1"/>
           <p:cNvSpPr txBox="1">
             <a:spLocks/>
@@ -5405,8 +5695,8 @@
         </p:blipFill>
         <p:spPr>
           <a:xfrm>
-            <a:off x="1547664" y="1023855"/>
-            <a:ext cx="7200800" cy="5812016"/>
+            <a:off x="1619672" y="1599919"/>
+            <a:ext cx="6102358" cy="4925425"/>
           </a:xfrm>
           <a:prstGeom prst="rect">
             <a:avLst/>
@@ -5748,30 +6038,6 @@
       </p:grpSpPr>
       <p:sp>
         <p:nvSpPr>
-          <p:cNvPr id="4" name="Textplatzhalter 2"/>
-          <p:cNvSpPr>
-            <a:spLocks noGrp="1"/>
-          </p:cNvSpPr>
-          <p:nvPr>
-            <p:ph type="body" idx="1"/>
-          </p:nvPr>
-        </p:nvSpPr>
-        <p:spPr>
-          <a:xfrm>
-            <a:off x="539552" y="1700808"/>
-            <a:ext cx="7848872" cy="4464496"/>
-          </a:xfrm>
-        </p:spPr>
-        <p:txBody>
-          <a:bodyPr/>
-          <a:lstStyle/>
-          <a:p>
-            <a:endParaRPr lang="de-DE" dirty="0"/>
-          </a:p>
-        </p:txBody>
-      </p:sp>
-      <p:sp>
-        <p:nvSpPr>
           <p:cNvPr id="5" name="Titel 1"/>
           <p:cNvSpPr txBox="1">
             <a:spLocks/>
@@ -6425,100 +6691,6 @@
       </p:grpSpPr>
       <p:sp>
         <p:nvSpPr>
-          <p:cNvPr id="4" name="Textplatzhalter 2"/>
-          <p:cNvSpPr>
-            <a:spLocks noGrp="1"/>
-          </p:cNvSpPr>
-          <p:nvPr>
-            <p:ph type="body" idx="1"/>
-          </p:nvPr>
-        </p:nvSpPr>
-        <p:spPr>
-          <a:xfrm>
-            <a:off x="539552" y="1700808"/>
-            <a:ext cx="7848872" cy="4464496"/>
-          </a:xfrm>
-        </p:spPr>
-        <p:txBody>
-          <a:bodyPr/>
-          <a:lstStyle/>
-          <a:p>
-            <a:pPr marL="285750" indent="-285750">
-              <a:buFont typeface="Arial" pitchFamily="34" charset="0"/>
-              <a:buChar char="•"/>
-            </a:pPr>
-            <a:r>
-              <a:rPr lang="de-DE" sz="2800" i="0" dirty="0" err="1" smtClean="0">
-                <a:solidFill>
-                  <a:schemeClr val="bg1"/>
-                </a:solidFill>
-              </a:rPr>
-              <a:t>Jira</a:t>
-            </a:r>
-            <a:endParaRPr lang="de-DE" sz="2800" i="0" dirty="0" smtClean="0">
-              <a:solidFill>
-                <a:schemeClr val="bg1"/>
-              </a:solidFill>
-            </a:endParaRPr>
-          </a:p>
-          <a:p>
-            <a:pPr marL="285750" indent="-285750">
-              <a:buFont typeface="Arial" pitchFamily="34" charset="0"/>
-              <a:buChar char="•"/>
-            </a:pPr>
-            <a:r>
-              <a:rPr lang="de-DE" sz="2800" i="0" dirty="0" err="1" smtClean="0">
-                <a:solidFill>
-                  <a:schemeClr val="bg1"/>
-                </a:solidFill>
-              </a:rPr>
-              <a:t>Git</a:t>
-            </a:r>
-            <a:endParaRPr lang="de-DE" sz="2800" i="0" dirty="0" smtClean="0">
-              <a:solidFill>
-                <a:schemeClr val="bg1"/>
-              </a:solidFill>
-            </a:endParaRPr>
-          </a:p>
-          <a:p>
-            <a:pPr marL="285750" indent="-285750">
-              <a:buFont typeface="Arial" pitchFamily="34" charset="0"/>
-              <a:buChar char="•"/>
-            </a:pPr>
-            <a:r>
-              <a:rPr lang="de-DE" sz="2800" i="0" dirty="0" smtClean="0">
-                <a:solidFill>
-                  <a:schemeClr val="bg1"/>
-                </a:solidFill>
-              </a:rPr>
-              <a:t>Sona</a:t>
-            </a:r>
-          </a:p>
-          <a:p>
-            <a:pPr marL="285750" indent="-285750">
-              <a:buFont typeface="Arial" pitchFamily="34" charset="0"/>
-              <a:buChar char="•"/>
-            </a:pPr>
-            <a:r>
-              <a:rPr lang="de-DE" sz="2800" i="0" dirty="0" smtClean="0">
-                <a:solidFill>
-                  <a:schemeClr val="bg1"/>
-                </a:solidFill>
-              </a:rPr>
-              <a:t>Emma</a:t>
-            </a:r>
-          </a:p>
-          <a:p>
-            <a:endParaRPr lang="de-DE" dirty="0">
-              <a:solidFill>
-                <a:schemeClr val="bg1"/>
-              </a:solidFill>
-            </a:endParaRPr>
-          </a:p>
-        </p:txBody>
-      </p:sp>
-      <p:sp>
-        <p:nvSpPr>
           <p:cNvPr id="5" name="Titel 1"/>
           <p:cNvSpPr txBox="1">
             <a:spLocks/>
@@ -6612,14 +6784,92 @@
           </a:lstStyle>
           <a:p>
             <a:r>
-              <a:rPr lang="de-DE" dirty="0" smtClean="0">
+              <a:rPr lang="de-DE" dirty="0" err="1" smtClean="0">
                 <a:latin typeface="Calibri" pitchFamily="34" charset="0"/>
               </a:rPr>
-              <a:t>Verwendete Tools</a:t>
+              <a:t>Jira</a:t>
             </a:r>
             <a:endParaRPr lang="de-DE" dirty="0">
               <a:latin typeface="Calibri" pitchFamily="34" charset="0"/>
             </a:endParaRPr>
+          </a:p>
+        </p:txBody>
+      </p:sp>
+      <p:pic>
+        <p:nvPicPr>
+          <p:cNvPr id="2" name="Grafik 1"/>
+          <p:cNvPicPr>
+            <a:picLocks noChangeAspect="1"/>
+          </p:cNvPicPr>
+          <p:nvPr/>
+        </p:nvPicPr>
+        <p:blipFill>
+          <a:blip r:embed="rId3">
+            <a:extLst>
+              <a:ext uri="{28A0092B-C50C-407E-A947-70E740481C1C}">
+                <a14:useLocalDpi xmlns:a14="http://schemas.microsoft.com/office/drawing/2010/main" val="0"/>
+              </a:ext>
+            </a:extLst>
+          </a:blip>
+          <a:stretch>
+            <a:fillRect/>
+          </a:stretch>
+        </p:blipFill>
+        <p:spPr>
+          <a:xfrm>
+            <a:off x="251520" y="2254347"/>
+            <a:ext cx="8172400" cy="3542987"/>
+          </a:xfrm>
+          <a:prstGeom prst="rect">
+            <a:avLst/>
+          </a:prstGeom>
+        </p:spPr>
+      </p:pic>
+      <p:sp>
+        <p:nvSpPr>
+          <p:cNvPr id="3" name="Pfeil nach oben 2"/>
+          <p:cNvSpPr/>
+          <p:nvPr/>
+        </p:nvSpPr>
+        <p:spPr>
+          <a:xfrm rot="10800000">
+            <a:off x="5076056" y="1808803"/>
+            <a:ext cx="584565" cy="445543"/>
+          </a:xfrm>
+          <a:prstGeom prst="upArrow">
+            <a:avLst/>
+          </a:prstGeom>
+          <a:solidFill>
+            <a:srgbClr val="66DAD7"/>
+          </a:solidFill>
+          <a:ln>
+            <a:solidFill>
+              <a:schemeClr val="tx1"/>
+            </a:solidFill>
+          </a:ln>
+        </p:spPr>
+        <p:style>
+          <a:lnRef idx="2">
+            <a:schemeClr val="accent1">
+              <a:shade val="50000"/>
+            </a:schemeClr>
+          </a:lnRef>
+          <a:fillRef idx="1">
+            <a:schemeClr val="accent1"/>
+          </a:fillRef>
+          <a:effectRef idx="0">
+            <a:schemeClr val="accent1"/>
+          </a:effectRef>
+          <a:fontRef idx="minor">
+            <a:schemeClr val="lt1"/>
+          </a:fontRef>
+        </p:style>
+        <p:txBody>
+          <a:bodyPr rtlCol="0" anchor="ctr"/>
+          <a:lstStyle/>
+          <a:p>
+            <a:pPr algn="ctr"/>
+            <a:endParaRPr lang="de-DE"/>
           </a:p>
         </p:txBody>
       </p:sp>

--- a/Presentation/abschlusspraesentation.pptx
+++ b/Presentation/abschlusspraesentation.pptx
@@ -4035,30 +4035,6 @@
       </p:grpSpPr>
       <p:sp>
         <p:nvSpPr>
-          <p:cNvPr id="4" name="Textplatzhalter 2"/>
-          <p:cNvSpPr>
-            <a:spLocks noGrp="1"/>
-          </p:cNvSpPr>
-          <p:nvPr>
-            <p:ph type="body" idx="1"/>
-          </p:nvPr>
-        </p:nvSpPr>
-        <p:spPr>
-          <a:xfrm>
-            <a:off x="539552" y="1700808"/>
-            <a:ext cx="7848872" cy="4464496"/>
-          </a:xfrm>
-        </p:spPr>
-        <p:txBody>
-          <a:bodyPr/>
-          <a:lstStyle/>
-          <a:p>
-            <a:endParaRPr lang="de-DE" dirty="0"/>
-          </a:p>
-        </p:txBody>
-      </p:sp>
-      <p:sp>
-        <p:nvSpPr>
           <p:cNvPr id="5" name="Titel 1"/>
           <p:cNvSpPr txBox="1">
             <a:spLocks/>
@@ -4068,7 +4044,7 @@
         <p:spPr>
           <a:xfrm>
             <a:off x="539552" y="260648"/>
-            <a:ext cx="6172200" cy="1008112"/>
+            <a:ext cx="7992888" cy="1008112"/>
           </a:xfrm>
           <a:prstGeom prst="rect">
             <a:avLst/>
@@ -4152,13 +4128,229 @@
           </a:lstStyle>
           <a:p>
             <a:r>
+              <a:rPr lang="de-DE" dirty="0" err="1" smtClean="0">
+                <a:latin typeface="Calibri" pitchFamily="34" charset="0"/>
+              </a:rPr>
+              <a:t>Function</a:t>
+            </a:r>
+            <a:r>
               <a:rPr lang="de-DE" dirty="0" smtClean="0">
                 <a:latin typeface="Calibri" pitchFamily="34" charset="0"/>
               </a:rPr>
-              <a:t>Muster</a:t>
+              <a:t> Tests</a:t>
             </a:r>
             <a:endParaRPr lang="de-DE" dirty="0">
               <a:latin typeface="Calibri" pitchFamily="34" charset="0"/>
+            </a:endParaRPr>
+          </a:p>
+        </p:txBody>
+      </p:sp>
+      <p:pic>
+        <p:nvPicPr>
+          <p:cNvPr id="1026" name="Picture 2"/>
+          <p:cNvPicPr>
+            <a:picLocks noChangeAspect="1" noChangeArrowheads="1"/>
+          </p:cNvPicPr>
+          <p:nvPr/>
+        </p:nvPicPr>
+        <p:blipFill rotWithShape="1">
+          <a:blip r:embed="rId3">
+            <a:extLst>
+              <a:ext uri="{28A0092B-C50C-407E-A947-70E740481C1C}">
+                <a14:useLocalDpi xmlns:a14="http://schemas.microsoft.com/office/drawing/2010/main" val="0"/>
+              </a:ext>
+            </a:extLst>
+          </a:blip>
+          <a:srcRect l="730" t="19643" r="36111" b="30358"/>
+          <a:stretch/>
+        </p:blipFill>
+        <p:spPr bwMode="auto">
+          <a:xfrm>
+            <a:off x="971600" y="2595442"/>
+            <a:ext cx="8092605" cy="3601911"/>
+          </a:xfrm>
+          <a:prstGeom prst="rect">
+            <a:avLst/>
+          </a:prstGeom>
+          <a:noFill/>
+          <a:ln>
+            <a:noFill/>
+          </a:ln>
+          <a:extLst>
+            <a:ext uri="{909E8E84-426E-40DD-AFC4-6F175D3DCCD1}">
+              <a14:hiddenFill xmlns:a14="http://schemas.microsoft.com/office/drawing/2010/main">
+                <a:solidFill>
+                  <a:schemeClr val="accent1"/>
+                </a:solidFill>
+              </a14:hiddenFill>
+            </a:ext>
+            <a:ext uri="{91240B29-F687-4F45-9708-019B960494DF}">
+              <a14:hiddenLine xmlns:a14="http://schemas.microsoft.com/office/drawing/2010/main" w="9525">
+                <a:solidFill>
+                  <a:schemeClr val="tx1"/>
+                </a:solidFill>
+                <a:miter lim="800000"/>
+                <a:headEnd/>
+                <a:tailEnd/>
+              </a14:hiddenLine>
+            </a:ext>
+          </a:extLst>
+        </p:spPr>
+      </p:pic>
+      <p:sp>
+        <p:nvSpPr>
+          <p:cNvPr id="2" name="Textfeld 1"/>
+          <p:cNvSpPr txBox="1"/>
+          <p:nvPr/>
+        </p:nvSpPr>
+        <p:spPr>
+          <a:xfrm>
+            <a:off x="1115616" y="1887215"/>
+            <a:ext cx="2573140" cy="461665"/>
+          </a:xfrm>
+          <a:prstGeom prst="rect">
+            <a:avLst/>
+          </a:prstGeom>
+          <a:noFill/>
+        </p:spPr>
+        <p:txBody>
+          <a:bodyPr wrap="none" rtlCol="0">
+            <a:spAutoFit/>
+          </a:bodyPr>
+          <a:lstStyle/>
+          <a:p>
+            <a:r>
+              <a:rPr lang="de-DE" sz="2400" b="1" dirty="0" err="1" smtClean="0">
+                <a:solidFill>
+                  <a:srgbClr val="00B0F0"/>
+                </a:solidFill>
+              </a:rPr>
+              <a:t>Calabash-Android</a:t>
+            </a:r>
+            <a:endParaRPr lang="de-DE" sz="2400" b="1" dirty="0">
+              <a:solidFill>
+                <a:srgbClr val="00B0F0"/>
+              </a:solidFill>
+            </a:endParaRPr>
+          </a:p>
+        </p:txBody>
+      </p:sp>
+      <p:pic>
+        <p:nvPicPr>
+          <p:cNvPr id="1028" name="Picture 4" descr="http://www.kcb-samen.ch/shop/images/225910.jpg"/>
+          <p:cNvPicPr>
+            <a:picLocks noChangeAspect="1" noChangeArrowheads="1"/>
+          </p:cNvPicPr>
+          <p:nvPr/>
+        </p:nvPicPr>
+        <p:blipFill>
+          <a:blip r:embed="rId4">
+            <a:extLst>
+              <a:ext uri="{28A0092B-C50C-407E-A947-70E740481C1C}">
+                <a14:useLocalDpi xmlns:a14="http://schemas.microsoft.com/office/drawing/2010/main" val="0"/>
+              </a:ext>
+            </a:extLst>
+          </a:blip>
+          <a:srcRect/>
+          <a:stretch>
+            <a:fillRect/>
+          </a:stretch>
+        </p:blipFill>
+        <p:spPr bwMode="auto">
+          <a:xfrm>
+            <a:off x="159583" y="1640738"/>
+            <a:ext cx="956033" cy="924166"/>
+          </a:xfrm>
+          <a:prstGeom prst="rect">
+            <a:avLst/>
+          </a:prstGeom>
+          <a:noFill/>
+          <a:extLst>
+            <a:ext uri="{909E8E84-426E-40DD-AFC4-6F175D3DCCD1}">
+              <a14:hiddenFill xmlns:a14="http://schemas.microsoft.com/office/drawing/2010/main">
+                <a:solidFill>
+                  <a:srgbClr val="FFFFFF"/>
+                </a:solidFill>
+              </a14:hiddenFill>
+            </a:ext>
+          </a:extLst>
+        </p:spPr>
+      </p:pic>
+      <p:pic>
+        <p:nvPicPr>
+          <p:cNvPr id="1030" name="Picture 6" descr="http://thumbs.dreamstime.com/thumblarge_560/1291060826iloOMF.jpg"/>
+          <p:cNvPicPr>
+            <a:picLocks noChangeAspect="1" noChangeArrowheads="1"/>
+          </p:cNvPicPr>
+          <p:nvPr/>
+        </p:nvPicPr>
+        <p:blipFill>
+          <a:blip r:embed="rId5" cstate="print">
+            <a:extLst>
+              <a:ext uri="{28A0092B-C50C-407E-A947-70E740481C1C}">
+                <a14:useLocalDpi xmlns:a14="http://schemas.microsoft.com/office/drawing/2010/main" val="0"/>
+              </a:ext>
+            </a:extLst>
+          </a:blip>
+          <a:srcRect/>
+          <a:stretch>
+            <a:fillRect/>
+          </a:stretch>
+        </p:blipFill>
+        <p:spPr bwMode="auto">
+          <a:xfrm>
+            <a:off x="4211960" y="1615622"/>
+            <a:ext cx="805942" cy="1115919"/>
+          </a:xfrm>
+          <a:prstGeom prst="rect">
+            <a:avLst/>
+          </a:prstGeom>
+          <a:noFill/>
+          <a:extLst>
+            <a:ext uri="{909E8E84-426E-40DD-AFC4-6F175D3DCCD1}">
+              <a14:hiddenFill xmlns:a14="http://schemas.microsoft.com/office/drawing/2010/main">
+                <a:solidFill>
+                  <a:srgbClr val="FFFFFF"/>
+                </a:solidFill>
+              </a14:hiddenFill>
+            </a:ext>
+          </a:extLst>
+        </p:spPr>
+      </p:pic>
+      <p:sp>
+        <p:nvSpPr>
+          <p:cNvPr id="8" name="Textfeld 7"/>
+          <p:cNvSpPr txBox="1"/>
+          <p:nvPr/>
+        </p:nvSpPr>
+        <p:spPr>
+          <a:xfrm>
+            <a:off x="5017902" y="1887214"/>
+            <a:ext cx="1225015" cy="461665"/>
+          </a:xfrm>
+          <a:prstGeom prst="rect">
+            <a:avLst/>
+          </a:prstGeom>
+          <a:noFill/>
+        </p:spPr>
+        <p:txBody>
+          <a:bodyPr wrap="none" rtlCol="0">
+            <a:spAutoFit/>
+          </a:bodyPr>
+          <a:lstStyle/>
+          <a:p>
+            <a:r>
+              <a:rPr lang="de-DE" sz="2400" b="1" dirty="0" err="1" smtClean="0">
+                <a:solidFill>
+                  <a:srgbClr val="00B0F0"/>
+                </a:solidFill>
+              </a:rPr>
+              <a:t>Gherkin</a:t>
+            </a:r>
+            <a:endParaRPr lang="de-DE" sz="2400" b="1" dirty="0">
+              <a:solidFill>
+                <a:srgbClr val="00B0F0"/>
+              </a:solidFill>
             </a:endParaRPr>
           </a:p>
         </p:txBody>

--- a/Presentation/abschlusspraesentation.pptx
+++ b/Presentation/abschlusspraesentation.pptx
@@ -18,8 +18,12 @@
     <p:sldId id="266" r:id="rId12"/>
     <p:sldId id="267" r:id="rId13"/>
     <p:sldId id="268" r:id="rId14"/>
-    <p:sldId id="269" r:id="rId15"/>
-    <p:sldId id="270" r:id="rId16"/>
+    <p:sldId id="270" r:id="rId15"/>
+    <p:sldId id="271" r:id="rId16"/>
+    <p:sldId id="272" r:id="rId17"/>
+    <p:sldId id="273" r:id="rId18"/>
+    <p:sldId id="274" r:id="rId19"/>
+    <p:sldId id="275" r:id="rId20"/>
   </p:sldIdLst>
   <p:sldSz cx="9144000" cy="6858000" type="screen4x3"/>
   <p:notesSz cx="6858000" cy="9144000"/>
@@ -3465,7 +3469,7 @@
         <p:spPr>
           <a:xfrm>
             <a:off x="539552" y="260648"/>
-            <a:ext cx="6172200" cy="1008112"/>
+            <a:ext cx="8208912" cy="1008112"/>
           </a:xfrm>
           <a:prstGeom prst="rect">
             <a:avLst/>
@@ -3552,7 +3556,7 @@
               <a:rPr lang="de-DE" dirty="0" smtClean="0">
                 <a:latin typeface="Calibri" pitchFamily="34" charset="0"/>
               </a:rPr>
-              <a:t>Risikoplan</a:t>
+              <a:t>Die Top 5 im Risikoplan</a:t>
             </a:r>
             <a:endParaRPr lang="de-DE" dirty="0">
               <a:latin typeface="Calibri" pitchFamily="34" charset="0"/>
@@ -3560,36 +3564,350 @@
           </a:p>
         </p:txBody>
       </p:sp>
-      <p:pic>
-        <p:nvPicPr>
-          <p:cNvPr id="6" name="Grafik 5"/>
-          <p:cNvPicPr>
-            <a:picLocks noChangeAspect="1"/>
-          </p:cNvPicPr>
+      <p:sp>
+        <p:nvSpPr>
+          <p:cNvPr id="2" name="Flussdiagramm: Zusammenführen 1"/>
+          <p:cNvSpPr/>
           <p:nvPr/>
-        </p:nvPicPr>
-        <p:blipFill>
-          <a:blip r:embed="rId3">
-            <a:extLst>
-              <a:ext uri="{28A0092B-C50C-407E-A947-70E740481C1C}">
-                <a14:useLocalDpi xmlns:a14="http://schemas.microsoft.com/office/drawing/2010/main" val="0"/>
-              </a:ext>
-            </a:extLst>
-          </a:blip>
-          <a:stretch>
-            <a:fillRect/>
-          </a:stretch>
-        </p:blipFill>
+        </p:nvSpPr>
         <p:spPr>
           <a:xfrm>
-            <a:off x="827584" y="1628801"/>
-            <a:ext cx="7920880" cy="4888410"/>
+            <a:off x="7757455" y="2348880"/>
+            <a:ext cx="1131640" cy="3240360"/>
           </a:xfrm>
-          <a:prstGeom prst="rect">
+          <a:prstGeom prst="flowChartMerge">
             <a:avLst/>
           </a:prstGeom>
+          <a:solidFill>
+            <a:srgbClr val="FF0000"/>
+          </a:solidFill>
+          <a:ln>
+            <a:solidFill>
+              <a:schemeClr val="tx1"/>
+            </a:solidFill>
+          </a:ln>
         </p:spPr>
-      </p:pic>
+        <p:style>
+          <a:lnRef idx="2">
+            <a:schemeClr val="accent1">
+              <a:shade val="50000"/>
+            </a:schemeClr>
+          </a:lnRef>
+          <a:fillRef idx="1">
+            <a:schemeClr val="accent1"/>
+          </a:fillRef>
+          <a:effectRef idx="0">
+            <a:schemeClr val="accent1"/>
+          </a:effectRef>
+          <a:fontRef idx="minor">
+            <a:schemeClr val="lt1"/>
+          </a:fontRef>
+        </p:style>
+        <p:txBody>
+          <a:bodyPr rtlCol="0" anchor="ctr"/>
+          <a:lstStyle/>
+          <a:p>
+            <a:pPr algn="ctr"/>
+            <a:endParaRPr lang="de-DE"/>
+          </a:p>
+        </p:txBody>
+      </p:sp>
+      <p:graphicFrame>
+        <p:nvGraphicFramePr>
+          <p:cNvPr id="3" name="Tabelle 2"/>
+          <p:cNvGraphicFramePr>
+            <a:graphicFrameLocks noGrp="1"/>
+          </p:cNvGraphicFramePr>
+          <p:nvPr>
+            <p:extLst>
+              <p:ext uri="{D42A27DB-BD31-4B8C-83A1-F6EECF244321}">
+                <p14:modId xmlns:p14="http://schemas.microsoft.com/office/powerpoint/2010/main" val="1270506730"/>
+              </p:ext>
+            </p:extLst>
+          </p:nvPr>
+        </p:nvGraphicFramePr>
+        <p:xfrm>
+          <a:off x="755576" y="1844824"/>
+          <a:ext cx="6840760" cy="3869087"/>
+        </p:xfrm>
+        <a:graphic>
+          <a:graphicData uri="http://schemas.openxmlformats.org/drawingml/2006/table">
+            <a:tbl>
+              <a:tblPr firstRow="1" bandRow="1">
+                <a:tableStyleId>{5C22544A-7EE6-4342-B048-85BDC9FD1C3A}</a:tableStyleId>
+              </a:tblPr>
+              <a:tblGrid>
+                <a:gridCol w="4776584"/>
+                <a:gridCol w="2064176"/>
+              </a:tblGrid>
+              <a:tr h="460147">
+                <a:tc>
+                  <a:txBody>
+                    <a:bodyPr/>
+                    <a:lstStyle/>
+                    <a:p>
+                      <a:r>
+                        <a:rPr lang="de-DE" sz="2800" dirty="0" smtClean="0"/>
+                        <a:t>Risiken</a:t>
+                      </a:r>
+                      <a:endParaRPr lang="de-DE" sz="2800" dirty="0"/>
+                    </a:p>
+                  </a:txBody>
+                  <a:tcPr>
+                    <a:solidFill>
+                      <a:srgbClr val="6ECDD2"/>
+                    </a:solidFill>
+                  </a:tcPr>
+                </a:tc>
+                <a:tc>
+                  <a:txBody>
+                    <a:bodyPr/>
+                    <a:lstStyle/>
+                    <a:p>
+                      <a:pPr algn="r"/>
+                      <a:r>
+                        <a:rPr lang="de-DE" sz="2800" dirty="0" smtClean="0"/>
+                        <a:t>Risikofaktor</a:t>
+                      </a:r>
+                      <a:endParaRPr lang="de-DE" sz="2800" dirty="0"/>
+                    </a:p>
+                  </a:txBody>
+                  <a:tcPr>
+                    <a:solidFill>
+                      <a:srgbClr val="6ECDD2"/>
+                    </a:solidFill>
+                  </a:tcPr>
+                </a:tc>
+              </a:tr>
+              <a:tr h="517180">
+                <a:tc>
+                  <a:txBody>
+                    <a:bodyPr/>
+                    <a:lstStyle/>
+                    <a:p>
+                      <a:r>
+                        <a:rPr lang="de-DE" sz="2400" dirty="0" smtClean="0"/>
+                        <a:t>Zu großer </a:t>
+                      </a:r>
+                      <a:r>
+                        <a:rPr lang="de-DE" sz="2400" dirty="0" err="1" smtClean="0"/>
+                        <a:t>Scope</a:t>
+                      </a:r>
+                      <a:endParaRPr lang="de-DE" sz="2400" dirty="0"/>
+                    </a:p>
+                  </a:txBody>
+                  <a:tcPr>
+                    <a:solidFill>
+                      <a:srgbClr val="7AE3E6">
+                        <a:alpha val="19000"/>
+                      </a:srgbClr>
+                    </a:solidFill>
+                  </a:tcPr>
+                </a:tc>
+                <a:tc>
+                  <a:txBody>
+                    <a:bodyPr/>
+                    <a:lstStyle/>
+                    <a:p>
+                      <a:pPr algn="r"/>
+                      <a:r>
+                        <a:rPr lang="de-DE" sz="2400" dirty="0" smtClean="0"/>
+                        <a:t>6,8</a:t>
+                      </a:r>
+                      <a:endParaRPr lang="de-DE" sz="2400" dirty="0"/>
+                    </a:p>
+                  </a:txBody>
+                  <a:tcPr>
+                    <a:solidFill>
+                      <a:srgbClr val="7AE3E6">
+                        <a:alpha val="19000"/>
+                      </a:srgbClr>
+                    </a:solidFill>
+                  </a:tcPr>
+                </a:tc>
+              </a:tr>
+              <a:tr h="517180">
+                <a:tc>
+                  <a:txBody>
+                    <a:bodyPr/>
+                    <a:lstStyle/>
+                    <a:p>
+                      <a:r>
+                        <a:rPr lang="de-DE" sz="2400" dirty="0" smtClean="0"/>
+                        <a:t>Fehlerhafte (Zeit-)Planung</a:t>
+                      </a:r>
+                      <a:endParaRPr lang="de-DE" sz="2400" dirty="0"/>
+                    </a:p>
+                  </a:txBody>
+                  <a:tcPr>
+                    <a:solidFill>
+                      <a:srgbClr val="7AE3E6">
+                        <a:alpha val="19000"/>
+                      </a:srgbClr>
+                    </a:solidFill>
+                  </a:tcPr>
+                </a:tc>
+                <a:tc>
+                  <a:txBody>
+                    <a:bodyPr/>
+                    <a:lstStyle/>
+                    <a:p>
+                      <a:pPr algn="r"/>
+                      <a:r>
+                        <a:rPr lang="de-DE" sz="2400" dirty="0" smtClean="0"/>
+                        <a:t>6,4</a:t>
+                      </a:r>
+                      <a:endParaRPr lang="de-DE" sz="2400" dirty="0"/>
+                    </a:p>
+                  </a:txBody>
+                  <a:tcPr>
+                    <a:solidFill>
+                      <a:srgbClr val="7AE3E6">
+                        <a:alpha val="19000"/>
+                      </a:srgbClr>
+                    </a:solidFill>
+                  </a:tcPr>
+                </a:tc>
+              </a:tr>
+              <a:tr h="794227">
+                <a:tc>
+                  <a:txBody>
+                    <a:bodyPr/>
+                    <a:lstStyle/>
+                    <a:p>
+                      <a:r>
+                        <a:rPr lang="de-DE" sz="2400" dirty="0" smtClean="0"/>
+                        <a:t>Zeitmangel durch andere Projekte</a:t>
+                      </a:r>
+                      <a:endParaRPr lang="de-DE" sz="2400" dirty="0"/>
+                    </a:p>
+                  </a:txBody>
+                  <a:tcPr>
+                    <a:solidFill>
+                      <a:srgbClr val="7AE3E6">
+                        <a:alpha val="19000"/>
+                      </a:srgbClr>
+                    </a:solidFill>
+                  </a:tcPr>
+                </a:tc>
+                <a:tc>
+                  <a:txBody>
+                    <a:bodyPr/>
+                    <a:lstStyle/>
+                    <a:p>
+                      <a:pPr algn="r"/>
+                      <a:r>
+                        <a:rPr lang="de-DE" sz="2400" dirty="0" smtClean="0"/>
+                        <a:t>5,6</a:t>
+                      </a:r>
+                      <a:endParaRPr lang="de-DE" sz="2400" dirty="0"/>
+                    </a:p>
+                  </a:txBody>
+                  <a:tcPr>
+                    <a:solidFill>
+                      <a:srgbClr val="7AE3E6">
+                        <a:alpha val="19000"/>
+                      </a:srgbClr>
+                    </a:solidFill>
+                  </a:tcPr>
+                </a:tc>
+              </a:tr>
+              <a:tr h="930924">
+                <a:tc>
+                  <a:txBody>
+                    <a:bodyPr/>
+                    <a:lstStyle/>
+                    <a:p>
+                      <a:r>
+                        <a:rPr lang="de-DE" sz="2400" dirty="0" smtClean="0"/>
+                        <a:t>Mangelnde Fehlerfindung &lt;=</a:t>
+                      </a:r>
+                    </a:p>
+                    <a:p>
+                      <a:r>
+                        <a:rPr lang="de-DE" sz="2400" dirty="0" smtClean="0"/>
+                        <a:t>Fehlende Tests</a:t>
+                      </a:r>
+                      <a:endParaRPr lang="de-DE" sz="2400" dirty="0"/>
+                    </a:p>
+                  </a:txBody>
+                  <a:tcPr>
+                    <a:solidFill>
+                      <a:srgbClr val="7AE3E6">
+                        <a:alpha val="19000"/>
+                      </a:srgbClr>
+                    </a:solidFill>
+                  </a:tcPr>
+                </a:tc>
+                <a:tc>
+                  <a:txBody>
+                    <a:bodyPr/>
+                    <a:lstStyle/>
+                    <a:p>
+                      <a:pPr algn="r"/>
+                      <a:r>
+                        <a:rPr lang="de-DE" sz="2400" dirty="0" smtClean="0"/>
+                        <a:t>5,6</a:t>
+                      </a:r>
+                      <a:endParaRPr lang="de-DE" sz="2400" dirty="0"/>
+                    </a:p>
+                  </a:txBody>
+                  <a:tcPr>
+                    <a:solidFill>
+                      <a:srgbClr val="7AE3E6">
+                        <a:alpha val="19000"/>
+                      </a:srgbClr>
+                    </a:solidFill>
+                  </a:tcPr>
+                </a:tc>
+              </a:tr>
+              <a:tr h="591416">
+                <a:tc>
+                  <a:txBody>
+                    <a:bodyPr/>
+                    <a:lstStyle/>
+                    <a:p>
+                      <a:r>
+                        <a:rPr lang="de-DE" sz="2400" dirty="0" smtClean="0"/>
+                        <a:t>mangelndes Fachwissen</a:t>
+                      </a:r>
+                      <a:endParaRPr lang="de-DE" sz="2400" dirty="0"/>
+                    </a:p>
+                  </a:txBody>
+                  <a:tcPr>
+                    <a:solidFill>
+                      <a:srgbClr val="7AE3E6">
+                        <a:alpha val="19000"/>
+                      </a:srgbClr>
+                    </a:solidFill>
+                  </a:tcPr>
+                </a:tc>
+                <a:tc>
+                  <a:txBody>
+                    <a:bodyPr/>
+                    <a:lstStyle/>
+                    <a:p>
+                      <a:pPr algn="r"/>
+                      <a:r>
+                        <a:rPr lang="de-DE" sz="2400" dirty="0" smtClean="0"/>
+                        <a:t>4,5</a:t>
+                      </a:r>
+                      <a:endParaRPr lang="de-DE" sz="2400" dirty="0"/>
+                    </a:p>
+                  </a:txBody>
+                  <a:tcPr>
+                    <a:solidFill>
+                      <a:srgbClr val="7AE3E6">
+                        <a:alpha val="19000"/>
+                      </a:srgbClr>
+                    </a:solidFill>
+                  </a:tcPr>
+                </a:tc>
+              </a:tr>
+            </a:tbl>
+          </a:graphicData>
+        </a:graphic>
+      </p:graphicFrame>
     </p:spTree>
     <p:extLst>
       <p:ext uri="{BB962C8B-B14F-4D97-AF65-F5344CB8AC3E}">
@@ -4035,7 +4353,7 @@
       </p:grpSpPr>
       <p:sp>
         <p:nvSpPr>
-          <p:cNvPr id="5" name="Titel 1"/>
+          <p:cNvPr id="6" name="Titel 1"/>
           <p:cNvSpPr txBox="1">
             <a:spLocks/>
           </p:cNvSpPr>
@@ -4043,7 +4361,7 @@
         </p:nvSpPr>
         <p:spPr>
           <a:xfrm>
-            <a:off x="539552" y="260648"/>
+            <a:off x="439835" y="358397"/>
             <a:ext cx="7992888" cy="1008112"/>
           </a:xfrm>
           <a:prstGeom prst="rect">
@@ -4147,7 +4465,7 @@
       </p:sp>
       <p:pic>
         <p:nvPicPr>
-          <p:cNvPr id="1026" name="Picture 2"/>
+          <p:cNvPr id="7" name="Picture 2"/>
           <p:cNvPicPr>
             <a:picLocks noChangeAspect="1" noChangeArrowheads="1"/>
           </p:cNvPicPr>
@@ -4166,7 +4484,7 @@
         </p:blipFill>
         <p:spPr bwMode="auto">
           <a:xfrm>
-            <a:off x="971600" y="2595442"/>
+            <a:off x="871883" y="2348880"/>
             <a:ext cx="8092605" cy="3601911"/>
           </a:xfrm>
           <a:prstGeom prst="rect">
@@ -4199,14 +4517,14 @@
       </p:pic>
       <p:sp>
         <p:nvSpPr>
-          <p:cNvPr id="2" name="Textfeld 1"/>
+          <p:cNvPr id="8" name="Textfeld 7"/>
           <p:cNvSpPr txBox="1"/>
           <p:nvPr/>
         </p:nvSpPr>
         <p:spPr>
           <a:xfrm>
-            <a:off x="1115616" y="1887215"/>
-            <a:ext cx="2573140" cy="461665"/>
+            <a:off x="869789" y="1733907"/>
+            <a:ext cx="4187365" cy="830997"/>
           </a:xfrm>
           <a:prstGeom prst="rect">
             <a:avLst/>
@@ -4227,60 +4545,72 @@
               </a:rPr>
               <a:t>Calabash-Android</a:t>
             </a:r>
+            <a:r>
+              <a:rPr lang="de-DE" sz="2400" b="1" dirty="0">
+                <a:solidFill>
+                  <a:srgbClr val="00B0F0"/>
+                </a:solidFill>
+              </a:rPr>
+              <a:t> und </a:t>
+            </a:r>
+            <a:r>
+              <a:rPr lang="de-DE" sz="2400" b="1" dirty="0" err="1">
+                <a:solidFill>
+                  <a:srgbClr val="00B0F0"/>
+                </a:solidFill>
+              </a:rPr>
+              <a:t>Gherkin</a:t>
+            </a:r>
             <a:endParaRPr lang="de-DE" sz="2400" b="1" dirty="0">
               <a:solidFill>
                 <a:srgbClr val="00B0F0"/>
               </a:solidFill>
             </a:endParaRPr>
           </a:p>
+          <a:p>
+            <a:endParaRPr lang="de-DE" sz="2400" b="1" dirty="0">
+              <a:solidFill>
+                <a:srgbClr val="00B0F0"/>
+              </a:solidFill>
+            </a:endParaRPr>
+          </a:p>
         </p:txBody>
       </p:sp>
       <p:pic>
         <p:nvPicPr>
-          <p:cNvPr id="1028" name="Picture 4" descr="http://www.kcb-samen.ch/shop/images/225910.jpg"/>
+          <p:cNvPr id="2" name="Grafik 1"/>
           <p:cNvPicPr>
-            <a:picLocks noChangeAspect="1" noChangeArrowheads="1"/>
+            <a:picLocks noChangeAspect="1"/>
           </p:cNvPicPr>
           <p:nvPr/>
         </p:nvPicPr>
         <p:blipFill>
-          <a:blip r:embed="rId4">
+          <a:blip r:embed="rId4" cstate="print">
             <a:extLst>
               <a:ext uri="{28A0092B-C50C-407E-A947-70E740481C1C}">
                 <a14:useLocalDpi xmlns:a14="http://schemas.microsoft.com/office/drawing/2010/main" val="0"/>
               </a:ext>
             </a:extLst>
           </a:blip>
-          <a:srcRect/>
           <a:stretch>
             <a:fillRect/>
           </a:stretch>
         </p:blipFill>
-        <p:spPr bwMode="auto">
+        <p:spPr>
           <a:xfrm>
-            <a:off x="159583" y="1640738"/>
-            <a:ext cx="956033" cy="924166"/>
+            <a:off x="7553137" y="226000"/>
+            <a:ext cx="879586" cy="1226394"/>
           </a:xfrm>
           <a:prstGeom prst="rect">
             <a:avLst/>
           </a:prstGeom>
-          <a:noFill/>
-          <a:extLst>
-            <a:ext uri="{909E8E84-426E-40DD-AFC4-6F175D3DCCD1}">
-              <a14:hiddenFill xmlns:a14="http://schemas.microsoft.com/office/drawing/2010/main">
-                <a:solidFill>
-                  <a:srgbClr val="FFFFFF"/>
-                </a:solidFill>
-              </a14:hiddenFill>
-            </a:ext>
-          </a:extLst>
         </p:spPr>
       </p:pic>
       <p:pic>
         <p:nvPicPr>
-          <p:cNvPr id="1030" name="Picture 6" descr="http://thumbs.dreamstime.com/thumblarge_560/1291060826iloOMF.jpg"/>
+          <p:cNvPr id="3" name="Grafik 2"/>
           <p:cNvPicPr>
-            <a:picLocks noChangeAspect="1" noChangeArrowheads="1"/>
+            <a:picLocks noChangeAspect="1"/>
           </p:cNvPicPr>
           <p:nvPr/>
         </p:nvPicPr>
@@ -4292,69 +4622,20 @@
               </a:ext>
             </a:extLst>
           </a:blip>
-          <a:srcRect/>
           <a:stretch>
             <a:fillRect/>
           </a:stretch>
         </p:blipFill>
-        <p:spPr bwMode="auto">
-          <a:xfrm>
-            <a:off x="4211960" y="1615622"/>
-            <a:ext cx="805942" cy="1115919"/>
+        <p:spPr>
+          <a:xfrm rot="15999044">
+            <a:off x="6646821" y="352739"/>
+            <a:ext cx="1090714" cy="1049163"/>
           </a:xfrm>
           <a:prstGeom prst="rect">
             <a:avLst/>
           </a:prstGeom>
-          <a:noFill/>
-          <a:extLst>
-            <a:ext uri="{909E8E84-426E-40DD-AFC4-6F175D3DCCD1}">
-              <a14:hiddenFill xmlns:a14="http://schemas.microsoft.com/office/drawing/2010/main">
-                <a:solidFill>
-                  <a:srgbClr val="FFFFFF"/>
-                </a:solidFill>
-              </a14:hiddenFill>
-            </a:ext>
-          </a:extLst>
         </p:spPr>
       </p:pic>
-      <p:sp>
-        <p:nvSpPr>
-          <p:cNvPr id="8" name="Textfeld 7"/>
-          <p:cNvSpPr txBox="1"/>
-          <p:nvPr/>
-        </p:nvSpPr>
-        <p:spPr>
-          <a:xfrm>
-            <a:off x="5017902" y="1887214"/>
-            <a:ext cx="1225015" cy="461665"/>
-          </a:xfrm>
-          <a:prstGeom prst="rect">
-            <a:avLst/>
-          </a:prstGeom>
-          <a:noFill/>
-        </p:spPr>
-        <p:txBody>
-          <a:bodyPr wrap="none" rtlCol="0">
-            <a:spAutoFit/>
-          </a:bodyPr>
-          <a:lstStyle/>
-          <a:p>
-            <a:r>
-              <a:rPr lang="de-DE" sz="2400" b="1" dirty="0" err="1" smtClean="0">
-                <a:solidFill>
-                  <a:srgbClr val="00B0F0"/>
-                </a:solidFill>
-              </a:rPr>
-              <a:t>Gherkin</a:t>
-            </a:r>
-            <a:endParaRPr lang="de-DE" sz="2400" b="1" dirty="0">
-              <a:solidFill>
-                <a:srgbClr val="00B0F0"/>
-              </a:solidFill>
-            </a:endParaRPr>
-          </a:p>
-        </p:txBody>
-      </p:sp>
     </p:spTree>
     <p:extLst>
       <p:ext uri="{BB962C8B-B14F-4D97-AF65-F5344CB8AC3E}">
@@ -4525,10 +4806,10 @@
           </a:lstStyle>
           <a:p>
             <a:r>
-              <a:rPr lang="de-DE" dirty="0" smtClean="0">
+              <a:rPr lang="de-DE" dirty="0" err="1" smtClean="0">
                 <a:latin typeface="Calibri" pitchFamily="34" charset="0"/>
               </a:rPr>
-              <a:t>Muster</a:t>
+              <a:t>testcorerage</a:t>
             </a:r>
             <a:endParaRPr lang="de-DE" dirty="0">
               <a:latin typeface="Calibri" pitchFamily="34" charset="0"/>
@@ -4536,10 +4817,40 @@
           </a:p>
         </p:txBody>
       </p:sp>
+      <p:pic>
+        <p:nvPicPr>
+          <p:cNvPr id="6" name="Grafik 5"/>
+          <p:cNvPicPr>
+            <a:picLocks noChangeAspect="1"/>
+          </p:cNvPicPr>
+          <p:nvPr/>
+        </p:nvPicPr>
+        <p:blipFill>
+          <a:blip r:embed="rId3">
+            <a:extLst>
+              <a:ext uri="{28A0092B-C50C-407E-A947-70E740481C1C}">
+                <a14:useLocalDpi xmlns:a14="http://schemas.microsoft.com/office/drawing/2010/main" val="0"/>
+              </a:ext>
+            </a:extLst>
+          </a:blip>
+          <a:stretch>
+            <a:fillRect/>
+          </a:stretch>
+        </p:blipFill>
+        <p:spPr>
+          <a:xfrm>
+            <a:off x="179512" y="2831134"/>
+            <a:ext cx="8820472" cy="2398066"/>
+          </a:xfrm>
+          <a:prstGeom prst="rect">
+            <a:avLst/>
+          </a:prstGeom>
+        </p:spPr>
+      </p:pic>
     </p:spTree>
     <p:extLst>
       <p:ext uri="{BB962C8B-B14F-4D97-AF65-F5344CB8AC3E}">
-        <p14:creationId xmlns:p14="http://schemas.microsoft.com/office/powerpoint/2010/main" val="2146414034"/>
+        <p14:creationId xmlns:p14="http://schemas.microsoft.com/office/powerpoint/2010/main" val="1029869636"/>
       </p:ext>
     </p:extLst>
   </p:cSld>
@@ -4589,151 +4900,340 @@
       </p:grpSpPr>
       <p:sp>
         <p:nvSpPr>
-          <p:cNvPr id="4" name="Textplatzhalter 2"/>
+          <p:cNvPr id="2" name="Titel 1"/>
           <p:cNvSpPr>
             <a:spLocks noGrp="1"/>
           </p:cNvSpPr>
           <p:nvPr>
-            <p:ph type="body" idx="1"/>
-          </p:nvPr>
-        </p:nvSpPr>
-        <p:spPr>
-          <a:xfrm>
-            <a:off x="539552" y="1700808"/>
-            <a:ext cx="7848872" cy="4464496"/>
-          </a:xfrm>
-        </p:spPr>
+            <p:ph type="title"/>
+          </p:nvPr>
+        </p:nvSpPr>
+        <p:spPr/>
         <p:txBody>
           <a:bodyPr/>
           <a:lstStyle/>
           <a:p>
-            <a:endParaRPr lang="de-DE" dirty="0"/>
-          </a:p>
-        </p:txBody>
-      </p:sp>
-      <p:sp>
-        <p:nvSpPr>
-          <p:cNvPr id="5" name="Titel 1"/>
-          <p:cNvSpPr txBox="1">
-            <a:spLocks/>
-          </p:cNvSpPr>
-          <p:nvPr/>
-        </p:nvSpPr>
-        <p:spPr>
-          <a:xfrm>
-            <a:off x="539552" y="260648"/>
-            <a:ext cx="6172200" cy="1008112"/>
-          </a:xfrm>
-          <a:prstGeom prst="rect">
-            <a:avLst/>
-          </a:prstGeom>
-        </p:spPr>
-        <p:txBody>
-          <a:bodyPr vert="horz" lIns="91440" tIns="45720" rIns="91440" bIns="45720" rtlCol="0" anchor="t">
-            <a:noAutofit/>
-          </a:bodyPr>
-          <a:lstStyle>
-            <a:lvl1pPr algn="l" defTabSz="914400" rtl="0" eaLnBrk="1" latinLnBrk="0" hangingPunct="1">
-              <a:spcBef>
-                <a:spcPct val="0"/>
-              </a:spcBef>
-              <a:buNone/>
-              <a:defRPr sz="4800" b="1" kern="1200" cap="all" baseline="0">
-                <a:solidFill>
-                  <a:schemeClr val="tx1"/>
-                </a:solidFill>
-                <a:latin typeface="+mj-lt"/>
-                <a:ea typeface="+mj-ea"/>
-                <a:cs typeface="+mj-cs"/>
-              </a:defRPr>
-            </a:lvl1pPr>
-            <a:lvl2pPr eaLnBrk="1" hangingPunct="1">
-              <a:defRPr>
-                <a:solidFill>
-                  <a:schemeClr val="tx2"/>
-                </a:solidFill>
-              </a:defRPr>
-            </a:lvl2pPr>
-            <a:lvl3pPr eaLnBrk="1" hangingPunct="1">
-              <a:defRPr>
-                <a:solidFill>
-                  <a:schemeClr val="tx2"/>
-                </a:solidFill>
-              </a:defRPr>
-            </a:lvl3pPr>
-            <a:lvl4pPr eaLnBrk="1" hangingPunct="1">
-              <a:defRPr>
-                <a:solidFill>
-                  <a:schemeClr val="tx2"/>
-                </a:solidFill>
-              </a:defRPr>
-            </a:lvl4pPr>
-            <a:lvl5pPr eaLnBrk="1" hangingPunct="1">
-              <a:defRPr>
-                <a:solidFill>
-                  <a:schemeClr val="tx2"/>
-                </a:solidFill>
-              </a:defRPr>
-            </a:lvl5pPr>
-            <a:lvl6pPr eaLnBrk="1" hangingPunct="1">
-              <a:defRPr>
-                <a:solidFill>
-                  <a:schemeClr val="tx2"/>
-                </a:solidFill>
-              </a:defRPr>
-            </a:lvl6pPr>
-            <a:lvl7pPr eaLnBrk="1" hangingPunct="1">
-              <a:defRPr>
-                <a:solidFill>
-                  <a:schemeClr val="tx2"/>
-                </a:solidFill>
-              </a:defRPr>
-            </a:lvl7pPr>
-            <a:lvl8pPr eaLnBrk="1" hangingPunct="1">
-              <a:defRPr>
-                <a:solidFill>
-                  <a:schemeClr val="tx2"/>
-                </a:solidFill>
-              </a:defRPr>
-            </a:lvl8pPr>
-            <a:lvl9pPr eaLnBrk="1" hangingPunct="1">
-              <a:defRPr>
-                <a:solidFill>
-                  <a:schemeClr val="tx2"/>
-                </a:solidFill>
-              </a:defRPr>
-            </a:lvl9pPr>
-          </a:lstStyle>
-          <a:p>
-            <a:r>
-              <a:rPr lang="de-DE" dirty="0" smtClean="0">
-                <a:latin typeface="Calibri" pitchFamily="34" charset="0"/>
-              </a:rPr>
-              <a:t>Muster</a:t>
-            </a:r>
-            <a:endParaRPr lang="de-DE" dirty="0">
-              <a:latin typeface="Calibri" pitchFamily="34" charset="0"/>
-            </a:endParaRPr>
+            <a:endParaRPr lang="de-DE"/>
+          </a:p>
+        </p:txBody>
+      </p:sp>
+      <p:sp>
+        <p:nvSpPr>
+          <p:cNvPr id="3" name="Textplatzhalter 2"/>
+          <p:cNvSpPr>
+            <a:spLocks noGrp="1"/>
+          </p:cNvSpPr>
+          <p:nvPr>
+            <p:ph type="body" idx="1"/>
+          </p:nvPr>
+        </p:nvSpPr>
+        <p:spPr/>
+        <p:txBody>
+          <a:bodyPr/>
+          <a:lstStyle/>
+          <a:p>
+            <a:endParaRPr lang="de-DE"/>
           </a:p>
         </p:txBody>
       </p:sp>
     </p:spTree>
     <p:extLst>
       <p:ext uri="{BB962C8B-B14F-4D97-AF65-F5344CB8AC3E}">
-        <p14:creationId xmlns:p14="http://schemas.microsoft.com/office/powerpoint/2010/main" val="1029869636"/>
+        <p14:creationId xmlns:p14="http://schemas.microsoft.com/office/powerpoint/2010/main" val="1563329917"/>
       </p:ext>
     </p:extLst>
   </p:cSld>
   <p:clrMapOvr>
     <a:masterClrMapping/>
   </p:clrMapOvr>
-  <p:timing>
-    <p:tnLst>
-      <p:par>
-        <p:cTn id="1" dur="indefinite" restart="never" nodeType="tmRoot"/>
-      </p:par>
-    </p:tnLst>
-  </p:timing>
+</p:sld>
+</file>
+
+<file path=ppt/slides/slide16.xml><?xml version="1.0" encoding="utf-8"?>
+<p:sld xmlns:a="http://schemas.openxmlformats.org/drawingml/2006/main" xmlns:r="http://schemas.openxmlformats.org/officeDocument/2006/relationships" xmlns:p="http://schemas.openxmlformats.org/presentationml/2006/main">
+  <p:cSld>
+    <p:bg>
+      <p:bgPr>
+        <a:blipFill dpi="0" rotWithShape="1">
+          <a:blip r:embed="rId2">
+            <a:lum/>
+          </a:blip>
+          <a:srcRect/>
+          <a:stretch>
+            <a:fillRect/>
+          </a:stretch>
+        </a:blipFill>
+        <a:effectLst/>
+      </p:bgPr>
+    </p:bg>
+    <p:spTree>
+      <p:nvGrpSpPr>
+        <p:cNvPr id="1" name=""/>
+        <p:cNvGrpSpPr/>
+        <p:nvPr/>
+      </p:nvGrpSpPr>
+      <p:grpSpPr>
+        <a:xfrm>
+          <a:off x="0" y="0"/>
+          <a:ext cx="0" cy="0"/>
+          <a:chOff x="0" y="0"/>
+          <a:chExt cx="0" cy="0"/>
+        </a:xfrm>
+      </p:grpSpPr>
+      <p:sp>
+        <p:nvSpPr>
+          <p:cNvPr id="2" name="Titel 1"/>
+          <p:cNvSpPr>
+            <a:spLocks noGrp="1"/>
+          </p:cNvSpPr>
+          <p:nvPr>
+            <p:ph type="title"/>
+          </p:nvPr>
+        </p:nvSpPr>
+        <p:spPr/>
+        <p:txBody>
+          <a:bodyPr/>
+          <a:lstStyle/>
+          <a:p>
+            <a:endParaRPr lang="de-DE"/>
+          </a:p>
+        </p:txBody>
+      </p:sp>
+      <p:sp>
+        <p:nvSpPr>
+          <p:cNvPr id="3" name="Textplatzhalter 2"/>
+          <p:cNvSpPr>
+            <a:spLocks noGrp="1"/>
+          </p:cNvSpPr>
+          <p:nvPr>
+            <p:ph type="body" idx="1"/>
+          </p:nvPr>
+        </p:nvSpPr>
+        <p:spPr/>
+        <p:txBody>
+          <a:bodyPr/>
+          <a:lstStyle/>
+          <a:p>
+            <a:endParaRPr lang="de-DE"/>
+          </a:p>
+        </p:txBody>
+      </p:sp>
+    </p:spTree>
+    <p:extLst>
+      <p:ext uri="{BB962C8B-B14F-4D97-AF65-F5344CB8AC3E}">
+        <p14:creationId xmlns:p14="http://schemas.microsoft.com/office/powerpoint/2010/main" val="2744538873"/>
+      </p:ext>
+    </p:extLst>
+  </p:cSld>
+  <p:clrMapOvr>
+    <a:masterClrMapping/>
+  </p:clrMapOvr>
+</p:sld>
+</file>
+
+<file path=ppt/slides/slide17.xml><?xml version="1.0" encoding="utf-8"?>
+<p:sld xmlns:a="http://schemas.openxmlformats.org/drawingml/2006/main" xmlns:r="http://schemas.openxmlformats.org/officeDocument/2006/relationships" xmlns:p="http://schemas.openxmlformats.org/presentationml/2006/main">
+  <p:cSld>
+    <p:bg>
+      <p:bgPr>
+        <a:blipFill dpi="0" rotWithShape="1">
+          <a:blip r:embed="rId2">
+            <a:lum/>
+          </a:blip>
+          <a:srcRect/>
+          <a:stretch>
+            <a:fillRect/>
+          </a:stretch>
+        </a:blipFill>
+        <a:effectLst/>
+      </p:bgPr>
+    </p:bg>
+    <p:spTree>
+      <p:nvGrpSpPr>
+        <p:cNvPr id="1" name=""/>
+        <p:cNvGrpSpPr/>
+        <p:nvPr/>
+      </p:nvGrpSpPr>
+      <p:grpSpPr>
+        <a:xfrm>
+          <a:off x="0" y="0"/>
+          <a:ext cx="0" cy="0"/>
+          <a:chOff x="0" y="0"/>
+          <a:chExt cx="0" cy="0"/>
+        </a:xfrm>
+      </p:grpSpPr>
+      <p:sp>
+        <p:nvSpPr>
+          <p:cNvPr id="2" name="Titel 1"/>
+          <p:cNvSpPr>
+            <a:spLocks noGrp="1"/>
+          </p:cNvSpPr>
+          <p:nvPr>
+            <p:ph type="title"/>
+          </p:nvPr>
+        </p:nvSpPr>
+        <p:spPr/>
+        <p:txBody>
+          <a:bodyPr/>
+          <a:lstStyle/>
+          <a:p>
+            <a:endParaRPr lang="de-DE"/>
+          </a:p>
+        </p:txBody>
+      </p:sp>
+      <p:sp>
+        <p:nvSpPr>
+          <p:cNvPr id="3" name="Textplatzhalter 2"/>
+          <p:cNvSpPr>
+            <a:spLocks noGrp="1"/>
+          </p:cNvSpPr>
+          <p:nvPr>
+            <p:ph type="body" idx="1"/>
+          </p:nvPr>
+        </p:nvSpPr>
+        <p:spPr/>
+        <p:txBody>
+          <a:bodyPr/>
+          <a:lstStyle/>
+          <a:p>
+            <a:endParaRPr lang="de-DE"/>
+          </a:p>
+        </p:txBody>
+      </p:sp>
+    </p:spTree>
+    <p:extLst>
+      <p:ext uri="{BB962C8B-B14F-4D97-AF65-F5344CB8AC3E}">
+        <p14:creationId xmlns:p14="http://schemas.microsoft.com/office/powerpoint/2010/main" val="4043003142"/>
+      </p:ext>
+    </p:extLst>
+  </p:cSld>
+  <p:clrMapOvr>
+    <a:masterClrMapping/>
+  </p:clrMapOvr>
+</p:sld>
+</file>
+
+<file path=ppt/slides/slide18.xml><?xml version="1.0" encoding="utf-8"?>
+<p:sld xmlns:a="http://schemas.openxmlformats.org/drawingml/2006/main" xmlns:r="http://schemas.openxmlformats.org/officeDocument/2006/relationships" xmlns:p="http://schemas.openxmlformats.org/presentationml/2006/main">
+  <p:cSld>
+    <p:bg>
+      <p:bgPr>
+        <a:blipFill dpi="0" rotWithShape="1">
+          <a:blip r:embed="rId2">
+            <a:lum/>
+          </a:blip>
+          <a:srcRect/>
+          <a:stretch>
+            <a:fillRect/>
+          </a:stretch>
+        </a:blipFill>
+        <a:effectLst/>
+      </p:bgPr>
+    </p:bg>
+    <p:spTree>
+      <p:nvGrpSpPr>
+        <p:cNvPr id="1" name=""/>
+        <p:cNvGrpSpPr/>
+        <p:nvPr/>
+      </p:nvGrpSpPr>
+      <p:grpSpPr>
+        <a:xfrm>
+          <a:off x="0" y="0"/>
+          <a:ext cx="0" cy="0"/>
+          <a:chOff x="0" y="0"/>
+          <a:chExt cx="0" cy="0"/>
+        </a:xfrm>
+      </p:grpSpPr>
+    </p:spTree>
+    <p:extLst>
+      <p:ext uri="{BB962C8B-B14F-4D97-AF65-F5344CB8AC3E}">
+        <p14:creationId xmlns:p14="http://schemas.microsoft.com/office/powerpoint/2010/main" val="22276255"/>
+      </p:ext>
+    </p:extLst>
+  </p:cSld>
+  <p:clrMapOvr>
+    <a:masterClrMapping/>
+  </p:clrMapOvr>
+</p:sld>
+</file>
+
+<file path=ppt/slides/slide19.xml><?xml version="1.0" encoding="utf-8"?>
+<p:sld xmlns:a="http://schemas.openxmlformats.org/drawingml/2006/main" xmlns:r="http://schemas.openxmlformats.org/officeDocument/2006/relationships" xmlns:p="http://schemas.openxmlformats.org/presentationml/2006/main">
+  <p:cSld>
+    <p:bg>
+      <p:bgPr>
+        <a:blipFill dpi="0" rotWithShape="1">
+          <a:blip r:embed="rId2">
+            <a:lum/>
+          </a:blip>
+          <a:srcRect/>
+          <a:stretch>
+            <a:fillRect/>
+          </a:stretch>
+        </a:blipFill>
+        <a:effectLst/>
+      </p:bgPr>
+    </p:bg>
+    <p:spTree>
+      <p:nvGrpSpPr>
+        <p:cNvPr id="1" name=""/>
+        <p:cNvGrpSpPr/>
+        <p:nvPr/>
+      </p:nvGrpSpPr>
+      <p:grpSpPr>
+        <a:xfrm>
+          <a:off x="0" y="0"/>
+          <a:ext cx="0" cy="0"/>
+          <a:chOff x="0" y="0"/>
+          <a:chExt cx="0" cy="0"/>
+        </a:xfrm>
+      </p:grpSpPr>
+      <p:sp>
+        <p:nvSpPr>
+          <p:cNvPr id="2" name="Titel 1"/>
+          <p:cNvSpPr>
+            <a:spLocks noGrp="1"/>
+          </p:cNvSpPr>
+          <p:nvPr>
+            <p:ph type="title"/>
+          </p:nvPr>
+        </p:nvSpPr>
+        <p:spPr>
+          <a:xfrm>
+            <a:off x="971600" y="2708920"/>
+            <a:ext cx="6886528" cy="2130552"/>
+          </a:xfrm>
+        </p:spPr>
+        <p:txBody>
+          <a:bodyPr/>
+          <a:lstStyle/>
+          <a:p>
+            <a:r>
+              <a:rPr lang="de-DE" dirty="0" smtClean="0">
+                <a:solidFill>
+                  <a:srgbClr val="66DAD7"/>
+                </a:solidFill>
+              </a:rPr>
+              <a:t>Wir bedanken uns für ihr Aufmerksamkeit</a:t>
+            </a:r>
+            <a:endParaRPr lang="de-DE" dirty="0">
+              <a:solidFill>
+                <a:srgbClr val="66DAD7"/>
+              </a:solidFill>
+            </a:endParaRPr>
+          </a:p>
+        </p:txBody>
+      </p:sp>
+    </p:spTree>
+    <p:extLst>
+      <p:ext uri="{BB962C8B-B14F-4D97-AF65-F5344CB8AC3E}">
+        <p14:creationId xmlns:p14="http://schemas.microsoft.com/office/powerpoint/2010/main" val="2836366529"/>
+      </p:ext>
+    </p:extLst>
+  </p:cSld>
+  <p:clrMapOvr>
+    <a:masterClrMapping/>
+  </p:clrMapOvr>
 </p:sld>
 </file>
 
@@ -4876,7 +5376,7 @@
                   <a:schemeClr val="bg1"/>
                 </a:solidFill>
               </a:rPr>
-              <a:t>abgewandelter </a:t>
+              <a:t>abgewandelte </a:t>
             </a:r>
             <a:r>
               <a:rPr lang="de-DE" sz="2400" dirty="0">
@@ -5423,30 +5923,6 @@
       </p:grpSpPr>
       <p:sp>
         <p:nvSpPr>
-          <p:cNvPr id="3" name="Textplatzhalter 2"/>
-          <p:cNvSpPr>
-            <a:spLocks noGrp="1"/>
-          </p:cNvSpPr>
-          <p:nvPr>
-            <p:ph type="body" idx="1"/>
-          </p:nvPr>
-        </p:nvSpPr>
-        <p:spPr>
-          <a:xfrm>
-            <a:off x="539552" y="1700808"/>
-            <a:ext cx="7848872" cy="4464496"/>
-          </a:xfrm>
-        </p:spPr>
-        <p:txBody>
-          <a:bodyPr/>
-          <a:lstStyle/>
-          <a:p>
-            <a:endParaRPr lang="de-DE" dirty="0"/>
-          </a:p>
-        </p:txBody>
-      </p:sp>
-      <p:sp>
-        <p:nvSpPr>
           <p:cNvPr id="4" name="Titel 1"/>
           <p:cNvSpPr txBox="1">
             <a:spLocks/>
@@ -5597,8 +6073,8 @@
         </p:blipFill>
         <p:spPr>
           <a:xfrm>
-            <a:off x="1547664" y="1023855"/>
-            <a:ext cx="7200800" cy="5812016"/>
+            <a:off x="1619672" y="1599919"/>
+            <a:ext cx="6102358" cy="4925425"/>
           </a:xfrm>
           <a:prstGeom prst="rect">
             <a:avLst/>
@@ -5940,30 +6416,6 @@
       </p:grpSpPr>
       <p:sp>
         <p:nvSpPr>
-          <p:cNvPr id="4" name="Textplatzhalter 2"/>
-          <p:cNvSpPr>
-            <a:spLocks noGrp="1"/>
-          </p:cNvSpPr>
-          <p:nvPr>
-            <p:ph type="body" idx="1"/>
-          </p:nvPr>
-        </p:nvSpPr>
-        <p:spPr>
-          <a:xfrm>
-            <a:off x="539552" y="1700808"/>
-            <a:ext cx="7848872" cy="4464496"/>
-          </a:xfrm>
-        </p:spPr>
-        <p:txBody>
-          <a:bodyPr/>
-          <a:lstStyle/>
-          <a:p>
-            <a:endParaRPr lang="de-DE" dirty="0"/>
-          </a:p>
-        </p:txBody>
-      </p:sp>
-      <p:sp>
-        <p:nvSpPr>
           <p:cNvPr id="5" name="Titel 1"/>
           <p:cNvSpPr txBox="1">
             <a:spLocks/>
@@ -6293,6 +6745,36 @@
           </a:p>
         </p:txBody>
       </p:sp>
+      <p:pic>
+        <p:nvPicPr>
+          <p:cNvPr id="3" name="Grafik 2"/>
+          <p:cNvPicPr>
+            <a:picLocks noChangeAspect="1"/>
+          </p:cNvPicPr>
+          <p:nvPr/>
+        </p:nvPicPr>
+        <p:blipFill>
+          <a:blip r:embed="rId3">
+            <a:extLst>
+              <a:ext uri="{28A0092B-C50C-407E-A947-70E740481C1C}">
+                <a14:useLocalDpi xmlns:a14="http://schemas.microsoft.com/office/drawing/2010/main" val="0"/>
+              </a:ext>
+            </a:extLst>
+          </a:blip>
+          <a:stretch>
+            <a:fillRect/>
+          </a:stretch>
+        </p:blipFill>
+        <p:spPr>
+          <a:xfrm>
+            <a:off x="529195" y="1628800"/>
+            <a:ext cx="8604448" cy="4166243"/>
+          </a:xfrm>
+          <a:prstGeom prst="rect">
+            <a:avLst/>
+          </a:prstGeom>
+        </p:spPr>
+      </p:pic>
     </p:spTree>
     <p:extLst>
       <p:ext uri="{BB962C8B-B14F-4D97-AF65-F5344CB8AC3E}">
@@ -6617,100 +7099,6 @@
       </p:grpSpPr>
       <p:sp>
         <p:nvSpPr>
-          <p:cNvPr id="4" name="Textplatzhalter 2"/>
-          <p:cNvSpPr>
-            <a:spLocks noGrp="1"/>
-          </p:cNvSpPr>
-          <p:nvPr>
-            <p:ph type="body" idx="1"/>
-          </p:nvPr>
-        </p:nvSpPr>
-        <p:spPr>
-          <a:xfrm>
-            <a:off x="539552" y="1700808"/>
-            <a:ext cx="7848872" cy="4464496"/>
-          </a:xfrm>
-        </p:spPr>
-        <p:txBody>
-          <a:bodyPr/>
-          <a:lstStyle/>
-          <a:p>
-            <a:pPr marL="285750" indent="-285750">
-              <a:buFont typeface="Arial" pitchFamily="34" charset="0"/>
-              <a:buChar char="•"/>
-            </a:pPr>
-            <a:r>
-              <a:rPr lang="de-DE" sz="2800" i="0" dirty="0" err="1" smtClean="0">
-                <a:solidFill>
-                  <a:schemeClr val="bg1"/>
-                </a:solidFill>
-              </a:rPr>
-              <a:t>Jira</a:t>
-            </a:r>
-            <a:endParaRPr lang="de-DE" sz="2800" i="0" dirty="0" smtClean="0">
-              <a:solidFill>
-                <a:schemeClr val="bg1"/>
-              </a:solidFill>
-            </a:endParaRPr>
-          </a:p>
-          <a:p>
-            <a:pPr marL="285750" indent="-285750">
-              <a:buFont typeface="Arial" pitchFamily="34" charset="0"/>
-              <a:buChar char="•"/>
-            </a:pPr>
-            <a:r>
-              <a:rPr lang="de-DE" sz="2800" i="0" dirty="0" err="1" smtClean="0">
-                <a:solidFill>
-                  <a:schemeClr val="bg1"/>
-                </a:solidFill>
-              </a:rPr>
-              <a:t>Git</a:t>
-            </a:r>
-            <a:endParaRPr lang="de-DE" sz="2800" i="0" dirty="0" smtClean="0">
-              <a:solidFill>
-                <a:schemeClr val="bg1"/>
-              </a:solidFill>
-            </a:endParaRPr>
-          </a:p>
-          <a:p>
-            <a:pPr marL="285750" indent="-285750">
-              <a:buFont typeface="Arial" pitchFamily="34" charset="0"/>
-              <a:buChar char="•"/>
-            </a:pPr>
-            <a:r>
-              <a:rPr lang="de-DE" sz="2800" i="0" dirty="0" smtClean="0">
-                <a:solidFill>
-                  <a:schemeClr val="bg1"/>
-                </a:solidFill>
-              </a:rPr>
-              <a:t>Sona</a:t>
-            </a:r>
-          </a:p>
-          <a:p>
-            <a:pPr marL="285750" indent="-285750">
-              <a:buFont typeface="Arial" pitchFamily="34" charset="0"/>
-              <a:buChar char="•"/>
-            </a:pPr>
-            <a:r>
-              <a:rPr lang="de-DE" sz="2800" i="0" dirty="0" smtClean="0">
-                <a:solidFill>
-                  <a:schemeClr val="bg1"/>
-                </a:solidFill>
-              </a:rPr>
-              <a:t>Emma</a:t>
-            </a:r>
-          </a:p>
-          <a:p>
-            <a:endParaRPr lang="de-DE" dirty="0">
-              <a:solidFill>
-                <a:schemeClr val="bg1"/>
-              </a:solidFill>
-            </a:endParaRPr>
-          </a:p>
-        </p:txBody>
-      </p:sp>
-      <p:sp>
-        <p:nvSpPr>
           <p:cNvPr id="5" name="Titel 1"/>
           <p:cNvSpPr txBox="1">
             <a:spLocks/>
@@ -6804,14 +7192,92 @@
           </a:lstStyle>
           <a:p>
             <a:r>
-              <a:rPr lang="de-DE" dirty="0" smtClean="0">
+              <a:rPr lang="de-DE" dirty="0" err="1" smtClean="0">
                 <a:latin typeface="Calibri" pitchFamily="34" charset="0"/>
               </a:rPr>
-              <a:t>Verwendete Tools</a:t>
+              <a:t>Jira</a:t>
             </a:r>
             <a:endParaRPr lang="de-DE" dirty="0">
               <a:latin typeface="Calibri" pitchFamily="34" charset="0"/>
             </a:endParaRPr>
+          </a:p>
+        </p:txBody>
+      </p:sp>
+      <p:pic>
+        <p:nvPicPr>
+          <p:cNvPr id="2" name="Grafik 1"/>
+          <p:cNvPicPr>
+            <a:picLocks noChangeAspect="1"/>
+          </p:cNvPicPr>
+          <p:nvPr/>
+        </p:nvPicPr>
+        <p:blipFill>
+          <a:blip r:embed="rId3">
+            <a:extLst>
+              <a:ext uri="{28A0092B-C50C-407E-A947-70E740481C1C}">
+                <a14:useLocalDpi xmlns:a14="http://schemas.microsoft.com/office/drawing/2010/main" val="0"/>
+              </a:ext>
+            </a:extLst>
+          </a:blip>
+          <a:stretch>
+            <a:fillRect/>
+          </a:stretch>
+        </p:blipFill>
+        <p:spPr>
+          <a:xfrm>
+            <a:off x="251520" y="2254347"/>
+            <a:ext cx="8172400" cy="3542987"/>
+          </a:xfrm>
+          <a:prstGeom prst="rect">
+            <a:avLst/>
+          </a:prstGeom>
+        </p:spPr>
+      </p:pic>
+      <p:sp>
+        <p:nvSpPr>
+          <p:cNvPr id="3" name="Pfeil nach oben 2"/>
+          <p:cNvSpPr/>
+          <p:nvPr/>
+        </p:nvSpPr>
+        <p:spPr>
+          <a:xfrm rot="10800000">
+            <a:off x="5076056" y="1808803"/>
+            <a:ext cx="584565" cy="445543"/>
+          </a:xfrm>
+          <a:prstGeom prst="upArrow">
+            <a:avLst/>
+          </a:prstGeom>
+          <a:solidFill>
+            <a:srgbClr val="66DAD7"/>
+          </a:solidFill>
+          <a:ln>
+            <a:solidFill>
+              <a:schemeClr val="tx1"/>
+            </a:solidFill>
+          </a:ln>
+        </p:spPr>
+        <p:style>
+          <a:lnRef idx="2">
+            <a:schemeClr val="accent1">
+              <a:shade val="50000"/>
+            </a:schemeClr>
+          </a:lnRef>
+          <a:fillRef idx="1">
+            <a:schemeClr val="accent1"/>
+          </a:fillRef>
+          <a:effectRef idx="0">
+            <a:schemeClr val="accent1"/>
+          </a:effectRef>
+          <a:fontRef idx="minor">
+            <a:schemeClr val="lt1"/>
+          </a:fontRef>
+        </p:style>
+        <p:txBody>
+          <a:bodyPr rtlCol="0" anchor="ctr"/>
+          <a:lstStyle/>
+          <a:p>
+            <a:pPr algn="ctr"/>
+            <a:endParaRPr lang="de-DE"/>
           </a:p>
         </p:txBody>
       </p:sp>

--- a/Presentation/abschlusspraesentation.pptx
+++ b/Presentation/abschlusspraesentation.pptx
@@ -4,6 +4,9 @@
   <p:sldMasterIdLst>
     <p:sldMasterId id="2147483708" r:id="rId1"/>
   </p:sldMasterIdLst>
+  <p:notesMasterIdLst>
+    <p:notesMasterId r:id="rId21"/>
+  </p:notesMasterIdLst>
   <p:sldIdLst>
     <p:sldId id="256" r:id="rId2"/>
     <p:sldId id="257" r:id="rId3"/>
@@ -13,15 +16,15 @@
     <p:sldId id="261" r:id="rId7"/>
     <p:sldId id="262" r:id="rId8"/>
     <p:sldId id="263" r:id="rId9"/>
-    <p:sldId id="264" r:id="rId10"/>
-    <p:sldId id="265" r:id="rId11"/>
-    <p:sldId id="266" r:id="rId12"/>
+    <p:sldId id="266" r:id="rId10"/>
+    <p:sldId id="264" r:id="rId11"/>
+    <p:sldId id="265" r:id="rId12"/>
     <p:sldId id="267" r:id="rId13"/>
     <p:sldId id="268" r:id="rId14"/>
-    <p:sldId id="270" r:id="rId15"/>
-    <p:sldId id="271" r:id="rId16"/>
-    <p:sldId id="272" r:id="rId17"/>
-    <p:sldId id="273" r:id="rId18"/>
+    <p:sldId id="271" r:id="rId15"/>
+    <p:sldId id="270" r:id="rId16"/>
+    <p:sldId id="273" r:id="rId17"/>
+    <p:sldId id="272" r:id="rId18"/>
     <p:sldId id="274" r:id="rId19"/>
     <p:sldId id="275" r:id="rId20"/>
   </p:sldIdLst>
@@ -123,6 +126,774 @@
     </a:lvl9pPr>
   </p:defaultTextStyle>
 </p:presentation>
+</file>
+
+<file path=ppt/charts/chart1.xml><?xml version="1.0" encoding="utf-8"?>
+<c:chartSpace xmlns:c="http://schemas.openxmlformats.org/drawingml/2006/chart" xmlns:a="http://schemas.openxmlformats.org/drawingml/2006/main" xmlns:r="http://schemas.openxmlformats.org/officeDocument/2006/relationships">
+  <c:date1904 val="0"/>
+  <c:lang val="de-DE"/>
+  <c:roundedCorners val="0"/>
+  <mc:AlternateContent xmlns:mc="http://schemas.openxmlformats.org/markup-compatibility/2006">
+    <mc:Choice xmlns:c14="http://schemas.microsoft.com/office/drawing/2007/8/2/chart" Requires="c14">
+      <c14:style val="103"/>
+    </mc:Choice>
+    <mc:Fallback>
+      <c:style val="3"/>
+    </mc:Fallback>
+  </mc:AlternateContent>
+  <c:chart>
+    <c:title>
+      <c:tx>
+        <c:rich>
+          <a:bodyPr/>
+          <a:lstStyle/>
+          <a:p>
+            <a:pPr>
+              <a:defRPr/>
+            </a:pPr>
+            <a:r>
+              <a:rPr lang="en-US" dirty="0" smtClean="0">
+                <a:solidFill>
+                  <a:srgbClr val="66DAD7"/>
+                </a:solidFill>
+              </a:rPr>
+              <a:t>Pro</a:t>
+            </a:r>
+            <a:r>
+              <a:rPr lang="en-US" baseline="0" dirty="0" smtClean="0">
+                <a:solidFill>
+                  <a:srgbClr val="66DAD7"/>
+                </a:solidFill>
+              </a:rPr>
+              <a:t> </a:t>
+            </a:r>
+            <a:r>
+              <a:rPr lang="en-US" baseline="0" dirty="0" err="1" smtClean="0">
+                <a:solidFill>
+                  <a:srgbClr val="66DAD7"/>
+                </a:solidFill>
+              </a:rPr>
+              <a:t>Klasse</a:t>
+            </a:r>
+            <a:endParaRPr lang="en-US" dirty="0">
+              <a:solidFill>
+                <a:srgbClr val="66DAD7"/>
+              </a:solidFill>
+            </a:endParaRPr>
+          </a:p>
+        </c:rich>
+      </c:tx>
+      <c:layout/>
+      <c:overlay val="0"/>
+    </c:title>
+    <c:autoTitleDeleted val="0"/>
+    <c:plotArea>
+      <c:layout>
+        <c:manualLayout>
+          <c:layoutTarget val="inner"/>
+          <c:xMode val="edge"/>
+          <c:yMode val="edge"/>
+          <c:x val="0.24266336662181567"/>
+          <c:y val="0.26743519725878412"/>
+          <c:w val="0.47874618869508329"/>
+          <c:h val="0.6803235313035394"/>
+        </c:manualLayout>
+      </c:layout>
+      <c:pieChart>
+        <c:varyColors val="1"/>
+        <c:ser>
+          <c:idx val="0"/>
+          <c:order val="0"/>
+          <c:tx>
+            <c:strRef>
+              <c:f>Tabelle1!$B$1</c:f>
+              <c:strCache>
+                <c:ptCount val="1"/>
+                <c:pt idx="0">
+                  <c:v>Spalte1</c:v>
+                </c:pt>
+              </c:strCache>
+            </c:strRef>
+          </c:tx>
+          <c:spPr>
+            <a:solidFill>
+              <a:srgbClr val="FF0000"/>
+            </a:solidFill>
+          </c:spPr>
+          <c:dPt>
+            <c:idx val="0"/>
+            <c:bubble3D val="0"/>
+            <c:spPr>
+              <a:solidFill>
+                <a:srgbClr val="00B050"/>
+              </a:solidFill>
+            </c:spPr>
+          </c:dPt>
+          <c:dLbls>
+            <c:showLegendKey val="0"/>
+            <c:showVal val="0"/>
+            <c:showCatName val="0"/>
+            <c:showSerName val="0"/>
+            <c:showPercent val="1"/>
+            <c:showBubbleSize val="0"/>
+            <c:showLeaderLines val="1"/>
+          </c:dLbls>
+          <c:cat>
+            <c:strRef>
+              <c:f>Tabelle1!$A$2:$A$3</c:f>
+              <c:strCache>
+                <c:ptCount val="2"/>
+                <c:pt idx="0">
+                  <c:v>abgedeckt</c:v>
+                </c:pt>
+                <c:pt idx="1">
+                  <c:v>nicht abgedeckt</c:v>
+                </c:pt>
+              </c:strCache>
+            </c:strRef>
+          </c:cat>
+          <c:val>
+            <c:numRef>
+              <c:f>Tabelle1!$B$2:$B$3</c:f>
+              <c:numCache>
+                <c:formatCode>0%</c:formatCode>
+                <c:ptCount val="2"/>
+                <c:pt idx="0">
+                  <c:v>0.28000000000000003</c:v>
+                </c:pt>
+                <c:pt idx="1">
+                  <c:v>0.72</c:v>
+                </c:pt>
+              </c:numCache>
+            </c:numRef>
+          </c:val>
+        </c:ser>
+        <c:dLbls>
+          <c:showLegendKey val="0"/>
+          <c:showVal val="0"/>
+          <c:showCatName val="0"/>
+          <c:showSerName val="0"/>
+          <c:showPercent val="1"/>
+          <c:showBubbleSize val="0"/>
+          <c:showLeaderLines val="1"/>
+        </c:dLbls>
+        <c:firstSliceAng val="0"/>
+      </c:pieChart>
+    </c:plotArea>
+    <c:plotVisOnly val="1"/>
+    <c:dispBlanksAs val="gap"/>
+    <c:showDLblsOverMax val="0"/>
+  </c:chart>
+  <c:txPr>
+    <a:bodyPr/>
+    <a:lstStyle/>
+    <a:p>
+      <a:pPr>
+        <a:defRPr sz="1800"/>
+      </a:pPr>
+      <a:endParaRPr lang="de-DE"/>
+    </a:p>
+  </c:txPr>
+  <c:externalData r:id="rId1">
+    <c:autoUpdate val="0"/>
+  </c:externalData>
+</c:chartSpace>
+</file>
+
+<file path=ppt/charts/chart2.xml><?xml version="1.0" encoding="utf-8"?>
+<c:chartSpace xmlns:c="http://schemas.openxmlformats.org/drawingml/2006/chart" xmlns:a="http://schemas.openxmlformats.org/drawingml/2006/main" xmlns:r="http://schemas.openxmlformats.org/officeDocument/2006/relationships">
+  <c:date1904 val="0"/>
+  <c:lang val="de-DE"/>
+  <c:roundedCorners val="0"/>
+  <mc:AlternateContent xmlns:mc="http://schemas.openxmlformats.org/markup-compatibility/2006">
+    <mc:Choice xmlns:c14="http://schemas.microsoft.com/office/drawing/2007/8/2/chart" Requires="c14">
+      <c14:style val="103"/>
+    </mc:Choice>
+    <mc:Fallback>
+      <c:style val="3"/>
+    </mc:Fallback>
+  </mc:AlternateContent>
+  <c:chart>
+    <c:title>
+      <c:tx>
+        <c:rich>
+          <a:bodyPr/>
+          <a:lstStyle/>
+          <a:p>
+            <a:pPr>
+              <a:defRPr/>
+            </a:pPr>
+            <a:r>
+              <a:rPr lang="en-US" dirty="0" smtClean="0">
+                <a:solidFill>
+                  <a:srgbClr val="66DAD7"/>
+                </a:solidFill>
+              </a:rPr>
+              <a:t>Pro</a:t>
+            </a:r>
+            <a:r>
+              <a:rPr lang="en-US" baseline="0" dirty="0" smtClean="0">
+                <a:solidFill>
+                  <a:srgbClr val="66DAD7"/>
+                </a:solidFill>
+              </a:rPr>
+              <a:t> </a:t>
+            </a:r>
+            <a:r>
+              <a:rPr lang="en-US" baseline="0" dirty="0" err="1" smtClean="0">
+                <a:solidFill>
+                  <a:srgbClr val="66DAD7"/>
+                </a:solidFill>
+              </a:rPr>
+              <a:t>Methode</a:t>
+            </a:r>
+            <a:endParaRPr lang="en-US" dirty="0">
+              <a:solidFill>
+                <a:srgbClr val="66DAD7"/>
+              </a:solidFill>
+            </a:endParaRPr>
+          </a:p>
+        </c:rich>
+      </c:tx>
+      <c:layout/>
+      <c:overlay val="0"/>
+    </c:title>
+    <c:autoTitleDeleted val="0"/>
+    <c:plotArea>
+      <c:layout/>
+      <c:pieChart>
+        <c:varyColors val="1"/>
+        <c:ser>
+          <c:idx val="0"/>
+          <c:order val="0"/>
+          <c:tx>
+            <c:strRef>
+              <c:f>Tabelle1!$B$1</c:f>
+              <c:strCache>
+                <c:ptCount val="1"/>
+                <c:pt idx="0">
+                  <c:v>Pro Methode</c:v>
+                </c:pt>
+              </c:strCache>
+            </c:strRef>
+          </c:tx>
+          <c:spPr>
+            <a:solidFill>
+              <a:srgbClr val="FF0000"/>
+            </a:solidFill>
+          </c:spPr>
+          <c:dPt>
+            <c:idx val="0"/>
+            <c:bubble3D val="0"/>
+            <c:spPr>
+              <a:solidFill>
+                <a:srgbClr val="00B050"/>
+              </a:solidFill>
+            </c:spPr>
+          </c:dPt>
+          <c:dLbls>
+            <c:showLegendKey val="0"/>
+            <c:showVal val="0"/>
+            <c:showCatName val="0"/>
+            <c:showSerName val="0"/>
+            <c:showPercent val="1"/>
+            <c:showBubbleSize val="0"/>
+            <c:showLeaderLines val="1"/>
+          </c:dLbls>
+          <c:cat>
+            <c:strRef>
+              <c:f>Tabelle1!$A$2:$A$3</c:f>
+              <c:strCache>
+                <c:ptCount val="2"/>
+                <c:pt idx="0">
+                  <c:v>abgedeckt</c:v>
+                </c:pt>
+                <c:pt idx="1">
+                  <c:v>nicht abgedeckt</c:v>
+                </c:pt>
+              </c:strCache>
+            </c:strRef>
+          </c:cat>
+          <c:val>
+            <c:numRef>
+              <c:f>Tabelle1!$B$2:$B$3</c:f>
+              <c:numCache>
+                <c:formatCode>0%</c:formatCode>
+                <c:ptCount val="2"/>
+                <c:pt idx="0">
+                  <c:v>0.28999999999999998</c:v>
+                </c:pt>
+                <c:pt idx="1">
+                  <c:v>0.71</c:v>
+                </c:pt>
+              </c:numCache>
+            </c:numRef>
+          </c:val>
+        </c:ser>
+        <c:dLbls>
+          <c:showLegendKey val="0"/>
+          <c:showVal val="0"/>
+          <c:showCatName val="0"/>
+          <c:showSerName val="0"/>
+          <c:showPercent val="1"/>
+          <c:showBubbleSize val="0"/>
+          <c:showLeaderLines val="1"/>
+        </c:dLbls>
+        <c:firstSliceAng val="0"/>
+      </c:pieChart>
+    </c:plotArea>
+    <c:plotVisOnly val="1"/>
+    <c:dispBlanksAs val="gap"/>
+    <c:showDLblsOverMax val="0"/>
+  </c:chart>
+  <c:txPr>
+    <a:bodyPr/>
+    <a:lstStyle/>
+    <a:p>
+      <a:pPr>
+        <a:defRPr sz="1800"/>
+      </a:pPr>
+      <a:endParaRPr lang="de-DE"/>
+    </a:p>
+  </c:txPr>
+  <c:externalData r:id="rId1">
+    <c:autoUpdate val="0"/>
+  </c:externalData>
+</c:chartSpace>
+</file>
+
+<file path=ppt/notesMasters/notesMaster1.xml><?xml version="1.0" encoding="utf-8"?>
+<p:notesMaster xmlns:a="http://schemas.openxmlformats.org/drawingml/2006/main" xmlns:r="http://schemas.openxmlformats.org/officeDocument/2006/relationships" xmlns:p="http://schemas.openxmlformats.org/presentationml/2006/main">
+  <p:cSld>
+    <p:bg>
+      <p:bgRef idx="1001">
+        <a:schemeClr val="bg1"/>
+      </p:bgRef>
+    </p:bg>
+    <p:spTree>
+      <p:nvGrpSpPr>
+        <p:cNvPr id="1" name=""/>
+        <p:cNvGrpSpPr/>
+        <p:nvPr/>
+      </p:nvGrpSpPr>
+      <p:grpSpPr>
+        <a:xfrm>
+          <a:off x="0" y="0"/>
+          <a:ext cx="0" cy="0"/>
+          <a:chOff x="0" y="0"/>
+          <a:chExt cx="0" cy="0"/>
+        </a:xfrm>
+      </p:grpSpPr>
+      <p:sp>
+        <p:nvSpPr>
+          <p:cNvPr id="2" name="Kopfzeilenplatzhalter 1"/>
+          <p:cNvSpPr>
+            <a:spLocks noGrp="1"/>
+          </p:cNvSpPr>
+          <p:nvPr>
+            <p:ph type="hdr" sz="quarter"/>
+          </p:nvPr>
+        </p:nvSpPr>
+        <p:spPr>
+          <a:xfrm>
+            <a:off x="0" y="0"/>
+            <a:ext cx="2971800" cy="457200"/>
+          </a:xfrm>
+          <a:prstGeom prst="rect">
+            <a:avLst/>
+          </a:prstGeom>
+        </p:spPr>
+        <p:txBody>
+          <a:bodyPr vert="horz" lIns="91440" tIns="45720" rIns="91440" bIns="45720" rtlCol="0"/>
+          <a:lstStyle>
+            <a:lvl1pPr algn="l">
+              <a:defRPr sz="1200"/>
+            </a:lvl1pPr>
+          </a:lstStyle>
+          <a:p>
+            <a:endParaRPr lang="de-DE"/>
+          </a:p>
+        </p:txBody>
+      </p:sp>
+      <p:sp>
+        <p:nvSpPr>
+          <p:cNvPr id="3" name="Datumsplatzhalter 2"/>
+          <p:cNvSpPr>
+            <a:spLocks noGrp="1"/>
+          </p:cNvSpPr>
+          <p:nvPr>
+            <p:ph type="dt" idx="1"/>
+          </p:nvPr>
+        </p:nvSpPr>
+        <p:spPr>
+          <a:xfrm>
+            <a:off x="3884613" y="0"/>
+            <a:ext cx="2971800" cy="457200"/>
+          </a:xfrm>
+          <a:prstGeom prst="rect">
+            <a:avLst/>
+          </a:prstGeom>
+        </p:spPr>
+        <p:txBody>
+          <a:bodyPr vert="horz" lIns="91440" tIns="45720" rIns="91440" bIns="45720" rtlCol="0"/>
+          <a:lstStyle>
+            <a:lvl1pPr algn="r">
+              <a:defRPr sz="1200"/>
+            </a:lvl1pPr>
+          </a:lstStyle>
+          <a:p>
+            <a:fld id="{BC4AF301-A1F3-4F4B-8D67-079E88C8BBE8}" type="datetimeFigureOut">
+              <a:rPr lang="de-DE" smtClean="0"/>
+              <a:t>19.06.2013</a:t>
+            </a:fld>
+            <a:endParaRPr lang="de-DE"/>
+          </a:p>
+        </p:txBody>
+      </p:sp>
+      <p:sp>
+        <p:nvSpPr>
+          <p:cNvPr id="4" name="Folienbildplatzhalter 3"/>
+          <p:cNvSpPr>
+            <a:spLocks noGrp="1" noRot="1" noChangeAspect="1"/>
+          </p:cNvSpPr>
+          <p:nvPr>
+            <p:ph type="sldImg" idx="2"/>
+          </p:nvPr>
+        </p:nvSpPr>
+        <p:spPr>
+          <a:xfrm>
+            <a:off x="1143000" y="685800"/>
+            <a:ext cx="4572000" cy="3429000"/>
+          </a:xfrm>
+          <a:prstGeom prst="rect">
+            <a:avLst/>
+          </a:prstGeom>
+          <a:noFill/>
+          <a:ln w="12700">
+            <a:solidFill>
+              <a:prstClr val="black"/>
+            </a:solidFill>
+          </a:ln>
+        </p:spPr>
+        <p:txBody>
+          <a:bodyPr vert="horz" lIns="91440" tIns="45720" rIns="91440" bIns="45720" rtlCol="0" anchor="ctr"/>
+          <a:lstStyle/>
+          <a:p>
+            <a:endParaRPr lang="de-DE"/>
+          </a:p>
+        </p:txBody>
+      </p:sp>
+      <p:sp>
+        <p:nvSpPr>
+          <p:cNvPr id="5" name="Notizenplatzhalter 4"/>
+          <p:cNvSpPr>
+            <a:spLocks noGrp="1"/>
+          </p:cNvSpPr>
+          <p:nvPr>
+            <p:ph type="body" sz="quarter" idx="3"/>
+          </p:nvPr>
+        </p:nvSpPr>
+        <p:spPr>
+          <a:xfrm>
+            <a:off x="685800" y="4343400"/>
+            <a:ext cx="5486400" cy="4114800"/>
+          </a:xfrm>
+          <a:prstGeom prst="rect">
+            <a:avLst/>
+          </a:prstGeom>
+        </p:spPr>
+        <p:txBody>
+          <a:bodyPr vert="horz" lIns="91440" tIns="45720" rIns="91440" bIns="45720" rtlCol="0"/>
+          <a:lstStyle/>
+          <a:p>
+            <a:pPr lvl="0"/>
+            <a:r>
+              <a:rPr lang="de-DE" smtClean="0"/>
+              <a:t>Textmasterformat bearbeiten</a:t>
+            </a:r>
+          </a:p>
+          <a:p>
+            <a:pPr lvl="1"/>
+            <a:r>
+              <a:rPr lang="de-DE" smtClean="0"/>
+              <a:t>Zweite Ebene</a:t>
+            </a:r>
+          </a:p>
+          <a:p>
+            <a:pPr lvl="2"/>
+            <a:r>
+              <a:rPr lang="de-DE" smtClean="0"/>
+              <a:t>Dritte Ebene</a:t>
+            </a:r>
+          </a:p>
+          <a:p>
+            <a:pPr lvl="3"/>
+            <a:r>
+              <a:rPr lang="de-DE" smtClean="0"/>
+              <a:t>Vierte Ebene</a:t>
+            </a:r>
+          </a:p>
+          <a:p>
+            <a:pPr lvl="4"/>
+            <a:r>
+              <a:rPr lang="de-DE" smtClean="0"/>
+              <a:t>Fünfte Ebene</a:t>
+            </a:r>
+            <a:endParaRPr lang="de-DE"/>
+          </a:p>
+        </p:txBody>
+      </p:sp>
+      <p:sp>
+        <p:nvSpPr>
+          <p:cNvPr id="6" name="Fußzeilenplatzhalter 5"/>
+          <p:cNvSpPr>
+            <a:spLocks noGrp="1"/>
+          </p:cNvSpPr>
+          <p:nvPr>
+            <p:ph type="ftr" sz="quarter" idx="4"/>
+          </p:nvPr>
+        </p:nvSpPr>
+        <p:spPr>
+          <a:xfrm>
+            <a:off x="0" y="8685213"/>
+            <a:ext cx="2971800" cy="457200"/>
+          </a:xfrm>
+          <a:prstGeom prst="rect">
+            <a:avLst/>
+          </a:prstGeom>
+        </p:spPr>
+        <p:txBody>
+          <a:bodyPr vert="horz" lIns="91440" tIns="45720" rIns="91440" bIns="45720" rtlCol="0" anchor="b"/>
+          <a:lstStyle>
+            <a:lvl1pPr algn="l">
+              <a:defRPr sz="1200"/>
+            </a:lvl1pPr>
+          </a:lstStyle>
+          <a:p>
+            <a:endParaRPr lang="de-DE"/>
+          </a:p>
+        </p:txBody>
+      </p:sp>
+      <p:sp>
+        <p:nvSpPr>
+          <p:cNvPr id="7" name="Foliennummernplatzhalter 6"/>
+          <p:cNvSpPr>
+            <a:spLocks noGrp="1"/>
+          </p:cNvSpPr>
+          <p:nvPr>
+            <p:ph type="sldNum" sz="quarter" idx="5"/>
+          </p:nvPr>
+        </p:nvSpPr>
+        <p:spPr>
+          <a:xfrm>
+            <a:off x="3884613" y="8685213"/>
+            <a:ext cx="2971800" cy="457200"/>
+          </a:xfrm>
+          <a:prstGeom prst="rect">
+            <a:avLst/>
+          </a:prstGeom>
+        </p:spPr>
+        <p:txBody>
+          <a:bodyPr vert="horz" lIns="91440" tIns="45720" rIns="91440" bIns="45720" rtlCol="0" anchor="b"/>
+          <a:lstStyle>
+            <a:lvl1pPr algn="r">
+              <a:defRPr sz="1200"/>
+            </a:lvl1pPr>
+          </a:lstStyle>
+          <a:p>
+            <a:fld id="{C7C0E2A2-C7D5-40BC-BB24-4708096516B4}" type="slidenum">
+              <a:rPr lang="de-DE" smtClean="0"/>
+              <a:t>‹Nr.›</a:t>
+            </a:fld>
+            <a:endParaRPr lang="de-DE"/>
+          </a:p>
+        </p:txBody>
+      </p:sp>
+    </p:spTree>
+    <p:extLst>
+      <p:ext uri="{BB962C8B-B14F-4D97-AF65-F5344CB8AC3E}">
+        <p14:creationId xmlns:p14="http://schemas.microsoft.com/office/powerpoint/2010/main" val="1270256465"/>
+      </p:ext>
+    </p:extLst>
+  </p:cSld>
+  <p:clrMap bg1="lt1" tx1="dk1" bg2="lt2" tx2="dk2" accent1="accent1" accent2="accent2" accent3="accent3" accent4="accent4" accent5="accent5" accent6="accent6" hlink="hlink" folHlink="folHlink"/>
+  <p:notesStyle>
+    <a:lvl1pPr marL="0" algn="l" defTabSz="914400" rtl="0" eaLnBrk="1" latinLnBrk="0" hangingPunct="1">
+      <a:defRPr sz="1200" kern="1200">
+        <a:solidFill>
+          <a:schemeClr val="tx1"/>
+        </a:solidFill>
+        <a:latin typeface="+mn-lt"/>
+        <a:ea typeface="+mn-ea"/>
+        <a:cs typeface="+mn-cs"/>
+      </a:defRPr>
+    </a:lvl1pPr>
+    <a:lvl2pPr marL="457200" algn="l" defTabSz="914400" rtl="0" eaLnBrk="1" latinLnBrk="0" hangingPunct="1">
+      <a:defRPr sz="1200" kern="1200">
+        <a:solidFill>
+          <a:schemeClr val="tx1"/>
+        </a:solidFill>
+        <a:latin typeface="+mn-lt"/>
+        <a:ea typeface="+mn-ea"/>
+        <a:cs typeface="+mn-cs"/>
+      </a:defRPr>
+    </a:lvl2pPr>
+    <a:lvl3pPr marL="914400" algn="l" defTabSz="914400" rtl="0" eaLnBrk="1" latinLnBrk="0" hangingPunct="1">
+      <a:defRPr sz="1200" kern="1200">
+        <a:solidFill>
+          <a:schemeClr val="tx1"/>
+        </a:solidFill>
+        <a:latin typeface="+mn-lt"/>
+        <a:ea typeface="+mn-ea"/>
+        <a:cs typeface="+mn-cs"/>
+      </a:defRPr>
+    </a:lvl3pPr>
+    <a:lvl4pPr marL="1371600" algn="l" defTabSz="914400" rtl="0" eaLnBrk="1" latinLnBrk="0" hangingPunct="1">
+      <a:defRPr sz="1200" kern="1200">
+        <a:solidFill>
+          <a:schemeClr val="tx1"/>
+        </a:solidFill>
+        <a:latin typeface="+mn-lt"/>
+        <a:ea typeface="+mn-ea"/>
+        <a:cs typeface="+mn-cs"/>
+      </a:defRPr>
+    </a:lvl4pPr>
+    <a:lvl5pPr marL="1828800" algn="l" defTabSz="914400" rtl="0" eaLnBrk="1" latinLnBrk="0" hangingPunct="1">
+      <a:defRPr sz="1200" kern="1200">
+        <a:solidFill>
+          <a:schemeClr val="tx1"/>
+        </a:solidFill>
+        <a:latin typeface="+mn-lt"/>
+        <a:ea typeface="+mn-ea"/>
+        <a:cs typeface="+mn-cs"/>
+      </a:defRPr>
+    </a:lvl5pPr>
+    <a:lvl6pPr marL="2286000" algn="l" defTabSz="914400" rtl="0" eaLnBrk="1" latinLnBrk="0" hangingPunct="1">
+      <a:defRPr sz="1200" kern="1200">
+        <a:solidFill>
+          <a:schemeClr val="tx1"/>
+        </a:solidFill>
+        <a:latin typeface="+mn-lt"/>
+        <a:ea typeface="+mn-ea"/>
+        <a:cs typeface="+mn-cs"/>
+      </a:defRPr>
+    </a:lvl6pPr>
+    <a:lvl7pPr marL="2743200" algn="l" defTabSz="914400" rtl="0" eaLnBrk="1" latinLnBrk="0" hangingPunct="1">
+      <a:defRPr sz="1200" kern="1200">
+        <a:solidFill>
+          <a:schemeClr val="tx1"/>
+        </a:solidFill>
+        <a:latin typeface="+mn-lt"/>
+        <a:ea typeface="+mn-ea"/>
+        <a:cs typeface="+mn-cs"/>
+      </a:defRPr>
+    </a:lvl7pPr>
+    <a:lvl8pPr marL="3200400" algn="l" defTabSz="914400" rtl="0" eaLnBrk="1" latinLnBrk="0" hangingPunct="1">
+      <a:defRPr sz="1200" kern="1200">
+        <a:solidFill>
+          <a:schemeClr val="tx1"/>
+        </a:solidFill>
+        <a:latin typeface="+mn-lt"/>
+        <a:ea typeface="+mn-ea"/>
+        <a:cs typeface="+mn-cs"/>
+      </a:defRPr>
+    </a:lvl8pPr>
+    <a:lvl9pPr marL="3657600" algn="l" defTabSz="914400" rtl="0" eaLnBrk="1" latinLnBrk="0" hangingPunct="1">
+      <a:defRPr sz="1200" kern="1200">
+        <a:solidFill>
+          <a:schemeClr val="tx1"/>
+        </a:solidFill>
+        <a:latin typeface="+mn-lt"/>
+        <a:ea typeface="+mn-ea"/>
+        <a:cs typeface="+mn-cs"/>
+      </a:defRPr>
+    </a:lvl9pPr>
+  </p:notesStyle>
+</p:notesMaster>
+</file>
+
+<file path=ppt/notesSlides/notesSlide1.xml><?xml version="1.0" encoding="utf-8"?>
+<p:notes xmlns:a="http://schemas.openxmlformats.org/drawingml/2006/main" xmlns:r="http://schemas.openxmlformats.org/officeDocument/2006/relationships" xmlns:p="http://schemas.openxmlformats.org/presentationml/2006/main">
+  <p:cSld>
+    <p:spTree>
+      <p:nvGrpSpPr>
+        <p:cNvPr id="1" name=""/>
+        <p:cNvGrpSpPr/>
+        <p:nvPr/>
+      </p:nvGrpSpPr>
+      <p:grpSpPr>
+        <a:xfrm>
+          <a:off x="0" y="0"/>
+          <a:ext cx="0" cy="0"/>
+          <a:chOff x="0" y="0"/>
+          <a:chExt cx="0" cy="0"/>
+        </a:xfrm>
+      </p:grpSpPr>
+      <p:sp>
+        <p:nvSpPr>
+          <p:cNvPr id="2" name="Folienbildplatzhalter 1"/>
+          <p:cNvSpPr>
+            <a:spLocks noGrp="1" noRot="1" noChangeAspect="1"/>
+          </p:cNvSpPr>
+          <p:nvPr>
+            <p:ph type="sldImg"/>
+          </p:nvPr>
+        </p:nvSpPr>
+        <p:spPr/>
+      </p:sp>
+      <p:sp>
+        <p:nvSpPr>
+          <p:cNvPr id="3" name="Notizenplatzhalter 2"/>
+          <p:cNvSpPr>
+            <a:spLocks noGrp="1"/>
+          </p:cNvSpPr>
+          <p:nvPr>
+            <p:ph type="body" idx="1"/>
+          </p:nvPr>
+        </p:nvSpPr>
+        <p:spPr/>
+        <p:txBody>
+          <a:bodyPr/>
+          <a:lstStyle/>
+          <a:p>
+            <a:endParaRPr lang="de-DE" dirty="0"/>
+          </a:p>
+        </p:txBody>
+      </p:sp>
+      <p:sp>
+        <p:nvSpPr>
+          <p:cNvPr id="4" name="Foliennummernplatzhalter 3"/>
+          <p:cNvSpPr>
+            <a:spLocks noGrp="1"/>
+          </p:cNvSpPr>
+          <p:nvPr>
+            <p:ph type="sldNum" sz="quarter" idx="10"/>
+          </p:nvPr>
+        </p:nvSpPr>
+        <p:spPr/>
+        <p:txBody>
+          <a:bodyPr/>
+          <a:lstStyle/>
+          <a:p>
+            <a:fld id="{C7C0E2A2-C7D5-40BC-BB24-4708096516B4}" type="slidenum">
+              <a:rPr lang="de-DE" smtClean="0"/>
+              <a:t>17</a:t>
+            </a:fld>
+            <a:endParaRPr lang="de-DE"/>
+          </a:p>
+        </p:txBody>
+      </p:sp>
+    </p:spTree>
+    <p:extLst>
+      <p:ext uri="{BB962C8B-B14F-4D97-AF65-F5344CB8AC3E}">
+        <p14:creationId xmlns:p14="http://schemas.microsoft.com/office/powerpoint/2010/main" val="3839282784"/>
+      </p:ext>
+    </p:extLst>
+  </p:cSld>
+  <p:clrMapOvr>
+    <a:masterClrMapping/>
+  </p:clrMapOvr>
+</p:notes>
 </file>
 
 <file path=ppt/slideLayouts/slideLayout1.xml><?xml version="1.0" encoding="utf-8"?>
@@ -3331,18 +4102,18 @@
           <a:p>
             <a:pPr algn="ctr"/>
             <a:r>
-              <a:rPr lang="de-DE" sz="3200" b="1" smtClean="0">
+              <a:rPr lang="de-DE" sz="3200" b="1" dirty="0" smtClean="0">
                 <a:solidFill>
                   <a:schemeClr val="bg1">
                     <a:lumMod val="50000"/>
                   </a:schemeClr>
                 </a:solidFill>
-                <a:latin typeface="Century Gothic" pitchFamily="34" charset="0"/>
+                <a:latin typeface="Calibri" pitchFamily="34" charset="0"/>
               </a:rPr>
               <a:t>Projektpräsentation</a:t>
             </a:r>
             <a:r>
-              <a:rPr lang="de-DE" sz="3200" smtClean="0">
+              <a:rPr lang="de-DE" sz="3200" dirty="0" smtClean="0">
                 <a:solidFill>
                   <a:schemeClr val="bg1">
                     <a:lumMod val="50000"/>
@@ -3352,14 +4123,6 @@
               </a:rPr>
               <a:t> </a:t>
             </a:r>
-            <a:endParaRPr lang="de-DE" sz="3200" dirty="0" smtClean="0">
-              <a:solidFill>
-                <a:schemeClr val="bg1">
-                  <a:lumMod val="50000"/>
-                </a:schemeClr>
-              </a:solidFill>
-              <a:latin typeface="Century Gothic" pitchFamily="34" charset="0"/>
-            </a:endParaRPr>
           </a:p>
           <a:p>
             <a:pPr algn="ctr">
@@ -3469,7 +4232,7 @@
         <p:spPr>
           <a:xfrm>
             <a:off x="539552" y="260648"/>
-            <a:ext cx="8208912" cy="1008112"/>
+            <a:ext cx="8424936" cy="1008112"/>
           </a:xfrm>
           <a:prstGeom prst="rect">
             <a:avLst/>
@@ -3553,6 +4316,299 @@
           </a:lstStyle>
           <a:p>
             <a:r>
+              <a:rPr lang="de-DE" sz="4600" dirty="0" err="1" smtClean="0">
+                <a:latin typeface="Calibri" pitchFamily="34" charset="0"/>
+              </a:rPr>
+              <a:t>Configuration</a:t>
+            </a:r>
+            <a:r>
+              <a:rPr lang="de-DE" sz="4600" dirty="0" smtClean="0">
+                <a:latin typeface="Calibri" pitchFamily="34" charset="0"/>
+              </a:rPr>
+              <a:t> </a:t>
+            </a:r>
+            <a:r>
+              <a:rPr lang="de-DE" sz="4600" dirty="0" err="1" smtClean="0">
+                <a:latin typeface="Calibri" pitchFamily="34" charset="0"/>
+              </a:rPr>
+              <a:t>mANAGEMENT</a:t>
+            </a:r>
+            <a:endParaRPr lang="de-DE" sz="4600" dirty="0">
+              <a:latin typeface="Calibri" pitchFamily="34" charset="0"/>
+            </a:endParaRPr>
+          </a:p>
+        </p:txBody>
+      </p:sp>
+      <p:pic>
+        <p:nvPicPr>
+          <p:cNvPr id="2" name="Grafik 1"/>
+          <p:cNvPicPr>
+            <a:picLocks noChangeAspect="1"/>
+          </p:cNvPicPr>
+          <p:nvPr/>
+        </p:nvPicPr>
+        <p:blipFill>
+          <a:blip r:embed="rId3">
+            <a:extLst>
+              <a:ext uri="{28A0092B-C50C-407E-A947-70E740481C1C}">
+                <a14:useLocalDpi xmlns:a14="http://schemas.microsoft.com/office/drawing/2010/main" val="0"/>
+              </a:ext>
+            </a:extLst>
+          </a:blip>
+          <a:stretch>
+            <a:fillRect/>
+          </a:stretch>
+        </p:blipFill>
+        <p:spPr>
+          <a:xfrm>
+            <a:off x="251520" y="2254347"/>
+            <a:ext cx="8172400" cy="3542987"/>
+          </a:xfrm>
+          <a:prstGeom prst="rect">
+            <a:avLst/>
+          </a:prstGeom>
+        </p:spPr>
+      </p:pic>
+      <p:sp>
+        <p:nvSpPr>
+          <p:cNvPr id="3" name="Pfeil nach oben 2"/>
+          <p:cNvSpPr/>
+          <p:nvPr/>
+        </p:nvSpPr>
+        <p:spPr>
+          <a:xfrm rot="10800000">
+            <a:off x="5076056" y="1808803"/>
+            <a:ext cx="584565" cy="445543"/>
+          </a:xfrm>
+          <a:prstGeom prst="upArrow">
+            <a:avLst/>
+          </a:prstGeom>
+          <a:solidFill>
+            <a:srgbClr val="66DAD7"/>
+          </a:solidFill>
+          <a:ln>
+            <a:solidFill>
+              <a:schemeClr val="tx1"/>
+            </a:solidFill>
+          </a:ln>
+        </p:spPr>
+        <p:style>
+          <a:lnRef idx="2">
+            <a:schemeClr val="accent1">
+              <a:shade val="50000"/>
+            </a:schemeClr>
+          </a:lnRef>
+          <a:fillRef idx="1">
+            <a:schemeClr val="accent1"/>
+          </a:fillRef>
+          <a:effectRef idx="0">
+            <a:schemeClr val="accent1"/>
+          </a:effectRef>
+          <a:fontRef idx="minor">
+            <a:schemeClr val="lt1"/>
+          </a:fontRef>
+        </p:style>
+        <p:txBody>
+          <a:bodyPr rtlCol="0" anchor="ctr"/>
+          <a:lstStyle/>
+          <a:p>
+            <a:pPr algn="ctr"/>
+            <a:endParaRPr lang="de-DE"/>
+          </a:p>
+        </p:txBody>
+      </p:sp>
+      <p:sp>
+        <p:nvSpPr>
+          <p:cNvPr id="4" name="Textfeld 3"/>
+          <p:cNvSpPr txBox="1"/>
+          <p:nvPr/>
+        </p:nvSpPr>
+        <p:spPr>
+          <a:xfrm>
+            <a:off x="371375" y="1628800"/>
+            <a:ext cx="816249" cy="523220"/>
+          </a:xfrm>
+          <a:prstGeom prst="rect">
+            <a:avLst/>
+          </a:prstGeom>
+          <a:noFill/>
+        </p:spPr>
+        <p:txBody>
+          <a:bodyPr wrap="none" rtlCol="0">
+            <a:spAutoFit/>
+          </a:bodyPr>
+          <a:lstStyle/>
+          <a:p>
+            <a:r>
+              <a:rPr lang="de-DE" sz="2800" b="1" i="1" dirty="0" err="1" smtClean="0">
+                <a:solidFill>
+                  <a:srgbClr val="66DAD7"/>
+                </a:solidFill>
+              </a:rPr>
+              <a:t>Jira</a:t>
+            </a:r>
+            <a:r>
+              <a:rPr lang="de-DE" sz="2800" b="1" i="1" dirty="0" smtClean="0">
+                <a:solidFill>
+                  <a:srgbClr val="66DAD7"/>
+                </a:solidFill>
+              </a:rPr>
+              <a:t>:</a:t>
+            </a:r>
+            <a:endParaRPr lang="de-DE" sz="2800" b="1" i="1" dirty="0">
+              <a:solidFill>
+                <a:srgbClr val="66DAD7"/>
+              </a:solidFill>
+            </a:endParaRPr>
+          </a:p>
+        </p:txBody>
+      </p:sp>
+    </p:spTree>
+    <p:extLst>
+      <p:ext uri="{BB962C8B-B14F-4D97-AF65-F5344CB8AC3E}">
+        <p14:creationId xmlns:p14="http://schemas.microsoft.com/office/powerpoint/2010/main" val="3739637420"/>
+      </p:ext>
+    </p:extLst>
+  </p:cSld>
+  <p:clrMapOvr>
+    <a:masterClrMapping/>
+  </p:clrMapOvr>
+  <p:timing>
+    <p:tnLst>
+      <p:par>
+        <p:cTn id="1" dur="indefinite" restart="never" nodeType="tmRoot"/>
+      </p:par>
+    </p:tnLst>
+  </p:timing>
+</p:sld>
+</file>
+
+<file path=ppt/slides/slide11.xml><?xml version="1.0" encoding="utf-8"?>
+<p:sld xmlns:a="http://schemas.openxmlformats.org/drawingml/2006/main" xmlns:r="http://schemas.openxmlformats.org/officeDocument/2006/relationships" xmlns:p="http://schemas.openxmlformats.org/presentationml/2006/main">
+  <p:cSld>
+    <p:bg>
+      <p:bgPr>
+        <a:blipFill dpi="0" rotWithShape="1">
+          <a:blip r:embed="rId2">
+            <a:lum/>
+          </a:blip>
+          <a:srcRect/>
+          <a:stretch>
+            <a:fillRect/>
+          </a:stretch>
+        </a:blipFill>
+        <a:effectLst/>
+      </p:bgPr>
+    </p:bg>
+    <p:spTree>
+      <p:nvGrpSpPr>
+        <p:cNvPr id="1" name=""/>
+        <p:cNvGrpSpPr/>
+        <p:nvPr/>
+      </p:nvGrpSpPr>
+      <p:grpSpPr>
+        <a:xfrm>
+          <a:off x="0" y="0"/>
+          <a:ext cx="0" cy="0"/>
+          <a:chOff x="0" y="0"/>
+          <a:chExt cx="0" cy="0"/>
+        </a:xfrm>
+      </p:grpSpPr>
+      <p:sp>
+        <p:nvSpPr>
+          <p:cNvPr id="5" name="Titel 1"/>
+          <p:cNvSpPr txBox="1">
+            <a:spLocks/>
+          </p:cNvSpPr>
+          <p:nvPr/>
+        </p:nvSpPr>
+        <p:spPr>
+          <a:xfrm>
+            <a:off x="539552" y="260648"/>
+            <a:ext cx="8208912" cy="1008112"/>
+          </a:xfrm>
+          <a:prstGeom prst="rect">
+            <a:avLst/>
+          </a:prstGeom>
+        </p:spPr>
+        <p:txBody>
+          <a:bodyPr vert="horz" lIns="91440" tIns="45720" rIns="91440" bIns="45720" rtlCol="0" anchor="t">
+            <a:noAutofit/>
+          </a:bodyPr>
+          <a:lstStyle>
+            <a:lvl1pPr algn="l" defTabSz="914400" rtl="0" eaLnBrk="1" latinLnBrk="0" hangingPunct="1">
+              <a:spcBef>
+                <a:spcPct val="0"/>
+              </a:spcBef>
+              <a:buNone/>
+              <a:defRPr sz="4800" b="1" kern="1200" cap="all" baseline="0">
+                <a:solidFill>
+                  <a:schemeClr val="tx1"/>
+                </a:solidFill>
+                <a:latin typeface="+mj-lt"/>
+                <a:ea typeface="+mj-ea"/>
+                <a:cs typeface="+mj-cs"/>
+              </a:defRPr>
+            </a:lvl1pPr>
+            <a:lvl2pPr eaLnBrk="1" hangingPunct="1">
+              <a:defRPr>
+                <a:solidFill>
+                  <a:schemeClr val="tx2"/>
+                </a:solidFill>
+              </a:defRPr>
+            </a:lvl2pPr>
+            <a:lvl3pPr eaLnBrk="1" hangingPunct="1">
+              <a:defRPr>
+                <a:solidFill>
+                  <a:schemeClr val="tx2"/>
+                </a:solidFill>
+              </a:defRPr>
+            </a:lvl3pPr>
+            <a:lvl4pPr eaLnBrk="1" hangingPunct="1">
+              <a:defRPr>
+                <a:solidFill>
+                  <a:schemeClr val="tx2"/>
+                </a:solidFill>
+              </a:defRPr>
+            </a:lvl4pPr>
+            <a:lvl5pPr eaLnBrk="1" hangingPunct="1">
+              <a:defRPr>
+                <a:solidFill>
+                  <a:schemeClr val="tx2"/>
+                </a:solidFill>
+              </a:defRPr>
+            </a:lvl5pPr>
+            <a:lvl6pPr eaLnBrk="1" hangingPunct="1">
+              <a:defRPr>
+                <a:solidFill>
+                  <a:schemeClr val="tx2"/>
+                </a:solidFill>
+              </a:defRPr>
+            </a:lvl6pPr>
+            <a:lvl7pPr eaLnBrk="1" hangingPunct="1">
+              <a:defRPr>
+                <a:solidFill>
+                  <a:schemeClr val="tx2"/>
+                </a:solidFill>
+              </a:defRPr>
+            </a:lvl7pPr>
+            <a:lvl8pPr eaLnBrk="1" hangingPunct="1">
+              <a:defRPr>
+                <a:solidFill>
+                  <a:schemeClr val="tx2"/>
+                </a:solidFill>
+              </a:defRPr>
+            </a:lvl8pPr>
+            <a:lvl9pPr eaLnBrk="1" hangingPunct="1">
+              <a:defRPr>
+                <a:solidFill>
+                  <a:schemeClr val="tx2"/>
+                </a:solidFill>
+              </a:defRPr>
+            </a:lvl9pPr>
+          </a:lstStyle>
+          <a:p>
+            <a:r>
               <a:rPr lang="de-DE" dirty="0" smtClean="0">
                 <a:latin typeface="Calibri" pitchFamily="34" charset="0"/>
               </a:rPr>
@@ -3572,8 +4628,8 @@
         </p:nvSpPr>
         <p:spPr>
           <a:xfrm>
-            <a:off x="7757455" y="2348880"/>
-            <a:ext cx="1131640" cy="3240360"/>
+            <a:off x="7757455" y="2389530"/>
+            <a:ext cx="1131640" cy="3168352"/>
           </a:xfrm>
           <a:prstGeom prst="flowChartMerge">
             <a:avLst/>
@@ -3621,7 +4677,7 @@
           <p:nvPr>
             <p:extLst>
               <p:ext uri="{D42A27DB-BD31-4B8C-83A1-F6EECF244321}">
-                <p14:modId xmlns:p14="http://schemas.microsoft.com/office/powerpoint/2010/main" val="1270506730"/>
+                <p14:modId xmlns:p14="http://schemas.microsoft.com/office/powerpoint/2010/main" val="1145927125"/>
               </p:ext>
             </p:extLst>
           </p:nvPr>
@@ -3820,13 +4876,23 @@
                     <a:p>
                       <a:r>
                         <a:rPr lang="de-DE" sz="2400" dirty="0" smtClean="0"/>
-                        <a:t>Mangelnde Fehlerfindung &lt;=</a:t>
+                        <a:t>Mangelnde Fehlerfindung </a:t>
                       </a:r>
-                    </a:p>
-                    <a:p>
                       <a:r>
                         <a:rPr lang="de-DE" sz="2400" dirty="0" smtClean="0"/>
-                        <a:t>Fehlende Tests</a:t>
+                        <a:t>wegen</a:t>
+                      </a:r>
+                      <a:r>
+                        <a:rPr lang="de-DE" sz="2400" baseline="0" dirty="0" smtClean="0"/>
+                        <a:t> f</a:t>
+                      </a:r>
+                      <a:r>
+                        <a:rPr lang="de-DE" sz="2400" dirty="0" smtClean="0"/>
+                        <a:t>ehlender </a:t>
+                      </a:r>
+                      <a:r>
+                        <a:rPr lang="de-DE" sz="2400" dirty="0" smtClean="0"/>
+                        <a:t>Tests</a:t>
                       </a:r>
                       <a:endParaRPr lang="de-DE" sz="2400" dirty="0"/>
                     </a:p>
@@ -3908,197 +4974,86 @@
           </a:graphicData>
         </a:graphic>
       </p:graphicFrame>
-    </p:spTree>
-    <p:extLst>
-      <p:ext uri="{BB962C8B-B14F-4D97-AF65-F5344CB8AC3E}">
-        <p14:creationId xmlns:p14="http://schemas.microsoft.com/office/powerpoint/2010/main" val="2859122505"/>
-      </p:ext>
-    </p:extLst>
-  </p:cSld>
-  <p:clrMapOvr>
-    <a:masterClrMapping/>
-  </p:clrMapOvr>
-  <p:timing>
-    <p:tnLst>
-      <p:par>
-        <p:cTn id="1" dur="indefinite" restart="never" nodeType="tmRoot"/>
-      </p:par>
-    </p:tnLst>
-  </p:timing>
-</p:sld>
-</file>
-
-<file path=ppt/slides/slide11.xml><?xml version="1.0" encoding="utf-8"?>
-<p:sld xmlns:a="http://schemas.openxmlformats.org/drawingml/2006/main" xmlns:r="http://schemas.openxmlformats.org/officeDocument/2006/relationships" xmlns:p="http://schemas.openxmlformats.org/presentationml/2006/main">
-  <p:cSld>
-    <p:bg>
-      <p:bgPr>
-        <a:blipFill dpi="0" rotWithShape="1">
-          <a:blip r:embed="rId2">
-            <a:lum/>
-          </a:blip>
-          <a:srcRect/>
-          <a:stretch>
-            <a:fillRect/>
-          </a:stretch>
-        </a:blipFill>
-        <a:effectLst/>
-      </p:bgPr>
-    </p:bg>
-    <p:spTree>
-      <p:nvGrpSpPr>
-        <p:cNvPr id="1" name=""/>
-        <p:cNvGrpSpPr/>
-        <p:nvPr/>
-      </p:nvGrpSpPr>
-      <p:grpSpPr>
-        <a:xfrm>
-          <a:off x="0" y="0"/>
-          <a:ext cx="0" cy="0"/>
-          <a:chOff x="0" y="0"/>
-          <a:chExt cx="0" cy="0"/>
-        </a:xfrm>
-      </p:grpSpPr>
-      <p:sp>
-        <p:nvSpPr>
-          <p:cNvPr id="5" name="Titel 1"/>
-          <p:cNvSpPr txBox="1">
-            <a:spLocks/>
-          </p:cNvSpPr>
+      <p:sp>
+        <p:nvSpPr>
+          <p:cNvPr id="6" name="Rechteck 5"/>
+          <p:cNvSpPr/>
           <p:nvPr/>
         </p:nvSpPr>
         <p:spPr>
           <a:xfrm>
-            <a:off x="539552" y="260648"/>
-            <a:ext cx="6172200" cy="1008112"/>
+            <a:off x="8127548" y="1988840"/>
+            <a:ext cx="391454" cy="369332"/>
           </a:xfrm>
           <a:prstGeom prst="rect">
             <a:avLst/>
           </a:prstGeom>
         </p:spPr>
         <p:txBody>
-          <a:bodyPr vert="horz" lIns="91440" tIns="45720" rIns="91440" bIns="45720" rtlCol="0" anchor="t">
-            <a:noAutofit/>
+          <a:bodyPr wrap="none">
+            <a:spAutoFit/>
           </a:bodyPr>
-          <a:lstStyle>
-            <a:lvl1pPr algn="l" defTabSz="914400" rtl="0" eaLnBrk="1" latinLnBrk="0" hangingPunct="1">
-              <a:spcBef>
-                <a:spcPct val="0"/>
-              </a:spcBef>
-              <a:buNone/>
-              <a:defRPr sz="4800" b="1" kern="1200" cap="all" baseline="0">
-                <a:solidFill>
-                  <a:schemeClr val="tx1"/>
-                </a:solidFill>
-                <a:latin typeface="+mj-lt"/>
-                <a:ea typeface="+mj-ea"/>
-                <a:cs typeface="+mj-cs"/>
-              </a:defRPr>
-            </a:lvl1pPr>
-            <a:lvl2pPr eaLnBrk="1" hangingPunct="1">
-              <a:defRPr>
-                <a:solidFill>
-                  <a:schemeClr val="tx2"/>
-                </a:solidFill>
-              </a:defRPr>
-            </a:lvl2pPr>
-            <a:lvl3pPr eaLnBrk="1" hangingPunct="1">
-              <a:defRPr>
-                <a:solidFill>
-                  <a:schemeClr val="tx2"/>
-                </a:solidFill>
-              </a:defRPr>
-            </a:lvl3pPr>
-            <a:lvl4pPr eaLnBrk="1" hangingPunct="1">
-              <a:defRPr>
-                <a:solidFill>
-                  <a:schemeClr val="tx2"/>
-                </a:solidFill>
-              </a:defRPr>
-            </a:lvl4pPr>
-            <a:lvl5pPr eaLnBrk="1" hangingPunct="1">
-              <a:defRPr>
-                <a:solidFill>
-                  <a:schemeClr val="tx2"/>
-                </a:solidFill>
-              </a:defRPr>
-            </a:lvl5pPr>
-            <a:lvl6pPr eaLnBrk="1" hangingPunct="1">
-              <a:defRPr>
-                <a:solidFill>
-                  <a:schemeClr val="tx2"/>
-                </a:solidFill>
-              </a:defRPr>
-            </a:lvl6pPr>
-            <a:lvl7pPr eaLnBrk="1" hangingPunct="1">
-              <a:defRPr>
-                <a:solidFill>
-                  <a:schemeClr val="tx2"/>
-                </a:solidFill>
-              </a:defRPr>
-            </a:lvl7pPr>
-            <a:lvl8pPr eaLnBrk="1" hangingPunct="1">
-              <a:defRPr>
-                <a:solidFill>
-                  <a:schemeClr val="tx2"/>
-                </a:solidFill>
-              </a:defRPr>
-            </a:lvl8pPr>
-            <a:lvl9pPr eaLnBrk="1" hangingPunct="1">
-              <a:defRPr>
-                <a:solidFill>
-                  <a:schemeClr val="tx2"/>
-                </a:solidFill>
-              </a:defRPr>
-            </a:lvl9pPr>
-          </a:lstStyle>
-          <a:p>
-            <a:r>
-              <a:rPr lang="de-DE" dirty="0" smtClean="0">
-                <a:latin typeface="Calibri" pitchFamily="34" charset="0"/>
-              </a:rPr>
-              <a:t>Projektplan</a:t>
+          <a:lstStyle/>
+          <a:p>
+            <a:pPr lvl="0"/>
+            <a:r>
+              <a:rPr lang="de-DE" dirty="0">
+                <a:solidFill>
+                  <a:srgbClr val="FF0000"/>
+                </a:solidFill>
+              </a:rPr>
+              <a:t>10</a:t>
             </a:r>
             <a:endParaRPr lang="de-DE" dirty="0">
-              <a:latin typeface="Calibri" pitchFamily="34" charset="0"/>
+              <a:solidFill>
+                <a:srgbClr val="FF0000"/>
+              </a:solidFill>
             </a:endParaRPr>
           </a:p>
         </p:txBody>
       </p:sp>
-      <p:pic>
-        <p:nvPicPr>
-          <p:cNvPr id="6" name="Grafik 5"/>
-          <p:cNvPicPr>
-            <a:picLocks noChangeAspect="1"/>
-          </p:cNvPicPr>
+      <p:sp>
+        <p:nvSpPr>
+          <p:cNvPr id="7" name="Rechteck 6"/>
+          <p:cNvSpPr/>
           <p:nvPr/>
-        </p:nvPicPr>
-        <p:blipFill>
-          <a:blip r:embed="rId3">
-            <a:extLst>
-              <a:ext uri="{28A0092B-C50C-407E-A947-70E740481C1C}">
-                <a14:useLocalDpi xmlns:a14="http://schemas.microsoft.com/office/drawing/2010/main" val="0"/>
-              </a:ext>
-            </a:extLst>
-          </a:blip>
-          <a:stretch>
-            <a:fillRect/>
-          </a:stretch>
-        </p:blipFill>
+        </p:nvSpPr>
         <p:spPr>
           <a:xfrm>
-            <a:off x="1187625" y="1700808"/>
-            <a:ext cx="6197234" cy="4752528"/>
+            <a:off x="8172400" y="5435932"/>
+            <a:ext cx="311304" cy="369332"/>
           </a:xfrm>
           <a:prstGeom prst="rect">
             <a:avLst/>
           </a:prstGeom>
         </p:spPr>
-      </p:pic>
+        <p:txBody>
+          <a:bodyPr wrap="none">
+            <a:spAutoFit/>
+          </a:bodyPr>
+          <a:lstStyle/>
+          <a:p>
+            <a:pPr lvl="0"/>
+            <a:r>
+              <a:rPr lang="de-DE" dirty="0" smtClean="0">
+                <a:solidFill>
+                  <a:srgbClr val="FF0000"/>
+                </a:solidFill>
+              </a:rPr>
+              <a:t>0</a:t>
+            </a:r>
+            <a:endParaRPr lang="de-DE" dirty="0">
+              <a:solidFill>
+                <a:srgbClr val="FF0000"/>
+              </a:solidFill>
+            </a:endParaRPr>
+          </a:p>
+        </p:txBody>
+      </p:sp>
     </p:spTree>
     <p:extLst>
       <p:ext uri="{BB962C8B-B14F-4D97-AF65-F5344CB8AC3E}">
-        <p14:creationId xmlns:p14="http://schemas.microsoft.com/office/powerpoint/2010/main" val="2459024765"/>
+        <p14:creationId xmlns:p14="http://schemas.microsoft.com/office/powerpoint/2010/main" val="2859122505"/>
       </p:ext>
     </p:extLst>
   </p:cSld>
@@ -4244,25 +5199,7 @@
               <a:rPr lang="de-DE" dirty="0" smtClean="0">
                 <a:latin typeface="Calibri" pitchFamily="34" charset="0"/>
               </a:rPr>
-              <a:t>Funktion Points </a:t>
-            </a:r>
-            <a:r>
-              <a:rPr lang="de-DE" dirty="0" err="1" smtClean="0">
-                <a:latin typeface="Calibri" pitchFamily="34" charset="0"/>
-              </a:rPr>
-              <a:t>vs</a:t>
-            </a:r>
-            <a:r>
-              <a:rPr lang="de-DE" dirty="0" smtClean="0">
-                <a:latin typeface="Calibri" pitchFamily="34" charset="0"/>
-              </a:rPr>
-              <a:t> </a:t>
-            </a:r>
-            <a:r>
-              <a:rPr lang="de-DE" dirty="0" err="1" smtClean="0">
-                <a:latin typeface="Calibri" pitchFamily="34" charset="0"/>
-              </a:rPr>
-              <a:t>Effort</a:t>
+              <a:t>Aufwandskalkulation</a:t>
             </a:r>
             <a:endParaRPr lang="de-DE" dirty="0">
               <a:latin typeface="Calibri" pitchFamily="34" charset="0"/>
@@ -4578,7 +5515,7 @@
       </p:sp>
       <p:pic>
         <p:nvPicPr>
-          <p:cNvPr id="2" name="Grafik 1"/>
+          <p:cNvPr id="3" name="Grafik 2"/>
           <p:cNvPicPr>
             <a:picLocks noChangeAspect="1"/>
           </p:cNvPicPr>
@@ -4597,9 +5534,9 @@
           </a:stretch>
         </p:blipFill>
         <p:spPr>
-          <a:xfrm>
-            <a:off x="7553137" y="226000"/>
-            <a:ext cx="879586" cy="1226394"/>
+          <a:xfrm rot="16900772">
+            <a:off x="6855472" y="352739"/>
+            <a:ext cx="1090714" cy="1049163"/>
           </a:xfrm>
           <a:prstGeom prst="rect">
             <a:avLst/>
@@ -4608,7 +5545,7 @@
       </p:pic>
       <p:pic>
         <p:nvPicPr>
-          <p:cNvPr id="3" name="Grafik 2"/>
+          <p:cNvPr id="2" name="Grafik 1"/>
           <p:cNvPicPr>
             <a:picLocks noChangeAspect="1"/>
           </p:cNvPicPr>
@@ -4627,9 +5564,9 @@
           </a:stretch>
         </p:blipFill>
         <p:spPr>
-          <a:xfrm rot="15999044">
-            <a:off x="6646821" y="352739"/>
-            <a:ext cx="1090714" cy="1049163"/>
+          <a:xfrm>
+            <a:off x="7553137" y="226000"/>
+            <a:ext cx="879586" cy="1226394"/>
           </a:xfrm>
           <a:prstGeom prst="rect">
             <a:avLst/>
@@ -4689,31 +5626,7 @@
       </p:grpSpPr>
       <p:sp>
         <p:nvSpPr>
-          <p:cNvPr id="4" name="Textplatzhalter 2"/>
-          <p:cNvSpPr>
-            <a:spLocks noGrp="1"/>
-          </p:cNvSpPr>
-          <p:nvPr>
-            <p:ph type="body" idx="1"/>
-          </p:nvPr>
-        </p:nvSpPr>
-        <p:spPr>
-          <a:xfrm>
-            <a:off x="539552" y="1700808"/>
-            <a:ext cx="7848872" cy="4464496"/>
-          </a:xfrm>
-        </p:spPr>
-        <p:txBody>
-          <a:bodyPr/>
-          <a:lstStyle/>
-          <a:p>
-            <a:endParaRPr lang="de-DE" dirty="0"/>
-          </a:p>
-        </p:txBody>
-      </p:sp>
-      <p:sp>
-        <p:nvSpPr>
-          <p:cNvPr id="5" name="Titel 1"/>
+          <p:cNvPr id="4" name="Titel 1"/>
           <p:cNvSpPr txBox="1">
             <a:spLocks/>
           </p:cNvSpPr>
@@ -4806,13 +5719,49 @@
           </a:lstStyle>
           <a:p>
             <a:r>
-              <a:rPr lang="de-DE" dirty="0" err="1" smtClean="0">
+              <a:rPr lang="de-DE" dirty="0" smtClean="0">
                 <a:latin typeface="Calibri" pitchFamily="34" charset="0"/>
               </a:rPr>
-              <a:t>testcorerage</a:t>
+              <a:t>Unit Tests</a:t>
             </a:r>
             <a:endParaRPr lang="de-DE" dirty="0">
               <a:latin typeface="Calibri" pitchFamily="34" charset="0"/>
+            </a:endParaRPr>
+          </a:p>
+        </p:txBody>
+      </p:sp>
+      <p:sp>
+        <p:nvSpPr>
+          <p:cNvPr id="5" name="Textplatzhalter 2"/>
+          <p:cNvSpPr>
+            <a:spLocks noGrp="1"/>
+          </p:cNvSpPr>
+          <p:nvPr>
+            <p:ph type="body" idx="1"/>
+          </p:nvPr>
+        </p:nvSpPr>
+        <p:spPr>
+          <a:xfrm>
+            <a:off x="539552" y="1700808"/>
+            <a:ext cx="7848872" cy="4464496"/>
+          </a:xfrm>
+        </p:spPr>
+        <p:txBody>
+          <a:bodyPr/>
+          <a:lstStyle/>
+          <a:p>
+            <a:r>
+              <a:rPr lang="de-DE" sz="2800" b="1" dirty="0" err="1" smtClean="0">
+                <a:solidFill>
+                  <a:srgbClr val="66DAD7"/>
+                </a:solidFill>
+              </a:rPr>
+              <a:t>JUnit</a:t>
+            </a:r>
+            <a:endParaRPr lang="de-DE" sz="2800" b="1" dirty="0">
+              <a:solidFill>
+                <a:srgbClr val="66DAD7"/>
+              </a:solidFill>
             </a:endParaRPr>
           </a:p>
         </p:txBody>
@@ -4839,8 +5788,8 @@
         </p:blipFill>
         <p:spPr>
           <a:xfrm>
-            <a:off x="179512" y="2831134"/>
-            <a:ext cx="8820472" cy="2398066"/>
+            <a:off x="2411760" y="1772816"/>
+            <a:ext cx="4591050" cy="4581525"/>
           </a:xfrm>
           <a:prstGeom prst="rect">
             <a:avLst/>
@@ -4850,7 +5799,7 @@
     </p:spTree>
     <p:extLst>
       <p:ext uri="{BB962C8B-B14F-4D97-AF65-F5344CB8AC3E}">
-        <p14:creationId xmlns:p14="http://schemas.microsoft.com/office/powerpoint/2010/main" val="1029869636"/>
+        <p14:creationId xmlns:p14="http://schemas.microsoft.com/office/powerpoint/2010/main" val="1563329917"/>
       </p:ext>
     </p:extLst>
   </p:cSld>
@@ -4900,52 +5849,343 @@
       </p:grpSpPr>
       <p:sp>
         <p:nvSpPr>
-          <p:cNvPr id="2" name="Titel 1"/>
-          <p:cNvSpPr>
-            <a:spLocks noGrp="1"/>
+          <p:cNvPr id="5" name="Titel 1"/>
+          <p:cNvSpPr txBox="1">
+            <a:spLocks/>
           </p:cNvSpPr>
+          <p:nvPr/>
+        </p:nvSpPr>
+        <p:spPr>
+          <a:xfrm>
+            <a:off x="539552" y="260648"/>
+            <a:ext cx="6172200" cy="1008112"/>
+          </a:xfrm>
+          <a:prstGeom prst="rect">
+            <a:avLst/>
+          </a:prstGeom>
+        </p:spPr>
+        <p:txBody>
+          <a:bodyPr vert="horz" lIns="91440" tIns="45720" rIns="91440" bIns="45720" rtlCol="0" anchor="t">
+            <a:noAutofit/>
+          </a:bodyPr>
+          <a:lstStyle>
+            <a:lvl1pPr algn="l" defTabSz="914400" rtl="0" eaLnBrk="1" latinLnBrk="0" hangingPunct="1">
+              <a:spcBef>
+                <a:spcPct val="0"/>
+              </a:spcBef>
+              <a:buNone/>
+              <a:defRPr sz="4800" b="1" kern="1200" cap="all" baseline="0">
+                <a:solidFill>
+                  <a:schemeClr val="tx1"/>
+                </a:solidFill>
+                <a:latin typeface="+mj-lt"/>
+                <a:ea typeface="+mj-ea"/>
+                <a:cs typeface="+mj-cs"/>
+              </a:defRPr>
+            </a:lvl1pPr>
+            <a:lvl2pPr eaLnBrk="1" hangingPunct="1">
+              <a:defRPr>
+                <a:solidFill>
+                  <a:schemeClr val="tx2"/>
+                </a:solidFill>
+              </a:defRPr>
+            </a:lvl2pPr>
+            <a:lvl3pPr eaLnBrk="1" hangingPunct="1">
+              <a:defRPr>
+                <a:solidFill>
+                  <a:schemeClr val="tx2"/>
+                </a:solidFill>
+              </a:defRPr>
+            </a:lvl3pPr>
+            <a:lvl4pPr eaLnBrk="1" hangingPunct="1">
+              <a:defRPr>
+                <a:solidFill>
+                  <a:schemeClr val="tx2"/>
+                </a:solidFill>
+              </a:defRPr>
+            </a:lvl4pPr>
+            <a:lvl5pPr eaLnBrk="1" hangingPunct="1">
+              <a:defRPr>
+                <a:solidFill>
+                  <a:schemeClr val="tx2"/>
+                </a:solidFill>
+              </a:defRPr>
+            </a:lvl5pPr>
+            <a:lvl6pPr eaLnBrk="1" hangingPunct="1">
+              <a:defRPr>
+                <a:solidFill>
+                  <a:schemeClr val="tx2"/>
+                </a:solidFill>
+              </a:defRPr>
+            </a:lvl6pPr>
+            <a:lvl7pPr eaLnBrk="1" hangingPunct="1">
+              <a:defRPr>
+                <a:solidFill>
+                  <a:schemeClr val="tx2"/>
+                </a:solidFill>
+              </a:defRPr>
+            </a:lvl7pPr>
+            <a:lvl8pPr eaLnBrk="1" hangingPunct="1">
+              <a:defRPr>
+                <a:solidFill>
+                  <a:schemeClr val="tx2"/>
+                </a:solidFill>
+              </a:defRPr>
+            </a:lvl8pPr>
+            <a:lvl9pPr eaLnBrk="1" hangingPunct="1">
+              <a:defRPr>
+                <a:solidFill>
+                  <a:schemeClr val="tx2"/>
+                </a:solidFill>
+              </a:defRPr>
+            </a:lvl9pPr>
+          </a:lstStyle>
+          <a:p>
+            <a:r>
+              <a:rPr lang="de-DE" dirty="0" err="1" smtClean="0">
+                <a:latin typeface="Calibri" pitchFamily="34" charset="0"/>
+              </a:rPr>
+              <a:t>testcoverage</a:t>
+            </a:r>
+            <a:endParaRPr lang="de-DE" dirty="0">
+              <a:latin typeface="Calibri" pitchFamily="34" charset="0"/>
+            </a:endParaRPr>
+          </a:p>
+        </p:txBody>
+      </p:sp>
+      <p:graphicFrame>
+        <p:nvGraphicFramePr>
+          <p:cNvPr id="3" name="Diagramm 2"/>
+          <p:cNvGraphicFramePr/>
           <p:nvPr>
-            <p:ph type="title"/>
+            <p:extLst>
+              <p:ext uri="{D42A27DB-BD31-4B8C-83A1-F6EECF244321}">
+                <p14:modId xmlns:p14="http://schemas.microsoft.com/office/powerpoint/2010/main" val="2792552576"/>
+              </p:ext>
+            </p:extLst>
           </p:nvPr>
-        </p:nvSpPr>
-        <p:spPr/>
-        <p:txBody>
-          <a:bodyPr/>
+        </p:nvGraphicFramePr>
+        <p:xfrm>
+          <a:off x="539552" y="1916832"/>
+          <a:ext cx="3888432" cy="2736304"/>
+        </p:xfrm>
+        <a:graphic>
+          <a:graphicData uri="http://schemas.openxmlformats.org/drawingml/2006/chart">
+            <c:chart xmlns:c="http://schemas.openxmlformats.org/drawingml/2006/chart" xmlns:r="http://schemas.openxmlformats.org/officeDocument/2006/relationships" r:id="rId3"/>
+          </a:graphicData>
+        </a:graphic>
+      </p:graphicFrame>
+      <p:graphicFrame>
+        <p:nvGraphicFramePr>
+          <p:cNvPr id="7" name="Diagramm 6"/>
+          <p:cNvGraphicFramePr/>
+          <p:nvPr>
+            <p:extLst>
+              <p:ext uri="{D42A27DB-BD31-4B8C-83A1-F6EECF244321}">
+                <p14:modId xmlns:p14="http://schemas.microsoft.com/office/powerpoint/2010/main" val="2779868244"/>
+              </p:ext>
+            </p:extLst>
+          </p:nvPr>
+        </p:nvGraphicFramePr>
+        <p:xfrm>
+          <a:off x="4644008" y="1916832"/>
+          <a:ext cx="3888432" cy="2880320"/>
+        </p:xfrm>
+        <a:graphic>
+          <a:graphicData uri="http://schemas.openxmlformats.org/drawingml/2006/chart">
+            <c:chart xmlns:c="http://schemas.openxmlformats.org/drawingml/2006/chart" xmlns:r="http://schemas.openxmlformats.org/officeDocument/2006/relationships" r:id="rId4"/>
+          </a:graphicData>
+        </a:graphic>
+      </p:graphicFrame>
+      <p:sp>
+        <p:nvSpPr>
+          <p:cNvPr id="19" name="Rechteck 18"/>
+          <p:cNvSpPr/>
+          <p:nvPr/>
+        </p:nvSpPr>
+        <p:spPr>
+          <a:xfrm>
+            <a:off x="3427495" y="5480643"/>
+            <a:ext cx="216024" cy="216024"/>
+          </a:xfrm>
+          <a:prstGeom prst="rect">
+            <a:avLst/>
+          </a:prstGeom>
+          <a:solidFill>
+            <a:srgbClr val="FF0000"/>
+          </a:solidFill>
+          <a:ln>
+            <a:solidFill>
+              <a:schemeClr val="tx1"/>
+            </a:solidFill>
+          </a:ln>
+        </p:spPr>
+        <p:style>
+          <a:lnRef idx="2">
+            <a:schemeClr val="accent1">
+              <a:shade val="50000"/>
+            </a:schemeClr>
+          </a:lnRef>
+          <a:fillRef idx="1">
+            <a:schemeClr val="accent1"/>
+          </a:fillRef>
+          <a:effectRef idx="0">
+            <a:schemeClr val="accent1"/>
+          </a:effectRef>
+          <a:fontRef idx="minor">
+            <a:schemeClr val="lt1"/>
+          </a:fontRef>
+        </p:style>
+        <p:txBody>
+          <a:bodyPr rtlCol="0" anchor="ctr"/>
           <a:lstStyle/>
           <a:p>
+            <a:pPr algn="ctr"/>
             <a:endParaRPr lang="de-DE"/>
           </a:p>
         </p:txBody>
       </p:sp>
       <p:sp>
         <p:nvSpPr>
-          <p:cNvPr id="3" name="Textplatzhalter 2"/>
-          <p:cNvSpPr>
-            <a:spLocks noGrp="1"/>
-          </p:cNvSpPr>
-          <p:nvPr>
-            <p:ph type="body" idx="1"/>
-          </p:nvPr>
-        </p:nvSpPr>
-        <p:spPr/>
-        <p:txBody>
-          <a:bodyPr/>
+          <p:cNvPr id="20" name="Textfeld 19"/>
+          <p:cNvSpPr txBox="1"/>
+          <p:nvPr/>
+        </p:nvSpPr>
+        <p:spPr>
+          <a:xfrm>
+            <a:off x="3923928" y="5429762"/>
+            <a:ext cx="1832553" cy="369332"/>
+          </a:xfrm>
+          <a:prstGeom prst="rect">
+            <a:avLst/>
+          </a:prstGeom>
+          <a:noFill/>
+        </p:spPr>
+        <p:txBody>
+          <a:bodyPr wrap="none" rtlCol="0">
+            <a:spAutoFit/>
+          </a:bodyPr>
           <a:lstStyle/>
           <a:p>
+            <a:r>
+              <a:rPr lang="de-DE" dirty="0" smtClean="0">
+                <a:solidFill>
+                  <a:schemeClr val="bg1"/>
+                </a:solidFill>
+              </a:rPr>
+              <a:t>Nicht abgedeckt </a:t>
+            </a:r>
+            <a:endParaRPr lang="de-DE" dirty="0">
+              <a:solidFill>
+                <a:schemeClr val="bg1"/>
+              </a:solidFill>
+            </a:endParaRPr>
+          </a:p>
+        </p:txBody>
+      </p:sp>
+      <p:sp>
+        <p:nvSpPr>
+          <p:cNvPr id="21" name="Rechteck 20"/>
+          <p:cNvSpPr/>
+          <p:nvPr/>
+        </p:nvSpPr>
+        <p:spPr>
+          <a:xfrm>
+            <a:off x="3427495" y="5901875"/>
+            <a:ext cx="216024" cy="216024"/>
+          </a:xfrm>
+          <a:prstGeom prst="rect">
+            <a:avLst/>
+          </a:prstGeom>
+          <a:solidFill>
+            <a:srgbClr val="00B050"/>
+          </a:solidFill>
+          <a:ln>
+            <a:solidFill>
+              <a:schemeClr val="tx1"/>
+            </a:solidFill>
+          </a:ln>
+        </p:spPr>
+        <p:style>
+          <a:lnRef idx="2">
+            <a:schemeClr val="accent1">
+              <a:shade val="50000"/>
+            </a:schemeClr>
+          </a:lnRef>
+          <a:fillRef idx="1">
+            <a:schemeClr val="accent1"/>
+          </a:fillRef>
+          <a:effectRef idx="0">
+            <a:schemeClr val="accent1"/>
+          </a:effectRef>
+          <a:fontRef idx="minor">
+            <a:schemeClr val="lt1"/>
+          </a:fontRef>
+        </p:style>
+        <p:txBody>
+          <a:bodyPr rtlCol="0" anchor="ctr"/>
+          <a:lstStyle/>
+          <a:p>
+            <a:pPr algn="ctr"/>
             <a:endParaRPr lang="de-DE"/>
+          </a:p>
+        </p:txBody>
+      </p:sp>
+      <p:sp>
+        <p:nvSpPr>
+          <p:cNvPr id="22" name="Textfeld 21"/>
+          <p:cNvSpPr txBox="1"/>
+          <p:nvPr/>
+        </p:nvSpPr>
+        <p:spPr>
+          <a:xfrm>
+            <a:off x="3923928" y="5850994"/>
+            <a:ext cx="1265090" cy="369332"/>
+          </a:xfrm>
+          <a:prstGeom prst="rect">
+            <a:avLst/>
+          </a:prstGeom>
+          <a:noFill/>
+        </p:spPr>
+        <p:txBody>
+          <a:bodyPr wrap="none" rtlCol="0">
+            <a:spAutoFit/>
+          </a:bodyPr>
+          <a:lstStyle/>
+          <a:p>
+            <a:r>
+              <a:rPr lang="de-DE" dirty="0" smtClean="0">
+                <a:solidFill>
+                  <a:schemeClr val="bg1"/>
+                </a:solidFill>
+              </a:rPr>
+              <a:t>abgedeckt </a:t>
+            </a:r>
+            <a:endParaRPr lang="de-DE" dirty="0">
+              <a:solidFill>
+                <a:schemeClr val="bg1"/>
+              </a:solidFill>
+            </a:endParaRPr>
           </a:p>
         </p:txBody>
       </p:sp>
     </p:spTree>
     <p:extLst>
       <p:ext uri="{BB962C8B-B14F-4D97-AF65-F5344CB8AC3E}">
-        <p14:creationId xmlns:p14="http://schemas.microsoft.com/office/powerpoint/2010/main" val="1563329917"/>
+        <p14:creationId xmlns:p14="http://schemas.microsoft.com/office/powerpoint/2010/main" val="1029869636"/>
       </p:ext>
     </p:extLst>
   </p:cSld>
   <p:clrMapOvr>
     <a:masterClrMapping/>
   </p:clrMapOvr>
+  <p:timing>
+    <p:tnLst>
+      <p:par>
+        <p:cTn id="1" dur="indefinite" restart="never" nodeType="tmRoot"/>
+      </p:par>
+    </p:tnLst>
+  </p:timing>
 </p:sld>
 </file>
 
@@ -4982,26 +6222,119 @@
       </p:grpSpPr>
       <p:sp>
         <p:nvSpPr>
-          <p:cNvPr id="2" name="Titel 1"/>
-          <p:cNvSpPr>
-            <a:spLocks noGrp="1"/>
+          <p:cNvPr id="4" name="Titel 1"/>
+          <p:cNvSpPr txBox="1">
+            <a:spLocks/>
           </p:cNvSpPr>
-          <p:nvPr>
-            <p:ph type="title"/>
-          </p:nvPr>
-        </p:nvSpPr>
-        <p:spPr/>
-        <p:txBody>
-          <a:bodyPr/>
-          <a:lstStyle/>
-          <a:p>
-            <a:endParaRPr lang="de-DE"/>
-          </a:p>
-        </p:txBody>
-      </p:sp>
-      <p:sp>
-        <p:nvSpPr>
-          <p:cNvPr id="3" name="Textplatzhalter 2"/>
+          <p:nvPr/>
+        </p:nvSpPr>
+        <p:spPr>
+          <a:xfrm>
+            <a:off x="539552" y="260648"/>
+            <a:ext cx="6172200" cy="1008112"/>
+          </a:xfrm>
+          <a:prstGeom prst="rect">
+            <a:avLst/>
+          </a:prstGeom>
+        </p:spPr>
+        <p:txBody>
+          <a:bodyPr vert="horz" lIns="91440" tIns="45720" rIns="91440" bIns="45720" rtlCol="0" anchor="t">
+            <a:noAutofit/>
+          </a:bodyPr>
+          <a:lstStyle>
+            <a:lvl1pPr algn="l" defTabSz="914400" rtl="0" eaLnBrk="1" latinLnBrk="0" hangingPunct="1">
+              <a:spcBef>
+                <a:spcPct val="0"/>
+              </a:spcBef>
+              <a:buNone/>
+              <a:defRPr sz="4800" b="1" kern="1200" cap="all" baseline="0">
+                <a:solidFill>
+                  <a:schemeClr val="tx1"/>
+                </a:solidFill>
+                <a:latin typeface="+mj-lt"/>
+                <a:ea typeface="+mj-ea"/>
+                <a:cs typeface="+mj-cs"/>
+              </a:defRPr>
+            </a:lvl1pPr>
+            <a:lvl2pPr eaLnBrk="1" hangingPunct="1">
+              <a:defRPr>
+                <a:solidFill>
+                  <a:schemeClr val="tx2"/>
+                </a:solidFill>
+              </a:defRPr>
+            </a:lvl2pPr>
+            <a:lvl3pPr eaLnBrk="1" hangingPunct="1">
+              <a:defRPr>
+                <a:solidFill>
+                  <a:schemeClr val="tx2"/>
+                </a:solidFill>
+              </a:defRPr>
+            </a:lvl3pPr>
+            <a:lvl4pPr eaLnBrk="1" hangingPunct="1">
+              <a:defRPr>
+                <a:solidFill>
+                  <a:schemeClr val="tx2"/>
+                </a:solidFill>
+              </a:defRPr>
+            </a:lvl4pPr>
+            <a:lvl5pPr eaLnBrk="1" hangingPunct="1">
+              <a:defRPr>
+                <a:solidFill>
+                  <a:schemeClr val="tx2"/>
+                </a:solidFill>
+              </a:defRPr>
+            </a:lvl5pPr>
+            <a:lvl6pPr eaLnBrk="1" hangingPunct="1">
+              <a:defRPr>
+                <a:solidFill>
+                  <a:schemeClr val="tx2"/>
+                </a:solidFill>
+              </a:defRPr>
+            </a:lvl6pPr>
+            <a:lvl7pPr eaLnBrk="1" hangingPunct="1">
+              <a:defRPr>
+                <a:solidFill>
+                  <a:schemeClr val="tx2"/>
+                </a:solidFill>
+              </a:defRPr>
+            </a:lvl7pPr>
+            <a:lvl8pPr eaLnBrk="1" hangingPunct="1">
+              <a:defRPr>
+                <a:solidFill>
+                  <a:schemeClr val="tx2"/>
+                </a:solidFill>
+              </a:defRPr>
+            </a:lvl8pPr>
+            <a:lvl9pPr eaLnBrk="1" hangingPunct="1">
+              <a:defRPr>
+                <a:solidFill>
+                  <a:schemeClr val="tx2"/>
+                </a:solidFill>
+              </a:defRPr>
+            </a:lvl9pPr>
+          </a:lstStyle>
+          <a:p>
+            <a:r>
+              <a:rPr lang="de-DE" dirty="0" err="1" smtClean="0">
+                <a:latin typeface="Calibri" pitchFamily="34" charset="0"/>
+              </a:rPr>
+              <a:t>Metrikanalyse</a:t>
+            </a:r>
+            <a:r>
+              <a:rPr lang="de-DE" dirty="0" smtClean="0">
+                <a:latin typeface="Calibri" pitchFamily="34" charset="0"/>
+              </a:rPr>
+              <a:t> </a:t>
+            </a:r>
+            <a:endParaRPr lang="de-DE" dirty="0">
+              <a:latin typeface="Calibri" pitchFamily="34" charset="0"/>
+            </a:endParaRPr>
+          </a:p>
+        </p:txBody>
+      </p:sp>
+      <p:sp>
+        <p:nvSpPr>
+          <p:cNvPr id="5" name="Textplatzhalter 2"/>
           <p:cNvSpPr>
             <a:spLocks noGrp="1"/>
           </p:cNvSpPr>
@@ -5009,25 +6342,96 @@
             <p:ph type="body" idx="1"/>
           </p:nvPr>
         </p:nvSpPr>
-        <p:spPr/>
-        <p:txBody>
-          <a:bodyPr/>
+        <p:spPr>
+          <a:xfrm>
+            <a:off x="539552" y="1700808"/>
+            <a:ext cx="7848872" cy="4392488"/>
+          </a:xfrm>
+        </p:spPr>
+        <p:txBody>
+          <a:bodyPr>
+            <a:normAutofit/>
+          </a:bodyPr>
           <a:lstStyle/>
           <a:p>
-            <a:endParaRPr lang="de-DE"/>
-          </a:p>
-        </p:txBody>
-      </p:sp>
+            <a:pPr marL="285750" indent="-285750">
+              <a:buFont typeface="Arial" pitchFamily="34" charset="0"/>
+              <a:buChar char="•"/>
+            </a:pPr>
+            <a:r>
+              <a:rPr lang="de-DE" sz="2800" b="1" dirty="0" smtClean="0">
+                <a:solidFill>
+                  <a:srgbClr val="6ECDD2"/>
+                </a:solidFill>
+              </a:rPr>
+              <a:t>S</a:t>
+            </a:r>
+            <a:r>
+              <a:rPr lang="de-DE" sz="2800" b="1" dirty="0" smtClean="0">
+                <a:solidFill>
+                  <a:srgbClr val="6ECDD2"/>
+                </a:solidFill>
+              </a:rPr>
+              <a:t>onar</a:t>
+            </a:r>
+            <a:r>
+              <a:rPr lang="de-DE" sz="2800" b="1" dirty="0" smtClean="0">
+                <a:solidFill>
+                  <a:srgbClr val="6ECDD2"/>
+                </a:solidFill>
+              </a:rPr>
+              <a:t> </a:t>
+            </a:r>
+          </a:p>
+        </p:txBody>
+      </p:sp>
+      <p:pic>
+        <p:nvPicPr>
+          <p:cNvPr id="8" name="Grafik 7"/>
+          <p:cNvPicPr>
+            <a:picLocks noChangeAspect="1"/>
+          </p:cNvPicPr>
+          <p:nvPr/>
+        </p:nvPicPr>
+        <p:blipFill>
+          <a:blip r:embed="rId3">
+            <a:extLst>
+              <a:ext uri="{28A0092B-C50C-407E-A947-70E740481C1C}">
+                <a14:useLocalDpi xmlns:a14="http://schemas.microsoft.com/office/drawing/2010/main" val="0"/>
+              </a:ext>
+            </a:extLst>
+          </a:blip>
+          <a:stretch>
+            <a:fillRect/>
+          </a:stretch>
+        </p:blipFill>
+        <p:spPr>
+          <a:xfrm>
+            <a:off x="539551" y="2490904"/>
+            <a:ext cx="7308605" cy="2666288"/>
+          </a:xfrm>
+          <a:prstGeom prst="rect">
+            <a:avLst/>
+          </a:prstGeom>
+        </p:spPr>
+      </p:pic>
     </p:spTree>
     <p:extLst>
       <p:ext uri="{BB962C8B-B14F-4D97-AF65-F5344CB8AC3E}">
-        <p14:creationId xmlns:p14="http://schemas.microsoft.com/office/powerpoint/2010/main" val="2744538873"/>
+        <p14:creationId xmlns:p14="http://schemas.microsoft.com/office/powerpoint/2010/main" val="4043003142"/>
       </p:ext>
     </p:extLst>
   </p:cSld>
   <p:clrMapOvr>
     <a:masterClrMapping/>
   </p:clrMapOvr>
+  <p:timing>
+    <p:tnLst>
+      <p:par>
+        <p:cTn id="1" dur="indefinite" restart="never" nodeType="tmRoot"/>
+      </p:par>
+    </p:tnLst>
+  </p:timing>
 </p:sld>
 </file>
 
@@ -5037,7 +6441,7 @@
     <p:bg>
       <p:bgPr>
         <a:blipFill dpi="0" rotWithShape="1">
-          <a:blip r:embed="rId2">
+          <a:blip r:embed="rId3">
             <a:lum/>
           </a:blip>
           <a:srcRect/>
@@ -5064,26 +6468,113 @@
       </p:grpSpPr>
       <p:sp>
         <p:nvSpPr>
-          <p:cNvPr id="2" name="Titel 1"/>
-          <p:cNvSpPr>
-            <a:spLocks noGrp="1"/>
+          <p:cNvPr id="4" name="Titel 1"/>
+          <p:cNvSpPr txBox="1">
+            <a:spLocks/>
           </p:cNvSpPr>
-          <p:nvPr>
-            <p:ph type="title"/>
-          </p:nvPr>
-        </p:nvSpPr>
-        <p:spPr/>
-        <p:txBody>
-          <a:bodyPr/>
-          <a:lstStyle/>
-          <a:p>
-            <a:endParaRPr lang="de-DE"/>
-          </a:p>
-        </p:txBody>
-      </p:sp>
-      <p:sp>
-        <p:nvSpPr>
-          <p:cNvPr id="3" name="Textplatzhalter 2"/>
+          <p:nvPr/>
+        </p:nvSpPr>
+        <p:spPr>
+          <a:xfrm>
+            <a:off x="539552" y="260648"/>
+            <a:ext cx="6172200" cy="1008112"/>
+          </a:xfrm>
+          <a:prstGeom prst="rect">
+            <a:avLst/>
+          </a:prstGeom>
+        </p:spPr>
+        <p:txBody>
+          <a:bodyPr vert="horz" lIns="91440" tIns="45720" rIns="91440" bIns="45720" rtlCol="0" anchor="t">
+            <a:noAutofit/>
+          </a:bodyPr>
+          <a:lstStyle>
+            <a:lvl1pPr algn="l" defTabSz="914400" rtl="0" eaLnBrk="1" latinLnBrk="0" hangingPunct="1">
+              <a:spcBef>
+                <a:spcPct val="0"/>
+              </a:spcBef>
+              <a:buNone/>
+              <a:defRPr sz="4800" b="1" kern="1200" cap="all" baseline="0">
+                <a:solidFill>
+                  <a:schemeClr val="tx1"/>
+                </a:solidFill>
+                <a:latin typeface="+mj-lt"/>
+                <a:ea typeface="+mj-ea"/>
+                <a:cs typeface="+mj-cs"/>
+              </a:defRPr>
+            </a:lvl1pPr>
+            <a:lvl2pPr eaLnBrk="1" hangingPunct="1">
+              <a:defRPr>
+                <a:solidFill>
+                  <a:schemeClr val="tx2"/>
+                </a:solidFill>
+              </a:defRPr>
+            </a:lvl2pPr>
+            <a:lvl3pPr eaLnBrk="1" hangingPunct="1">
+              <a:defRPr>
+                <a:solidFill>
+                  <a:schemeClr val="tx2"/>
+                </a:solidFill>
+              </a:defRPr>
+            </a:lvl3pPr>
+            <a:lvl4pPr eaLnBrk="1" hangingPunct="1">
+              <a:defRPr>
+                <a:solidFill>
+                  <a:schemeClr val="tx2"/>
+                </a:solidFill>
+              </a:defRPr>
+            </a:lvl4pPr>
+            <a:lvl5pPr eaLnBrk="1" hangingPunct="1">
+              <a:defRPr>
+                <a:solidFill>
+                  <a:schemeClr val="tx2"/>
+                </a:solidFill>
+              </a:defRPr>
+            </a:lvl5pPr>
+            <a:lvl6pPr eaLnBrk="1" hangingPunct="1">
+              <a:defRPr>
+                <a:solidFill>
+                  <a:schemeClr val="tx2"/>
+                </a:solidFill>
+              </a:defRPr>
+            </a:lvl6pPr>
+            <a:lvl7pPr eaLnBrk="1" hangingPunct="1">
+              <a:defRPr>
+                <a:solidFill>
+                  <a:schemeClr val="tx2"/>
+                </a:solidFill>
+              </a:defRPr>
+            </a:lvl7pPr>
+            <a:lvl8pPr eaLnBrk="1" hangingPunct="1">
+              <a:defRPr>
+                <a:solidFill>
+                  <a:schemeClr val="tx2"/>
+                </a:solidFill>
+              </a:defRPr>
+            </a:lvl8pPr>
+            <a:lvl9pPr eaLnBrk="1" hangingPunct="1">
+              <a:defRPr>
+                <a:solidFill>
+                  <a:schemeClr val="tx2"/>
+                </a:solidFill>
+              </a:defRPr>
+            </a:lvl9pPr>
+          </a:lstStyle>
+          <a:p>
+            <a:r>
+              <a:rPr lang="de-DE" dirty="0" smtClean="0">
+                <a:latin typeface="Calibri" pitchFamily="34" charset="0"/>
+              </a:rPr>
+              <a:t>Kritische Methode </a:t>
+            </a:r>
+            <a:endParaRPr lang="de-DE" dirty="0">
+              <a:latin typeface="Calibri" pitchFamily="34" charset="0"/>
+            </a:endParaRPr>
+          </a:p>
+        </p:txBody>
+      </p:sp>
+      <p:sp>
+        <p:nvSpPr>
+          <p:cNvPr id="5" name="Textplatzhalter 2"/>
           <p:cNvSpPr>
             <a:spLocks noGrp="1"/>
           </p:cNvSpPr>
@@ -5091,11 +6582,559 @@
             <p:ph type="body" idx="1"/>
           </p:nvPr>
         </p:nvSpPr>
-        <p:spPr/>
-        <p:txBody>
-          <a:bodyPr/>
+        <p:spPr>
+          <a:xfrm>
+            <a:off x="2093962" y="5589240"/>
+            <a:ext cx="2592288" cy="432048"/>
+          </a:xfrm>
+        </p:spPr>
+        <p:txBody>
+          <a:bodyPr>
+            <a:normAutofit/>
+          </a:bodyPr>
           <a:lstStyle/>
           <a:p>
+            <a:r>
+              <a:rPr lang="de-DE" dirty="0" err="1" smtClean="0">
+                <a:solidFill>
+                  <a:schemeClr val="bg1"/>
+                </a:solidFill>
+              </a:rPr>
+              <a:t>Cyclomatic</a:t>
+            </a:r>
+            <a:r>
+              <a:rPr lang="de-DE" dirty="0" smtClean="0">
+                <a:solidFill>
+                  <a:schemeClr val="bg1"/>
+                </a:solidFill>
+              </a:rPr>
+              <a:t> </a:t>
+            </a:r>
+            <a:r>
+              <a:rPr lang="de-DE" dirty="0" err="1" smtClean="0">
+                <a:solidFill>
+                  <a:schemeClr val="bg1"/>
+                </a:solidFill>
+              </a:rPr>
+              <a:t>complexity</a:t>
+            </a:r>
+            <a:r>
+              <a:rPr lang="de-DE" dirty="0" smtClean="0">
+                <a:solidFill>
+                  <a:schemeClr val="bg1"/>
+                </a:solidFill>
+              </a:rPr>
+              <a:t>: 13</a:t>
+            </a:r>
+          </a:p>
+        </p:txBody>
+      </p:sp>
+      <p:pic>
+        <p:nvPicPr>
+          <p:cNvPr id="7" name="Grafik 6"/>
+          <p:cNvPicPr>
+            <a:picLocks noChangeAspect="1"/>
+          </p:cNvPicPr>
+          <p:nvPr/>
+        </p:nvPicPr>
+        <p:blipFill>
+          <a:blip r:embed="rId4">
+            <a:extLst>
+              <a:ext uri="{28A0092B-C50C-407E-A947-70E740481C1C}">
+                <a14:useLocalDpi xmlns:a14="http://schemas.microsoft.com/office/drawing/2010/main" val="0"/>
+              </a:ext>
+            </a:extLst>
+          </a:blip>
+          <a:stretch>
+            <a:fillRect/>
+          </a:stretch>
+        </p:blipFill>
+        <p:spPr>
+          <a:xfrm>
+            <a:off x="528042" y="2276872"/>
+            <a:ext cx="8316416" cy="3387365"/>
+          </a:xfrm>
+          <a:prstGeom prst="rect">
+            <a:avLst/>
+          </a:prstGeom>
+        </p:spPr>
+      </p:pic>
+      <p:sp>
+        <p:nvSpPr>
+          <p:cNvPr id="9" name="Pfeil nach rechts 8"/>
+          <p:cNvSpPr/>
+          <p:nvPr/>
+        </p:nvSpPr>
+        <p:spPr>
+          <a:xfrm>
+            <a:off x="539552" y="2852936"/>
+            <a:ext cx="216024" cy="72008"/>
+          </a:xfrm>
+          <a:prstGeom prst="rightArrow">
+            <a:avLst/>
+          </a:prstGeom>
+          <a:solidFill>
+            <a:srgbClr val="66DAD7"/>
+          </a:solidFill>
+          <a:ln>
+            <a:solidFill>
+              <a:srgbClr val="66DAD7"/>
+            </a:solidFill>
+          </a:ln>
+        </p:spPr>
+        <p:style>
+          <a:lnRef idx="2">
+            <a:schemeClr val="accent1">
+              <a:shade val="50000"/>
+            </a:schemeClr>
+          </a:lnRef>
+          <a:fillRef idx="1">
+            <a:schemeClr val="accent1"/>
+          </a:fillRef>
+          <a:effectRef idx="0">
+            <a:schemeClr val="accent1"/>
+          </a:effectRef>
+          <a:fontRef idx="minor">
+            <a:schemeClr val="lt1"/>
+          </a:fontRef>
+        </p:style>
+        <p:txBody>
+          <a:bodyPr rtlCol="0" anchor="ctr"/>
+          <a:lstStyle/>
+          <a:p>
+            <a:pPr algn="ctr"/>
+            <a:endParaRPr lang="de-DE"/>
+          </a:p>
+        </p:txBody>
+      </p:sp>
+      <p:sp>
+        <p:nvSpPr>
+          <p:cNvPr id="10" name="Pfeil nach unten 9"/>
+          <p:cNvSpPr/>
+          <p:nvPr/>
+        </p:nvSpPr>
+        <p:spPr>
+          <a:xfrm>
+            <a:off x="7488324" y="2564904"/>
+            <a:ext cx="72008" cy="216024"/>
+          </a:xfrm>
+          <a:prstGeom prst="downArrow">
+            <a:avLst/>
+          </a:prstGeom>
+          <a:ln>
+            <a:solidFill>
+              <a:srgbClr val="92D050"/>
+            </a:solidFill>
+          </a:ln>
+        </p:spPr>
+        <p:style>
+          <a:lnRef idx="2">
+            <a:schemeClr val="accent1">
+              <a:shade val="50000"/>
+            </a:schemeClr>
+          </a:lnRef>
+          <a:fillRef idx="1">
+            <a:schemeClr val="accent1"/>
+          </a:fillRef>
+          <a:effectRef idx="0">
+            <a:schemeClr val="accent1"/>
+          </a:effectRef>
+          <a:fontRef idx="minor">
+            <a:schemeClr val="lt1"/>
+          </a:fontRef>
+        </p:style>
+        <p:txBody>
+          <a:bodyPr rtlCol="0" anchor="ctr"/>
+          <a:lstStyle/>
+          <a:p>
+            <a:pPr algn="ctr"/>
+            <a:endParaRPr lang="de-DE"/>
+          </a:p>
+        </p:txBody>
+      </p:sp>
+      <p:sp>
+        <p:nvSpPr>
+          <p:cNvPr id="12" name="Rechteck 11"/>
+          <p:cNvSpPr/>
+          <p:nvPr/>
+        </p:nvSpPr>
+        <p:spPr>
+          <a:xfrm>
+            <a:off x="1854911" y="5685944"/>
+            <a:ext cx="216024" cy="211541"/>
+          </a:xfrm>
+          <a:prstGeom prst="rect">
+            <a:avLst/>
+          </a:prstGeom>
+          <a:solidFill>
+            <a:srgbClr val="66DAD7"/>
+          </a:solidFill>
+          <a:ln>
+            <a:solidFill>
+              <a:schemeClr val="tx1"/>
+            </a:solidFill>
+          </a:ln>
+        </p:spPr>
+        <p:style>
+          <a:lnRef idx="2">
+            <a:schemeClr val="accent1">
+              <a:shade val="50000"/>
+            </a:schemeClr>
+          </a:lnRef>
+          <a:fillRef idx="1">
+            <a:schemeClr val="accent1"/>
+          </a:fillRef>
+          <a:effectRef idx="0">
+            <a:schemeClr val="accent1"/>
+          </a:effectRef>
+          <a:fontRef idx="minor">
+            <a:schemeClr val="lt1"/>
+          </a:fontRef>
+        </p:style>
+        <p:txBody>
+          <a:bodyPr rtlCol="0" anchor="ctr"/>
+          <a:lstStyle/>
+          <a:p>
+            <a:pPr algn="ctr"/>
+            <a:endParaRPr lang="de-DE"/>
+          </a:p>
+        </p:txBody>
+      </p:sp>
+      <p:sp>
+        <p:nvSpPr>
+          <p:cNvPr id="14" name="Textplatzhalter 2"/>
+          <p:cNvSpPr txBox="1">
+            <a:spLocks/>
+          </p:cNvSpPr>
+          <p:nvPr/>
+        </p:nvSpPr>
+        <p:spPr>
+          <a:xfrm>
+            <a:off x="2093962" y="5915224"/>
+            <a:ext cx="2592288" cy="432048"/>
+          </a:xfrm>
+          <a:prstGeom prst="rect">
+            <a:avLst/>
+          </a:prstGeom>
+        </p:spPr>
+        <p:txBody>
+          <a:bodyPr vert="horz" lIns="91440" tIns="45720" rIns="91440" bIns="45720" rtlCol="0" anchor="t">
+            <a:normAutofit/>
+          </a:bodyPr>
+          <a:lstStyle>
+            <a:lvl1pPr marL="0" indent="0" algn="l" defTabSz="914400" rtl="0" eaLnBrk="1" latinLnBrk="0" hangingPunct="1">
+              <a:spcBef>
+                <a:spcPct val="20000"/>
+              </a:spcBef>
+              <a:buFont typeface="Arial" pitchFamily="34" charset="0"/>
+              <a:buNone/>
+              <a:defRPr sz="1800" i="1" kern="1200">
+                <a:solidFill>
+                  <a:schemeClr val="tx1">
+                    <a:tint val="75000"/>
+                  </a:schemeClr>
+                </a:solidFill>
+                <a:latin typeface="+mn-lt"/>
+                <a:ea typeface="+mn-ea"/>
+                <a:cs typeface="+mn-cs"/>
+              </a:defRPr>
+            </a:lvl1pPr>
+            <a:lvl2pPr marL="457200" indent="0" algn="l" defTabSz="914400" rtl="0" eaLnBrk="1" latinLnBrk="0" hangingPunct="1">
+              <a:spcBef>
+                <a:spcPct val="20000"/>
+              </a:spcBef>
+              <a:buFont typeface="Arial" pitchFamily="34" charset="0"/>
+              <a:buNone/>
+              <a:defRPr sz="1800" i="1" kern="1200">
+                <a:solidFill>
+                  <a:schemeClr val="tx1">
+                    <a:tint val="75000"/>
+                  </a:schemeClr>
+                </a:solidFill>
+                <a:latin typeface="+mn-lt"/>
+                <a:ea typeface="+mn-ea"/>
+                <a:cs typeface="+mn-cs"/>
+              </a:defRPr>
+            </a:lvl2pPr>
+            <a:lvl3pPr marL="914400" indent="0" algn="l" defTabSz="914400" rtl="0" eaLnBrk="1" latinLnBrk="0" hangingPunct="1">
+              <a:spcBef>
+                <a:spcPct val="20000"/>
+              </a:spcBef>
+              <a:buFont typeface="Arial" pitchFamily="34" charset="0"/>
+              <a:buNone/>
+              <a:defRPr sz="1600" i="1" kern="1200">
+                <a:solidFill>
+                  <a:schemeClr val="tx1">
+                    <a:tint val="75000"/>
+                  </a:schemeClr>
+                </a:solidFill>
+                <a:latin typeface="+mn-lt"/>
+                <a:ea typeface="+mn-ea"/>
+                <a:cs typeface="+mn-cs"/>
+              </a:defRPr>
+            </a:lvl3pPr>
+            <a:lvl4pPr marL="1371600" indent="0" algn="l" defTabSz="914400" rtl="0" eaLnBrk="1" latinLnBrk="0" hangingPunct="1">
+              <a:spcBef>
+                <a:spcPct val="20000"/>
+              </a:spcBef>
+              <a:buFont typeface="Arial" pitchFamily="34" charset="0"/>
+              <a:buNone/>
+              <a:defRPr sz="1400" i="1" kern="1200">
+                <a:solidFill>
+                  <a:schemeClr val="tx1">
+                    <a:tint val="75000"/>
+                  </a:schemeClr>
+                </a:solidFill>
+                <a:latin typeface="+mn-lt"/>
+                <a:ea typeface="+mn-ea"/>
+                <a:cs typeface="+mn-cs"/>
+              </a:defRPr>
+            </a:lvl4pPr>
+            <a:lvl5pPr marL="1828800" indent="0" algn="l" defTabSz="914400" rtl="0" eaLnBrk="1" latinLnBrk="0" hangingPunct="1">
+              <a:spcBef>
+                <a:spcPct val="20000"/>
+              </a:spcBef>
+              <a:buFont typeface="Arial" pitchFamily="34" charset="0"/>
+              <a:buNone/>
+              <a:defRPr sz="1400" i="1" kern="1200">
+                <a:solidFill>
+                  <a:schemeClr val="tx1">
+                    <a:tint val="75000"/>
+                  </a:schemeClr>
+                </a:solidFill>
+                <a:latin typeface="+mn-lt"/>
+                <a:ea typeface="+mn-ea"/>
+                <a:cs typeface="+mn-cs"/>
+              </a:defRPr>
+            </a:lvl5pPr>
+            <a:lvl6pPr marL="2286000" indent="0" algn="l" defTabSz="914400" rtl="0" eaLnBrk="1" latinLnBrk="0" hangingPunct="1">
+              <a:spcBef>
+                <a:spcPct val="20000"/>
+              </a:spcBef>
+              <a:buFont typeface="Arial" pitchFamily="34" charset="0"/>
+              <a:buNone/>
+              <a:defRPr sz="1400" i="1" kern="1200">
+                <a:solidFill>
+                  <a:schemeClr val="tx1">
+                    <a:tint val="75000"/>
+                  </a:schemeClr>
+                </a:solidFill>
+                <a:latin typeface="+mn-lt"/>
+                <a:ea typeface="+mn-ea"/>
+                <a:cs typeface="+mn-cs"/>
+              </a:defRPr>
+            </a:lvl6pPr>
+            <a:lvl7pPr marL="2743200" indent="0" algn="l" defTabSz="914400" rtl="0" eaLnBrk="1" latinLnBrk="0" hangingPunct="1">
+              <a:spcBef>
+                <a:spcPct val="20000"/>
+              </a:spcBef>
+              <a:buFont typeface="Arial" pitchFamily="34" charset="0"/>
+              <a:buNone/>
+              <a:defRPr sz="1400" i="1" kern="1200">
+                <a:solidFill>
+                  <a:schemeClr val="tx1">
+                    <a:tint val="75000"/>
+                  </a:schemeClr>
+                </a:solidFill>
+                <a:latin typeface="+mn-lt"/>
+                <a:ea typeface="+mn-ea"/>
+                <a:cs typeface="+mn-cs"/>
+              </a:defRPr>
+            </a:lvl7pPr>
+            <a:lvl8pPr marL="3200400" indent="0" algn="l" defTabSz="914400" rtl="0" eaLnBrk="1" latinLnBrk="0" hangingPunct="1">
+              <a:spcBef>
+                <a:spcPct val="20000"/>
+              </a:spcBef>
+              <a:buFont typeface="Arial" pitchFamily="34" charset="0"/>
+              <a:buNone/>
+              <a:defRPr sz="1400" i="1" kern="1200">
+                <a:solidFill>
+                  <a:schemeClr val="tx1">
+                    <a:tint val="75000"/>
+                  </a:schemeClr>
+                </a:solidFill>
+                <a:latin typeface="+mn-lt"/>
+                <a:ea typeface="+mn-ea"/>
+                <a:cs typeface="+mn-cs"/>
+              </a:defRPr>
+            </a:lvl8pPr>
+            <a:lvl9pPr marL="3657600" indent="0" algn="l" defTabSz="914400" rtl="0" eaLnBrk="1" latinLnBrk="0" hangingPunct="1">
+              <a:spcBef>
+                <a:spcPct val="20000"/>
+              </a:spcBef>
+              <a:buFont typeface="Arial" pitchFamily="34" charset="0"/>
+              <a:buNone/>
+              <a:defRPr sz="1400" kern="1200">
+                <a:solidFill>
+                  <a:schemeClr val="tx1">
+                    <a:tint val="75000"/>
+                  </a:schemeClr>
+                </a:solidFill>
+                <a:latin typeface="+mn-lt"/>
+                <a:ea typeface="+mn-ea"/>
+                <a:cs typeface="+mn-cs"/>
+              </a:defRPr>
+            </a:lvl9pPr>
+          </a:lstStyle>
+          <a:p>
+            <a:r>
+              <a:rPr lang="de-DE" dirty="0" smtClean="0">
+                <a:solidFill>
+                  <a:schemeClr val="bg1"/>
+                </a:solidFill>
+              </a:rPr>
+              <a:t>Magic </a:t>
+            </a:r>
+            <a:r>
+              <a:rPr lang="de-DE" dirty="0" err="1" smtClean="0">
+                <a:solidFill>
+                  <a:schemeClr val="bg1"/>
+                </a:solidFill>
+              </a:rPr>
+              <a:t>numbers</a:t>
+            </a:r>
+            <a:endParaRPr lang="de-DE" dirty="0" smtClean="0">
+              <a:solidFill>
+                <a:schemeClr val="bg1"/>
+              </a:solidFill>
+            </a:endParaRPr>
+          </a:p>
+        </p:txBody>
+      </p:sp>
+      <p:sp>
+        <p:nvSpPr>
+          <p:cNvPr id="15" name="Rechteck 14"/>
+          <p:cNvSpPr/>
+          <p:nvPr/>
+        </p:nvSpPr>
+        <p:spPr>
+          <a:xfrm>
+            <a:off x="1854911" y="6011928"/>
+            <a:ext cx="216024" cy="211541"/>
+          </a:xfrm>
+          <a:prstGeom prst="rect">
+            <a:avLst/>
+          </a:prstGeom>
+          <a:solidFill>
+            <a:srgbClr val="92D050"/>
+          </a:solidFill>
+          <a:ln>
+            <a:solidFill>
+              <a:schemeClr val="tx1"/>
+            </a:solidFill>
+          </a:ln>
+        </p:spPr>
+        <p:style>
+          <a:lnRef idx="2">
+            <a:schemeClr val="accent1">
+              <a:shade val="50000"/>
+            </a:schemeClr>
+          </a:lnRef>
+          <a:fillRef idx="1">
+            <a:schemeClr val="accent1"/>
+          </a:fillRef>
+          <a:effectRef idx="0">
+            <a:schemeClr val="accent1"/>
+          </a:effectRef>
+          <a:fontRef idx="minor">
+            <a:schemeClr val="lt1"/>
+          </a:fontRef>
+        </p:style>
+        <p:txBody>
+          <a:bodyPr rtlCol="0" anchor="ctr"/>
+          <a:lstStyle/>
+          <a:p>
+            <a:pPr algn="ctr"/>
+            <a:endParaRPr lang="de-DE"/>
+          </a:p>
+        </p:txBody>
+      </p:sp>
+      <p:sp>
+        <p:nvSpPr>
+          <p:cNvPr id="13" name="Pfeil nach unten 12"/>
+          <p:cNvSpPr/>
+          <p:nvPr/>
+        </p:nvSpPr>
+        <p:spPr>
+          <a:xfrm>
+            <a:off x="3131840" y="2708920"/>
+            <a:ext cx="72008" cy="72008"/>
+          </a:xfrm>
+          <a:prstGeom prst="downArrow">
+            <a:avLst/>
+          </a:prstGeom>
+          <a:ln>
+            <a:solidFill>
+              <a:srgbClr val="66DAD7"/>
+            </a:solidFill>
+          </a:ln>
+        </p:spPr>
+        <p:style>
+          <a:lnRef idx="2">
+            <a:schemeClr val="accent1">
+              <a:shade val="50000"/>
+            </a:schemeClr>
+          </a:lnRef>
+          <a:fillRef idx="1">
+            <a:schemeClr val="accent1"/>
+          </a:fillRef>
+          <a:effectRef idx="0">
+            <a:schemeClr val="accent1"/>
+          </a:effectRef>
+          <a:fontRef idx="minor">
+            <a:schemeClr val="lt1"/>
+          </a:fontRef>
+        </p:style>
+        <p:txBody>
+          <a:bodyPr rtlCol="0" anchor="ctr"/>
+          <a:lstStyle/>
+          <a:p>
+            <a:pPr algn="ctr"/>
+            <a:endParaRPr lang="de-DE"/>
+          </a:p>
+        </p:txBody>
+      </p:sp>
+      <p:sp>
+        <p:nvSpPr>
+          <p:cNvPr id="17" name="Pfeil nach unten 16"/>
+          <p:cNvSpPr/>
+          <p:nvPr/>
+        </p:nvSpPr>
+        <p:spPr>
+          <a:xfrm>
+            <a:off x="5436096" y="2708920"/>
+            <a:ext cx="72008" cy="72008"/>
+          </a:xfrm>
+          <a:prstGeom prst="downArrow">
+            <a:avLst/>
+          </a:prstGeom>
+          <a:ln>
+            <a:solidFill>
+              <a:srgbClr val="66DAD7"/>
+            </a:solidFill>
+          </a:ln>
+        </p:spPr>
+        <p:style>
+          <a:lnRef idx="2">
+            <a:schemeClr val="accent1">
+              <a:shade val="50000"/>
+            </a:schemeClr>
+          </a:lnRef>
+          <a:fillRef idx="1">
+            <a:schemeClr val="accent1"/>
+          </a:fillRef>
+          <a:effectRef idx="0">
+            <a:schemeClr val="accent1"/>
+          </a:effectRef>
+          <a:fontRef idx="minor">
+            <a:schemeClr val="lt1"/>
+          </a:fontRef>
+        </p:style>
+        <p:txBody>
+          <a:bodyPr rtlCol="0" anchor="ctr"/>
+          <a:lstStyle/>
+          <a:p>
+            <a:pPr algn="ctr"/>
             <a:endParaRPr lang="de-DE"/>
           </a:p>
         </p:txBody>
@@ -5103,13 +7142,20 @@
     </p:spTree>
     <p:extLst>
       <p:ext uri="{BB962C8B-B14F-4D97-AF65-F5344CB8AC3E}">
-        <p14:creationId xmlns:p14="http://schemas.microsoft.com/office/powerpoint/2010/main" val="4043003142"/>
+        <p14:creationId xmlns:p14="http://schemas.microsoft.com/office/powerpoint/2010/main" val="2744538873"/>
       </p:ext>
     </p:extLst>
   </p:cSld>
   <p:clrMapOvr>
     <a:masterClrMapping/>
   </p:clrMapOvr>
+  <p:timing>
+    <p:tnLst>
+      <p:par>
+        <p:cTn id="1" dur="indefinite" restart="never" nodeType="tmRoot"/>
+      </p:par>
+    </p:tnLst>
+  </p:timing>
 </p:sld>
 </file>
 
@@ -5154,6 +7200,13 @@
   <p:clrMapOvr>
     <a:masterClrMapping/>
   </p:clrMapOvr>
+  <p:timing>
+    <p:tnLst>
+      <p:par>
+        <p:cTn id="1" dur="indefinite" restart="never" nodeType="tmRoot"/>
+      </p:par>
+    </p:tnLst>
+  </p:timing>
 </p:sld>
 </file>
 
@@ -5234,6 +7287,13 @@
   <p:clrMapOvr>
     <a:masterClrMapping/>
   </p:clrMapOvr>
+  <p:timing>
+    <p:tnLst>
+      <p:par>
+        <p:cTn id="1" dur="indefinite" restart="never" nodeType="tmRoot"/>
+      </p:par>
+    </p:tnLst>
+  </p:timing>
 </p:sld>
 </file>
 
@@ -5295,7 +7355,7 @@
               <a:buChar char="•"/>
             </a:pPr>
             <a:r>
-              <a:rPr lang="de-DE" sz="2400" b="1" dirty="0">
+              <a:rPr lang="de-DE" sz="2600" b="1" dirty="0">
                 <a:solidFill>
                   <a:srgbClr val="6ECDD2"/>
                 </a:solidFill>
@@ -5306,7 +7366,7 @@
           <a:p>
             <a:pPr lvl="1"/>
             <a:r>
-              <a:rPr lang="de-DE" sz="2400" dirty="0">
+              <a:rPr lang="de-DE" sz="2600" dirty="0">
                 <a:solidFill>
                   <a:schemeClr val="bg1"/>
                 </a:solidFill>
@@ -5314,7 +7374,7 @@
               <a:t>Ein amüsantes Spiel  für Groß und Klein zur Förderung von Logik, räumlichem Vorstellungsvermögen und zur Vermittlung von kulturellen Informationen</a:t>
             </a:r>
             <a:r>
-              <a:rPr lang="de-DE" sz="2400" dirty="0" smtClean="0">
+              <a:rPr lang="de-DE" sz="2600" dirty="0" smtClean="0">
                 <a:solidFill>
                   <a:schemeClr val="bg1"/>
                 </a:solidFill>
@@ -5324,7 +7384,7 @@
           </a:p>
           <a:p>
             <a:pPr lvl="1"/>
-            <a:endParaRPr lang="de-DE" sz="2400" dirty="0">
+            <a:endParaRPr lang="de-DE" sz="2600" dirty="0">
               <a:solidFill>
                 <a:schemeClr val="bg1"/>
               </a:solidFill>
@@ -5336,30 +7396,22 @@
               <a:buChar char="•"/>
             </a:pPr>
             <a:r>
-              <a:rPr lang="de-DE" sz="2400" dirty="0">
+              <a:rPr lang="de-DE" sz="2600" dirty="0" smtClean="0">
                 <a:solidFill>
                   <a:schemeClr val="bg1"/>
                 </a:solidFill>
               </a:rPr>
-              <a:t>Das </a:t>
-            </a:r>
-            <a:r>
-              <a:rPr lang="de-DE" sz="2400" dirty="0" smtClean="0">
+              <a:t>Brettspiel </a:t>
+            </a:r>
+            <a:r>
+              <a:rPr lang="de-DE" sz="2600" dirty="0">
                 <a:solidFill>
                   <a:schemeClr val="bg1"/>
                 </a:solidFill>
               </a:rPr>
-              <a:t>Brettspiel </a:t>
-            </a:r>
-            <a:r>
-              <a:rPr lang="de-DE" sz="2400" dirty="0">
-                <a:solidFill>
-                  <a:schemeClr val="bg1"/>
-                </a:solidFill>
-              </a:rPr>
               <a:t>„Das verrückte Labyrinth“ </a:t>
             </a:r>
-            <a:endParaRPr lang="de-DE" sz="2400" dirty="0" smtClean="0">
+            <a:endParaRPr lang="de-DE" sz="2600" dirty="0" smtClean="0">
               <a:solidFill>
                 <a:schemeClr val="bg1"/>
               </a:solidFill>
@@ -5371,7 +7423,7 @@
               <a:buChar char="•"/>
             </a:pPr>
             <a:r>
-              <a:rPr lang="de-DE" sz="2400" dirty="0" smtClean="0">
+              <a:rPr lang="de-DE" sz="2600" dirty="0" smtClean="0">
                 <a:solidFill>
                   <a:schemeClr val="bg1"/>
                 </a:solidFill>
@@ -5379,7 +7431,7 @@
               <a:t>abgewandelte </a:t>
             </a:r>
             <a:r>
-              <a:rPr lang="de-DE" sz="2400" dirty="0">
+              <a:rPr lang="de-DE" sz="2600" dirty="0">
                 <a:solidFill>
                   <a:schemeClr val="bg1"/>
                 </a:solidFill>
@@ -5387,7 +7439,7 @@
               <a:t>Form als </a:t>
             </a:r>
             <a:r>
-              <a:rPr lang="de-DE" sz="2400" dirty="0" err="1">
+              <a:rPr lang="de-DE" sz="2600" dirty="0" err="1">
                 <a:solidFill>
                   <a:schemeClr val="bg1"/>
                 </a:solidFill>
@@ -5395,7 +7447,7 @@
               <a:t>Android</a:t>
             </a:r>
             <a:r>
-              <a:rPr lang="de-DE" sz="2400" dirty="0">
+              <a:rPr lang="de-DE" sz="2600" dirty="0">
                 <a:solidFill>
                   <a:schemeClr val="bg1"/>
                 </a:solidFill>
@@ -5403,7 +7455,7 @@
               <a:t>-App mit </a:t>
             </a:r>
             <a:r>
-              <a:rPr lang="de-DE" sz="2400" dirty="0" smtClean="0">
+              <a:rPr lang="de-DE" sz="2600" dirty="0" smtClean="0">
                 <a:solidFill>
                   <a:schemeClr val="bg1"/>
                 </a:solidFill>
@@ -5417,7 +7469,7 @@
               <a:buChar char="•"/>
             </a:pPr>
             <a:r>
-              <a:rPr lang="de-DE" sz="2400" dirty="0" smtClean="0">
+              <a:rPr lang="de-DE" sz="2600" dirty="0" smtClean="0">
                 <a:solidFill>
                   <a:schemeClr val="bg1"/>
                 </a:solidFill>
@@ -5425,14 +7477,14 @@
               <a:t>für </a:t>
             </a:r>
             <a:r>
-              <a:rPr lang="de-DE" sz="2400" dirty="0">
+              <a:rPr lang="de-DE" sz="2600" dirty="0">
                 <a:solidFill>
                   <a:schemeClr val="bg1"/>
                 </a:solidFill>
               </a:rPr>
               <a:t>1-6 Spieler </a:t>
             </a:r>
-            <a:endParaRPr lang="de-DE" sz="2400" dirty="0" smtClean="0">
+            <a:endParaRPr lang="de-DE" sz="2600" dirty="0" smtClean="0">
               <a:solidFill>
                 <a:schemeClr val="bg1"/>
               </a:solidFill>
@@ -5444,7 +7496,7 @@
               <a:buChar char="•"/>
             </a:pPr>
             <a:r>
-              <a:rPr lang="de-DE" sz="2400" dirty="0" smtClean="0">
+              <a:rPr lang="de-DE" sz="2600" dirty="0" smtClean="0">
                 <a:solidFill>
                   <a:schemeClr val="bg1"/>
                 </a:solidFill>
@@ -5452,49 +7504,14 @@
               <a:t>ab </a:t>
             </a:r>
             <a:r>
-              <a:rPr lang="de-DE" sz="2400" dirty="0">
+              <a:rPr lang="de-DE" sz="2600" dirty="0">
                 <a:solidFill>
                   <a:schemeClr val="bg1"/>
                 </a:solidFill>
               </a:rPr>
               <a:t>7 Jahren </a:t>
             </a:r>
-            <a:endParaRPr lang="de-DE" sz="2400" dirty="0" smtClean="0">
-              <a:solidFill>
-                <a:schemeClr val="bg1"/>
-              </a:solidFill>
-            </a:endParaRPr>
-          </a:p>
-          <a:p>
-            <a:pPr marL="742950" lvl="1" indent="-285750">
-              <a:buFont typeface="Arial" pitchFamily="34" charset="0"/>
-              <a:buChar char="•"/>
-            </a:pPr>
-            <a:r>
-              <a:rPr lang="de-DE" sz="2400" dirty="0" smtClean="0">
-                <a:solidFill>
-                  <a:schemeClr val="bg1"/>
-                </a:solidFill>
-              </a:rPr>
-              <a:t>an </a:t>
-            </a:r>
-            <a:r>
-              <a:rPr lang="de-DE" sz="2400" dirty="0">
-                <a:solidFill>
-                  <a:schemeClr val="bg1"/>
-                </a:solidFill>
-              </a:rPr>
-              <a:t>einem </a:t>
-            </a:r>
-            <a:r>
-              <a:rPr lang="de-DE" sz="2400" dirty="0" smtClean="0">
-                <a:solidFill>
-                  <a:schemeClr val="bg1"/>
-                </a:solidFill>
-              </a:rPr>
-              <a:t>Geräten spielbar</a:t>
-            </a:r>
-            <a:endParaRPr lang="de-DE" sz="2400" dirty="0">
+            <a:endParaRPr lang="de-DE" sz="2600" dirty="0" smtClean="0">
               <a:solidFill>
                 <a:schemeClr val="bg1"/>
               </a:solidFill>
@@ -5677,7 +7694,7 @@
         </p:spPr>
         <p:txBody>
           <a:bodyPr>
-            <a:normAutofit/>
+            <a:normAutofit lnSpcReduction="10000"/>
           </a:bodyPr>
           <a:lstStyle/>
           <a:p>
@@ -5691,12 +7708,87 @@
                   <a:srgbClr val="6ECDD2"/>
                 </a:solidFill>
               </a:rPr>
-              <a:t>Christiane Helmchen:</a:t>
+              <a:t>Gemeinsame Verantwortungen:</a:t>
+            </a:r>
+            <a:br>
+              <a:rPr lang="de-DE" sz="2400" b="1" dirty="0" smtClean="0">
+                <a:solidFill>
+                  <a:srgbClr val="6ECDD2"/>
+                </a:solidFill>
+              </a:rPr>
+            </a:br>
+            <a:r>
+              <a:rPr lang="de-DE" sz="2400" dirty="0" smtClean="0">
+                <a:solidFill>
+                  <a:schemeClr val="bg1"/>
+                </a:solidFill>
+              </a:rPr>
+              <a:t>Entwicklung</a:t>
+            </a:r>
+            <a:r>
+              <a:rPr lang="de-DE" sz="2400" dirty="0">
+                <a:solidFill>
+                  <a:schemeClr val="bg1"/>
+                </a:solidFill>
+              </a:rPr>
+              <a:t>, Konzeption, </a:t>
+            </a:r>
+            <a:r>
+              <a:rPr lang="de-DE" sz="2400" dirty="0" smtClean="0">
+                <a:solidFill>
+                  <a:schemeClr val="bg1"/>
+                </a:solidFill>
+              </a:rPr>
+              <a:t>Dokumentation</a:t>
+            </a:r>
+          </a:p>
+          <a:p>
+            <a:endParaRPr lang="de-DE" sz="2400" dirty="0" smtClean="0">
+              <a:solidFill>
+                <a:schemeClr val="bg1"/>
+              </a:solidFill>
+            </a:endParaRPr>
+          </a:p>
+          <a:p>
+            <a:pPr marL="285750" indent="-285750">
+              <a:buFont typeface="Arial" pitchFamily="34" charset="0"/>
+              <a:buChar char="•"/>
+            </a:pPr>
+            <a:r>
+              <a:rPr lang="de-DE" sz="2400" b="1" dirty="0" smtClean="0">
+                <a:solidFill>
+                  <a:srgbClr val="66DAD7"/>
+                </a:solidFill>
+              </a:rPr>
+              <a:t>Projektleitung:</a:t>
+            </a:r>
+            <a:r>
+              <a:rPr lang="de-DE" sz="2400" dirty="0" smtClean="0">
+                <a:solidFill>
+                  <a:schemeClr val="bg1"/>
+                </a:solidFill>
+              </a:rPr>
+              <a:t/>
+            </a:r>
+            <a:br>
+              <a:rPr lang="de-DE" sz="2400" dirty="0" smtClean="0">
+                <a:solidFill>
+                  <a:schemeClr val="bg1"/>
+                </a:solidFill>
+              </a:rPr>
+            </a:br>
+            <a:r>
+              <a:rPr lang="de-DE" sz="2400" dirty="0" smtClean="0">
+                <a:solidFill>
+                  <a:schemeClr val="bg1"/>
+                </a:solidFill>
+              </a:rPr>
+              <a:t>Janina Schilling</a:t>
             </a:r>
             <a:r>
               <a:rPr lang="de-DE" sz="2400" b="1" dirty="0">
                 <a:solidFill>
-                  <a:srgbClr val="6ECDD2"/>
+                  <a:schemeClr val="bg1"/>
                 </a:solidFill>
               </a:rPr>
               <a:t/>
@@ -5704,17 +7796,43 @@
             <a:br>
               <a:rPr lang="de-DE" sz="2400" b="1" dirty="0">
                 <a:solidFill>
+                  <a:schemeClr val="bg1"/>
+                </a:solidFill>
+              </a:rPr>
+            </a:br>
+            <a:endParaRPr lang="de-DE" sz="2400" b="1" dirty="0" smtClean="0">
+              <a:solidFill>
+                <a:srgbClr val="6ECDD2"/>
+              </a:solidFill>
+            </a:endParaRPr>
+          </a:p>
+          <a:p>
+            <a:pPr marL="285750" indent="-285750">
+              <a:buFont typeface="Arial" pitchFamily="34" charset="0"/>
+              <a:buChar char="•"/>
+            </a:pPr>
+            <a:r>
+              <a:rPr lang="de-DE" sz="2400" b="1" dirty="0" smtClean="0">
+                <a:solidFill>
                   <a:srgbClr val="6ECDD2"/>
                 </a:solidFill>
               </a:rPr>
+              <a:t>Tests:</a:t>
+            </a:r>
+            <a:br>
+              <a:rPr lang="de-DE" sz="2400" b="1" dirty="0" smtClean="0">
+                <a:solidFill>
+                  <a:srgbClr val="6ECDD2"/>
+                </a:solidFill>
+              </a:rPr>
             </a:br>
             <a:r>
-              <a:rPr lang="de-DE" sz="2400" dirty="0">
+              <a:rPr lang="de-DE" sz="2400" dirty="0" smtClean="0">
                 <a:solidFill>
                   <a:schemeClr val="bg1"/>
                 </a:solidFill>
               </a:rPr>
-              <a:t>Entwicklung, Konzeption, Dokumentation, </a:t>
+              <a:t>Christiane Helmchen</a:t>
             </a:r>
             <a:r>
               <a:rPr lang="de-DE" sz="2400" dirty="0" smtClean="0">
@@ -5722,7 +7840,7 @@
                   <a:schemeClr val="bg1"/>
                 </a:solidFill>
               </a:rPr>
-              <a:t>Tests</a:t>
+              <a:t/>
             </a:r>
             <a:br>
               <a:rPr lang="de-DE" sz="2400" dirty="0" smtClean="0">
@@ -5748,87 +7866,22 @@
                   <a:srgbClr val="6ECDD2"/>
                 </a:solidFill>
               </a:rPr>
-              <a:t>Janina Schilling:</a:t>
-            </a:r>
-            <a:r>
-              <a:rPr lang="de-DE" sz="2400" b="1" dirty="0">
+              <a:t>Design:</a:t>
+            </a:r>
+            <a:br>
+              <a:rPr lang="de-DE" sz="2400" b="1" dirty="0" smtClean="0">
+                <a:solidFill>
+                  <a:srgbClr val="6ECDD2"/>
+                </a:solidFill>
+              </a:rPr>
+            </a:br>
+            <a:r>
+              <a:rPr lang="de-DE" sz="2400" dirty="0" smtClean="0">
                 <a:solidFill>
                   <a:schemeClr val="bg1"/>
                 </a:solidFill>
               </a:rPr>
-              <a:t/>
-            </a:r>
-            <a:br>
-              <a:rPr lang="de-DE" sz="2400" b="1" dirty="0">
-                <a:solidFill>
-                  <a:schemeClr val="bg1"/>
-                </a:solidFill>
-              </a:rPr>
-            </a:br>
-            <a:r>
-              <a:rPr lang="de-DE" sz="2400" dirty="0">
-                <a:solidFill>
-                  <a:schemeClr val="bg1"/>
-                </a:solidFill>
-              </a:rPr>
-              <a:t>Entwicklung, Konzeption, Dokumentation, </a:t>
-            </a:r>
-            <a:r>
-              <a:rPr lang="de-DE" sz="2400" dirty="0" smtClean="0">
-                <a:solidFill>
-                  <a:schemeClr val="bg1"/>
-                </a:solidFill>
-              </a:rPr>
-              <a:t>Projektleitung</a:t>
-            </a:r>
-            <a:br>
-              <a:rPr lang="de-DE" sz="2400" dirty="0" smtClean="0">
-                <a:solidFill>
-                  <a:schemeClr val="bg1"/>
-                </a:solidFill>
-              </a:rPr>
-            </a:br>
-            <a:endParaRPr lang="de-DE" sz="2400" dirty="0" smtClean="0">
-              <a:solidFill>
-                <a:schemeClr val="bg1"/>
-              </a:solidFill>
-            </a:endParaRPr>
-          </a:p>
-          <a:p>
-            <a:pPr marL="285750" indent="-285750">
-              <a:buFont typeface="Arial" pitchFamily="34" charset="0"/>
-              <a:buChar char="•"/>
-            </a:pPr>
-            <a:r>
-              <a:rPr lang="de-DE" sz="2400" b="1" dirty="0" smtClean="0">
-                <a:solidFill>
-                  <a:srgbClr val="6ECDD2"/>
-                </a:solidFill>
-              </a:rPr>
-              <a:t>Yvonne Meininger:</a:t>
-            </a:r>
-            <a:r>
-              <a:rPr lang="de-DE" sz="2400" b="1" dirty="0">
-                <a:solidFill>
-                  <a:schemeClr val="bg1"/>
-                </a:solidFill>
-              </a:rPr>
-              <a:t/>
-            </a:r>
-            <a:br>
-              <a:rPr lang="de-DE" sz="2400" b="1" dirty="0">
-                <a:solidFill>
-                  <a:schemeClr val="bg1"/>
-                </a:solidFill>
-              </a:rPr>
-            </a:br>
-            <a:r>
-              <a:rPr lang="de-DE" sz="2400" dirty="0">
-                <a:solidFill>
-                  <a:schemeClr val="bg1"/>
-                </a:solidFill>
-              </a:rPr>
-              <a:t>Entwicklung, Konzeption, Dokumentation, Design</a:t>
+              <a:t>Yvonne Meininger</a:t>
             </a:r>
             <a:endParaRPr lang="de-DE" sz="2400" b="1" dirty="0" smtClean="0">
               <a:solidFill>
@@ -6154,18 +8207,32 @@
           </a:bodyPr>
           <a:lstStyle/>
           <a:p>
-            <a:pPr marL="342900" indent="-342900">
-              <a:buFont typeface="Arial" pitchFamily="34" charset="0"/>
-              <a:buChar char="•"/>
-            </a:pPr>
-            <a:r>
-              <a:rPr lang="de-DE" sz="2400" b="1" dirty="0" smtClean="0">
-                <a:solidFill>
-                  <a:srgbClr val="6ECDD2"/>
-                </a:solidFill>
-              </a:rPr>
-              <a:t>Beschreibung:</a:t>
-            </a:r>
+            <a:r>
+              <a:rPr lang="de-DE" sz="3200" b="1" dirty="0">
+                <a:solidFill>
+                  <a:srgbClr val="66DAD7"/>
+                </a:solidFill>
+                <a:latin typeface="Calibri" pitchFamily="34" charset="0"/>
+              </a:rPr>
+              <a:t>Spieler </a:t>
+            </a:r>
+            <a:r>
+              <a:rPr lang="de-DE" sz="3200" b="1" dirty="0" smtClean="0">
+                <a:solidFill>
+                  <a:srgbClr val="66DAD7"/>
+                </a:solidFill>
+                <a:latin typeface="Calibri" pitchFamily="34" charset="0"/>
+              </a:rPr>
+              <a:t>erstellen</a:t>
+            </a:r>
+            <a:endParaRPr lang="de-DE" sz="3200" b="1" dirty="0" smtClean="0">
+              <a:solidFill>
+                <a:srgbClr val="66DAD7"/>
+              </a:solidFill>
+              <a:latin typeface="Calibri" pitchFamily="34" charset="0"/>
+            </a:endParaRPr>
+          </a:p>
+          <a:p>
             <a:r>
               <a:rPr lang="de-DE" sz="2400" dirty="0" smtClean="0">
                 <a:solidFill>
@@ -6355,7 +8422,7 @@
               <a:rPr lang="de-DE" dirty="0" smtClean="0">
                 <a:latin typeface="Calibri" pitchFamily="34" charset="0"/>
               </a:rPr>
-              <a:t> Spieler erstellen</a:t>
+              <a:t> Beschreibung</a:t>
             </a:r>
             <a:endParaRPr lang="de-DE" dirty="0">
               <a:latin typeface="Calibri" pitchFamily="34" charset="0"/>
@@ -6363,6 +8430,96 @@
           </a:p>
         </p:txBody>
       </p:sp>
+      <p:pic>
+        <p:nvPicPr>
+          <p:cNvPr id="2" name="Grafik 1"/>
+          <p:cNvPicPr>
+            <a:picLocks noChangeAspect="1"/>
+          </p:cNvPicPr>
+          <p:nvPr/>
+        </p:nvPicPr>
+        <p:blipFill>
+          <a:blip r:embed="rId3" cstate="print">
+            <a:extLst>
+              <a:ext uri="{28A0092B-C50C-407E-A947-70E740481C1C}">
+                <a14:useLocalDpi xmlns:a14="http://schemas.microsoft.com/office/drawing/2010/main" val="0"/>
+              </a:ext>
+            </a:extLst>
+          </a:blip>
+          <a:stretch>
+            <a:fillRect/>
+          </a:stretch>
+        </p:blipFill>
+        <p:spPr>
+          <a:xfrm>
+            <a:off x="1403648" y="4648592"/>
+            <a:ext cx="792088" cy="792088"/>
+          </a:xfrm>
+          <a:prstGeom prst="rect">
+            <a:avLst/>
+          </a:prstGeom>
+        </p:spPr>
+      </p:pic>
+      <p:pic>
+        <p:nvPicPr>
+          <p:cNvPr id="3" name="Grafik 2"/>
+          <p:cNvPicPr>
+            <a:picLocks noChangeAspect="1"/>
+          </p:cNvPicPr>
+          <p:nvPr/>
+        </p:nvPicPr>
+        <p:blipFill>
+          <a:blip r:embed="rId4" cstate="print">
+            <a:extLst>
+              <a:ext uri="{28A0092B-C50C-407E-A947-70E740481C1C}">
+                <a14:useLocalDpi xmlns:a14="http://schemas.microsoft.com/office/drawing/2010/main" val="0"/>
+              </a:ext>
+            </a:extLst>
+          </a:blip>
+          <a:stretch>
+            <a:fillRect/>
+          </a:stretch>
+        </p:blipFill>
+        <p:spPr>
+          <a:xfrm>
+            <a:off x="2627784" y="4648592"/>
+            <a:ext cx="754947" cy="754947"/>
+          </a:xfrm>
+          <a:prstGeom prst="rect">
+            <a:avLst/>
+          </a:prstGeom>
+        </p:spPr>
+      </p:pic>
+      <p:pic>
+        <p:nvPicPr>
+          <p:cNvPr id="6" name="Grafik 5"/>
+          <p:cNvPicPr>
+            <a:picLocks noChangeAspect="1"/>
+          </p:cNvPicPr>
+          <p:nvPr/>
+        </p:nvPicPr>
+        <p:blipFill>
+          <a:blip r:embed="rId5" cstate="print">
+            <a:extLst>
+              <a:ext uri="{28A0092B-C50C-407E-A947-70E740481C1C}">
+                <a14:useLocalDpi xmlns:a14="http://schemas.microsoft.com/office/drawing/2010/main" val="0"/>
+              </a:ext>
+            </a:extLst>
+          </a:blip>
+          <a:stretch>
+            <a:fillRect/>
+          </a:stretch>
+        </p:blipFill>
+        <p:spPr>
+          <a:xfrm>
+            <a:off x="3877342" y="4606550"/>
+            <a:ext cx="838674" cy="838674"/>
+          </a:xfrm>
+          <a:prstGeom prst="rect">
+            <a:avLst/>
+          </a:prstGeom>
+        </p:spPr>
+      </p:pic>
     </p:spTree>
     <p:extLst>
       <p:ext uri="{BB962C8B-B14F-4D97-AF65-F5344CB8AC3E}">
@@ -6526,24 +8683,6 @@
               </a:rPr>
               <a:t>diagramm</a:t>
             </a:r>
-            <a:r>
-              <a:rPr lang="de-DE" dirty="0" smtClean="0">
-                <a:latin typeface="Calibri" pitchFamily="34" charset="0"/>
-              </a:rPr>
-              <a:t> </a:t>
-            </a:r>
-            <a:r>
-              <a:rPr lang="de-DE" dirty="0" err="1" smtClean="0">
-                <a:latin typeface="Calibri" pitchFamily="34" charset="0"/>
-              </a:rPr>
-              <a:t>use</a:t>
-            </a:r>
-            <a:r>
-              <a:rPr lang="de-DE" dirty="0" smtClean="0">
-                <a:latin typeface="Calibri" pitchFamily="34" charset="0"/>
-              </a:rPr>
-              <a:t> Case</a:t>
-            </a:r>
             <a:endParaRPr lang="de-DE" dirty="0">
               <a:latin typeface="Calibri" pitchFamily="34" charset="0"/>
             </a:endParaRPr>
@@ -6573,8 +8712,8 @@
         </p:blipFill>
         <p:spPr bwMode="auto">
           <a:xfrm>
-            <a:off x="1101032" y="1720824"/>
-            <a:ext cx="6063256" cy="4555780"/>
+            <a:off x="1271230" y="1700808"/>
+            <a:ext cx="6325106" cy="4752528"/>
           </a:xfrm>
           <a:prstGeom prst="rect">
             <a:avLst/>
@@ -6747,7 +8886,7 @@
       </p:sp>
       <p:pic>
         <p:nvPicPr>
-          <p:cNvPr id="3" name="Grafik 2"/>
+          <p:cNvPr id="2" name="Grafik 1"/>
           <p:cNvPicPr>
             <a:picLocks noChangeAspect="1"/>
           </p:cNvPicPr>
@@ -6767,8 +8906,8 @@
         </p:blipFill>
         <p:spPr>
           <a:xfrm>
-            <a:off x="529195" y="1628800"/>
-            <a:ext cx="8604448" cy="4166243"/>
+            <a:off x="-36512" y="1628800"/>
+            <a:ext cx="9144000" cy="4743285"/>
           </a:xfrm>
           <a:prstGeom prst="rect">
             <a:avLst/>
@@ -6839,12 +8978,12 @@
         <p:spPr>
           <a:xfrm>
             <a:off x="539552" y="1700808"/>
-            <a:ext cx="7848872" cy="4464496"/>
+            <a:ext cx="7848872" cy="4392488"/>
           </a:xfrm>
         </p:spPr>
         <p:txBody>
           <a:bodyPr>
-            <a:normAutofit/>
+            <a:normAutofit lnSpcReduction="10000"/>
           </a:bodyPr>
           <a:lstStyle/>
           <a:p>
@@ -6853,32 +8992,55 @@
               <a:buChar char="•"/>
             </a:pPr>
             <a:r>
-              <a:rPr lang="de-DE" sz="2800" b="1" i="0" dirty="0" err="1" smtClean="0">
+              <a:rPr lang="de-DE" sz="2800" b="1" dirty="0" smtClean="0">
                 <a:solidFill>
                   <a:srgbClr val="6ECDD2"/>
                 </a:solidFill>
               </a:rPr>
+              <a:t>Projektmanagement:</a:t>
+            </a:r>
+            <a:br>
+              <a:rPr lang="de-DE" sz="2800" b="1" dirty="0" smtClean="0">
+                <a:solidFill>
+                  <a:srgbClr val="6ECDD2"/>
+                </a:solidFill>
+              </a:rPr>
+            </a:br>
+            <a:r>
+              <a:rPr lang="de-DE" sz="2800" dirty="0" err="1" smtClean="0">
+                <a:solidFill>
+                  <a:schemeClr val="bg1"/>
+                </a:solidFill>
+              </a:rPr>
               <a:t>Jira</a:t>
             </a:r>
             <a:r>
-              <a:rPr lang="de-DE" sz="2800" b="1" i="0" dirty="0" smtClean="0">
-                <a:solidFill>
-                  <a:srgbClr val="6ECDD2"/>
-                </a:solidFill>
-              </a:rPr>
-              <a:t> + </a:t>
-            </a:r>
-            <a:r>
-              <a:rPr lang="de-DE" sz="2800" b="1" i="0" smtClean="0">
-                <a:solidFill>
-                  <a:srgbClr val="6ECDD2"/>
-                </a:solidFill>
-              </a:rPr>
-              <a:t>MS Projects</a:t>
-            </a:r>
-            <a:endParaRPr lang="de-DE" sz="2800" b="1" i="0" dirty="0">
+              <a:rPr lang="de-DE" sz="2800" dirty="0" smtClean="0">
+                <a:solidFill>
+                  <a:schemeClr val="bg1"/>
+                </a:solidFill>
+              </a:rPr>
+              <a:t> </a:t>
+            </a:r>
+            <a:r>
+              <a:rPr lang="de-DE" sz="2800" dirty="0" smtClean="0">
+                <a:solidFill>
+                  <a:schemeClr val="bg1"/>
+                </a:solidFill>
+              </a:rPr>
+              <a:t>+ </a:t>
+            </a:r>
+            <a:r>
+              <a:rPr lang="de-DE" sz="2800" dirty="0" err="1" smtClean="0">
+                <a:solidFill>
+                  <a:schemeClr val="bg1"/>
+                </a:solidFill>
+              </a:rPr>
+              <a:t>MSProject</a:t>
+            </a:r>
+            <a:endParaRPr lang="de-DE" sz="2800" dirty="0">
               <a:solidFill>
-                <a:srgbClr val="6ECDD2"/>
+                <a:schemeClr val="bg1"/>
               </a:solidFill>
             </a:endParaRPr>
           </a:p>
@@ -6888,16 +9050,31 @@
               <a:buChar char="•"/>
             </a:pPr>
             <a:r>
-              <a:rPr lang="de-DE" sz="2800" b="1" i="0" dirty="0" err="1">
+              <a:rPr lang="de-DE" sz="2800" b="1" dirty="0" smtClean="0">
                 <a:solidFill>
                   <a:srgbClr val="6ECDD2"/>
                 </a:solidFill>
               </a:rPr>
+              <a:t>Versionskontrolle:</a:t>
+            </a:r>
+            <a:br>
+              <a:rPr lang="de-DE" sz="2800" b="1" dirty="0" smtClean="0">
+                <a:solidFill>
+                  <a:srgbClr val="6ECDD2"/>
+                </a:solidFill>
+              </a:rPr>
+            </a:br>
+            <a:r>
+              <a:rPr lang="de-DE" sz="2800" dirty="0" err="1" smtClean="0">
+                <a:solidFill>
+                  <a:schemeClr val="bg1"/>
+                </a:solidFill>
+              </a:rPr>
               <a:t>Git</a:t>
             </a:r>
-            <a:endParaRPr lang="de-DE" sz="2800" b="1" i="0" dirty="0">
+            <a:endParaRPr lang="de-DE" sz="2800" dirty="0">
               <a:solidFill>
-                <a:srgbClr val="6ECDD2"/>
+                <a:schemeClr val="bg1"/>
               </a:solidFill>
             </a:endParaRPr>
           </a:p>
@@ -6907,16 +9084,55 @@
               <a:buChar char="•"/>
             </a:pPr>
             <a:r>
-              <a:rPr lang="de-DE" sz="2800" b="1" i="0" dirty="0" smtClean="0">
+              <a:rPr lang="de-DE" sz="2800" b="1" dirty="0" err="1" smtClean="0">
                 <a:solidFill>
                   <a:srgbClr val="6ECDD2"/>
                 </a:solidFill>
               </a:rPr>
+              <a:t>Metri</a:t>
+            </a:r>
+            <a:r>
+              <a:rPr lang="de-DE" sz="2800" b="1" dirty="0" err="1">
+                <a:solidFill>
+                  <a:srgbClr val="6ECDD2"/>
+                </a:solidFill>
+              </a:rPr>
+              <a:t>k</a:t>
+            </a:r>
+            <a:r>
+              <a:rPr lang="de-DE" sz="2800" b="1" dirty="0" err="1" smtClean="0">
+                <a:solidFill>
+                  <a:srgbClr val="6ECDD2"/>
+                </a:solidFill>
+              </a:rPr>
+              <a:t>analyse</a:t>
+            </a:r>
+            <a:r>
+              <a:rPr lang="de-DE" sz="2800" b="1" dirty="0" smtClean="0">
+                <a:solidFill>
+                  <a:srgbClr val="6ECDD2"/>
+                </a:solidFill>
+              </a:rPr>
+              <a:t> &amp; Codequalität:</a:t>
+            </a:r>
+            <a:br>
+              <a:rPr lang="de-DE" sz="2800" b="1" dirty="0" smtClean="0">
+                <a:solidFill>
+                  <a:srgbClr val="6ECDD2"/>
+                </a:solidFill>
+              </a:rPr>
+            </a:br>
+            <a:r>
+              <a:rPr lang="de-DE" sz="2800" dirty="0" smtClean="0">
+                <a:solidFill>
+                  <a:schemeClr val="bg1"/>
+                </a:solidFill>
+              </a:rPr>
               <a:t>Sonar</a:t>
             </a:r>
-            <a:endParaRPr lang="de-DE" sz="2800" b="1" i="0" dirty="0">
+            <a:endParaRPr lang="de-DE" sz="2800" dirty="0">
               <a:solidFill>
-                <a:srgbClr val="6ECDD2"/>
+                <a:schemeClr val="bg1"/>
               </a:solidFill>
             </a:endParaRPr>
           </a:p>
@@ -6926,20 +9142,118 @@
               <a:buChar char="•"/>
             </a:pPr>
             <a:r>
-              <a:rPr lang="de-DE" sz="2800" b="1" i="0" dirty="0">
+              <a:rPr lang="de-DE" sz="2800" b="1" dirty="0" smtClean="0">
                 <a:solidFill>
                   <a:srgbClr val="6ECDD2"/>
                 </a:solidFill>
               </a:rPr>
+              <a:t>Testabdeckung:</a:t>
+            </a:r>
+            <a:br>
+              <a:rPr lang="de-DE" sz="2800" b="1" dirty="0" smtClean="0">
+                <a:solidFill>
+                  <a:srgbClr val="6ECDD2"/>
+                </a:solidFill>
+              </a:rPr>
+            </a:br>
+            <a:r>
+              <a:rPr lang="de-DE" sz="2800" dirty="0" smtClean="0">
+                <a:solidFill>
+                  <a:schemeClr val="bg1"/>
+                </a:solidFill>
+              </a:rPr>
               <a:t>Emma</a:t>
             </a:r>
-          </a:p>
-          <a:p>
-            <a:endParaRPr lang="de-DE" sz="2800" b="1" dirty="0">
+            <a:endParaRPr lang="de-DE" sz="2800" dirty="0">
               <a:solidFill>
-                <a:srgbClr val="6ECDD2"/>
+                <a:schemeClr val="bg1"/>
               </a:solidFill>
             </a:endParaRPr>
+          </a:p>
+          <a:p>
+            <a:pPr marL="285750" indent="-285750">
+              <a:buFont typeface="Arial" pitchFamily="34" charset="0"/>
+              <a:buChar char="•"/>
+            </a:pPr>
+            <a:r>
+              <a:rPr lang="de-DE" sz="2800" b="1" dirty="0" smtClean="0">
+                <a:solidFill>
+                  <a:srgbClr val="6ECDD2"/>
+                </a:solidFill>
+              </a:rPr>
+              <a:t>Tests:</a:t>
+            </a:r>
+            <a:r>
+              <a:rPr lang="de-DE" sz="2800" b="1" dirty="0">
+                <a:solidFill>
+                  <a:srgbClr val="6ECDD2"/>
+                </a:solidFill>
+              </a:rPr>
+              <a:t/>
+            </a:r>
+            <a:br>
+              <a:rPr lang="de-DE" sz="2800" b="1" dirty="0">
+                <a:solidFill>
+                  <a:srgbClr val="6ECDD2"/>
+                </a:solidFill>
+              </a:rPr>
+            </a:br>
+            <a:r>
+              <a:rPr lang="de-DE" sz="2800" dirty="0" err="1" smtClean="0">
+                <a:solidFill>
+                  <a:schemeClr val="bg1"/>
+                </a:solidFill>
+              </a:rPr>
+              <a:t>JUnit</a:t>
+            </a:r>
+            <a:r>
+              <a:rPr lang="de-DE" sz="2800" dirty="0">
+                <a:solidFill>
+                  <a:schemeClr val="bg1"/>
+                </a:solidFill>
+              </a:rPr>
+              <a:t> </a:t>
+            </a:r>
+            <a:r>
+              <a:rPr lang="de-DE" sz="2800" dirty="0" smtClean="0">
+                <a:solidFill>
+                  <a:schemeClr val="bg1"/>
+                </a:solidFill>
+              </a:rPr>
+              <a:t>&amp; </a:t>
+            </a:r>
+            <a:r>
+              <a:rPr lang="de-DE" sz="2800" dirty="0" err="1" smtClean="0">
+                <a:solidFill>
+                  <a:schemeClr val="bg1"/>
+                </a:solidFill>
+              </a:rPr>
+              <a:t>Calabash</a:t>
+            </a:r>
+            <a:r>
+              <a:rPr lang="de-DE" sz="2800" dirty="0" smtClean="0">
+                <a:solidFill>
+                  <a:schemeClr val="bg1"/>
+                </a:solidFill>
+              </a:rPr>
+              <a:t> </a:t>
+            </a:r>
+            <a:r>
+              <a:rPr lang="de-DE" sz="2800" dirty="0" err="1" smtClean="0">
+                <a:solidFill>
+                  <a:schemeClr val="bg1"/>
+                </a:solidFill>
+              </a:rPr>
+              <a:t>Android</a:t>
+            </a:r>
+            <a:r>
+              <a:rPr lang="de-DE" sz="2800" b="1" dirty="0" smtClean="0">
+                <a:solidFill>
+                  <a:srgbClr val="6ECDD2"/>
+                </a:solidFill>
+              </a:rPr>
+              <a:t> </a:t>
+            </a:r>
           </a:p>
         </p:txBody>
       </p:sp>
@@ -7192,10 +9506,10 @@
           </a:lstStyle>
           <a:p>
             <a:r>
-              <a:rPr lang="de-DE" dirty="0" err="1" smtClean="0">
+              <a:rPr lang="de-DE" dirty="0" smtClean="0">
                 <a:latin typeface="Calibri" pitchFamily="34" charset="0"/>
               </a:rPr>
-              <a:t>Jira</a:t>
+              <a:t>Projektplan</a:t>
             </a:r>
             <a:endParaRPr lang="de-DE" dirty="0">
               <a:latin typeface="Calibri" pitchFamily="34" charset="0"/>
@@ -7205,7 +9519,7 @@
       </p:sp>
       <p:pic>
         <p:nvPicPr>
-          <p:cNvPr id="2" name="Grafik 1"/>
+          <p:cNvPr id="6" name="Grafik 5"/>
           <p:cNvPicPr>
             <a:picLocks noChangeAspect="1"/>
           </p:cNvPicPr>
@@ -7225,66 +9539,18 @@
         </p:blipFill>
         <p:spPr>
           <a:xfrm>
-            <a:off x="251520" y="2254347"/>
-            <a:ext cx="8172400" cy="3542987"/>
+            <a:off x="1187625" y="1700808"/>
+            <a:ext cx="6197234" cy="4752528"/>
           </a:xfrm>
           <a:prstGeom prst="rect">
             <a:avLst/>
           </a:prstGeom>
         </p:spPr>
       </p:pic>
-      <p:sp>
-        <p:nvSpPr>
-          <p:cNvPr id="3" name="Pfeil nach oben 2"/>
-          <p:cNvSpPr/>
-          <p:nvPr/>
-        </p:nvSpPr>
-        <p:spPr>
-          <a:xfrm rot="10800000">
-            <a:off x="5076056" y="1808803"/>
-            <a:ext cx="584565" cy="445543"/>
-          </a:xfrm>
-          <a:prstGeom prst="upArrow">
-            <a:avLst/>
-          </a:prstGeom>
-          <a:solidFill>
-            <a:srgbClr val="66DAD7"/>
-          </a:solidFill>
-          <a:ln>
-            <a:solidFill>
-              <a:schemeClr val="tx1"/>
-            </a:solidFill>
-          </a:ln>
-        </p:spPr>
-        <p:style>
-          <a:lnRef idx="2">
-            <a:schemeClr val="accent1">
-              <a:shade val="50000"/>
-            </a:schemeClr>
-          </a:lnRef>
-          <a:fillRef idx="1">
-            <a:schemeClr val="accent1"/>
-          </a:fillRef>
-          <a:effectRef idx="0">
-            <a:schemeClr val="accent1"/>
-          </a:effectRef>
-          <a:fontRef idx="minor">
-            <a:schemeClr val="lt1"/>
-          </a:fontRef>
-        </p:style>
-        <p:txBody>
-          <a:bodyPr rtlCol="0" anchor="ctr"/>
-          <a:lstStyle/>
-          <a:p>
-            <a:pPr algn="ctr"/>
-            <a:endParaRPr lang="de-DE"/>
-          </a:p>
-        </p:txBody>
-      </p:sp>
     </p:spTree>
     <p:extLst>
       <p:ext uri="{BB962C8B-B14F-4D97-AF65-F5344CB8AC3E}">
-        <p14:creationId xmlns:p14="http://schemas.microsoft.com/office/powerpoint/2010/main" val="3739637420"/>
+        <p14:creationId xmlns:p14="http://schemas.microsoft.com/office/powerpoint/2010/main" val="2459024765"/>
       </p:ext>
     </p:extLst>
   </p:cSld>
@@ -7587,4 +9853,289 @@
   <a:objectDefaults/>
   <a:extraClrSchemeLst/>
 </a:theme>
+</file>
+
+<file path=ppt/theme/theme2.xml><?xml version="1.0" encoding="utf-8"?>
+<a:theme xmlns:a="http://schemas.openxmlformats.org/drawingml/2006/main" name="Larissa">
+  <a:themeElements>
+    <a:clrScheme name="Larissa">
+      <a:dk1>
+        <a:sysClr val="windowText" lastClr="000000"/>
+      </a:dk1>
+      <a:lt1>
+        <a:sysClr val="window" lastClr="FFFFFF"/>
+      </a:lt1>
+      <a:dk2>
+        <a:srgbClr val="1F497D"/>
+      </a:dk2>
+      <a:lt2>
+        <a:srgbClr val="EEECE1"/>
+      </a:lt2>
+      <a:accent1>
+        <a:srgbClr val="4F81BD"/>
+      </a:accent1>
+      <a:accent2>
+        <a:srgbClr val="C0504D"/>
+      </a:accent2>
+      <a:accent3>
+        <a:srgbClr val="9BBB59"/>
+      </a:accent3>
+      <a:accent4>
+        <a:srgbClr val="8064A2"/>
+      </a:accent4>
+      <a:accent5>
+        <a:srgbClr val="4BACC6"/>
+      </a:accent5>
+      <a:accent6>
+        <a:srgbClr val="F79646"/>
+      </a:accent6>
+      <a:hlink>
+        <a:srgbClr val="0000FF"/>
+      </a:hlink>
+      <a:folHlink>
+        <a:srgbClr val="800080"/>
+      </a:folHlink>
+    </a:clrScheme>
+    <a:fontScheme name="Larissa">
+      <a:majorFont>
+        <a:latin typeface="Calibri"/>
+        <a:ea typeface=""/>
+        <a:cs typeface=""/>
+        <a:font script="Jpan" typeface="ＭＳ Ｐゴシック"/>
+        <a:font script="Hang" typeface="맑은 고딕"/>
+        <a:font script="Hans" typeface="宋体"/>
+        <a:font script="Hant" typeface="新細明體"/>
+        <a:font script="Arab" typeface="Times New Roman"/>
+        <a:font script="Hebr" typeface="Times New Roman"/>
+        <a:font script="Thai" typeface="Angsana New"/>
+        <a:font script="Ethi" typeface="Nyala"/>
+        <a:font script="Beng" typeface="Vrinda"/>
+        <a:font script="Gujr" typeface="Shruti"/>
+        <a:font script="Khmr" typeface="MoolBoran"/>
+        <a:font script="Knda" typeface="Tunga"/>
+        <a:font script="Guru" typeface="Raavi"/>
+        <a:font script="Cans" typeface="Euphemia"/>
+        <a:font script="Cher" typeface="Plantagenet Cherokee"/>
+        <a:font script="Yiii" typeface="Microsoft Yi Baiti"/>
+        <a:font script="Tibt" typeface="Microsoft Himalaya"/>
+        <a:font script="Thaa" typeface="MV Boli"/>
+        <a:font script="Deva" typeface="Mangal"/>
+        <a:font script="Telu" typeface="Gautami"/>
+        <a:font script="Taml" typeface="Latha"/>
+        <a:font script="Syrc" typeface="Estrangelo Edessa"/>
+        <a:font script="Orya" typeface="Kalinga"/>
+        <a:font script="Mlym" typeface="Kartika"/>
+        <a:font script="Laoo" typeface="DokChampa"/>
+        <a:font script="Sinh" typeface="Iskoola Pota"/>
+        <a:font script="Mong" typeface="Mongolian Baiti"/>
+        <a:font script="Viet" typeface="Times New Roman"/>
+        <a:font script="Uigh" typeface="Microsoft Uighur"/>
+        <a:font script="Geor" typeface="Sylfaen"/>
+      </a:majorFont>
+      <a:minorFont>
+        <a:latin typeface="Calibri"/>
+        <a:ea typeface=""/>
+        <a:cs typeface=""/>
+        <a:font script="Jpan" typeface="ＭＳ Ｐゴシック"/>
+        <a:font script="Hang" typeface="맑은 고딕"/>
+        <a:font script="Hans" typeface="宋体"/>
+        <a:font script="Hant" typeface="新細明體"/>
+        <a:font script="Arab" typeface="Arial"/>
+        <a:font script="Hebr" typeface="Arial"/>
+        <a:font script="Thai" typeface="Cordia New"/>
+        <a:font script="Ethi" typeface="Nyala"/>
+        <a:font script="Beng" typeface="Vrinda"/>
+        <a:font script="Gujr" typeface="Shruti"/>
+        <a:font script="Khmr" typeface="DaunPenh"/>
+        <a:font script="Knda" typeface="Tunga"/>
+        <a:font script="Guru" typeface="Raavi"/>
+        <a:font script="Cans" typeface="Euphemia"/>
+        <a:font script="Cher" typeface="Plantagenet Cherokee"/>
+        <a:font script="Yiii" typeface="Microsoft Yi Baiti"/>
+        <a:font script="Tibt" typeface="Microsoft Himalaya"/>
+        <a:font script="Thaa" typeface="MV Boli"/>
+        <a:font script="Deva" typeface="Mangal"/>
+        <a:font script="Telu" typeface="Gautami"/>
+        <a:font script="Taml" typeface="Latha"/>
+        <a:font script="Syrc" typeface="Estrangelo Edessa"/>
+        <a:font script="Orya" typeface="Kalinga"/>
+        <a:font script="Mlym" typeface="Kartika"/>
+        <a:font script="Laoo" typeface="DokChampa"/>
+        <a:font script="Sinh" typeface="Iskoola Pota"/>
+        <a:font script="Mong" typeface="Mongolian Baiti"/>
+        <a:font script="Viet" typeface="Arial"/>
+        <a:font script="Uigh" typeface="Microsoft Uighur"/>
+        <a:font script="Geor" typeface="Sylfaen"/>
+      </a:minorFont>
+    </a:fontScheme>
+    <a:fmtScheme name="Larissa">
+      <a:fillStyleLst>
+        <a:solidFill>
+          <a:schemeClr val="phClr"/>
+        </a:solidFill>
+        <a:gradFill rotWithShape="1">
+          <a:gsLst>
+            <a:gs pos="0">
+              <a:schemeClr val="phClr">
+                <a:tint val="50000"/>
+                <a:satMod val="300000"/>
+              </a:schemeClr>
+            </a:gs>
+            <a:gs pos="35000">
+              <a:schemeClr val="phClr">
+                <a:tint val="37000"/>
+                <a:satMod val="300000"/>
+              </a:schemeClr>
+            </a:gs>
+            <a:gs pos="100000">
+              <a:schemeClr val="phClr">
+                <a:tint val="15000"/>
+                <a:satMod val="350000"/>
+              </a:schemeClr>
+            </a:gs>
+          </a:gsLst>
+          <a:lin ang="16200000" scaled="1"/>
+        </a:gradFill>
+        <a:gradFill rotWithShape="1">
+          <a:gsLst>
+            <a:gs pos="0">
+              <a:schemeClr val="phClr">
+                <a:shade val="51000"/>
+                <a:satMod val="130000"/>
+              </a:schemeClr>
+            </a:gs>
+            <a:gs pos="80000">
+              <a:schemeClr val="phClr">
+                <a:shade val="93000"/>
+                <a:satMod val="130000"/>
+              </a:schemeClr>
+            </a:gs>
+            <a:gs pos="100000">
+              <a:schemeClr val="phClr">
+                <a:shade val="94000"/>
+                <a:satMod val="135000"/>
+              </a:schemeClr>
+            </a:gs>
+          </a:gsLst>
+          <a:lin ang="16200000" scaled="0"/>
+        </a:gradFill>
+      </a:fillStyleLst>
+      <a:lnStyleLst>
+        <a:ln w="9525" cap="flat" cmpd="sng" algn="ctr">
+          <a:solidFill>
+            <a:schemeClr val="phClr">
+              <a:shade val="95000"/>
+              <a:satMod val="105000"/>
+            </a:schemeClr>
+          </a:solidFill>
+          <a:prstDash val="solid"/>
+        </a:ln>
+        <a:ln w="25400" cap="flat" cmpd="sng" algn="ctr">
+          <a:solidFill>
+            <a:schemeClr val="phClr"/>
+          </a:solidFill>
+          <a:prstDash val="solid"/>
+        </a:ln>
+        <a:ln w="38100" cap="flat" cmpd="sng" algn="ctr">
+          <a:solidFill>
+            <a:schemeClr val="phClr"/>
+          </a:solidFill>
+          <a:prstDash val="solid"/>
+        </a:ln>
+      </a:lnStyleLst>
+      <a:effectStyleLst>
+        <a:effectStyle>
+          <a:effectLst>
+            <a:outerShdw blurRad="40000" dist="20000" dir="5400000" rotWithShape="0">
+              <a:srgbClr val="000000">
+                <a:alpha val="38000"/>
+              </a:srgbClr>
+            </a:outerShdw>
+          </a:effectLst>
+        </a:effectStyle>
+        <a:effectStyle>
+          <a:effectLst>
+            <a:outerShdw blurRad="40000" dist="23000" dir="5400000" rotWithShape="0">
+              <a:srgbClr val="000000">
+                <a:alpha val="35000"/>
+              </a:srgbClr>
+            </a:outerShdw>
+          </a:effectLst>
+        </a:effectStyle>
+        <a:effectStyle>
+          <a:effectLst>
+            <a:outerShdw blurRad="40000" dist="23000" dir="5400000" rotWithShape="0">
+              <a:srgbClr val="000000">
+                <a:alpha val="35000"/>
+              </a:srgbClr>
+            </a:outerShdw>
+          </a:effectLst>
+          <a:scene3d>
+            <a:camera prst="orthographicFront">
+              <a:rot lat="0" lon="0" rev="0"/>
+            </a:camera>
+            <a:lightRig rig="threePt" dir="t">
+              <a:rot lat="0" lon="0" rev="1200000"/>
+            </a:lightRig>
+          </a:scene3d>
+          <a:sp3d>
+            <a:bevelT w="63500" h="25400"/>
+          </a:sp3d>
+        </a:effectStyle>
+      </a:effectStyleLst>
+      <a:bgFillStyleLst>
+        <a:solidFill>
+          <a:schemeClr val="phClr"/>
+        </a:solidFill>
+        <a:gradFill rotWithShape="1">
+          <a:gsLst>
+            <a:gs pos="0">
+              <a:schemeClr val="phClr">
+                <a:tint val="40000"/>
+                <a:satMod val="350000"/>
+              </a:schemeClr>
+            </a:gs>
+            <a:gs pos="40000">
+              <a:schemeClr val="phClr">
+                <a:tint val="45000"/>
+                <a:shade val="99000"/>
+                <a:satMod val="350000"/>
+              </a:schemeClr>
+            </a:gs>
+            <a:gs pos="100000">
+              <a:schemeClr val="phClr">
+                <a:shade val="20000"/>
+                <a:satMod val="255000"/>
+              </a:schemeClr>
+            </a:gs>
+          </a:gsLst>
+          <a:path path="circle">
+            <a:fillToRect l="50000" t="-80000" r="50000" b="180000"/>
+          </a:path>
+        </a:gradFill>
+        <a:gradFill rotWithShape="1">
+          <a:gsLst>
+            <a:gs pos="0">
+              <a:schemeClr val="phClr">
+                <a:tint val="80000"/>
+                <a:satMod val="300000"/>
+              </a:schemeClr>
+            </a:gs>
+            <a:gs pos="100000">
+              <a:schemeClr val="phClr">
+                <a:shade val="30000"/>
+                <a:satMod val="200000"/>
+              </a:schemeClr>
+            </a:gs>
+          </a:gsLst>
+          <a:path path="circle">
+            <a:fillToRect l="50000" t="50000" r="50000" b="50000"/>
+          </a:path>
+        </a:gradFill>
+      </a:bgFillStyleLst>
+    </a:fmtScheme>
+  </a:themeElements>
+  <a:objectDefaults/>
+  <a:extraClrSchemeLst/>
+</a:theme>
 </file>
--- a/Presentation/abschlusspraesentation.pptx
+++ b/Presentation/abschlusspraesentation.pptx
@@ -12,20 +12,20 @@
     <p:sldId id="257" r:id="rId3"/>
     <p:sldId id="258" r:id="rId4"/>
     <p:sldId id="259" r:id="rId5"/>
-    <p:sldId id="260" r:id="rId6"/>
-    <p:sldId id="261" r:id="rId7"/>
-    <p:sldId id="262" r:id="rId8"/>
-    <p:sldId id="263" r:id="rId9"/>
-    <p:sldId id="266" r:id="rId10"/>
-    <p:sldId id="264" r:id="rId11"/>
-    <p:sldId id="265" r:id="rId12"/>
-    <p:sldId id="267" r:id="rId13"/>
-    <p:sldId id="268" r:id="rId14"/>
-    <p:sldId id="271" r:id="rId15"/>
-    <p:sldId id="270" r:id="rId16"/>
-    <p:sldId id="273" r:id="rId17"/>
-    <p:sldId id="272" r:id="rId18"/>
-    <p:sldId id="274" r:id="rId19"/>
+    <p:sldId id="274" r:id="rId6"/>
+    <p:sldId id="260" r:id="rId7"/>
+    <p:sldId id="261" r:id="rId8"/>
+    <p:sldId id="262" r:id="rId9"/>
+    <p:sldId id="263" r:id="rId10"/>
+    <p:sldId id="266" r:id="rId11"/>
+    <p:sldId id="264" r:id="rId12"/>
+    <p:sldId id="265" r:id="rId13"/>
+    <p:sldId id="267" r:id="rId14"/>
+    <p:sldId id="268" r:id="rId15"/>
+    <p:sldId id="271" r:id="rId16"/>
+    <p:sldId id="270" r:id="rId17"/>
+    <p:sldId id="273" r:id="rId18"/>
+    <p:sldId id="272" r:id="rId19"/>
     <p:sldId id="275" r:id="rId20"/>
   </p:sldIdLst>
   <p:sldSz cx="9144000" cy="6858000" type="screen4x3"/>
@@ -149,36 +149,77 @@
           <a:lstStyle/>
           <a:p>
             <a:pPr>
-              <a:defRPr/>
+              <a:defRPr sz="2400" i="1">
+                <a:effectLst>
+                  <a:outerShdw blurRad="38100" dist="38100" dir="2700000" algn="tl">
+                    <a:srgbClr val="000000">
+                      <a:alpha val="43137"/>
+                    </a:srgbClr>
+                  </a:outerShdw>
+                </a:effectLst>
+                <a:latin typeface="Calibri" pitchFamily="34" charset="0"/>
+              </a:defRPr>
             </a:pPr>
             <a:r>
-              <a:rPr lang="en-US" dirty="0" smtClean="0">
+              <a:rPr lang="en-US" sz="2400" i="1" dirty="0" smtClean="0">
                 <a:solidFill>
                   <a:srgbClr val="66DAD7"/>
                 </a:solidFill>
+                <a:effectLst>
+                  <a:outerShdw blurRad="38100" dist="38100" dir="2700000" algn="tl">
+                    <a:srgbClr val="000000">
+                      <a:alpha val="43137"/>
+                    </a:srgbClr>
+                  </a:outerShdw>
+                </a:effectLst>
+                <a:latin typeface="Calibri" pitchFamily="34" charset="0"/>
               </a:rPr>
               <a:t>Pro</a:t>
             </a:r>
             <a:r>
-              <a:rPr lang="en-US" baseline="0" dirty="0" smtClean="0">
+              <a:rPr lang="en-US" sz="2400" i="1" baseline="0" dirty="0" smtClean="0">
                 <a:solidFill>
                   <a:srgbClr val="66DAD7"/>
                 </a:solidFill>
+                <a:effectLst>
+                  <a:outerShdw blurRad="38100" dist="38100" dir="2700000" algn="tl">
+                    <a:srgbClr val="000000">
+                      <a:alpha val="43137"/>
+                    </a:srgbClr>
+                  </a:outerShdw>
+                </a:effectLst>
+                <a:latin typeface="Calibri" pitchFamily="34" charset="0"/>
               </a:rPr>
               <a:t> </a:t>
             </a:r>
             <a:r>
-              <a:rPr lang="en-US" baseline="0" dirty="0" err="1" smtClean="0">
+              <a:rPr lang="en-US" sz="2400" i="1" baseline="0" dirty="0" err="1" smtClean="0">
                 <a:solidFill>
                   <a:srgbClr val="66DAD7"/>
                 </a:solidFill>
+                <a:effectLst>
+                  <a:outerShdw blurRad="38100" dist="38100" dir="2700000" algn="tl">
+                    <a:srgbClr val="000000">
+                      <a:alpha val="43137"/>
+                    </a:srgbClr>
+                  </a:outerShdw>
+                </a:effectLst>
+                <a:latin typeface="Calibri" pitchFamily="34" charset="0"/>
               </a:rPr>
               <a:t>Klasse</a:t>
             </a:r>
-            <a:endParaRPr lang="en-US" dirty="0">
+            <a:endParaRPr lang="en-US" sz="2400" i="1" dirty="0">
               <a:solidFill>
                 <a:srgbClr val="66DAD7"/>
               </a:solidFill>
+              <a:effectLst>
+                <a:outerShdw blurRad="38100" dist="38100" dir="2700000" algn="tl">
+                  <a:srgbClr val="000000">
+                    <a:alpha val="43137"/>
+                  </a:srgbClr>
+                </a:outerShdw>
+              </a:effectLst>
+              <a:latin typeface="Calibri" pitchFamily="34" charset="0"/>
             </a:endParaRPr>
           </a:p>
         </c:rich>
@@ -321,36 +362,77 @@
           <a:lstStyle/>
           <a:p>
             <a:pPr>
-              <a:defRPr/>
+              <a:defRPr sz="2400" i="1">
+                <a:effectLst>
+                  <a:outerShdw blurRad="38100" dist="38100" dir="2700000" algn="tl">
+                    <a:srgbClr val="000000">
+                      <a:alpha val="43137"/>
+                    </a:srgbClr>
+                  </a:outerShdw>
+                </a:effectLst>
+                <a:latin typeface="Calibri" pitchFamily="34" charset="0"/>
+              </a:defRPr>
             </a:pPr>
             <a:r>
-              <a:rPr lang="en-US" dirty="0" smtClean="0">
+              <a:rPr lang="en-US" sz="2400" i="1" dirty="0" smtClean="0">
                 <a:solidFill>
                   <a:srgbClr val="66DAD7"/>
                 </a:solidFill>
+                <a:effectLst>
+                  <a:outerShdw blurRad="38100" dist="38100" dir="2700000" algn="tl">
+                    <a:srgbClr val="000000">
+                      <a:alpha val="43137"/>
+                    </a:srgbClr>
+                  </a:outerShdw>
+                </a:effectLst>
+                <a:latin typeface="Calibri" pitchFamily="34" charset="0"/>
               </a:rPr>
               <a:t>Pro</a:t>
             </a:r>
             <a:r>
-              <a:rPr lang="en-US" baseline="0" dirty="0" smtClean="0">
+              <a:rPr lang="en-US" sz="2400" i="1" baseline="0" dirty="0" smtClean="0">
                 <a:solidFill>
                   <a:srgbClr val="66DAD7"/>
                 </a:solidFill>
+                <a:effectLst>
+                  <a:outerShdw blurRad="38100" dist="38100" dir="2700000" algn="tl">
+                    <a:srgbClr val="000000">
+                      <a:alpha val="43137"/>
+                    </a:srgbClr>
+                  </a:outerShdw>
+                </a:effectLst>
+                <a:latin typeface="Calibri" pitchFamily="34" charset="0"/>
               </a:rPr>
               <a:t> </a:t>
             </a:r>
             <a:r>
-              <a:rPr lang="en-US" baseline="0" dirty="0" err="1" smtClean="0">
+              <a:rPr lang="en-US" sz="2400" i="1" baseline="0" dirty="0" err="1" smtClean="0">
                 <a:solidFill>
                   <a:srgbClr val="66DAD7"/>
                 </a:solidFill>
+                <a:effectLst>
+                  <a:outerShdw blurRad="38100" dist="38100" dir="2700000" algn="tl">
+                    <a:srgbClr val="000000">
+                      <a:alpha val="43137"/>
+                    </a:srgbClr>
+                  </a:outerShdw>
+                </a:effectLst>
+                <a:latin typeface="Calibri" pitchFamily="34" charset="0"/>
               </a:rPr>
               <a:t>Methode</a:t>
             </a:r>
-            <a:endParaRPr lang="en-US" dirty="0">
+            <a:endParaRPr lang="en-US" sz="2400" i="1" dirty="0">
               <a:solidFill>
                 <a:srgbClr val="66DAD7"/>
               </a:solidFill>
+              <a:effectLst>
+                <a:outerShdw blurRad="38100" dist="38100" dir="2700000" algn="tl">
+                  <a:srgbClr val="000000">
+                    <a:alpha val="43137"/>
+                  </a:srgbClr>
+                </a:outerShdw>
+              </a:effectLst>
+              <a:latin typeface="Calibri" pitchFamily="34" charset="0"/>
             </a:endParaRPr>
           </a:p>
         </c:rich>
@@ -877,7 +959,7 @@
           <a:p>
             <a:fld id="{C7C0E2A2-C7D5-40BC-BB24-4708096516B4}" type="slidenum">
               <a:rPr lang="de-DE" smtClean="0"/>
-              <a:t>17</a:t>
+              <a:t>18</a:t>
             </a:fld>
             <a:endParaRPr lang="de-DE"/>
           </a:p>
@@ -4232,7 +4314,7 @@
         <p:spPr>
           <a:xfrm>
             <a:off x="539552" y="260648"/>
-            <a:ext cx="8424936" cy="1008112"/>
+            <a:ext cx="6172200" cy="1008112"/>
           </a:xfrm>
           <a:prstGeom prst="rect">
             <a:avLst/>
@@ -4316,24 +4398,12 @@
           </a:lstStyle>
           <a:p>
             <a:r>
-              <a:rPr lang="de-DE" sz="4600" dirty="0" err="1" smtClean="0">
+              <a:rPr lang="de-DE" dirty="0" smtClean="0">
                 <a:latin typeface="Calibri" pitchFamily="34" charset="0"/>
               </a:rPr>
-              <a:t>Configuration</a:t>
-            </a:r>
-            <a:r>
-              <a:rPr lang="de-DE" sz="4600" dirty="0" smtClean="0">
-                <a:latin typeface="Calibri" pitchFamily="34" charset="0"/>
-              </a:rPr>
-              <a:t> </a:t>
-            </a:r>
-            <a:r>
-              <a:rPr lang="de-DE" sz="4600" dirty="0" err="1" smtClean="0">
-                <a:latin typeface="Calibri" pitchFamily="34" charset="0"/>
-              </a:rPr>
-              <a:t>mANAGEMENT</a:t>
-            </a:r>
-            <a:endParaRPr lang="de-DE" sz="4600" dirty="0">
+              <a:t>Projektplan</a:t>
+            </a:r>
+            <a:endParaRPr lang="de-DE" dirty="0">
               <a:latin typeface="Calibri" pitchFamily="34" charset="0"/>
             </a:endParaRPr>
           </a:p>
@@ -4341,7 +4411,7 @@
       </p:sp>
       <p:pic>
         <p:nvPicPr>
-          <p:cNvPr id="2" name="Grafik 1"/>
+          <p:cNvPr id="6" name="Grafik 5"/>
           <p:cNvPicPr>
             <a:picLocks noChangeAspect="1"/>
           </p:cNvPicPr>
@@ -4361,14 +4431,212 @@
         </p:blipFill>
         <p:spPr>
           <a:xfrm>
-            <a:off x="251520" y="2254347"/>
-            <a:ext cx="8172400" cy="3542987"/>
+            <a:off x="1187625" y="1700808"/>
+            <a:ext cx="6197234" cy="4752528"/>
           </a:xfrm>
           <a:prstGeom prst="rect">
             <a:avLst/>
           </a:prstGeom>
         </p:spPr>
       </p:pic>
+    </p:spTree>
+    <p:extLst>
+      <p:ext uri="{BB962C8B-B14F-4D97-AF65-F5344CB8AC3E}">
+        <p14:creationId xmlns:p14="http://schemas.microsoft.com/office/powerpoint/2010/main" val="2459024765"/>
+      </p:ext>
+    </p:extLst>
+  </p:cSld>
+  <p:clrMapOvr>
+    <a:masterClrMapping/>
+  </p:clrMapOvr>
+  <p:timing>
+    <p:tnLst>
+      <p:par>
+        <p:cTn id="1" dur="indefinite" restart="never" nodeType="tmRoot"/>
+      </p:par>
+    </p:tnLst>
+  </p:timing>
+</p:sld>
+</file>
+
+<file path=ppt/slides/slide11.xml><?xml version="1.0" encoding="utf-8"?>
+<p:sld xmlns:a="http://schemas.openxmlformats.org/drawingml/2006/main" xmlns:r="http://schemas.openxmlformats.org/officeDocument/2006/relationships" xmlns:p="http://schemas.openxmlformats.org/presentationml/2006/main">
+  <p:cSld>
+    <p:bg>
+      <p:bgPr>
+        <a:blipFill dpi="0" rotWithShape="1">
+          <a:blip r:embed="rId2">
+            <a:lum/>
+          </a:blip>
+          <a:srcRect/>
+          <a:stretch>
+            <a:fillRect/>
+          </a:stretch>
+        </a:blipFill>
+        <a:effectLst/>
+      </p:bgPr>
+    </p:bg>
+    <p:spTree>
+      <p:nvGrpSpPr>
+        <p:cNvPr id="1" name=""/>
+        <p:cNvGrpSpPr/>
+        <p:nvPr/>
+      </p:nvGrpSpPr>
+      <p:grpSpPr>
+        <a:xfrm>
+          <a:off x="0" y="0"/>
+          <a:ext cx="0" cy="0"/>
+          <a:chOff x="0" y="0"/>
+          <a:chExt cx="0" cy="0"/>
+        </a:xfrm>
+      </p:grpSpPr>
+      <p:sp>
+        <p:nvSpPr>
+          <p:cNvPr id="5" name="Titel 1"/>
+          <p:cNvSpPr txBox="1">
+            <a:spLocks/>
+          </p:cNvSpPr>
+          <p:nvPr/>
+        </p:nvSpPr>
+        <p:spPr>
+          <a:xfrm>
+            <a:off x="539552" y="260648"/>
+            <a:ext cx="8424936" cy="1008112"/>
+          </a:xfrm>
+          <a:prstGeom prst="rect">
+            <a:avLst/>
+          </a:prstGeom>
+        </p:spPr>
+        <p:txBody>
+          <a:bodyPr vert="horz" lIns="91440" tIns="45720" rIns="91440" bIns="45720" rtlCol="0" anchor="t">
+            <a:noAutofit/>
+          </a:bodyPr>
+          <a:lstStyle>
+            <a:lvl1pPr algn="l" defTabSz="914400" rtl="0" eaLnBrk="1" latinLnBrk="0" hangingPunct="1">
+              <a:spcBef>
+                <a:spcPct val="0"/>
+              </a:spcBef>
+              <a:buNone/>
+              <a:defRPr sz="4800" b="1" kern="1200" cap="all" baseline="0">
+                <a:solidFill>
+                  <a:schemeClr val="tx1"/>
+                </a:solidFill>
+                <a:latin typeface="+mj-lt"/>
+                <a:ea typeface="+mj-ea"/>
+                <a:cs typeface="+mj-cs"/>
+              </a:defRPr>
+            </a:lvl1pPr>
+            <a:lvl2pPr eaLnBrk="1" hangingPunct="1">
+              <a:defRPr>
+                <a:solidFill>
+                  <a:schemeClr val="tx2"/>
+                </a:solidFill>
+              </a:defRPr>
+            </a:lvl2pPr>
+            <a:lvl3pPr eaLnBrk="1" hangingPunct="1">
+              <a:defRPr>
+                <a:solidFill>
+                  <a:schemeClr val="tx2"/>
+                </a:solidFill>
+              </a:defRPr>
+            </a:lvl3pPr>
+            <a:lvl4pPr eaLnBrk="1" hangingPunct="1">
+              <a:defRPr>
+                <a:solidFill>
+                  <a:schemeClr val="tx2"/>
+                </a:solidFill>
+              </a:defRPr>
+            </a:lvl4pPr>
+            <a:lvl5pPr eaLnBrk="1" hangingPunct="1">
+              <a:defRPr>
+                <a:solidFill>
+                  <a:schemeClr val="tx2"/>
+                </a:solidFill>
+              </a:defRPr>
+            </a:lvl5pPr>
+            <a:lvl6pPr eaLnBrk="1" hangingPunct="1">
+              <a:defRPr>
+                <a:solidFill>
+                  <a:schemeClr val="tx2"/>
+                </a:solidFill>
+              </a:defRPr>
+            </a:lvl6pPr>
+            <a:lvl7pPr eaLnBrk="1" hangingPunct="1">
+              <a:defRPr>
+                <a:solidFill>
+                  <a:schemeClr val="tx2"/>
+                </a:solidFill>
+              </a:defRPr>
+            </a:lvl7pPr>
+            <a:lvl8pPr eaLnBrk="1" hangingPunct="1">
+              <a:defRPr>
+                <a:solidFill>
+                  <a:schemeClr val="tx2"/>
+                </a:solidFill>
+              </a:defRPr>
+            </a:lvl8pPr>
+            <a:lvl9pPr eaLnBrk="1" hangingPunct="1">
+              <a:defRPr>
+                <a:solidFill>
+                  <a:schemeClr val="tx2"/>
+                </a:solidFill>
+              </a:defRPr>
+            </a:lvl9pPr>
+          </a:lstStyle>
+          <a:p>
+            <a:r>
+              <a:rPr lang="de-DE" sz="4600" dirty="0" err="1" smtClean="0">
+                <a:latin typeface="Calibri" pitchFamily="34" charset="0"/>
+              </a:rPr>
+              <a:t>Configuration</a:t>
+            </a:r>
+            <a:r>
+              <a:rPr lang="de-DE" sz="4600" dirty="0" smtClean="0">
+                <a:latin typeface="Calibri" pitchFamily="34" charset="0"/>
+              </a:rPr>
+              <a:t> </a:t>
+            </a:r>
+            <a:r>
+              <a:rPr lang="de-DE" sz="4600" dirty="0" err="1" smtClean="0">
+                <a:latin typeface="Calibri" pitchFamily="34" charset="0"/>
+              </a:rPr>
+              <a:t>mANAGEMENT</a:t>
+            </a:r>
+            <a:endParaRPr lang="de-DE" sz="4600" dirty="0">
+              <a:latin typeface="Calibri" pitchFamily="34" charset="0"/>
+            </a:endParaRPr>
+          </a:p>
+        </p:txBody>
+      </p:sp>
+      <p:pic>
+        <p:nvPicPr>
+          <p:cNvPr id="2" name="Grafik 1"/>
+          <p:cNvPicPr>
+            <a:picLocks noChangeAspect="1"/>
+          </p:cNvPicPr>
+          <p:nvPr/>
+        </p:nvPicPr>
+        <p:blipFill rotWithShape="1">
+          <a:blip r:embed="rId3">
+            <a:extLst>
+              <a:ext uri="{28A0092B-C50C-407E-A947-70E740481C1C}">
+                <a14:useLocalDpi xmlns:a14="http://schemas.microsoft.com/office/drawing/2010/main" val="0"/>
+              </a:ext>
+            </a:extLst>
+          </a:blip>
+          <a:srcRect b="4068"/>
+          <a:stretch/>
+        </p:blipFill>
+        <p:spPr>
+          <a:xfrm>
+            <a:off x="251520" y="2420888"/>
+            <a:ext cx="8172400" cy="3398840"/>
+          </a:xfrm>
+          <a:prstGeom prst="rect">
+            <a:avLst/>
+          </a:prstGeom>
+        </p:spPr>
+      </p:pic>
       <p:sp>
         <p:nvSpPr>
           <p:cNvPr id="3" name="Pfeil nach oben 2"/>
@@ -4377,7 +4645,7 @@
         </p:nvSpPr>
         <p:spPr>
           <a:xfrm rot="10800000">
-            <a:off x="5076056" y="1808803"/>
+            <a:off x="5076056" y="2047352"/>
             <a:ext cx="584565" cy="445543"/>
           </a:xfrm>
           <a:prstGeom prst="upArrow">
@@ -4444,6 +4712,14 @@
                 <a:solidFill>
                   <a:srgbClr val="66DAD7"/>
                 </a:solidFill>
+                <a:effectLst>
+                  <a:outerShdw blurRad="38100" dist="38100" dir="2700000" algn="tl">
+                    <a:srgbClr val="000000">
+                      <a:alpha val="43137"/>
+                    </a:srgbClr>
+                  </a:outerShdw>
+                </a:effectLst>
+                <a:latin typeface="Calibri" pitchFamily="34" charset="0"/>
               </a:rPr>
               <a:t>Jira</a:t>
             </a:r>
@@ -4452,12 +4728,66 @@
                 <a:solidFill>
                   <a:srgbClr val="66DAD7"/>
                 </a:solidFill>
+                <a:effectLst>
+                  <a:outerShdw blurRad="38100" dist="38100" dir="2700000" algn="tl">
+                    <a:srgbClr val="000000">
+                      <a:alpha val="43137"/>
+                    </a:srgbClr>
+                  </a:outerShdw>
+                </a:effectLst>
+                <a:latin typeface="Calibri" pitchFamily="34" charset="0"/>
               </a:rPr>
               <a:t>:</a:t>
             </a:r>
             <a:endParaRPr lang="de-DE" sz="2800" b="1" i="1" dirty="0">
               <a:solidFill>
                 <a:srgbClr val="66DAD7"/>
+              </a:solidFill>
+              <a:effectLst>
+                <a:outerShdw blurRad="38100" dist="38100" dir="2700000" algn="tl">
+                  <a:srgbClr val="000000">
+                    <a:alpha val="43137"/>
+                  </a:srgbClr>
+                </a:outerShdw>
+              </a:effectLst>
+              <a:latin typeface="Calibri" pitchFamily="34" charset="0"/>
+            </a:endParaRPr>
+          </a:p>
+        </p:txBody>
+      </p:sp>
+      <p:sp>
+        <p:nvSpPr>
+          <p:cNvPr id="6" name="Textfeld 5"/>
+          <p:cNvSpPr txBox="1"/>
+          <p:nvPr/>
+        </p:nvSpPr>
+        <p:spPr>
+          <a:xfrm>
+            <a:off x="4622781" y="1772816"/>
+            <a:ext cx="1491114" cy="369332"/>
+          </a:xfrm>
+          <a:prstGeom prst="rect">
+            <a:avLst/>
+          </a:prstGeom>
+          <a:noFill/>
+        </p:spPr>
+        <p:txBody>
+          <a:bodyPr wrap="none" rtlCol="0">
+            <a:spAutoFit/>
+          </a:bodyPr>
+          <a:lstStyle/>
+          <a:p>
+            <a:r>
+              <a:rPr lang="de-DE" dirty="0" err="1" smtClean="0">
+                <a:solidFill>
+                  <a:schemeClr val="bg1"/>
+                </a:solidFill>
+              </a:rPr>
+              <a:t>Reviewspalte</a:t>
+            </a:r>
+            <a:endParaRPr lang="de-DE" dirty="0">
+              <a:solidFill>
+                <a:schemeClr val="bg1"/>
               </a:solidFill>
             </a:endParaRPr>
           </a:p>
@@ -4483,7 +4813,7 @@
 </p:sld>
 </file>
 
-<file path=ppt/slides/slide11.xml><?xml version="1.0" encoding="utf-8"?>
+<file path=ppt/slides/slide12.xml><?xml version="1.0" encoding="utf-8"?>
 <p:sld xmlns:a="http://schemas.openxmlformats.org/drawingml/2006/main" xmlns:r="http://schemas.openxmlformats.org/officeDocument/2006/relationships" xmlns:p="http://schemas.openxmlformats.org/presentationml/2006/main">
   <p:cSld>
     <p:bg>
@@ -4876,11 +5206,7 @@
                     <a:p>
                       <a:r>
                         <a:rPr lang="de-DE" sz="2400" dirty="0" smtClean="0"/>
-                        <a:t>Mangelnde Fehlerfindung </a:t>
-                      </a:r>
-                      <a:r>
-                        <a:rPr lang="de-DE" sz="2400" dirty="0" smtClean="0"/>
-                        <a:t>wegen</a:t>
+                        <a:t>Mangelnde Fehlerfindung wegen</a:t>
                       </a:r>
                       <a:r>
                         <a:rPr lang="de-DE" sz="2400" baseline="0" dirty="0" smtClean="0"/>
@@ -4888,11 +5214,7 @@
                       </a:r>
                       <a:r>
                         <a:rPr lang="de-DE" sz="2400" dirty="0" smtClean="0"/>
-                        <a:t>ehlender </a:t>
-                      </a:r>
-                      <a:r>
-                        <a:rPr lang="de-DE" sz="2400" dirty="0" smtClean="0"/>
-                        <a:t>Tests</a:t>
+                        <a:t>ehlender Tests</a:t>
                       </a:r>
                       <a:endParaRPr lang="de-DE" sz="2400" dirty="0"/>
                     </a:p>
@@ -5004,11 +5326,6 @@
               </a:rPr>
               <a:t>10</a:t>
             </a:r>
-            <a:endParaRPr lang="de-DE" dirty="0">
-              <a:solidFill>
-                <a:srgbClr val="FF0000"/>
-              </a:solidFill>
-            </a:endParaRPr>
           </a:p>
         </p:txBody>
       </p:sp>
@@ -5070,7 +5387,7 @@
 </p:sld>
 </file>
 
-<file path=ppt/slides/slide12.xml><?xml version="1.0" encoding="utf-8"?>
+<file path=ppt/slides/slide13.xml><?xml version="1.0" encoding="utf-8"?>
 <p:sld xmlns:a="http://schemas.openxmlformats.org/drawingml/2006/main" xmlns:r="http://schemas.openxmlformats.org/officeDocument/2006/relationships" xmlns:p="http://schemas.openxmlformats.org/presentationml/2006/main">
   <p:cSld>
     <p:bg>
@@ -5257,7 +5574,7 @@
 </p:sld>
 </file>
 
-<file path=ppt/slides/slide13.xml><?xml version="1.0" encoding="utf-8"?>
+<file path=ppt/slides/slide14.xml><?xml version="1.0" encoding="utf-8"?>
 <p:sld xmlns:a="http://schemas.openxmlformats.org/drawingml/2006/main" xmlns:r="http://schemas.openxmlformats.org/officeDocument/2006/relationships" xmlns:p="http://schemas.openxmlformats.org/presentationml/2006/main">
   <p:cSld>
     <p:bg>
@@ -5475,33 +5792,65 @@
           <a:lstStyle/>
           <a:p>
             <a:r>
-              <a:rPr lang="de-DE" sz="2400" b="1" dirty="0" err="1" smtClean="0">
-                <a:solidFill>
-                  <a:srgbClr val="00B0F0"/>
-                </a:solidFill>
+              <a:rPr lang="de-DE" sz="2400" b="1" i="1" dirty="0" err="1" smtClean="0">
+                <a:solidFill>
+                  <a:srgbClr val="66DAD7"/>
+                </a:solidFill>
+                <a:effectLst>
+                  <a:outerShdw blurRad="38100" dist="38100" dir="2700000" algn="tl">
+                    <a:srgbClr val="000000">
+                      <a:alpha val="43137"/>
+                    </a:srgbClr>
+                  </a:outerShdw>
+                </a:effectLst>
+                <a:latin typeface="Calibri" pitchFamily="34" charset="0"/>
               </a:rPr>
               <a:t>Calabash-Android</a:t>
             </a:r>
             <a:r>
-              <a:rPr lang="de-DE" sz="2400" b="1" dirty="0">
-                <a:solidFill>
-                  <a:srgbClr val="00B0F0"/>
-                </a:solidFill>
+              <a:rPr lang="de-DE" sz="2400" b="1" i="1" dirty="0">
+                <a:solidFill>
+                  <a:srgbClr val="66DAD7"/>
+                </a:solidFill>
+                <a:effectLst>
+                  <a:outerShdw blurRad="38100" dist="38100" dir="2700000" algn="tl">
+                    <a:srgbClr val="000000">
+                      <a:alpha val="43137"/>
+                    </a:srgbClr>
+                  </a:outerShdw>
+                </a:effectLst>
+                <a:latin typeface="Calibri" pitchFamily="34" charset="0"/>
               </a:rPr>
               <a:t> und </a:t>
             </a:r>
             <a:r>
-              <a:rPr lang="de-DE" sz="2400" b="1" dirty="0" err="1">
-                <a:solidFill>
-                  <a:srgbClr val="00B0F0"/>
-                </a:solidFill>
+              <a:rPr lang="de-DE" sz="2400" b="1" i="1" dirty="0" err="1">
+                <a:solidFill>
+                  <a:srgbClr val="66DAD7"/>
+                </a:solidFill>
+                <a:effectLst>
+                  <a:outerShdw blurRad="38100" dist="38100" dir="2700000" algn="tl">
+                    <a:srgbClr val="000000">
+                      <a:alpha val="43137"/>
+                    </a:srgbClr>
+                  </a:outerShdw>
+                </a:effectLst>
+                <a:latin typeface="Calibri" pitchFamily="34" charset="0"/>
               </a:rPr>
               <a:t>Gherkin</a:t>
             </a:r>
-            <a:endParaRPr lang="de-DE" sz="2400" b="1" dirty="0">
+            <a:endParaRPr lang="de-DE" sz="2400" b="1" i="1" dirty="0">
               <a:solidFill>
-                <a:srgbClr val="00B0F0"/>
+                <a:srgbClr val="66DAD7"/>
               </a:solidFill>
+              <a:effectLst>
+                <a:outerShdw blurRad="38100" dist="38100" dir="2700000" algn="tl">
+                  <a:srgbClr val="000000">
+                    <a:alpha val="43137"/>
+                  </a:srgbClr>
+                </a:outerShdw>
+              </a:effectLst>
+              <a:latin typeface="Calibri" pitchFamily="34" charset="0"/>
             </a:endParaRPr>
           </a:p>
           <a:p>
@@ -5593,7 +5942,7 @@
 </p:sld>
 </file>
 
-<file path=ppt/slides/slide14.xml><?xml version="1.0" encoding="utf-8"?>
+<file path=ppt/slides/slide15.xml><?xml version="1.0" encoding="utf-8"?>
 <p:sld xmlns:a="http://schemas.openxmlformats.org/drawingml/2006/main" xmlns:r="http://schemas.openxmlformats.org/officeDocument/2006/relationships" xmlns:p="http://schemas.openxmlformats.org/presentationml/2006/main">
   <p:cSld>
     <p:bg>
@@ -5755,6 +6104,14 @@
                 <a:solidFill>
                   <a:srgbClr val="66DAD7"/>
                 </a:solidFill>
+                <a:effectLst>
+                  <a:outerShdw blurRad="38100" dist="38100" dir="2700000" algn="tl">
+                    <a:srgbClr val="000000">
+                      <a:alpha val="43137"/>
+                    </a:srgbClr>
+                  </a:outerShdw>
+                </a:effectLst>
+                <a:latin typeface="Calibri" pitchFamily="34" charset="0"/>
               </a:rPr>
               <a:t>JUnit</a:t>
             </a:r>
@@ -5762,6 +6119,14 @@
               <a:solidFill>
                 <a:srgbClr val="66DAD7"/>
               </a:solidFill>
+              <a:effectLst>
+                <a:outerShdw blurRad="38100" dist="38100" dir="2700000" algn="tl">
+                  <a:srgbClr val="000000">
+                    <a:alpha val="43137"/>
+                  </a:srgbClr>
+                </a:outerShdw>
+              </a:effectLst>
+              <a:latin typeface="Calibri" pitchFamily="34" charset="0"/>
             </a:endParaRPr>
           </a:p>
         </p:txBody>
@@ -5816,7 +6181,7 @@
 </p:sld>
 </file>
 
-<file path=ppt/slides/slide15.xml><?xml version="1.0" encoding="utf-8"?>
+<file path=ppt/slides/slide16.xml><?xml version="1.0" encoding="utf-8"?>
 <p:sld xmlns:a="http://schemas.openxmlformats.org/drawingml/2006/main" xmlns:r="http://schemas.openxmlformats.org/officeDocument/2006/relationships" xmlns:p="http://schemas.openxmlformats.org/presentationml/2006/main">
   <p:cSld>
     <p:bg>
@@ -5960,7 +6325,7 @@
           <p:nvPr>
             <p:extLst>
               <p:ext uri="{D42A27DB-BD31-4B8C-83A1-F6EECF244321}">
-                <p14:modId xmlns:p14="http://schemas.microsoft.com/office/powerpoint/2010/main" val="2792552576"/>
+                <p14:modId xmlns:p14="http://schemas.microsoft.com/office/powerpoint/2010/main" val="4118266497"/>
               </p:ext>
             </p:extLst>
           </p:nvPr>
@@ -5982,7 +6347,7 @@
           <p:nvPr>
             <p:extLst>
               <p:ext uri="{D42A27DB-BD31-4B8C-83A1-F6EECF244321}">
-                <p14:modId xmlns:p14="http://schemas.microsoft.com/office/powerpoint/2010/main" val="2779868244"/>
+                <p14:modId xmlns:p14="http://schemas.microsoft.com/office/powerpoint/2010/main" val="2104415637"/>
               </p:ext>
             </p:extLst>
           </p:nvPr>
@@ -6054,7 +6419,7 @@
         <p:spPr>
           <a:xfrm>
             <a:off x="3923928" y="5429762"/>
-            <a:ext cx="1832553" cy="369332"/>
+            <a:ext cx="1756828" cy="369332"/>
           </a:xfrm>
           <a:prstGeom prst="rect">
             <a:avLst/>
@@ -6072,6 +6437,7 @@
                 <a:solidFill>
                   <a:schemeClr val="bg1"/>
                 </a:solidFill>
+                <a:latin typeface="Calibri" pitchFamily="34" charset="0"/>
               </a:rPr>
               <a:t>Nicht abgedeckt </a:t>
             </a:r>
@@ -6079,6 +6445,7 @@
               <a:solidFill>
                 <a:schemeClr val="bg1"/>
               </a:solidFill>
+              <a:latin typeface="Calibri" pitchFamily="34" charset="0"/>
             </a:endParaRPr>
           </a:p>
         </p:txBody>
@@ -6140,7 +6507,7 @@
         <p:spPr>
           <a:xfrm>
             <a:off x="3923928" y="5850994"/>
-            <a:ext cx="1265090" cy="369332"/>
+            <a:ext cx="1207510" cy="369332"/>
           </a:xfrm>
           <a:prstGeom prst="rect">
             <a:avLst/>
@@ -6158,6 +6525,7 @@
                 <a:solidFill>
                   <a:schemeClr val="bg1"/>
                 </a:solidFill>
+                <a:latin typeface="Calibri" pitchFamily="34" charset="0"/>
               </a:rPr>
               <a:t>abgedeckt </a:t>
             </a:r>
@@ -6165,6 +6533,7 @@
               <a:solidFill>
                 <a:schemeClr val="bg1"/>
               </a:solidFill>
+              <a:latin typeface="Calibri" pitchFamily="34" charset="0"/>
             </a:endParaRPr>
           </a:p>
         </p:txBody>
@@ -6189,7 +6558,7 @@
 </p:sld>
 </file>
 
-<file path=ppt/slides/slide16.xml><?xml version="1.0" encoding="utf-8"?>
+<file path=ppt/slides/slide17.xml><?xml version="1.0" encoding="utf-8"?>
 <p:sld xmlns:a="http://schemas.openxmlformats.org/drawingml/2006/main" xmlns:r="http://schemas.openxmlformats.org/officeDocument/2006/relationships" xmlns:p="http://schemas.openxmlformats.org/presentationml/2006/main">
   <p:cSld>
     <p:bg>
@@ -6363,16 +6732,16 @@
                 <a:solidFill>
                   <a:srgbClr val="6ECDD2"/>
                 </a:solidFill>
-              </a:rPr>
-              <a:t>S</a:t>
-            </a:r>
-            <a:r>
-              <a:rPr lang="de-DE" sz="2800" b="1" dirty="0" smtClean="0">
-                <a:solidFill>
-                  <a:srgbClr val="6ECDD2"/>
-                </a:solidFill>
-              </a:rPr>
-              <a:t>onar</a:t>
+                <a:effectLst>
+                  <a:outerShdw blurRad="38100" dist="38100" dir="2700000" algn="tl">
+                    <a:srgbClr val="000000">
+                      <a:alpha val="43137"/>
+                    </a:srgbClr>
+                  </a:outerShdw>
+                </a:effectLst>
+                <a:latin typeface="Calibri" pitchFamily="34" charset="0"/>
+              </a:rPr>
+              <a:t>Sonar</a:t>
             </a:r>
             <a:r>
               <a:rPr lang="de-DE" sz="2800" b="1" dirty="0" smtClean="0">
@@ -6435,7 +6804,7 @@
 </p:sld>
 </file>
 
-<file path=ppt/slides/slide17.xml><?xml version="1.0" encoding="utf-8"?>
+<file path=ppt/slides/slide18.xml><?xml version="1.0" encoding="utf-8"?>
 <p:sld xmlns:a="http://schemas.openxmlformats.org/drawingml/2006/main" xmlns:r="http://schemas.openxmlformats.org/officeDocument/2006/relationships" xmlns:p="http://schemas.openxmlformats.org/presentationml/2006/main">
   <p:cSld>
     <p:bg>
@@ -6599,6 +6968,7 @@
                 <a:solidFill>
                   <a:schemeClr val="bg1"/>
                 </a:solidFill>
+                <a:latin typeface="Calibri" pitchFamily="34" charset="0"/>
               </a:rPr>
               <a:t>Cyclomatic</a:t>
             </a:r>
@@ -6607,6 +6977,7 @@
                 <a:solidFill>
                   <a:schemeClr val="bg1"/>
                 </a:solidFill>
+                <a:latin typeface="Calibri" pitchFamily="34" charset="0"/>
               </a:rPr>
               <a:t> </a:t>
             </a:r>
@@ -6615,6 +6986,7 @@
                 <a:solidFill>
                   <a:schemeClr val="bg1"/>
                 </a:solidFill>
+                <a:latin typeface="Calibri" pitchFamily="34" charset="0"/>
               </a:rPr>
               <a:t>complexity</a:t>
             </a:r>
@@ -6623,6 +6995,7 @@
                 <a:solidFill>
                   <a:schemeClr val="bg1"/>
                 </a:solidFill>
+                <a:latin typeface="Calibri" pitchFamily="34" charset="0"/>
               </a:rPr>
               <a:t>: 13</a:t>
             </a:r>
@@ -6681,6 +7054,13 @@
               <a:srgbClr val="66DAD7"/>
             </a:solidFill>
           </a:ln>
+          <a:effectLst>
+            <a:outerShdw blurRad="50800" dist="38100" dir="2700000" algn="tl" rotWithShape="0">
+              <a:prstClr val="black">
+                <a:alpha val="40000"/>
+              </a:prstClr>
+            </a:outerShdw>
+          </a:effectLst>
         </p:spPr>
         <p:style>
           <a:lnRef idx="2">
@@ -6726,6 +7106,13 @@
               <a:srgbClr val="92D050"/>
             </a:solidFill>
           </a:ln>
+          <a:effectLst>
+            <a:outerShdw blurRad="50800" dist="38100" dir="2700000" algn="tl" rotWithShape="0">
+              <a:prstClr val="black">
+                <a:alpha val="40000"/>
+              </a:prstClr>
+            </a:outerShdw>
+          </a:effectLst>
         </p:spPr>
         <p:style>
           <a:lnRef idx="2">
@@ -6982,6 +7369,7 @@
                 <a:solidFill>
                   <a:schemeClr val="bg1"/>
                 </a:solidFill>
+                <a:latin typeface="Calibri" pitchFamily="34" charset="0"/>
               </a:rPr>
               <a:t>Magic </a:t>
             </a:r>
@@ -6990,6 +7378,7 @@
                 <a:solidFill>
                   <a:schemeClr val="bg1"/>
                 </a:solidFill>
+                <a:latin typeface="Calibri" pitchFamily="34" charset="0"/>
               </a:rPr>
               <a:t>numbers</a:t>
             </a:r>
@@ -6997,6 +7386,7 @@
               <a:solidFill>
                 <a:schemeClr val="bg1"/>
               </a:solidFill>
+              <a:latin typeface="Calibri" pitchFamily="34" charset="0"/>
             </a:endParaRPr>
           </a:p>
         </p:txBody>
@@ -7068,6 +7458,13 @@
               <a:srgbClr val="66DAD7"/>
             </a:solidFill>
           </a:ln>
+          <a:effectLst>
+            <a:outerShdw blurRad="50800" dist="38100" dir="2700000" algn="tl" rotWithShape="0">
+              <a:prstClr val="black">
+                <a:alpha val="40000"/>
+              </a:prstClr>
+            </a:outerShdw>
+          </a:effectLst>
         </p:spPr>
         <p:style>
           <a:lnRef idx="2">
@@ -7113,6 +7510,13 @@
               <a:srgbClr val="66DAD7"/>
             </a:solidFill>
           </a:ln>
+          <a:effectLst>
+            <a:outerShdw blurRad="50800" dist="38100" dir="2700000" algn="tl" rotWithShape="0">
+              <a:prstClr val="black">
+                <a:alpha val="40000"/>
+              </a:prstClr>
+            </a:outerShdw>
+          </a:effectLst>
         </p:spPr>
         <p:style>
           <a:lnRef idx="2">
@@ -7143,57 +7547,6 @@
     <p:extLst>
       <p:ext uri="{BB962C8B-B14F-4D97-AF65-F5344CB8AC3E}">
         <p14:creationId xmlns:p14="http://schemas.microsoft.com/office/powerpoint/2010/main" val="2744538873"/>
-      </p:ext>
-    </p:extLst>
-  </p:cSld>
-  <p:clrMapOvr>
-    <a:masterClrMapping/>
-  </p:clrMapOvr>
-  <p:timing>
-    <p:tnLst>
-      <p:par>
-        <p:cTn id="1" dur="indefinite" restart="never" nodeType="tmRoot"/>
-      </p:par>
-    </p:tnLst>
-  </p:timing>
-</p:sld>
-</file>
-
-<file path=ppt/slides/slide18.xml><?xml version="1.0" encoding="utf-8"?>
-<p:sld xmlns:a="http://schemas.openxmlformats.org/drawingml/2006/main" xmlns:r="http://schemas.openxmlformats.org/officeDocument/2006/relationships" xmlns:p="http://schemas.openxmlformats.org/presentationml/2006/main">
-  <p:cSld>
-    <p:bg>
-      <p:bgPr>
-        <a:blipFill dpi="0" rotWithShape="1">
-          <a:blip r:embed="rId2">
-            <a:lum/>
-          </a:blip>
-          <a:srcRect/>
-          <a:stretch>
-            <a:fillRect/>
-          </a:stretch>
-        </a:blipFill>
-        <a:effectLst/>
-      </p:bgPr>
-    </p:bg>
-    <p:spTree>
-      <p:nvGrpSpPr>
-        <p:cNvPr id="1" name=""/>
-        <p:cNvGrpSpPr/>
-        <p:nvPr/>
-      </p:nvGrpSpPr>
-      <p:grpSpPr>
-        <a:xfrm>
-          <a:off x="0" y="0"/>
-          <a:ext cx="0" cy="0"/>
-          <a:chOff x="0" y="0"/>
-          <a:chExt cx="0" cy="0"/>
-        </a:xfrm>
-      </p:grpSpPr>
-    </p:spTree>
-    <p:extLst>
-      <p:ext uri="{BB962C8B-B14F-4D97-AF65-F5344CB8AC3E}">
-        <p14:creationId xmlns:p14="http://schemas.microsoft.com/office/powerpoint/2010/main" val="22276255"/>
       </p:ext>
     </p:extLst>
   </p:cSld>
@@ -7253,8 +7606,8 @@
         </p:nvSpPr>
         <p:spPr>
           <a:xfrm>
-            <a:off x="971600" y="2708920"/>
-            <a:ext cx="6886528" cy="2130552"/>
+            <a:off x="971600" y="1772816"/>
+            <a:ext cx="6886528" cy="4248472"/>
           </a:xfrm>
         </p:spPr>
         <p:txBody>
@@ -7262,21 +7615,152 @@
           <a:lstStyle/>
           <a:p>
             <a:r>
-              <a:rPr lang="de-DE" dirty="0" smtClean="0">
+              <a:rPr lang="de-DE" i="1" dirty="0" smtClean="0">
                 <a:solidFill>
                   <a:srgbClr val="66DAD7"/>
                 </a:solidFill>
-              </a:rPr>
-              <a:t>Wir bedanken uns für ihr Aufmerksamkeit</a:t>
-            </a:r>
-            <a:endParaRPr lang="de-DE" dirty="0">
+                <a:effectLst>
+                  <a:outerShdw blurRad="38100" dist="38100" dir="2700000" algn="tl">
+                    <a:srgbClr val="000000">
+                      <a:alpha val="43137"/>
+                    </a:srgbClr>
+                  </a:outerShdw>
+                </a:effectLst>
+              </a:rPr>
+              <a:t>Neugierig??</a:t>
+            </a:r>
+            <a:br>
+              <a:rPr lang="de-DE" i="1" dirty="0" smtClean="0">
+                <a:solidFill>
+                  <a:srgbClr val="66DAD7"/>
+                </a:solidFill>
+                <a:effectLst>
+                  <a:outerShdw blurRad="38100" dist="38100" dir="2700000" algn="tl">
+                    <a:srgbClr val="000000">
+                      <a:alpha val="43137"/>
+                    </a:srgbClr>
+                  </a:outerShdw>
+                </a:effectLst>
+              </a:rPr>
+            </a:br>
+            <a:r>
+              <a:rPr lang="de-DE" i="1" dirty="0" smtClean="0">
+                <a:solidFill>
+                  <a:srgbClr val="66DAD7"/>
+                </a:solidFill>
+                <a:effectLst>
+                  <a:outerShdw blurRad="38100" dist="38100" dir="2700000" algn="tl">
+                    <a:srgbClr val="000000">
+                      <a:alpha val="43137"/>
+                    </a:srgbClr>
+                  </a:outerShdw>
+                </a:effectLst>
+              </a:rPr>
+              <a:t/>
+            </a:r>
+            <a:br>
+              <a:rPr lang="de-DE" i="1" dirty="0" smtClean="0">
+                <a:solidFill>
+                  <a:srgbClr val="66DAD7"/>
+                </a:solidFill>
+                <a:effectLst>
+                  <a:outerShdw blurRad="38100" dist="38100" dir="2700000" algn="tl">
+                    <a:srgbClr val="000000">
+                      <a:alpha val="43137"/>
+                    </a:srgbClr>
+                  </a:outerShdw>
+                </a:effectLst>
+              </a:rPr>
+            </a:br>
+            <a:r>
+              <a:rPr lang="de-DE" i="1" dirty="0">
+                <a:solidFill>
+                  <a:srgbClr val="66DAD7"/>
+                </a:solidFill>
+                <a:effectLst>
+                  <a:outerShdw blurRad="38100" dist="38100" dir="2700000" algn="tl">
+                    <a:srgbClr val="000000">
+                      <a:alpha val="43137"/>
+                    </a:srgbClr>
+                  </a:outerShdw>
+                </a:effectLst>
+              </a:rPr>
+              <a:t/>
+            </a:r>
+            <a:br>
+              <a:rPr lang="de-DE" i="1" dirty="0">
+                <a:solidFill>
+                  <a:srgbClr val="66DAD7"/>
+                </a:solidFill>
+                <a:effectLst>
+                  <a:outerShdw blurRad="38100" dist="38100" dir="2700000" algn="tl">
+                    <a:srgbClr val="000000">
+                      <a:alpha val="43137"/>
+                    </a:srgbClr>
+                  </a:outerShdw>
+                </a:effectLst>
+              </a:rPr>
+            </a:br>
+            <a:r>
+              <a:rPr lang="de-DE" i="1" dirty="0" smtClean="0">
+                <a:solidFill>
+                  <a:srgbClr val="66DAD7"/>
+                </a:solidFill>
+                <a:effectLst>
+                  <a:outerShdw blurRad="38100" dist="38100" dir="2700000" algn="tl">
+                    <a:srgbClr val="000000">
+                      <a:alpha val="43137"/>
+                    </a:srgbClr>
+                  </a:outerShdw>
+                </a:effectLst>
+              </a:rPr>
+              <a:t>Jetzt geht‘s zur Live-demo!</a:t>
+            </a:r>
+            <a:endParaRPr lang="de-DE" i="1" dirty="0">
               <a:solidFill>
                 <a:srgbClr val="66DAD7"/>
               </a:solidFill>
+              <a:effectLst>
+                <a:outerShdw blurRad="38100" dist="38100" dir="2700000" algn="tl">
+                  <a:srgbClr val="000000">
+                    <a:alpha val="43137"/>
+                  </a:srgbClr>
+                </a:outerShdw>
+              </a:effectLst>
             </a:endParaRPr>
           </a:p>
         </p:txBody>
       </p:sp>
+      <p:pic>
+        <p:nvPicPr>
+          <p:cNvPr id="3" name="Grafik 2"/>
+          <p:cNvPicPr>
+            <a:picLocks noChangeAspect="1"/>
+          </p:cNvPicPr>
+          <p:nvPr/>
+        </p:nvPicPr>
+        <p:blipFill>
+          <a:blip r:embed="rId3" cstate="print">
+            <a:extLst>
+              <a:ext uri="{28A0092B-C50C-407E-A947-70E740481C1C}">
+                <a14:useLocalDpi xmlns:a14="http://schemas.microsoft.com/office/drawing/2010/main" val="0"/>
+              </a:ext>
+            </a:extLst>
+          </a:blip>
+          <a:stretch>
+            <a:fillRect/>
+          </a:stretch>
+        </p:blipFill>
+        <p:spPr>
+          <a:xfrm flipH="1">
+            <a:off x="7452320" y="4581128"/>
+            <a:ext cx="1152128" cy="1152128"/>
+          </a:xfrm>
+          <a:prstGeom prst="rect">
+            <a:avLst/>
+          </a:prstGeom>
+        </p:spPr>
+      </p:pic>
     </p:spTree>
     <p:extLst>
       <p:ext uri="{BB962C8B-B14F-4D97-AF65-F5344CB8AC3E}">
@@ -7359,6 +7843,14 @@
                 <a:solidFill>
                   <a:srgbClr val="6ECDD2"/>
                 </a:solidFill>
+                <a:effectLst>
+                  <a:outerShdw blurRad="38100" dist="38100" dir="2700000" algn="tl">
+                    <a:srgbClr val="000000">
+                      <a:alpha val="43137"/>
+                    </a:srgbClr>
+                  </a:outerShdw>
+                </a:effectLst>
+                <a:latin typeface="Calibri" pitchFamily="34" charset="0"/>
               </a:rPr>
               <a:t>Ziel</a:t>
             </a:r>
@@ -7707,6 +8199,13 @@
                 <a:solidFill>
                   <a:srgbClr val="6ECDD2"/>
                 </a:solidFill>
+                <a:effectLst>
+                  <a:outerShdw blurRad="38100" dist="38100" dir="2700000" algn="tl">
+                    <a:srgbClr val="000000">
+                      <a:alpha val="43137"/>
+                    </a:srgbClr>
+                  </a:outerShdw>
+                </a:effectLst>
               </a:rPr>
               <a:t>Gemeinsame Verantwortungen:</a:t>
             </a:r>
@@ -7715,6 +8214,13 @@
                 <a:solidFill>
                   <a:srgbClr val="6ECDD2"/>
                 </a:solidFill>
+                <a:effectLst>
+                  <a:outerShdw blurRad="38100" dist="38100" dir="2700000" algn="tl">
+                    <a:srgbClr val="000000">
+                      <a:alpha val="43137"/>
+                    </a:srgbClr>
+                  </a:outerShdw>
+                </a:effectLst>
               </a:rPr>
             </a:br>
             <a:r>
@@ -7759,6 +8265,13 @@
                 <a:solidFill>
                   <a:srgbClr val="66DAD7"/>
                 </a:solidFill>
+                <a:effectLst>
+                  <a:outerShdw blurRad="38100" dist="38100" dir="2700000" algn="tl">
+                    <a:srgbClr val="000000">
+                      <a:alpha val="43137"/>
+                    </a:srgbClr>
+                  </a:outerShdw>
+                </a:effectLst>
               </a:rPr>
               <a:t>Projektleitung:</a:t>
             </a:r>
@@ -7816,8 +8329,23 @@
                 <a:solidFill>
                   <a:srgbClr val="6ECDD2"/>
                 </a:solidFill>
+                <a:effectLst>
+                  <a:outerShdw blurRad="38100" dist="38100" dir="2700000" algn="tl">
+                    <a:srgbClr val="000000">
+                      <a:alpha val="43137"/>
+                    </a:srgbClr>
+                  </a:outerShdw>
+                </a:effectLst>
               </a:rPr>
               <a:t>Tests:</a:t>
+            </a:r>
+            <a:r>
+              <a:rPr lang="de-DE" sz="2400" b="1" dirty="0" smtClean="0">
+                <a:solidFill>
+                  <a:srgbClr val="6ECDD2"/>
+                </a:solidFill>
+              </a:rPr>
+              <a:t/>
             </a:r>
             <a:br>
               <a:rPr lang="de-DE" sz="2400" b="1" dirty="0" smtClean="0">
@@ -7833,14 +8361,6 @@
                 </a:solidFill>
               </a:rPr>
               <a:t>Christiane Helmchen</a:t>
-            </a:r>
-            <a:r>
-              <a:rPr lang="de-DE" sz="2400" dirty="0" smtClean="0">
-                <a:solidFill>
-                  <a:schemeClr val="bg1"/>
-                </a:solidFill>
-              </a:rPr>
-              <a:t/>
             </a:r>
             <a:br>
               <a:rPr lang="de-DE" sz="2400" dirty="0" smtClean="0">
@@ -7865,8 +8385,23 @@
                 <a:solidFill>
                   <a:srgbClr val="6ECDD2"/>
                 </a:solidFill>
+                <a:effectLst>
+                  <a:outerShdw blurRad="38100" dist="38100" dir="2700000" algn="tl">
+                    <a:srgbClr val="000000">
+                      <a:alpha val="43137"/>
+                    </a:srgbClr>
+                  </a:outerShdw>
+                </a:effectLst>
               </a:rPr>
               <a:t>Design:</a:t>
+            </a:r>
+            <a:r>
+              <a:rPr lang="de-DE" sz="2400" b="1" dirty="0" smtClean="0">
+                <a:solidFill>
+                  <a:srgbClr val="6ECDD2"/>
+                </a:solidFill>
+              </a:rPr>
+              <a:t/>
             </a:r>
             <a:br>
               <a:rPr lang="de-DE" sz="2400" b="1" dirty="0" smtClean="0">
@@ -8072,30 +8607,6 @@
               <a:rPr lang="de-DE" dirty="0" err="1" smtClean="0">
                 <a:latin typeface="Calibri" pitchFamily="34" charset="0"/>
               </a:rPr>
-              <a:t>Use</a:t>
-            </a:r>
-            <a:r>
-              <a:rPr lang="de-DE" dirty="0" smtClean="0">
-                <a:latin typeface="Calibri" pitchFamily="34" charset="0"/>
-              </a:rPr>
-              <a:t> </a:t>
-            </a:r>
-            <a:r>
-              <a:rPr lang="de-DE" dirty="0" err="1" smtClean="0">
-                <a:latin typeface="Calibri" pitchFamily="34" charset="0"/>
-              </a:rPr>
-              <a:t>case</a:t>
-            </a:r>
-            <a:r>
-              <a:rPr lang="de-DE" dirty="0" smtClean="0">
-                <a:latin typeface="Calibri" pitchFamily="34" charset="0"/>
-              </a:rPr>
-              <a:t> und </a:t>
-            </a:r>
-            <a:r>
-              <a:rPr lang="de-DE" dirty="0" err="1" smtClean="0">
-                <a:latin typeface="Calibri" pitchFamily="34" charset="0"/>
-              </a:rPr>
               <a:t>scope</a:t>
             </a:r>
             <a:endParaRPr lang="de-DE" dirty="0">
@@ -8106,7 +8617,7 @@
       </p:sp>
       <p:pic>
         <p:nvPicPr>
-          <p:cNvPr id="7" name="Grafik 6"/>
+          <p:cNvPr id="2" name="Grafik 1"/>
           <p:cNvPicPr>
             <a:picLocks noChangeAspect="1"/>
           </p:cNvPicPr>
@@ -8126,8 +8637,8 @@
         </p:blipFill>
         <p:spPr>
           <a:xfrm>
-            <a:off x="1619672" y="1599919"/>
-            <a:ext cx="6102358" cy="4925425"/>
+            <a:off x="2116806" y="1628800"/>
+            <a:ext cx="4910389" cy="4851307"/>
           </a:xfrm>
           <a:prstGeom prst="rect">
             <a:avLst/>
@@ -8187,6 +8698,401 @@
       </p:grpSpPr>
       <p:sp>
         <p:nvSpPr>
+          <p:cNvPr id="2" name="Titel 1"/>
+          <p:cNvSpPr txBox="1">
+            <a:spLocks/>
+          </p:cNvSpPr>
+          <p:nvPr/>
+        </p:nvSpPr>
+        <p:spPr>
+          <a:xfrm>
+            <a:off x="539552" y="260648"/>
+            <a:ext cx="6172200" cy="1008112"/>
+          </a:xfrm>
+          <a:prstGeom prst="rect">
+            <a:avLst/>
+          </a:prstGeom>
+        </p:spPr>
+        <p:txBody>
+          <a:bodyPr vert="horz" lIns="91440" tIns="45720" rIns="91440" bIns="45720" rtlCol="0" anchor="t">
+            <a:noAutofit/>
+          </a:bodyPr>
+          <a:lstStyle>
+            <a:lvl1pPr algn="l" defTabSz="914400" rtl="0" eaLnBrk="1" latinLnBrk="0" hangingPunct="1">
+              <a:spcBef>
+                <a:spcPct val="0"/>
+              </a:spcBef>
+              <a:buNone/>
+              <a:defRPr sz="4800" b="1" kern="1200" cap="all" baseline="0">
+                <a:solidFill>
+                  <a:schemeClr val="tx1"/>
+                </a:solidFill>
+                <a:latin typeface="+mj-lt"/>
+                <a:ea typeface="+mj-ea"/>
+                <a:cs typeface="+mj-cs"/>
+              </a:defRPr>
+            </a:lvl1pPr>
+            <a:lvl2pPr eaLnBrk="1" hangingPunct="1">
+              <a:defRPr>
+                <a:solidFill>
+                  <a:schemeClr val="tx2"/>
+                </a:solidFill>
+              </a:defRPr>
+            </a:lvl2pPr>
+            <a:lvl3pPr eaLnBrk="1" hangingPunct="1">
+              <a:defRPr>
+                <a:solidFill>
+                  <a:schemeClr val="tx2"/>
+                </a:solidFill>
+              </a:defRPr>
+            </a:lvl3pPr>
+            <a:lvl4pPr eaLnBrk="1" hangingPunct="1">
+              <a:defRPr>
+                <a:solidFill>
+                  <a:schemeClr val="tx2"/>
+                </a:solidFill>
+              </a:defRPr>
+            </a:lvl4pPr>
+            <a:lvl5pPr eaLnBrk="1" hangingPunct="1">
+              <a:defRPr>
+                <a:solidFill>
+                  <a:schemeClr val="tx2"/>
+                </a:solidFill>
+              </a:defRPr>
+            </a:lvl5pPr>
+            <a:lvl6pPr eaLnBrk="1" hangingPunct="1">
+              <a:defRPr>
+                <a:solidFill>
+                  <a:schemeClr val="tx2"/>
+                </a:solidFill>
+              </a:defRPr>
+            </a:lvl6pPr>
+            <a:lvl7pPr eaLnBrk="1" hangingPunct="1">
+              <a:defRPr>
+                <a:solidFill>
+                  <a:schemeClr val="tx2"/>
+                </a:solidFill>
+              </a:defRPr>
+            </a:lvl7pPr>
+            <a:lvl8pPr eaLnBrk="1" hangingPunct="1">
+              <a:defRPr>
+                <a:solidFill>
+                  <a:schemeClr val="tx2"/>
+                </a:solidFill>
+              </a:defRPr>
+            </a:lvl8pPr>
+            <a:lvl9pPr eaLnBrk="1" hangingPunct="1">
+              <a:defRPr>
+                <a:solidFill>
+                  <a:schemeClr val="tx2"/>
+                </a:solidFill>
+              </a:defRPr>
+            </a:lvl9pPr>
+          </a:lstStyle>
+          <a:p>
+            <a:r>
+              <a:rPr lang="de-DE" dirty="0" smtClean="0">
+                <a:latin typeface="Calibri" pitchFamily="34" charset="0"/>
+              </a:rPr>
+              <a:t>Außerhalb des </a:t>
+            </a:r>
+            <a:r>
+              <a:rPr lang="de-DE" dirty="0" err="1" smtClean="0">
+                <a:latin typeface="Calibri" pitchFamily="34" charset="0"/>
+              </a:rPr>
+              <a:t>Scope</a:t>
+            </a:r>
+            <a:endParaRPr lang="de-DE" dirty="0">
+              <a:latin typeface="Calibri" pitchFamily="34" charset="0"/>
+            </a:endParaRPr>
+          </a:p>
+        </p:txBody>
+      </p:sp>
+      <p:sp>
+        <p:nvSpPr>
+          <p:cNvPr id="3" name="Textplatzhalter 2"/>
+          <p:cNvSpPr>
+            <a:spLocks noGrp="1"/>
+          </p:cNvSpPr>
+          <p:nvPr>
+            <p:ph type="body" idx="1"/>
+          </p:nvPr>
+        </p:nvSpPr>
+        <p:spPr>
+          <a:xfrm>
+            <a:off x="578903" y="1700808"/>
+            <a:ext cx="7920880" cy="4248472"/>
+          </a:xfrm>
+        </p:spPr>
+        <p:txBody>
+          <a:bodyPr>
+            <a:normAutofit fontScale="92500" lnSpcReduction="10000"/>
+          </a:bodyPr>
+          <a:lstStyle/>
+          <a:p>
+            <a:pPr marL="342900" indent="-342900">
+              <a:buFont typeface="Arial" pitchFamily="34" charset="0"/>
+              <a:buChar char="•"/>
+            </a:pPr>
+            <a:r>
+              <a:rPr lang="de-DE" sz="2600" b="1" dirty="0" smtClean="0">
+                <a:solidFill>
+                  <a:srgbClr val="66DAD7"/>
+                </a:solidFill>
+                <a:effectLst>
+                  <a:outerShdw blurRad="38100" dist="38100" dir="2700000" algn="tl">
+                    <a:srgbClr val="000000">
+                      <a:alpha val="43137"/>
+                    </a:srgbClr>
+                  </a:outerShdw>
+                </a:effectLst>
+                <a:latin typeface="Calibri" pitchFamily="34" charset="0"/>
+              </a:rPr>
+              <a:t>Client-Server:</a:t>
+            </a:r>
+          </a:p>
+          <a:p>
+            <a:pPr marL="800100" lvl="1" indent="-342900">
+              <a:buFont typeface="Arial" pitchFamily="34" charset="0"/>
+              <a:buChar char="•"/>
+            </a:pPr>
+            <a:r>
+              <a:rPr lang="de-DE" sz="2400" dirty="0" smtClean="0">
+                <a:solidFill>
+                  <a:schemeClr val="bg1"/>
+                </a:solidFill>
+                <a:latin typeface="Calibri" pitchFamily="34" charset="0"/>
+              </a:rPr>
+              <a:t>Mitspieler suchen</a:t>
+            </a:r>
+          </a:p>
+          <a:p>
+            <a:pPr marL="800100" lvl="1" indent="-342900">
+              <a:buFont typeface="Arial" pitchFamily="34" charset="0"/>
+              <a:buChar char="•"/>
+            </a:pPr>
+            <a:r>
+              <a:rPr lang="de-DE" sz="2400" dirty="0" smtClean="0">
+                <a:solidFill>
+                  <a:schemeClr val="bg1"/>
+                </a:solidFill>
+                <a:latin typeface="Calibri" pitchFamily="34" charset="0"/>
+              </a:rPr>
+              <a:t>Verbindung zum Server herstellen</a:t>
+            </a:r>
+          </a:p>
+          <a:p>
+            <a:pPr marL="342900" indent="-342900">
+              <a:buFont typeface="Arial" pitchFamily="34" charset="0"/>
+              <a:buChar char="•"/>
+            </a:pPr>
+            <a:r>
+              <a:rPr lang="de-DE" sz="2600" b="1" dirty="0" err="1" smtClean="0">
+                <a:solidFill>
+                  <a:srgbClr val="66DAD7"/>
+                </a:solidFill>
+                <a:effectLst>
+                  <a:outerShdw blurRad="38100" dist="38100" dir="2700000" algn="tl">
+                    <a:srgbClr val="000000">
+                      <a:alpha val="43137"/>
+                    </a:srgbClr>
+                  </a:outerShdw>
+                </a:effectLst>
+                <a:latin typeface="Calibri" pitchFamily="34" charset="0"/>
+              </a:rPr>
+              <a:t>Adminbereich</a:t>
+            </a:r>
+            <a:r>
+              <a:rPr lang="de-DE" sz="2600" b="1" dirty="0" smtClean="0">
+                <a:solidFill>
+                  <a:srgbClr val="66DAD7"/>
+                </a:solidFill>
+                <a:effectLst>
+                  <a:outerShdw blurRad="38100" dist="38100" dir="2700000" algn="tl">
+                    <a:srgbClr val="000000">
+                      <a:alpha val="43137"/>
+                    </a:srgbClr>
+                  </a:outerShdw>
+                </a:effectLst>
+                <a:latin typeface="Calibri" pitchFamily="34" charset="0"/>
+              </a:rPr>
+              <a:t>:</a:t>
+            </a:r>
+          </a:p>
+          <a:p>
+            <a:pPr marL="800100" lvl="1" indent="-342900">
+              <a:buFont typeface="Arial" pitchFamily="34" charset="0"/>
+              <a:buChar char="•"/>
+            </a:pPr>
+            <a:r>
+              <a:rPr lang="de-DE" sz="2400" dirty="0" smtClean="0">
+                <a:solidFill>
+                  <a:schemeClr val="bg1"/>
+                </a:solidFill>
+                <a:latin typeface="Calibri" pitchFamily="34" charset="0"/>
+              </a:rPr>
+              <a:t>Admin-Login</a:t>
+            </a:r>
+          </a:p>
+          <a:p>
+            <a:pPr marL="800100" lvl="1" indent="-342900">
+              <a:buFont typeface="Arial" pitchFamily="34" charset="0"/>
+              <a:buChar char="•"/>
+            </a:pPr>
+            <a:r>
+              <a:rPr lang="de-DE" sz="2400" dirty="0">
+                <a:solidFill>
+                  <a:schemeClr val="bg1"/>
+                </a:solidFill>
+                <a:latin typeface="Calibri" pitchFamily="34" charset="0"/>
+              </a:rPr>
+              <a:t>Sehenswürdigkeit einfügen/bearbeiten/löschen</a:t>
+            </a:r>
+          </a:p>
+          <a:p>
+            <a:pPr marL="342900" indent="-342900">
+              <a:buFont typeface="Arial" pitchFamily="34" charset="0"/>
+              <a:buChar char="•"/>
+            </a:pPr>
+            <a:r>
+              <a:rPr lang="de-DE" sz="2600" b="1" dirty="0" smtClean="0">
+                <a:solidFill>
+                  <a:srgbClr val="66DAD7"/>
+                </a:solidFill>
+                <a:effectLst>
+                  <a:outerShdw blurRad="38100" dist="38100" dir="2700000" algn="tl">
+                    <a:srgbClr val="000000">
+                      <a:alpha val="43137"/>
+                    </a:srgbClr>
+                  </a:outerShdw>
+                </a:effectLst>
+                <a:latin typeface="Calibri" pitchFamily="34" charset="0"/>
+              </a:rPr>
+              <a:t>KI:</a:t>
+            </a:r>
+          </a:p>
+          <a:p>
+            <a:pPr marL="800100" lvl="1" indent="-342900">
+              <a:buFont typeface="Arial" pitchFamily="34" charset="0"/>
+              <a:buChar char="•"/>
+            </a:pPr>
+            <a:r>
+              <a:rPr lang="de-DE" sz="2400" dirty="0">
+                <a:solidFill>
+                  <a:schemeClr val="bg1"/>
+                </a:solidFill>
+                <a:latin typeface="Calibri" pitchFamily="34" charset="0"/>
+              </a:rPr>
+              <a:t>Spielzug ausführen</a:t>
+            </a:r>
+          </a:p>
+          <a:p>
+            <a:pPr marL="342900" indent="-342900">
+              <a:buFont typeface="Arial" pitchFamily="34" charset="0"/>
+              <a:buChar char="•"/>
+            </a:pPr>
+            <a:r>
+              <a:rPr lang="de-DE" sz="2600" b="1" dirty="0" smtClean="0">
+                <a:solidFill>
+                  <a:srgbClr val="66DAD7"/>
+                </a:solidFill>
+                <a:effectLst>
+                  <a:outerShdw blurRad="38100" dist="38100" dir="2700000" algn="tl">
+                    <a:srgbClr val="000000">
+                      <a:alpha val="43137"/>
+                    </a:srgbClr>
+                  </a:outerShdw>
+                </a:effectLst>
+                <a:latin typeface="Calibri" pitchFamily="34" charset="0"/>
+              </a:rPr>
+              <a:t>Animation:</a:t>
+            </a:r>
+          </a:p>
+          <a:p>
+            <a:pPr marL="800100" lvl="1" indent="-342900">
+              <a:buFont typeface="Arial" pitchFamily="34" charset="0"/>
+              <a:buChar char="•"/>
+            </a:pPr>
+            <a:r>
+              <a:rPr lang="de-DE" sz="2400" dirty="0" smtClean="0">
+                <a:solidFill>
+                  <a:schemeClr val="bg1"/>
+                </a:solidFill>
+                <a:latin typeface="Calibri" pitchFamily="34" charset="0"/>
+              </a:rPr>
+              <a:t>Mögliche Wege für Spielfigur vorschlagen</a:t>
+            </a:r>
+          </a:p>
+          <a:p>
+            <a:pPr marL="800100" lvl="1" indent="-342900">
+              <a:buFont typeface="Arial" pitchFamily="34" charset="0"/>
+              <a:buChar char="•"/>
+            </a:pPr>
+            <a:r>
+              <a:rPr lang="de-DE" sz="2400" dirty="0" smtClean="0">
+                <a:solidFill>
+                  <a:schemeClr val="bg1"/>
+                </a:solidFill>
+                <a:latin typeface="Calibri" pitchFamily="34" charset="0"/>
+              </a:rPr>
+              <a:t>Spielzug/-platten animieren</a:t>
+            </a:r>
+          </a:p>
+        </p:txBody>
+      </p:sp>
+    </p:spTree>
+    <p:extLst>
+      <p:ext uri="{BB962C8B-B14F-4D97-AF65-F5344CB8AC3E}">
+        <p14:creationId xmlns:p14="http://schemas.microsoft.com/office/powerpoint/2010/main" val="22276255"/>
+      </p:ext>
+    </p:extLst>
+  </p:cSld>
+  <p:clrMapOvr>
+    <a:masterClrMapping/>
+  </p:clrMapOvr>
+  <p:timing>
+    <p:tnLst>
+      <p:par>
+        <p:cTn id="1" dur="indefinite" restart="never" nodeType="tmRoot"/>
+      </p:par>
+    </p:tnLst>
+  </p:timing>
+</p:sld>
+</file>
+
+<file path=ppt/slides/slide6.xml><?xml version="1.0" encoding="utf-8"?>
+<p:sld xmlns:a="http://schemas.openxmlformats.org/drawingml/2006/main" xmlns:r="http://schemas.openxmlformats.org/officeDocument/2006/relationships" xmlns:p="http://schemas.openxmlformats.org/presentationml/2006/main">
+  <p:cSld>
+    <p:bg>
+      <p:bgPr>
+        <a:blipFill dpi="0" rotWithShape="1">
+          <a:blip r:embed="rId2">
+            <a:lum/>
+          </a:blip>
+          <a:srcRect/>
+          <a:stretch>
+            <a:fillRect/>
+          </a:stretch>
+        </a:blipFill>
+        <a:effectLst/>
+      </p:bgPr>
+    </p:bg>
+    <p:spTree>
+      <p:nvGrpSpPr>
+        <p:cNvPr id="1" name=""/>
+        <p:cNvGrpSpPr/>
+        <p:nvPr/>
+      </p:nvGrpSpPr>
+      <p:grpSpPr>
+        <a:xfrm>
+          <a:off x="0" y="0"/>
+          <a:ext cx="0" cy="0"/>
+          <a:chOff x="0" y="0"/>
+          <a:chExt cx="0" cy="0"/>
+        </a:xfrm>
+      </p:grpSpPr>
+      <p:sp>
+        <p:nvSpPr>
           <p:cNvPr id="4" name="Textplatzhalter 2"/>
           <p:cNvSpPr>
             <a:spLocks noGrp="1"/>
@@ -8212,6 +9118,13 @@
                 <a:solidFill>
                   <a:srgbClr val="66DAD7"/>
                 </a:solidFill>
+                <a:effectLst>
+                  <a:outerShdw blurRad="38100" dist="38100" dir="2700000" algn="tl">
+                    <a:srgbClr val="000000">
+                      <a:alpha val="43137"/>
+                    </a:srgbClr>
+                  </a:outerShdw>
+                </a:effectLst>
                 <a:latin typeface="Calibri" pitchFamily="34" charset="0"/>
               </a:rPr>
               <a:t>Spieler </a:t>
@@ -8221,16 +9134,17 @@
                 <a:solidFill>
                   <a:srgbClr val="66DAD7"/>
                 </a:solidFill>
+                <a:effectLst>
+                  <a:outerShdw blurRad="38100" dist="38100" dir="2700000" algn="tl">
+                    <a:srgbClr val="000000">
+                      <a:alpha val="43137"/>
+                    </a:srgbClr>
+                  </a:outerShdw>
+                </a:effectLst>
                 <a:latin typeface="Calibri" pitchFamily="34" charset="0"/>
               </a:rPr>
               <a:t>erstellen</a:t>
             </a:r>
-            <a:endParaRPr lang="de-DE" sz="3200" b="1" dirty="0" smtClean="0">
-              <a:solidFill>
-                <a:srgbClr val="66DAD7"/>
-              </a:solidFill>
-              <a:latin typeface="Calibri" pitchFamily="34" charset="0"/>
-            </a:endParaRPr>
           </a:p>
           <a:p>
             <a:r>
@@ -8481,8 +9395,8 @@
           </a:stretch>
         </p:blipFill>
         <p:spPr>
-          <a:xfrm>
-            <a:off x="2627784" y="4648592"/>
+          <a:xfrm flipH="1">
+            <a:off x="2664925" y="4685733"/>
             <a:ext cx="754947" cy="754947"/>
           </a:xfrm>
           <a:prstGeom prst="rect">
@@ -8511,7 +9425,7 @@
           </a:stretch>
         </p:blipFill>
         <p:spPr>
-          <a:xfrm>
+          <a:xfrm flipH="1">
             <a:off x="3877342" y="4606550"/>
             <a:ext cx="838674" cy="838674"/>
           </a:xfrm>
@@ -8524,216 +9438,6 @@
     <p:extLst>
       <p:ext uri="{BB962C8B-B14F-4D97-AF65-F5344CB8AC3E}">
         <p14:creationId xmlns:p14="http://schemas.microsoft.com/office/powerpoint/2010/main" val="3529303053"/>
-      </p:ext>
-    </p:extLst>
-  </p:cSld>
-  <p:clrMapOvr>
-    <a:masterClrMapping/>
-  </p:clrMapOvr>
-  <p:timing>
-    <p:tnLst>
-      <p:par>
-        <p:cTn id="1" dur="indefinite" restart="never" nodeType="tmRoot"/>
-      </p:par>
-    </p:tnLst>
-  </p:timing>
-</p:sld>
-</file>
-
-<file path=ppt/slides/slide6.xml><?xml version="1.0" encoding="utf-8"?>
-<p:sld xmlns:a="http://schemas.openxmlformats.org/drawingml/2006/main" xmlns:r="http://schemas.openxmlformats.org/officeDocument/2006/relationships" xmlns:p="http://schemas.openxmlformats.org/presentationml/2006/main">
-  <p:cSld>
-    <p:bg>
-      <p:bgPr>
-        <a:blipFill dpi="0" rotWithShape="1">
-          <a:blip r:embed="rId2">
-            <a:lum/>
-          </a:blip>
-          <a:srcRect/>
-          <a:stretch>
-            <a:fillRect/>
-          </a:stretch>
-        </a:blipFill>
-        <a:effectLst/>
-      </p:bgPr>
-    </p:bg>
-    <p:spTree>
-      <p:nvGrpSpPr>
-        <p:cNvPr id="1" name=""/>
-        <p:cNvGrpSpPr/>
-        <p:nvPr/>
-      </p:nvGrpSpPr>
-      <p:grpSpPr>
-        <a:xfrm>
-          <a:off x="0" y="0"/>
-          <a:ext cx="0" cy="0"/>
-          <a:chOff x="0" y="0"/>
-          <a:chExt cx="0" cy="0"/>
-        </a:xfrm>
-      </p:grpSpPr>
-      <p:sp>
-        <p:nvSpPr>
-          <p:cNvPr id="5" name="Titel 1"/>
-          <p:cNvSpPr txBox="1">
-            <a:spLocks/>
-          </p:cNvSpPr>
-          <p:nvPr/>
-        </p:nvSpPr>
-        <p:spPr>
-          <a:xfrm>
-            <a:off x="539552" y="260648"/>
-            <a:ext cx="8424936" cy="1008112"/>
-          </a:xfrm>
-          <a:prstGeom prst="rect">
-            <a:avLst/>
-          </a:prstGeom>
-        </p:spPr>
-        <p:txBody>
-          <a:bodyPr vert="horz" lIns="91440" tIns="45720" rIns="91440" bIns="45720" rtlCol="0" anchor="t">
-            <a:noAutofit/>
-          </a:bodyPr>
-          <a:lstStyle>
-            <a:lvl1pPr algn="l" defTabSz="914400" rtl="0" eaLnBrk="1" latinLnBrk="0" hangingPunct="1">
-              <a:spcBef>
-                <a:spcPct val="0"/>
-              </a:spcBef>
-              <a:buNone/>
-              <a:defRPr sz="4800" b="1" kern="1200" cap="all" baseline="0">
-                <a:solidFill>
-                  <a:schemeClr val="tx1"/>
-                </a:solidFill>
-                <a:latin typeface="+mj-lt"/>
-                <a:ea typeface="+mj-ea"/>
-                <a:cs typeface="+mj-cs"/>
-              </a:defRPr>
-            </a:lvl1pPr>
-            <a:lvl2pPr eaLnBrk="1" hangingPunct="1">
-              <a:defRPr>
-                <a:solidFill>
-                  <a:schemeClr val="tx2"/>
-                </a:solidFill>
-              </a:defRPr>
-            </a:lvl2pPr>
-            <a:lvl3pPr eaLnBrk="1" hangingPunct="1">
-              <a:defRPr>
-                <a:solidFill>
-                  <a:schemeClr val="tx2"/>
-                </a:solidFill>
-              </a:defRPr>
-            </a:lvl3pPr>
-            <a:lvl4pPr eaLnBrk="1" hangingPunct="1">
-              <a:defRPr>
-                <a:solidFill>
-                  <a:schemeClr val="tx2"/>
-                </a:solidFill>
-              </a:defRPr>
-            </a:lvl4pPr>
-            <a:lvl5pPr eaLnBrk="1" hangingPunct="1">
-              <a:defRPr>
-                <a:solidFill>
-                  <a:schemeClr val="tx2"/>
-                </a:solidFill>
-              </a:defRPr>
-            </a:lvl5pPr>
-            <a:lvl6pPr eaLnBrk="1" hangingPunct="1">
-              <a:defRPr>
-                <a:solidFill>
-                  <a:schemeClr val="tx2"/>
-                </a:solidFill>
-              </a:defRPr>
-            </a:lvl6pPr>
-            <a:lvl7pPr eaLnBrk="1" hangingPunct="1">
-              <a:defRPr>
-                <a:solidFill>
-                  <a:schemeClr val="tx2"/>
-                </a:solidFill>
-              </a:defRPr>
-            </a:lvl7pPr>
-            <a:lvl8pPr eaLnBrk="1" hangingPunct="1">
-              <a:defRPr>
-                <a:solidFill>
-                  <a:schemeClr val="tx2"/>
-                </a:solidFill>
-              </a:defRPr>
-            </a:lvl8pPr>
-            <a:lvl9pPr eaLnBrk="1" hangingPunct="1">
-              <a:defRPr>
-                <a:solidFill>
-                  <a:schemeClr val="tx2"/>
-                </a:solidFill>
-              </a:defRPr>
-            </a:lvl9pPr>
-          </a:lstStyle>
-          <a:p>
-            <a:r>
-              <a:rPr lang="de-DE" dirty="0" err="1" smtClean="0">
-                <a:latin typeface="Calibri" pitchFamily="34" charset="0"/>
-              </a:rPr>
-              <a:t>Activity</a:t>
-            </a:r>
-            <a:r>
-              <a:rPr lang="de-DE" dirty="0" smtClean="0">
-                <a:latin typeface="Calibri" pitchFamily="34" charset="0"/>
-              </a:rPr>
-              <a:t> </a:t>
-            </a:r>
-            <a:r>
-              <a:rPr lang="de-DE" dirty="0" err="1" smtClean="0">
-                <a:latin typeface="Calibri" pitchFamily="34" charset="0"/>
-              </a:rPr>
-              <a:t>diagramm</a:t>
-            </a:r>
-            <a:endParaRPr lang="de-DE" dirty="0">
-              <a:latin typeface="Calibri" pitchFamily="34" charset="0"/>
-            </a:endParaRPr>
-          </a:p>
-        </p:txBody>
-      </p:sp>
-      <p:pic>
-        <p:nvPicPr>
-          <p:cNvPr id="6" name="Picture 2" descr="C:\Users\Yvonne\Documents\GitHub\DieVerrueckteSightseeingtour\Documentation\UseCasesAndScope\Activity-Diagrams\spieler_erstellen.jpg"/>
-          <p:cNvPicPr>
-            <a:picLocks noChangeAspect="1" noChangeArrowheads="1"/>
-          </p:cNvPicPr>
-          <p:nvPr/>
-        </p:nvPicPr>
-        <p:blipFill>
-          <a:blip r:embed="rId3">
-            <a:extLst>
-              <a:ext uri="{28A0092B-C50C-407E-A947-70E740481C1C}">
-                <a14:useLocalDpi xmlns:a14="http://schemas.microsoft.com/office/drawing/2010/main" val="0"/>
-              </a:ext>
-            </a:extLst>
-          </a:blip>
-          <a:srcRect/>
-          <a:stretch>
-            <a:fillRect/>
-          </a:stretch>
-        </p:blipFill>
-        <p:spPr bwMode="auto">
-          <a:xfrm>
-            <a:off x="1271230" y="1700808"/>
-            <a:ext cx="6325106" cy="4752528"/>
-          </a:xfrm>
-          <a:prstGeom prst="rect">
-            <a:avLst/>
-          </a:prstGeom>
-          <a:noFill/>
-          <a:extLst>
-            <a:ext uri="{909E8E84-426E-40DD-AFC4-6F175D3DCCD1}">
-              <a14:hiddenFill xmlns:a14="http://schemas.microsoft.com/office/drawing/2010/main">
-                <a:solidFill>
-                  <a:srgbClr val="FFFFFF"/>
-                </a:solidFill>
-              </a14:hiddenFill>
-            </a:ext>
-          </a:extLst>
-        </p:spPr>
-      </p:pic>
-    </p:spTree>
-    <p:extLst>
-      <p:ext uri="{BB962C8B-B14F-4D97-AF65-F5344CB8AC3E}">
-        <p14:creationId xmlns:p14="http://schemas.microsoft.com/office/powerpoint/2010/main" val="2714676926"/>
       </p:ext>
     </p:extLst>
   </p:cSld>
@@ -8792,7 +9496,7 @@
         <p:spPr>
           <a:xfrm>
             <a:off x="539552" y="260648"/>
-            <a:ext cx="7920880" cy="1008112"/>
+            <a:ext cx="8424936" cy="1008112"/>
           </a:xfrm>
           <a:prstGeom prst="rect">
             <a:avLst/>
@@ -8876,11 +9580,26 @@
           </a:lstStyle>
           <a:p>
             <a:r>
-              <a:rPr lang="de-DE" dirty="0">
+              <a:rPr lang="de-DE" dirty="0" err="1" smtClean="0">
                 <a:latin typeface="Calibri" pitchFamily="34" charset="0"/>
               </a:rPr>
-              <a:t>Architekturmodell</a:t>
-            </a:r>
+              <a:t>Activity</a:t>
+            </a:r>
+            <a:r>
+              <a:rPr lang="de-DE" dirty="0" smtClean="0">
+                <a:latin typeface="Calibri" pitchFamily="34" charset="0"/>
+              </a:rPr>
+              <a:t> </a:t>
+            </a:r>
+            <a:r>
+              <a:rPr lang="de-DE" dirty="0" err="1" smtClean="0">
+                <a:latin typeface="Calibri" pitchFamily="34" charset="0"/>
+              </a:rPr>
+              <a:t>diagramm</a:t>
+            </a:r>
+            <a:endParaRPr lang="de-DE" dirty="0">
+              <a:latin typeface="Calibri" pitchFamily="34" charset="0"/>
+            </a:endParaRPr>
           </a:p>
         </p:txBody>
       </p:sp>
@@ -8906,8 +9625,8 @@
         </p:blipFill>
         <p:spPr>
           <a:xfrm>
-            <a:off x="-36512" y="1628800"/>
-            <a:ext cx="9144000" cy="4743285"/>
+            <a:off x="1322339" y="1628800"/>
+            <a:ext cx="6499323" cy="4851408"/>
           </a:xfrm>
           <a:prstGeom prst="rect">
             <a:avLst/>
@@ -8917,7 +9636,7 @@
     </p:spTree>
     <p:extLst>
       <p:ext uri="{BB962C8B-B14F-4D97-AF65-F5344CB8AC3E}">
-        <p14:creationId xmlns:p14="http://schemas.microsoft.com/office/powerpoint/2010/main" val="2939366223"/>
+        <p14:creationId xmlns:p14="http://schemas.microsoft.com/office/powerpoint/2010/main" val="2714676926"/>
       </p:ext>
     </p:extLst>
   </p:cSld>
@@ -8967,298 +9686,6 @@
       </p:grpSpPr>
       <p:sp>
         <p:nvSpPr>
-          <p:cNvPr id="4" name="Textplatzhalter 2"/>
-          <p:cNvSpPr>
-            <a:spLocks noGrp="1"/>
-          </p:cNvSpPr>
-          <p:nvPr>
-            <p:ph type="body" idx="1"/>
-          </p:nvPr>
-        </p:nvSpPr>
-        <p:spPr>
-          <a:xfrm>
-            <a:off x="539552" y="1700808"/>
-            <a:ext cx="7848872" cy="4392488"/>
-          </a:xfrm>
-        </p:spPr>
-        <p:txBody>
-          <a:bodyPr>
-            <a:normAutofit lnSpcReduction="10000"/>
-          </a:bodyPr>
-          <a:lstStyle/>
-          <a:p>
-            <a:pPr marL="285750" indent="-285750">
-              <a:buFont typeface="Arial" pitchFamily="34" charset="0"/>
-              <a:buChar char="•"/>
-            </a:pPr>
-            <a:r>
-              <a:rPr lang="de-DE" sz="2800" b="1" dirty="0" smtClean="0">
-                <a:solidFill>
-                  <a:srgbClr val="6ECDD2"/>
-                </a:solidFill>
-              </a:rPr>
-              <a:t>Projektmanagement:</a:t>
-            </a:r>
-            <a:br>
-              <a:rPr lang="de-DE" sz="2800" b="1" dirty="0" smtClean="0">
-                <a:solidFill>
-                  <a:srgbClr val="6ECDD2"/>
-                </a:solidFill>
-              </a:rPr>
-            </a:br>
-            <a:r>
-              <a:rPr lang="de-DE" sz="2800" dirty="0" err="1" smtClean="0">
-                <a:solidFill>
-                  <a:schemeClr val="bg1"/>
-                </a:solidFill>
-              </a:rPr>
-              <a:t>Jira</a:t>
-            </a:r>
-            <a:r>
-              <a:rPr lang="de-DE" sz="2800" dirty="0" smtClean="0">
-                <a:solidFill>
-                  <a:schemeClr val="bg1"/>
-                </a:solidFill>
-              </a:rPr>
-              <a:t> </a:t>
-            </a:r>
-            <a:r>
-              <a:rPr lang="de-DE" sz="2800" dirty="0" smtClean="0">
-                <a:solidFill>
-                  <a:schemeClr val="bg1"/>
-                </a:solidFill>
-              </a:rPr>
-              <a:t>+ </a:t>
-            </a:r>
-            <a:r>
-              <a:rPr lang="de-DE" sz="2800" dirty="0" err="1" smtClean="0">
-                <a:solidFill>
-                  <a:schemeClr val="bg1"/>
-                </a:solidFill>
-              </a:rPr>
-              <a:t>MSProject</a:t>
-            </a:r>
-            <a:endParaRPr lang="de-DE" sz="2800" dirty="0">
-              <a:solidFill>
-                <a:schemeClr val="bg1"/>
-              </a:solidFill>
-            </a:endParaRPr>
-          </a:p>
-          <a:p>
-            <a:pPr marL="285750" indent="-285750">
-              <a:buFont typeface="Arial" pitchFamily="34" charset="0"/>
-              <a:buChar char="•"/>
-            </a:pPr>
-            <a:r>
-              <a:rPr lang="de-DE" sz="2800" b="1" dirty="0" smtClean="0">
-                <a:solidFill>
-                  <a:srgbClr val="6ECDD2"/>
-                </a:solidFill>
-              </a:rPr>
-              <a:t>Versionskontrolle:</a:t>
-            </a:r>
-            <a:br>
-              <a:rPr lang="de-DE" sz="2800" b="1" dirty="0" smtClean="0">
-                <a:solidFill>
-                  <a:srgbClr val="6ECDD2"/>
-                </a:solidFill>
-              </a:rPr>
-            </a:br>
-            <a:r>
-              <a:rPr lang="de-DE" sz="2800" dirty="0" err="1" smtClean="0">
-                <a:solidFill>
-                  <a:schemeClr val="bg1"/>
-                </a:solidFill>
-              </a:rPr>
-              <a:t>Git</a:t>
-            </a:r>
-            <a:endParaRPr lang="de-DE" sz="2800" dirty="0">
-              <a:solidFill>
-                <a:schemeClr val="bg1"/>
-              </a:solidFill>
-            </a:endParaRPr>
-          </a:p>
-          <a:p>
-            <a:pPr marL="285750" indent="-285750">
-              <a:buFont typeface="Arial" pitchFamily="34" charset="0"/>
-              <a:buChar char="•"/>
-            </a:pPr>
-            <a:r>
-              <a:rPr lang="de-DE" sz="2800" b="1" dirty="0" err="1" smtClean="0">
-                <a:solidFill>
-                  <a:srgbClr val="6ECDD2"/>
-                </a:solidFill>
-              </a:rPr>
-              <a:t>Metri</a:t>
-            </a:r>
-            <a:r>
-              <a:rPr lang="de-DE" sz="2800" b="1" dirty="0" err="1">
-                <a:solidFill>
-                  <a:srgbClr val="6ECDD2"/>
-                </a:solidFill>
-              </a:rPr>
-              <a:t>k</a:t>
-            </a:r>
-            <a:r>
-              <a:rPr lang="de-DE" sz="2800" b="1" dirty="0" err="1" smtClean="0">
-                <a:solidFill>
-                  <a:srgbClr val="6ECDD2"/>
-                </a:solidFill>
-              </a:rPr>
-              <a:t>analyse</a:t>
-            </a:r>
-            <a:r>
-              <a:rPr lang="de-DE" sz="2800" b="1" dirty="0" smtClean="0">
-                <a:solidFill>
-                  <a:srgbClr val="6ECDD2"/>
-                </a:solidFill>
-              </a:rPr>
-              <a:t> &amp; Codequalität:</a:t>
-            </a:r>
-            <a:br>
-              <a:rPr lang="de-DE" sz="2800" b="1" dirty="0" smtClean="0">
-                <a:solidFill>
-                  <a:srgbClr val="6ECDD2"/>
-                </a:solidFill>
-              </a:rPr>
-            </a:br>
-            <a:r>
-              <a:rPr lang="de-DE" sz="2800" dirty="0" smtClean="0">
-                <a:solidFill>
-                  <a:schemeClr val="bg1"/>
-                </a:solidFill>
-              </a:rPr>
-              <a:t>Sonar</a:t>
-            </a:r>
-            <a:endParaRPr lang="de-DE" sz="2800" dirty="0">
-              <a:solidFill>
-                <a:schemeClr val="bg1"/>
-              </a:solidFill>
-            </a:endParaRPr>
-          </a:p>
-          <a:p>
-            <a:pPr marL="285750" indent="-285750">
-              <a:buFont typeface="Arial" pitchFamily="34" charset="0"/>
-              <a:buChar char="•"/>
-            </a:pPr>
-            <a:r>
-              <a:rPr lang="de-DE" sz="2800" b="1" dirty="0" smtClean="0">
-                <a:solidFill>
-                  <a:srgbClr val="6ECDD2"/>
-                </a:solidFill>
-              </a:rPr>
-              <a:t>Testabdeckung:</a:t>
-            </a:r>
-            <a:br>
-              <a:rPr lang="de-DE" sz="2800" b="1" dirty="0" smtClean="0">
-                <a:solidFill>
-                  <a:srgbClr val="6ECDD2"/>
-                </a:solidFill>
-              </a:rPr>
-            </a:br>
-            <a:r>
-              <a:rPr lang="de-DE" sz="2800" dirty="0" smtClean="0">
-                <a:solidFill>
-                  <a:schemeClr val="bg1"/>
-                </a:solidFill>
-              </a:rPr>
-              <a:t>Emma</a:t>
-            </a:r>
-            <a:endParaRPr lang="de-DE" sz="2800" dirty="0">
-              <a:solidFill>
-                <a:schemeClr val="bg1"/>
-              </a:solidFill>
-            </a:endParaRPr>
-          </a:p>
-          <a:p>
-            <a:pPr marL="285750" indent="-285750">
-              <a:buFont typeface="Arial" pitchFamily="34" charset="0"/>
-              <a:buChar char="•"/>
-            </a:pPr>
-            <a:r>
-              <a:rPr lang="de-DE" sz="2800" b="1" dirty="0" smtClean="0">
-                <a:solidFill>
-                  <a:srgbClr val="6ECDD2"/>
-                </a:solidFill>
-              </a:rPr>
-              <a:t>Tests:</a:t>
-            </a:r>
-            <a:r>
-              <a:rPr lang="de-DE" sz="2800" b="1" dirty="0">
-                <a:solidFill>
-                  <a:srgbClr val="6ECDD2"/>
-                </a:solidFill>
-              </a:rPr>
-              <a:t/>
-            </a:r>
-            <a:br>
-              <a:rPr lang="de-DE" sz="2800" b="1" dirty="0">
-                <a:solidFill>
-                  <a:srgbClr val="6ECDD2"/>
-                </a:solidFill>
-              </a:rPr>
-            </a:br>
-            <a:r>
-              <a:rPr lang="de-DE" sz="2800" dirty="0" err="1" smtClean="0">
-                <a:solidFill>
-                  <a:schemeClr val="bg1"/>
-                </a:solidFill>
-              </a:rPr>
-              <a:t>JUnit</a:t>
-            </a:r>
-            <a:r>
-              <a:rPr lang="de-DE" sz="2800" dirty="0">
-                <a:solidFill>
-                  <a:schemeClr val="bg1"/>
-                </a:solidFill>
-              </a:rPr>
-              <a:t> </a:t>
-            </a:r>
-            <a:r>
-              <a:rPr lang="de-DE" sz="2800" dirty="0" smtClean="0">
-                <a:solidFill>
-                  <a:schemeClr val="bg1"/>
-                </a:solidFill>
-              </a:rPr>
-              <a:t>&amp; </a:t>
-            </a:r>
-            <a:r>
-              <a:rPr lang="de-DE" sz="2800" dirty="0" err="1" smtClean="0">
-                <a:solidFill>
-                  <a:schemeClr val="bg1"/>
-                </a:solidFill>
-              </a:rPr>
-              <a:t>Calabash</a:t>
-            </a:r>
-            <a:r>
-              <a:rPr lang="de-DE" sz="2800" dirty="0" smtClean="0">
-                <a:solidFill>
-                  <a:schemeClr val="bg1"/>
-                </a:solidFill>
-              </a:rPr>
-              <a:t> </a:t>
-            </a:r>
-            <a:r>
-              <a:rPr lang="de-DE" sz="2800" dirty="0" err="1" smtClean="0">
-                <a:solidFill>
-                  <a:schemeClr val="bg1"/>
-                </a:solidFill>
-              </a:rPr>
-              <a:t>Android</a:t>
-            </a:r>
-            <a:r>
-              <a:rPr lang="de-DE" sz="2800" b="1" dirty="0" smtClean="0">
-                <a:solidFill>
-                  <a:srgbClr val="6ECDD2"/>
-                </a:solidFill>
-              </a:rPr>
-              <a:t> </a:t>
-            </a:r>
-          </a:p>
-        </p:txBody>
-      </p:sp>
-      <p:sp>
-        <p:nvSpPr>
           <p:cNvPr id="5" name="Titel 1"/>
           <p:cNvSpPr txBox="1">
             <a:spLocks/>
@@ -9268,7 +9695,7 @@
         <p:spPr>
           <a:xfrm>
             <a:off x="539552" y="260648"/>
-            <a:ext cx="6172200" cy="1008112"/>
+            <a:ext cx="7920880" cy="1008112"/>
           </a:xfrm>
           <a:prstGeom prst="rect">
             <a:avLst/>
@@ -9355,7 +9782,7 @@
               <a:rPr lang="de-DE" dirty="0">
                 <a:latin typeface="Calibri" pitchFamily="34" charset="0"/>
               </a:rPr>
-              <a:t>Verwendete Tools</a:t>
+              <a:t>Architekturmodell</a:t>
             </a:r>
           </a:p>
         </p:txBody>
@@ -9363,7 +9790,7 @@
     </p:spTree>
     <p:extLst>
       <p:ext uri="{BB962C8B-B14F-4D97-AF65-F5344CB8AC3E}">
-        <p14:creationId xmlns:p14="http://schemas.microsoft.com/office/powerpoint/2010/main" val="1426639316"/>
+        <p14:creationId xmlns:p14="http://schemas.microsoft.com/office/powerpoint/2010/main" val="2939366223"/>
       </p:ext>
     </p:extLst>
   </p:cSld>
@@ -9413,6 +9840,413 @@
       </p:grpSpPr>
       <p:sp>
         <p:nvSpPr>
+          <p:cNvPr id="4" name="Textplatzhalter 2"/>
+          <p:cNvSpPr>
+            <a:spLocks noGrp="1"/>
+          </p:cNvSpPr>
+          <p:nvPr>
+            <p:ph type="body" idx="1"/>
+          </p:nvPr>
+        </p:nvSpPr>
+        <p:spPr>
+          <a:xfrm>
+            <a:off x="539552" y="1700808"/>
+            <a:ext cx="7848872" cy="4392488"/>
+          </a:xfrm>
+        </p:spPr>
+        <p:txBody>
+          <a:bodyPr>
+            <a:normAutofit lnSpcReduction="10000"/>
+          </a:bodyPr>
+          <a:lstStyle/>
+          <a:p>
+            <a:pPr marL="285750" indent="-285750">
+              <a:buFont typeface="Arial" pitchFamily="34" charset="0"/>
+              <a:buChar char="•"/>
+            </a:pPr>
+            <a:r>
+              <a:rPr lang="de-DE" sz="2800" b="1" dirty="0" smtClean="0">
+                <a:solidFill>
+                  <a:srgbClr val="6ECDD2"/>
+                </a:solidFill>
+                <a:effectLst>
+                  <a:outerShdw blurRad="38100" dist="38100" dir="2700000" algn="tl">
+                    <a:srgbClr val="000000">
+                      <a:alpha val="43137"/>
+                    </a:srgbClr>
+                  </a:outerShdw>
+                </a:effectLst>
+                <a:latin typeface="Calibri" pitchFamily="34" charset="0"/>
+              </a:rPr>
+              <a:t>Projektmanagement:</a:t>
+            </a:r>
+            <a:r>
+              <a:rPr lang="de-DE" sz="2800" b="1" dirty="0" smtClean="0">
+                <a:solidFill>
+                  <a:srgbClr val="6ECDD2"/>
+                </a:solidFill>
+                <a:latin typeface="Calibri" pitchFamily="34" charset="0"/>
+              </a:rPr>
+              <a:t/>
+            </a:r>
+            <a:br>
+              <a:rPr lang="de-DE" sz="2800" b="1" dirty="0" smtClean="0">
+                <a:solidFill>
+                  <a:srgbClr val="6ECDD2"/>
+                </a:solidFill>
+                <a:latin typeface="Calibri" pitchFamily="34" charset="0"/>
+              </a:rPr>
+            </a:br>
+            <a:r>
+              <a:rPr lang="de-DE" sz="2800" dirty="0" err="1" smtClean="0">
+                <a:solidFill>
+                  <a:schemeClr val="bg1"/>
+                </a:solidFill>
+                <a:latin typeface="Calibri" pitchFamily="34" charset="0"/>
+              </a:rPr>
+              <a:t>Jira</a:t>
+            </a:r>
+            <a:r>
+              <a:rPr lang="de-DE" sz="2800" dirty="0" smtClean="0">
+                <a:solidFill>
+                  <a:schemeClr val="bg1"/>
+                </a:solidFill>
+                <a:latin typeface="Calibri" pitchFamily="34" charset="0"/>
+              </a:rPr>
+              <a:t> + </a:t>
+            </a:r>
+            <a:r>
+              <a:rPr lang="de-DE" sz="2800" dirty="0" err="1" smtClean="0">
+                <a:solidFill>
+                  <a:schemeClr val="bg1"/>
+                </a:solidFill>
+                <a:latin typeface="Calibri" pitchFamily="34" charset="0"/>
+              </a:rPr>
+              <a:t>MSProject</a:t>
+            </a:r>
+            <a:endParaRPr lang="de-DE" sz="2800" dirty="0">
+              <a:solidFill>
+                <a:schemeClr val="bg1"/>
+              </a:solidFill>
+              <a:latin typeface="Calibri" pitchFamily="34" charset="0"/>
+            </a:endParaRPr>
+          </a:p>
+          <a:p>
+            <a:pPr marL="285750" indent="-285750">
+              <a:buFont typeface="Arial" pitchFamily="34" charset="0"/>
+              <a:buChar char="•"/>
+            </a:pPr>
+            <a:r>
+              <a:rPr lang="de-DE" sz="2800" b="1" dirty="0" smtClean="0">
+                <a:solidFill>
+                  <a:srgbClr val="6ECDD2"/>
+                </a:solidFill>
+                <a:effectLst>
+                  <a:outerShdw blurRad="38100" dist="38100" dir="2700000" algn="tl">
+                    <a:srgbClr val="000000">
+                      <a:alpha val="43137"/>
+                    </a:srgbClr>
+                  </a:outerShdw>
+                </a:effectLst>
+                <a:latin typeface="Calibri" pitchFamily="34" charset="0"/>
+              </a:rPr>
+              <a:t>Versionskontrolle</a:t>
+            </a:r>
+            <a:r>
+              <a:rPr lang="de-DE" sz="2800" b="1" dirty="0" smtClean="0">
+                <a:solidFill>
+                  <a:srgbClr val="6ECDD2"/>
+                </a:solidFill>
+                <a:latin typeface="Calibri" pitchFamily="34" charset="0"/>
+              </a:rPr>
+              <a:t>:</a:t>
+            </a:r>
+            <a:br>
+              <a:rPr lang="de-DE" sz="2800" b="1" dirty="0" smtClean="0">
+                <a:solidFill>
+                  <a:srgbClr val="6ECDD2"/>
+                </a:solidFill>
+                <a:latin typeface="Calibri" pitchFamily="34" charset="0"/>
+              </a:rPr>
+            </a:br>
+            <a:r>
+              <a:rPr lang="de-DE" sz="2800" dirty="0" err="1" smtClean="0">
+                <a:solidFill>
+                  <a:schemeClr val="bg1"/>
+                </a:solidFill>
+                <a:latin typeface="Calibri" pitchFamily="34" charset="0"/>
+              </a:rPr>
+              <a:t>Git</a:t>
+            </a:r>
+            <a:endParaRPr lang="de-DE" sz="2800" dirty="0">
+              <a:solidFill>
+                <a:schemeClr val="bg1"/>
+              </a:solidFill>
+              <a:latin typeface="Calibri" pitchFamily="34" charset="0"/>
+            </a:endParaRPr>
+          </a:p>
+          <a:p>
+            <a:pPr marL="285750" indent="-285750">
+              <a:buFont typeface="Arial" pitchFamily="34" charset="0"/>
+              <a:buChar char="•"/>
+            </a:pPr>
+            <a:r>
+              <a:rPr lang="de-DE" sz="2800" b="1" dirty="0" err="1" smtClean="0">
+                <a:solidFill>
+                  <a:srgbClr val="6ECDD2"/>
+                </a:solidFill>
+                <a:effectLst>
+                  <a:outerShdw blurRad="38100" dist="38100" dir="2700000" algn="tl">
+                    <a:srgbClr val="000000">
+                      <a:alpha val="43137"/>
+                    </a:srgbClr>
+                  </a:outerShdw>
+                </a:effectLst>
+                <a:latin typeface="Calibri" pitchFamily="34" charset="0"/>
+              </a:rPr>
+              <a:t>Metri</a:t>
+            </a:r>
+            <a:r>
+              <a:rPr lang="de-DE" sz="2800" b="1" dirty="0" err="1">
+                <a:solidFill>
+                  <a:srgbClr val="6ECDD2"/>
+                </a:solidFill>
+                <a:effectLst>
+                  <a:outerShdw blurRad="38100" dist="38100" dir="2700000" algn="tl">
+                    <a:srgbClr val="000000">
+                      <a:alpha val="43137"/>
+                    </a:srgbClr>
+                  </a:outerShdw>
+                </a:effectLst>
+                <a:latin typeface="Calibri" pitchFamily="34" charset="0"/>
+              </a:rPr>
+              <a:t>k</a:t>
+            </a:r>
+            <a:r>
+              <a:rPr lang="de-DE" sz="2800" b="1" dirty="0" err="1" smtClean="0">
+                <a:solidFill>
+                  <a:srgbClr val="6ECDD2"/>
+                </a:solidFill>
+                <a:effectLst>
+                  <a:outerShdw blurRad="38100" dist="38100" dir="2700000" algn="tl">
+                    <a:srgbClr val="000000">
+                      <a:alpha val="43137"/>
+                    </a:srgbClr>
+                  </a:outerShdw>
+                </a:effectLst>
+                <a:latin typeface="Calibri" pitchFamily="34" charset="0"/>
+              </a:rPr>
+              <a:t>analyse</a:t>
+            </a:r>
+            <a:r>
+              <a:rPr lang="de-DE" sz="2800" b="1" dirty="0" smtClean="0">
+                <a:solidFill>
+                  <a:srgbClr val="6ECDD2"/>
+                </a:solidFill>
+                <a:effectLst>
+                  <a:outerShdw blurRad="38100" dist="38100" dir="2700000" algn="tl">
+                    <a:srgbClr val="000000">
+                      <a:alpha val="43137"/>
+                    </a:srgbClr>
+                  </a:outerShdw>
+                </a:effectLst>
+                <a:latin typeface="Calibri" pitchFamily="34" charset="0"/>
+              </a:rPr>
+              <a:t> &amp; Codequalität:</a:t>
+            </a:r>
+            <a:r>
+              <a:rPr lang="de-DE" sz="2800" b="1" dirty="0" smtClean="0">
+                <a:solidFill>
+                  <a:srgbClr val="6ECDD2"/>
+                </a:solidFill>
+                <a:latin typeface="Calibri" pitchFamily="34" charset="0"/>
+              </a:rPr>
+              <a:t/>
+            </a:r>
+            <a:br>
+              <a:rPr lang="de-DE" sz="2800" b="1" dirty="0" smtClean="0">
+                <a:solidFill>
+                  <a:srgbClr val="6ECDD2"/>
+                </a:solidFill>
+                <a:latin typeface="Calibri" pitchFamily="34" charset="0"/>
+              </a:rPr>
+            </a:br>
+            <a:r>
+              <a:rPr lang="de-DE" sz="2800" dirty="0" smtClean="0">
+                <a:solidFill>
+                  <a:schemeClr val="bg1"/>
+                </a:solidFill>
+                <a:latin typeface="Calibri" pitchFamily="34" charset="0"/>
+              </a:rPr>
+              <a:t>Sonar</a:t>
+            </a:r>
+            <a:endParaRPr lang="de-DE" sz="2800" dirty="0">
+              <a:solidFill>
+                <a:schemeClr val="bg1"/>
+              </a:solidFill>
+              <a:latin typeface="Calibri" pitchFamily="34" charset="0"/>
+            </a:endParaRPr>
+          </a:p>
+          <a:p>
+            <a:pPr marL="285750" indent="-285750">
+              <a:buFont typeface="Arial" pitchFamily="34" charset="0"/>
+              <a:buChar char="•"/>
+            </a:pPr>
+            <a:r>
+              <a:rPr lang="de-DE" sz="2800" b="1" dirty="0" smtClean="0">
+                <a:solidFill>
+                  <a:srgbClr val="6ECDD2"/>
+                </a:solidFill>
+                <a:effectLst>
+                  <a:outerShdw blurRad="38100" dist="38100" dir="2700000" algn="tl">
+                    <a:srgbClr val="000000">
+                      <a:alpha val="43137"/>
+                    </a:srgbClr>
+                  </a:outerShdw>
+                </a:effectLst>
+                <a:latin typeface="Calibri" pitchFamily="34" charset="0"/>
+              </a:rPr>
+              <a:t>Testabdeckung:</a:t>
+            </a:r>
+            <a:r>
+              <a:rPr lang="de-DE" sz="2800" b="1" dirty="0" smtClean="0">
+                <a:solidFill>
+                  <a:srgbClr val="6ECDD2"/>
+                </a:solidFill>
+                <a:latin typeface="Calibri" pitchFamily="34" charset="0"/>
+              </a:rPr>
+              <a:t/>
+            </a:r>
+            <a:br>
+              <a:rPr lang="de-DE" sz="2800" b="1" dirty="0" smtClean="0">
+                <a:solidFill>
+                  <a:srgbClr val="6ECDD2"/>
+                </a:solidFill>
+                <a:latin typeface="Calibri" pitchFamily="34" charset="0"/>
+              </a:rPr>
+            </a:br>
+            <a:r>
+              <a:rPr lang="de-DE" sz="2800" dirty="0" smtClean="0">
+                <a:solidFill>
+                  <a:schemeClr val="bg1"/>
+                </a:solidFill>
+                <a:latin typeface="Calibri" pitchFamily="34" charset="0"/>
+              </a:rPr>
+              <a:t>Emma</a:t>
+            </a:r>
+            <a:endParaRPr lang="de-DE" sz="2800" dirty="0">
+              <a:solidFill>
+                <a:schemeClr val="bg1"/>
+              </a:solidFill>
+              <a:latin typeface="Calibri" pitchFamily="34" charset="0"/>
+            </a:endParaRPr>
+          </a:p>
+          <a:p>
+            <a:pPr marL="285750" indent="-285750">
+              <a:buFont typeface="Arial" pitchFamily="34" charset="0"/>
+              <a:buChar char="•"/>
+            </a:pPr>
+            <a:r>
+              <a:rPr lang="de-DE" sz="2800" b="1" dirty="0" smtClean="0">
+                <a:solidFill>
+                  <a:srgbClr val="6ECDD2"/>
+                </a:solidFill>
+                <a:effectLst>
+                  <a:outerShdw blurRad="38100" dist="38100" dir="2700000" algn="tl">
+                    <a:srgbClr val="000000">
+                      <a:alpha val="43137"/>
+                    </a:srgbClr>
+                  </a:outerShdw>
+                </a:effectLst>
+                <a:latin typeface="Calibri" pitchFamily="34" charset="0"/>
+              </a:rPr>
+              <a:t>Tests:</a:t>
+            </a:r>
+            <a:r>
+              <a:rPr lang="de-DE" sz="2800" b="1" dirty="0">
+                <a:solidFill>
+                  <a:srgbClr val="6ECDD2"/>
+                </a:solidFill>
+                <a:latin typeface="Calibri" pitchFamily="34" charset="0"/>
+              </a:rPr>
+              <a:t/>
+            </a:r>
+            <a:br>
+              <a:rPr lang="de-DE" sz="2800" b="1" dirty="0">
+                <a:solidFill>
+                  <a:srgbClr val="6ECDD2"/>
+                </a:solidFill>
+                <a:latin typeface="Calibri" pitchFamily="34" charset="0"/>
+              </a:rPr>
+            </a:br>
+            <a:r>
+              <a:rPr lang="de-DE" sz="2800" dirty="0" err="1" smtClean="0">
+                <a:solidFill>
+                  <a:schemeClr val="bg1"/>
+                </a:solidFill>
+                <a:latin typeface="Calibri" pitchFamily="34" charset="0"/>
+              </a:rPr>
+              <a:t>JUnit</a:t>
+            </a:r>
+            <a:r>
+              <a:rPr lang="de-DE" sz="2800" dirty="0">
+                <a:solidFill>
+                  <a:schemeClr val="bg1"/>
+                </a:solidFill>
+                <a:latin typeface="Calibri" pitchFamily="34" charset="0"/>
+              </a:rPr>
+              <a:t> </a:t>
+            </a:r>
+            <a:r>
+              <a:rPr lang="de-DE" sz="2800" dirty="0" smtClean="0">
+                <a:solidFill>
+                  <a:schemeClr val="bg1"/>
+                </a:solidFill>
+                <a:latin typeface="Calibri" pitchFamily="34" charset="0"/>
+              </a:rPr>
+              <a:t>&amp; </a:t>
+            </a:r>
+            <a:r>
+              <a:rPr lang="de-DE" sz="2800" dirty="0" err="1" smtClean="0">
+                <a:solidFill>
+                  <a:schemeClr val="bg1"/>
+                </a:solidFill>
+                <a:latin typeface="Calibri" pitchFamily="34" charset="0"/>
+              </a:rPr>
+              <a:t>Calabash</a:t>
+            </a:r>
+            <a:r>
+              <a:rPr lang="de-DE" sz="2800" dirty="0" smtClean="0">
+                <a:solidFill>
+                  <a:schemeClr val="bg1"/>
+                </a:solidFill>
+                <a:latin typeface="Calibri" pitchFamily="34" charset="0"/>
+              </a:rPr>
+              <a:t> </a:t>
+            </a:r>
+            <a:r>
+              <a:rPr lang="de-DE" sz="2800" dirty="0" err="1" smtClean="0">
+                <a:solidFill>
+                  <a:schemeClr val="bg1"/>
+                </a:solidFill>
+                <a:latin typeface="Calibri" pitchFamily="34" charset="0"/>
+              </a:rPr>
+              <a:t>Android</a:t>
+            </a:r>
+            <a:r>
+              <a:rPr lang="de-DE" sz="2800" b="1" dirty="0" smtClean="0">
+                <a:solidFill>
+                  <a:srgbClr val="6ECDD2"/>
+                </a:solidFill>
+                <a:latin typeface="Calibri" pitchFamily="34" charset="0"/>
+              </a:rPr>
+              <a:t> </a:t>
+            </a:r>
+          </a:p>
+        </p:txBody>
+      </p:sp>
+      <p:sp>
+        <p:nvSpPr>
           <p:cNvPr id="5" name="Titel 1"/>
           <p:cNvSpPr txBox="1">
             <a:spLocks/>
@@ -9506,51 +10340,18 @@
           </a:lstStyle>
           <a:p>
             <a:r>
-              <a:rPr lang="de-DE" dirty="0" smtClean="0">
+              <a:rPr lang="de-DE" dirty="0">
                 <a:latin typeface="Calibri" pitchFamily="34" charset="0"/>
               </a:rPr>
-              <a:t>Projektplan</a:t>
-            </a:r>
-            <a:endParaRPr lang="de-DE" dirty="0">
-              <a:latin typeface="Calibri" pitchFamily="34" charset="0"/>
-            </a:endParaRPr>
-          </a:p>
-        </p:txBody>
-      </p:sp>
-      <p:pic>
-        <p:nvPicPr>
-          <p:cNvPr id="6" name="Grafik 5"/>
-          <p:cNvPicPr>
-            <a:picLocks noChangeAspect="1"/>
-          </p:cNvPicPr>
-          <p:nvPr/>
-        </p:nvPicPr>
-        <p:blipFill>
-          <a:blip r:embed="rId3">
-            <a:extLst>
-              <a:ext uri="{28A0092B-C50C-407E-A947-70E740481C1C}">
-                <a14:useLocalDpi xmlns:a14="http://schemas.microsoft.com/office/drawing/2010/main" val="0"/>
-              </a:ext>
-            </a:extLst>
-          </a:blip>
-          <a:stretch>
-            <a:fillRect/>
-          </a:stretch>
-        </p:blipFill>
-        <p:spPr>
-          <a:xfrm>
-            <a:off x="1187625" y="1700808"/>
-            <a:ext cx="6197234" cy="4752528"/>
-          </a:xfrm>
-          <a:prstGeom prst="rect">
-            <a:avLst/>
-          </a:prstGeom>
-        </p:spPr>
-      </p:pic>
+              <a:t>Verwendete Tools</a:t>
+            </a:r>
+          </a:p>
+        </p:txBody>
+      </p:sp>
     </p:spTree>
     <p:extLst>
       <p:ext uri="{BB962C8B-B14F-4D97-AF65-F5344CB8AC3E}">
-        <p14:creationId xmlns:p14="http://schemas.microsoft.com/office/powerpoint/2010/main" val="2459024765"/>
+        <p14:creationId xmlns:p14="http://schemas.microsoft.com/office/powerpoint/2010/main" val="1426639316"/>
       </p:ext>
     </p:extLst>
   </p:cSld>

--- a/Presentation/abschlusspraesentation.pptx
+++ b/Presentation/abschlusspraesentation.pptx
@@ -9787,6 +9787,36 @@
           </a:p>
         </p:txBody>
       </p:sp>
+      <p:pic>
+        <p:nvPicPr>
+          <p:cNvPr id="6" name="Grafik 5"/>
+          <p:cNvPicPr>
+            <a:picLocks noChangeAspect="1"/>
+          </p:cNvPicPr>
+          <p:nvPr/>
+        </p:nvPicPr>
+        <p:blipFill>
+          <a:blip r:embed="rId3">
+            <a:extLst>
+              <a:ext uri="{28A0092B-C50C-407E-A947-70E740481C1C}">
+                <a14:useLocalDpi xmlns:a14="http://schemas.microsoft.com/office/drawing/2010/main" val="0"/>
+              </a:ext>
+            </a:extLst>
+          </a:blip>
+          <a:stretch>
+            <a:fillRect/>
+          </a:stretch>
+        </p:blipFill>
+        <p:spPr>
+          <a:xfrm>
+            <a:off x="107504" y="1412776"/>
+            <a:ext cx="9024986" cy="5316202"/>
+          </a:xfrm>
+          <a:prstGeom prst="rect">
+            <a:avLst/>
+          </a:prstGeom>
+        </p:spPr>
+      </p:pic>
     </p:spTree>
     <p:extLst>
       <p:ext uri="{BB962C8B-B14F-4D97-AF65-F5344CB8AC3E}">

--- a/Presentation/abschlusspraesentation.pptx
+++ b/Presentation/abschlusspraesentation.pptx
@@ -5,28 +5,29 @@
     <p:sldMasterId id="2147483708" r:id="rId1"/>
   </p:sldMasterIdLst>
   <p:notesMasterIdLst>
-    <p:notesMasterId r:id="rId21"/>
+    <p:notesMasterId r:id="rId22"/>
   </p:notesMasterIdLst>
   <p:sldIdLst>
     <p:sldId id="256" r:id="rId2"/>
-    <p:sldId id="257" r:id="rId3"/>
-    <p:sldId id="258" r:id="rId4"/>
-    <p:sldId id="259" r:id="rId5"/>
-    <p:sldId id="274" r:id="rId6"/>
-    <p:sldId id="260" r:id="rId7"/>
-    <p:sldId id="261" r:id="rId8"/>
-    <p:sldId id="262" r:id="rId9"/>
-    <p:sldId id="263" r:id="rId10"/>
-    <p:sldId id="266" r:id="rId11"/>
-    <p:sldId id="264" r:id="rId12"/>
-    <p:sldId id="265" r:id="rId13"/>
-    <p:sldId id="267" r:id="rId14"/>
-    <p:sldId id="268" r:id="rId15"/>
-    <p:sldId id="271" r:id="rId16"/>
-    <p:sldId id="270" r:id="rId17"/>
-    <p:sldId id="273" r:id="rId18"/>
-    <p:sldId id="272" r:id="rId19"/>
-    <p:sldId id="275" r:id="rId20"/>
+    <p:sldId id="276" r:id="rId3"/>
+    <p:sldId id="257" r:id="rId4"/>
+    <p:sldId id="258" r:id="rId5"/>
+    <p:sldId id="259" r:id="rId6"/>
+    <p:sldId id="274" r:id="rId7"/>
+    <p:sldId id="260" r:id="rId8"/>
+    <p:sldId id="261" r:id="rId9"/>
+    <p:sldId id="262" r:id="rId10"/>
+    <p:sldId id="263" r:id="rId11"/>
+    <p:sldId id="266" r:id="rId12"/>
+    <p:sldId id="264" r:id="rId13"/>
+    <p:sldId id="265" r:id="rId14"/>
+    <p:sldId id="267" r:id="rId15"/>
+    <p:sldId id="268" r:id="rId16"/>
+    <p:sldId id="271" r:id="rId17"/>
+    <p:sldId id="270" r:id="rId18"/>
+    <p:sldId id="273" r:id="rId19"/>
+    <p:sldId id="272" r:id="rId20"/>
+    <p:sldId id="275" r:id="rId21"/>
   </p:sldIdLst>
   <p:sldSz cx="9144000" cy="6858000" type="screen4x3"/>
   <p:notesSz cx="6858000" cy="9144000"/>
@@ -938,6 +939,18 @@
           <a:bodyPr/>
           <a:lstStyle/>
           <a:p>
+            <a:r>
+              <a:rPr lang="de-DE" dirty="0" smtClean="0"/>
+              <a:t>RUP und </a:t>
+            </a:r>
+            <a:r>
+              <a:rPr lang="de-DE" dirty="0" err="1" smtClean="0"/>
+              <a:t>Scrum</a:t>
+            </a:r>
+            <a:r>
+              <a:rPr lang="de-DE" dirty="0" smtClean="0"/>
+              <a:t> - agil</a:t>
+            </a:r>
             <a:endParaRPr lang="de-DE" dirty="0"/>
           </a:p>
         </p:txBody>
@@ -959,7 +972,630 @@
           <a:p>
             <a:fld id="{C7C0E2A2-C7D5-40BC-BB24-4708096516B4}" type="slidenum">
               <a:rPr lang="de-DE" smtClean="0"/>
+              <a:t>11</a:t>
+            </a:fld>
+            <a:endParaRPr lang="de-DE"/>
+          </a:p>
+        </p:txBody>
+      </p:sp>
+    </p:spTree>
+    <p:extLst>
+      <p:ext uri="{BB962C8B-B14F-4D97-AF65-F5344CB8AC3E}">
+        <p14:creationId xmlns:p14="http://schemas.microsoft.com/office/powerpoint/2010/main" val="1945550786"/>
+      </p:ext>
+    </p:extLst>
+  </p:cSld>
+  <p:clrMapOvr>
+    <a:masterClrMapping/>
+  </p:clrMapOvr>
+</p:notes>
+</file>
+
+<file path=ppt/notesSlides/notesSlide2.xml><?xml version="1.0" encoding="utf-8"?>
+<p:notes xmlns:a="http://schemas.openxmlformats.org/drawingml/2006/main" xmlns:r="http://schemas.openxmlformats.org/officeDocument/2006/relationships" xmlns:p="http://schemas.openxmlformats.org/presentationml/2006/main">
+  <p:cSld>
+    <p:spTree>
+      <p:nvGrpSpPr>
+        <p:cNvPr id="1" name=""/>
+        <p:cNvGrpSpPr/>
+        <p:nvPr/>
+      </p:nvGrpSpPr>
+      <p:grpSpPr>
+        <a:xfrm>
+          <a:off x="0" y="0"/>
+          <a:ext cx="0" cy="0"/>
+          <a:chOff x="0" y="0"/>
+          <a:chExt cx="0" cy="0"/>
+        </a:xfrm>
+      </p:grpSpPr>
+      <p:sp>
+        <p:nvSpPr>
+          <p:cNvPr id="2" name="Folienbildplatzhalter 1"/>
+          <p:cNvSpPr>
+            <a:spLocks noGrp="1" noRot="1" noChangeAspect="1"/>
+          </p:cNvSpPr>
+          <p:nvPr>
+            <p:ph type="sldImg"/>
+          </p:nvPr>
+        </p:nvSpPr>
+        <p:spPr/>
+      </p:sp>
+      <p:sp>
+        <p:nvSpPr>
+          <p:cNvPr id="3" name="Notizenplatzhalter 2"/>
+          <p:cNvSpPr>
+            <a:spLocks noGrp="1"/>
+          </p:cNvSpPr>
+          <p:nvPr>
+            <p:ph type="body" idx="1"/>
+          </p:nvPr>
+        </p:nvSpPr>
+        <p:spPr/>
+        <p:txBody>
+          <a:bodyPr/>
+          <a:lstStyle/>
+          <a:p>
+            <a:r>
+              <a:rPr lang="de-DE" dirty="0" err="1" smtClean="0"/>
+              <a:t>Issuetracker</a:t>
+            </a:r>
+            <a:r>
+              <a:rPr lang="de-DE" dirty="0" smtClean="0"/>
+              <a:t>, Kommunikation, Planung</a:t>
+            </a:r>
+            <a:r>
+              <a:rPr lang="de-DE" baseline="0" dirty="0" smtClean="0"/>
+              <a:t> der Sprints</a:t>
+            </a:r>
+            <a:endParaRPr lang="de-DE" dirty="0"/>
+          </a:p>
+        </p:txBody>
+      </p:sp>
+      <p:sp>
+        <p:nvSpPr>
+          <p:cNvPr id="4" name="Foliennummernplatzhalter 3"/>
+          <p:cNvSpPr>
+            <a:spLocks noGrp="1"/>
+          </p:cNvSpPr>
+          <p:nvPr>
+            <p:ph type="sldNum" sz="quarter" idx="10"/>
+          </p:nvPr>
+        </p:nvSpPr>
+        <p:spPr/>
+        <p:txBody>
+          <a:bodyPr/>
+          <a:lstStyle/>
+          <a:p>
+            <a:fld id="{C7C0E2A2-C7D5-40BC-BB24-4708096516B4}" type="slidenum">
+              <a:rPr lang="de-DE" smtClean="0"/>
+              <a:t>12</a:t>
+            </a:fld>
+            <a:endParaRPr lang="de-DE"/>
+          </a:p>
+        </p:txBody>
+      </p:sp>
+    </p:spTree>
+    <p:extLst>
+      <p:ext uri="{BB962C8B-B14F-4D97-AF65-F5344CB8AC3E}">
+        <p14:creationId xmlns:p14="http://schemas.microsoft.com/office/powerpoint/2010/main" val="1050182576"/>
+      </p:ext>
+    </p:extLst>
+  </p:cSld>
+  <p:clrMapOvr>
+    <a:masterClrMapping/>
+  </p:clrMapOvr>
+</p:notes>
+</file>
+
+<file path=ppt/notesSlides/notesSlide3.xml><?xml version="1.0" encoding="utf-8"?>
+<p:notes xmlns:a="http://schemas.openxmlformats.org/drawingml/2006/main" xmlns:r="http://schemas.openxmlformats.org/officeDocument/2006/relationships" xmlns:p="http://schemas.openxmlformats.org/presentationml/2006/main">
+  <p:cSld>
+    <p:spTree>
+      <p:nvGrpSpPr>
+        <p:cNvPr id="1" name=""/>
+        <p:cNvGrpSpPr/>
+        <p:nvPr/>
+      </p:nvGrpSpPr>
+      <p:grpSpPr>
+        <a:xfrm>
+          <a:off x="0" y="0"/>
+          <a:ext cx="0" cy="0"/>
+          <a:chOff x="0" y="0"/>
+          <a:chExt cx="0" cy="0"/>
+        </a:xfrm>
+      </p:grpSpPr>
+      <p:sp>
+        <p:nvSpPr>
+          <p:cNvPr id="2" name="Folienbildplatzhalter 1"/>
+          <p:cNvSpPr>
+            <a:spLocks noGrp="1" noRot="1" noChangeAspect="1"/>
+          </p:cNvSpPr>
+          <p:nvPr>
+            <p:ph type="sldImg"/>
+          </p:nvPr>
+        </p:nvSpPr>
+        <p:spPr/>
+      </p:sp>
+      <p:sp>
+        <p:nvSpPr>
+          <p:cNvPr id="3" name="Notizenplatzhalter 2"/>
+          <p:cNvSpPr>
+            <a:spLocks noGrp="1"/>
+          </p:cNvSpPr>
+          <p:nvPr>
+            <p:ph type="body" idx="1"/>
+          </p:nvPr>
+        </p:nvSpPr>
+        <p:spPr/>
+        <p:txBody>
+          <a:bodyPr/>
+          <a:lstStyle/>
+          <a:p>
+            <a:r>
+              <a:rPr lang="de-DE" dirty="0" smtClean="0"/>
+              <a:t>Risikofaktor</a:t>
+            </a:r>
+            <a:r>
+              <a:rPr lang="de-DE" baseline="0" dirty="0" smtClean="0"/>
+              <a:t> = Wahrscheinlichkeit des Auftretens</a:t>
+            </a:r>
+          </a:p>
+          <a:p>
+            <a:r>
+              <a:rPr lang="de-DE" baseline="0" dirty="0" smtClean="0"/>
+              <a:t>* Schaden</a:t>
+            </a:r>
+          </a:p>
+          <a:p>
+            <a:r>
+              <a:rPr lang="de-DE" baseline="0" dirty="0" smtClean="0"/>
+              <a:t>Strategien zur Schadensbegrenzung:</a:t>
+            </a:r>
+          </a:p>
+          <a:p>
+            <a:r>
+              <a:rPr lang="de-DE" baseline="0" dirty="0" smtClean="0"/>
+              <a:t>Bsp. Fehlerhafte Zeitplanung</a:t>
+            </a:r>
+          </a:p>
+          <a:p>
+            <a:r>
+              <a:rPr lang="de-DE" baseline="0" dirty="0" smtClean="0"/>
+              <a:t>Großzügig planen</a:t>
+            </a:r>
+          </a:p>
+          <a:p>
+            <a:r>
+              <a:rPr lang="de-DE" baseline="0" smtClean="0"/>
+              <a:t>Erfahrungen nutzen (FP)</a:t>
+            </a:r>
+            <a:endParaRPr lang="de-DE" dirty="0"/>
+          </a:p>
+        </p:txBody>
+      </p:sp>
+      <p:sp>
+        <p:nvSpPr>
+          <p:cNvPr id="4" name="Foliennummernplatzhalter 3"/>
+          <p:cNvSpPr>
+            <a:spLocks noGrp="1"/>
+          </p:cNvSpPr>
+          <p:nvPr>
+            <p:ph type="sldNum" sz="quarter" idx="10"/>
+          </p:nvPr>
+        </p:nvSpPr>
+        <p:spPr/>
+        <p:txBody>
+          <a:bodyPr/>
+          <a:lstStyle/>
+          <a:p>
+            <a:fld id="{C7C0E2A2-C7D5-40BC-BB24-4708096516B4}" type="slidenum">
+              <a:rPr lang="de-DE" smtClean="0"/>
+              <a:t>13</a:t>
+            </a:fld>
+            <a:endParaRPr lang="de-DE"/>
+          </a:p>
+        </p:txBody>
+      </p:sp>
+    </p:spTree>
+    <p:extLst>
+      <p:ext uri="{BB962C8B-B14F-4D97-AF65-F5344CB8AC3E}">
+        <p14:creationId xmlns:p14="http://schemas.microsoft.com/office/powerpoint/2010/main" val="250826749"/>
+      </p:ext>
+    </p:extLst>
+  </p:cSld>
+  <p:clrMapOvr>
+    <a:masterClrMapping/>
+  </p:clrMapOvr>
+</p:notes>
+</file>
+
+<file path=ppt/notesSlides/notesSlide4.xml><?xml version="1.0" encoding="utf-8"?>
+<p:notes xmlns:a="http://schemas.openxmlformats.org/drawingml/2006/main" xmlns:r="http://schemas.openxmlformats.org/officeDocument/2006/relationships" xmlns:p="http://schemas.openxmlformats.org/presentationml/2006/main">
+  <p:cSld>
+    <p:spTree>
+      <p:nvGrpSpPr>
+        <p:cNvPr id="1" name=""/>
+        <p:cNvGrpSpPr/>
+        <p:nvPr/>
+      </p:nvGrpSpPr>
+      <p:grpSpPr>
+        <a:xfrm>
+          <a:off x="0" y="0"/>
+          <a:ext cx="0" cy="0"/>
+          <a:chOff x="0" y="0"/>
+          <a:chExt cx="0" cy="0"/>
+        </a:xfrm>
+      </p:grpSpPr>
+      <p:sp>
+        <p:nvSpPr>
+          <p:cNvPr id="2" name="Folienbildplatzhalter 1"/>
+          <p:cNvSpPr>
+            <a:spLocks noGrp="1" noRot="1" noChangeAspect="1"/>
+          </p:cNvSpPr>
+          <p:nvPr>
+            <p:ph type="sldImg"/>
+          </p:nvPr>
+        </p:nvSpPr>
+        <p:spPr/>
+      </p:sp>
+      <p:sp>
+        <p:nvSpPr>
+          <p:cNvPr id="3" name="Notizenplatzhalter 2"/>
+          <p:cNvSpPr>
+            <a:spLocks noGrp="1"/>
+          </p:cNvSpPr>
+          <p:nvPr>
+            <p:ph type="body" idx="1"/>
+          </p:nvPr>
+        </p:nvSpPr>
+        <p:spPr/>
+        <p:txBody>
+          <a:bodyPr/>
+          <a:lstStyle/>
+          <a:p>
+            <a:r>
+              <a:rPr lang="de-DE" dirty="0" smtClean="0"/>
+              <a:t>Trendlinie</a:t>
+            </a:r>
+            <a:endParaRPr lang="de-DE" dirty="0"/>
+          </a:p>
+        </p:txBody>
+      </p:sp>
+      <p:sp>
+        <p:nvSpPr>
+          <p:cNvPr id="4" name="Foliennummernplatzhalter 3"/>
+          <p:cNvSpPr>
+            <a:spLocks noGrp="1"/>
+          </p:cNvSpPr>
+          <p:nvPr>
+            <p:ph type="sldNum" sz="quarter" idx="10"/>
+          </p:nvPr>
+        </p:nvSpPr>
+        <p:spPr/>
+        <p:txBody>
+          <a:bodyPr/>
+          <a:lstStyle/>
+          <a:p>
+            <a:fld id="{C7C0E2A2-C7D5-40BC-BB24-4708096516B4}" type="slidenum">
+              <a:rPr lang="de-DE" smtClean="0"/>
+              <a:t>14</a:t>
+            </a:fld>
+            <a:endParaRPr lang="de-DE"/>
+          </a:p>
+        </p:txBody>
+      </p:sp>
+    </p:spTree>
+    <p:extLst>
+      <p:ext uri="{BB962C8B-B14F-4D97-AF65-F5344CB8AC3E}">
+        <p14:creationId xmlns:p14="http://schemas.microsoft.com/office/powerpoint/2010/main" val="3662047969"/>
+      </p:ext>
+    </p:extLst>
+  </p:cSld>
+  <p:clrMapOvr>
+    <a:masterClrMapping/>
+  </p:clrMapOvr>
+</p:notes>
+</file>
+
+<file path=ppt/notesSlides/notesSlide5.xml><?xml version="1.0" encoding="utf-8"?>
+<p:notes xmlns:a="http://schemas.openxmlformats.org/drawingml/2006/main" xmlns:r="http://schemas.openxmlformats.org/officeDocument/2006/relationships" xmlns:p="http://schemas.openxmlformats.org/presentationml/2006/main">
+  <p:cSld>
+    <p:spTree>
+      <p:nvGrpSpPr>
+        <p:cNvPr id="1" name=""/>
+        <p:cNvGrpSpPr/>
+        <p:nvPr/>
+      </p:nvGrpSpPr>
+      <p:grpSpPr>
+        <a:xfrm>
+          <a:off x="0" y="0"/>
+          <a:ext cx="0" cy="0"/>
+          <a:chOff x="0" y="0"/>
+          <a:chExt cx="0" cy="0"/>
+        </a:xfrm>
+      </p:grpSpPr>
+      <p:sp>
+        <p:nvSpPr>
+          <p:cNvPr id="2" name="Folienbildplatzhalter 1"/>
+          <p:cNvSpPr>
+            <a:spLocks noGrp="1" noRot="1" noChangeAspect="1"/>
+          </p:cNvSpPr>
+          <p:nvPr>
+            <p:ph type="sldImg"/>
+          </p:nvPr>
+        </p:nvSpPr>
+        <p:spPr/>
+      </p:sp>
+      <p:sp>
+        <p:nvSpPr>
+          <p:cNvPr id="3" name="Notizenplatzhalter 2"/>
+          <p:cNvSpPr>
+            <a:spLocks noGrp="1"/>
+          </p:cNvSpPr>
+          <p:nvPr>
+            <p:ph type="body" idx="1"/>
+          </p:nvPr>
+        </p:nvSpPr>
+        <p:spPr/>
+        <p:txBody>
+          <a:bodyPr/>
+          <a:lstStyle/>
+          <a:p>
+            <a:endParaRPr lang="de-DE" dirty="0"/>
+          </a:p>
+        </p:txBody>
+      </p:sp>
+      <p:sp>
+        <p:nvSpPr>
+          <p:cNvPr id="4" name="Foliennummernplatzhalter 3"/>
+          <p:cNvSpPr>
+            <a:spLocks noGrp="1"/>
+          </p:cNvSpPr>
+          <p:nvPr>
+            <p:ph type="sldNum" sz="quarter" idx="10"/>
+          </p:nvPr>
+        </p:nvSpPr>
+        <p:spPr/>
+        <p:txBody>
+          <a:bodyPr/>
+          <a:lstStyle/>
+          <a:p>
+            <a:fld id="{C7C0E2A2-C7D5-40BC-BB24-4708096516B4}" type="slidenum">
+              <a:rPr lang="de-DE" smtClean="0"/>
+              <a:t>17</a:t>
+            </a:fld>
+            <a:endParaRPr lang="de-DE"/>
+          </a:p>
+        </p:txBody>
+      </p:sp>
+    </p:spTree>
+    <p:extLst>
+      <p:ext uri="{BB962C8B-B14F-4D97-AF65-F5344CB8AC3E}">
+        <p14:creationId xmlns:p14="http://schemas.microsoft.com/office/powerpoint/2010/main" val="197362478"/>
+      </p:ext>
+    </p:extLst>
+  </p:cSld>
+  <p:clrMapOvr>
+    <a:masterClrMapping/>
+  </p:clrMapOvr>
+</p:notes>
+</file>
+
+<file path=ppt/notesSlides/notesSlide6.xml><?xml version="1.0" encoding="utf-8"?>
+<p:notes xmlns:a="http://schemas.openxmlformats.org/drawingml/2006/main" xmlns:r="http://schemas.openxmlformats.org/officeDocument/2006/relationships" xmlns:p="http://schemas.openxmlformats.org/presentationml/2006/main">
+  <p:cSld>
+    <p:spTree>
+      <p:nvGrpSpPr>
+        <p:cNvPr id="1" name=""/>
+        <p:cNvGrpSpPr/>
+        <p:nvPr/>
+      </p:nvGrpSpPr>
+      <p:grpSpPr>
+        <a:xfrm>
+          <a:off x="0" y="0"/>
+          <a:ext cx="0" cy="0"/>
+          <a:chOff x="0" y="0"/>
+          <a:chExt cx="0" cy="0"/>
+        </a:xfrm>
+      </p:grpSpPr>
+      <p:sp>
+        <p:nvSpPr>
+          <p:cNvPr id="2" name="Folienbildplatzhalter 1"/>
+          <p:cNvSpPr>
+            <a:spLocks noGrp="1" noRot="1" noChangeAspect="1"/>
+          </p:cNvSpPr>
+          <p:nvPr>
+            <p:ph type="sldImg"/>
+          </p:nvPr>
+        </p:nvSpPr>
+        <p:spPr/>
+      </p:sp>
+      <p:sp>
+        <p:nvSpPr>
+          <p:cNvPr id="3" name="Notizenplatzhalter 2"/>
+          <p:cNvSpPr>
+            <a:spLocks noGrp="1"/>
+          </p:cNvSpPr>
+          <p:nvPr>
+            <p:ph type="body" idx="1"/>
+          </p:nvPr>
+        </p:nvSpPr>
+        <p:spPr/>
+        <p:txBody>
+          <a:bodyPr/>
+          <a:lstStyle/>
+          <a:p>
+            <a:r>
+              <a:rPr lang="de-DE" dirty="0" smtClean="0"/>
+              <a:t>Nicht</a:t>
+            </a:r>
+            <a:r>
+              <a:rPr lang="de-DE" baseline="0" dirty="0" smtClean="0"/>
+              <a:t> kritisch</a:t>
+            </a:r>
+          </a:p>
+          <a:p>
+            <a:r>
+              <a:rPr lang="de-DE" baseline="0" dirty="0" smtClean="0"/>
+              <a:t>nur Major, z.B. </a:t>
+            </a:r>
+            <a:r>
+              <a:rPr lang="de-DE" baseline="0" dirty="0" err="1" smtClean="0"/>
+              <a:t>Cyclomatic</a:t>
+            </a:r>
+            <a:r>
+              <a:rPr lang="de-DE" baseline="0" dirty="0" smtClean="0"/>
+              <a:t> </a:t>
+            </a:r>
+            <a:r>
+              <a:rPr lang="de-DE" baseline="0" dirty="0" err="1" smtClean="0"/>
+              <a:t>Complexity</a:t>
+            </a:r>
+            <a:endParaRPr lang="de-DE" baseline="0" dirty="0" smtClean="0"/>
+          </a:p>
+          <a:p>
+            <a:r>
+              <a:rPr lang="de-DE" baseline="0" dirty="0" smtClean="0"/>
+              <a:t>Minor z.B. Magic Numbers</a:t>
+            </a:r>
+            <a:endParaRPr lang="de-DE" dirty="0"/>
+          </a:p>
+        </p:txBody>
+      </p:sp>
+      <p:sp>
+        <p:nvSpPr>
+          <p:cNvPr id="4" name="Foliennummernplatzhalter 3"/>
+          <p:cNvSpPr>
+            <a:spLocks noGrp="1"/>
+          </p:cNvSpPr>
+          <p:nvPr>
+            <p:ph type="sldNum" sz="quarter" idx="10"/>
+          </p:nvPr>
+        </p:nvSpPr>
+        <p:spPr/>
+        <p:txBody>
+          <a:bodyPr/>
+          <a:lstStyle/>
+          <a:p>
+            <a:fld id="{C7C0E2A2-C7D5-40BC-BB24-4708096516B4}" type="slidenum">
+              <a:rPr lang="de-DE" smtClean="0"/>
               <a:t>18</a:t>
+            </a:fld>
+            <a:endParaRPr lang="de-DE"/>
+          </a:p>
+        </p:txBody>
+      </p:sp>
+    </p:spTree>
+    <p:extLst>
+      <p:ext uri="{BB962C8B-B14F-4D97-AF65-F5344CB8AC3E}">
+        <p14:creationId xmlns:p14="http://schemas.microsoft.com/office/powerpoint/2010/main" val="324483254"/>
+      </p:ext>
+    </p:extLst>
+  </p:cSld>
+  <p:clrMapOvr>
+    <a:masterClrMapping/>
+  </p:clrMapOvr>
+</p:notes>
+</file>
+
+<file path=ppt/notesSlides/notesSlide7.xml><?xml version="1.0" encoding="utf-8"?>
+<p:notes xmlns:a="http://schemas.openxmlformats.org/drawingml/2006/main" xmlns:r="http://schemas.openxmlformats.org/officeDocument/2006/relationships" xmlns:p="http://schemas.openxmlformats.org/presentationml/2006/main">
+  <p:cSld>
+    <p:spTree>
+      <p:nvGrpSpPr>
+        <p:cNvPr id="1" name=""/>
+        <p:cNvGrpSpPr/>
+        <p:nvPr/>
+      </p:nvGrpSpPr>
+      <p:grpSpPr>
+        <a:xfrm>
+          <a:off x="0" y="0"/>
+          <a:ext cx="0" cy="0"/>
+          <a:chOff x="0" y="0"/>
+          <a:chExt cx="0" cy="0"/>
+        </a:xfrm>
+      </p:grpSpPr>
+      <p:sp>
+        <p:nvSpPr>
+          <p:cNvPr id="2" name="Folienbildplatzhalter 1"/>
+          <p:cNvSpPr>
+            <a:spLocks noGrp="1" noRot="1" noChangeAspect="1"/>
+          </p:cNvSpPr>
+          <p:nvPr>
+            <p:ph type="sldImg"/>
+          </p:nvPr>
+        </p:nvSpPr>
+        <p:spPr/>
+      </p:sp>
+      <p:sp>
+        <p:nvSpPr>
+          <p:cNvPr id="3" name="Notizenplatzhalter 2"/>
+          <p:cNvSpPr>
+            <a:spLocks noGrp="1"/>
+          </p:cNvSpPr>
+          <p:nvPr>
+            <p:ph type="body" idx="1"/>
+          </p:nvPr>
+        </p:nvSpPr>
+        <p:spPr/>
+        <p:txBody>
+          <a:bodyPr/>
+          <a:lstStyle/>
+          <a:p>
+            <a:r>
+              <a:rPr lang="de-DE" dirty="0" err="1" smtClean="0"/>
+              <a:t>Hardcodierte</a:t>
+            </a:r>
+            <a:r>
+              <a:rPr lang="de-DE" dirty="0" smtClean="0"/>
+              <a:t> Zahlen</a:t>
+            </a:r>
+          </a:p>
+          <a:p>
+            <a:r>
+              <a:rPr lang="de-DE" dirty="0" smtClean="0"/>
+              <a:t>Warum</a:t>
+            </a:r>
+            <a:r>
+              <a:rPr lang="de-DE" baseline="0" dirty="0" smtClean="0"/>
+              <a:t> ?</a:t>
+            </a:r>
+          </a:p>
+          <a:p>
+            <a:r>
+              <a:rPr lang="de-DE" baseline="0" dirty="0" smtClean="0"/>
+              <a:t>Lösung: </a:t>
+            </a:r>
+            <a:r>
+              <a:rPr lang="de-DE" baseline="0" dirty="0" err="1" smtClean="0"/>
+              <a:t>ODER_Verknüpfungen</a:t>
+            </a:r>
+            <a:r>
+              <a:rPr lang="de-DE" baseline="0" dirty="0" smtClean="0"/>
+              <a:t> in extra Methode abprüfen</a:t>
+            </a:r>
+            <a:endParaRPr lang="de-DE" dirty="0"/>
+          </a:p>
+        </p:txBody>
+      </p:sp>
+      <p:sp>
+        <p:nvSpPr>
+          <p:cNvPr id="4" name="Foliennummernplatzhalter 3"/>
+          <p:cNvSpPr>
+            <a:spLocks noGrp="1"/>
+          </p:cNvSpPr>
+          <p:nvPr>
+            <p:ph type="sldNum" sz="quarter" idx="10"/>
+          </p:nvPr>
+        </p:nvSpPr>
+        <p:spPr/>
+        <p:txBody>
+          <a:bodyPr/>
+          <a:lstStyle/>
+          <a:p>
+            <a:fld id="{C7C0E2A2-C7D5-40BC-BB24-4708096516B4}" type="slidenum">
+              <a:rPr lang="de-DE" smtClean="0"/>
+              <a:t>19</a:t>
             </a:fld>
             <a:endParaRPr lang="de-DE"/>
           </a:p>
@@ -4305,6 +4941,413 @@
       </p:grpSpPr>
       <p:sp>
         <p:nvSpPr>
+          <p:cNvPr id="4" name="Textplatzhalter 2"/>
+          <p:cNvSpPr>
+            <a:spLocks noGrp="1"/>
+          </p:cNvSpPr>
+          <p:nvPr>
+            <p:ph type="body" idx="1"/>
+          </p:nvPr>
+        </p:nvSpPr>
+        <p:spPr>
+          <a:xfrm>
+            <a:off x="539552" y="1700808"/>
+            <a:ext cx="7848872" cy="4392488"/>
+          </a:xfrm>
+        </p:spPr>
+        <p:txBody>
+          <a:bodyPr>
+            <a:normAutofit lnSpcReduction="10000"/>
+          </a:bodyPr>
+          <a:lstStyle/>
+          <a:p>
+            <a:pPr marL="285750" indent="-285750">
+              <a:buFont typeface="Arial" pitchFamily="34" charset="0"/>
+              <a:buChar char="•"/>
+            </a:pPr>
+            <a:r>
+              <a:rPr lang="de-DE" sz="2800" b="1" dirty="0" smtClean="0">
+                <a:solidFill>
+                  <a:srgbClr val="6ECDD2"/>
+                </a:solidFill>
+                <a:effectLst>
+                  <a:outerShdw blurRad="38100" dist="38100" dir="2700000" algn="tl">
+                    <a:srgbClr val="000000">
+                      <a:alpha val="43137"/>
+                    </a:srgbClr>
+                  </a:outerShdw>
+                </a:effectLst>
+                <a:latin typeface="Calibri" pitchFamily="34" charset="0"/>
+              </a:rPr>
+              <a:t>Projektmanagement:</a:t>
+            </a:r>
+            <a:r>
+              <a:rPr lang="de-DE" sz="2800" b="1" dirty="0" smtClean="0">
+                <a:solidFill>
+                  <a:srgbClr val="6ECDD2"/>
+                </a:solidFill>
+                <a:latin typeface="Calibri" pitchFamily="34" charset="0"/>
+              </a:rPr>
+              <a:t/>
+            </a:r>
+            <a:br>
+              <a:rPr lang="de-DE" sz="2800" b="1" dirty="0" smtClean="0">
+                <a:solidFill>
+                  <a:srgbClr val="6ECDD2"/>
+                </a:solidFill>
+                <a:latin typeface="Calibri" pitchFamily="34" charset="0"/>
+              </a:rPr>
+            </a:br>
+            <a:r>
+              <a:rPr lang="de-DE" sz="2800" dirty="0" err="1" smtClean="0">
+                <a:solidFill>
+                  <a:schemeClr val="bg1"/>
+                </a:solidFill>
+                <a:latin typeface="Calibri" pitchFamily="34" charset="0"/>
+              </a:rPr>
+              <a:t>Jira</a:t>
+            </a:r>
+            <a:r>
+              <a:rPr lang="de-DE" sz="2800" dirty="0" smtClean="0">
+                <a:solidFill>
+                  <a:schemeClr val="bg1"/>
+                </a:solidFill>
+                <a:latin typeface="Calibri" pitchFamily="34" charset="0"/>
+              </a:rPr>
+              <a:t> + </a:t>
+            </a:r>
+            <a:r>
+              <a:rPr lang="de-DE" sz="2800" dirty="0" err="1" smtClean="0">
+                <a:solidFill>
+                  <a:schemeClr val="bg1"/>
+                </a:solidFill>
+                <a:latin typeface="Calibri" pitchFamily="34" charset="0"/>
+              </a:rPr>
+              <a:t>MSProject</a:t>
+            </a:r>
+            <a:endParaRPr lang="de-DE" sz="2800" dirty="0">
+              <a:solidFill>
+                <a:schemeClr val="bg1"/>
+              </a:solidFill>
+              <a:latin typeface="Calibri" pitchFamily="34" charset="0"/>
+            </a:endParaRPr>
+          </a:p>
+          <a:p>
+            <a:pPr marL="285750" indent="-285750">
+              <a:buFont typeface="Arial" pitchFamily="34" charset="0"/>
+              <a:buChar char="•"/>
+            </a:pPr>
+            <a:r>
+              <a:rPr lang="de-DE" sz="2800" b="1" dirty="0" smtClean="0">
+                <a:solidFill>
+                  <a:srgbClr val="6ECDD2"/>
+                </a:solidFill>
+                <a:effectLst>
+                  <a:outerShdw blurRad="38100" dist="38100" dir="2700000" algn="tl">
+                    <a:srgbClr val="000000">
+                      <a:alpha val="43137"/>
+                    </a:srgbClr>
+                  </a:outerShdw>
+                </a:effectLst>
+                <a:latin typeface="Calibri" pitchFamily="34" charset="0"/>
+              </a:rPr>
+              <a:t>Versionskontrolle</a:t>
+            </a:r>
+            <a:r>
+              <a:rPr lang="de-DE" sz="2800" b="1" dirty="0" smtClean="0">
+                <a:solidFill>
+                  <a:srgbClr val="6ECDD2"/>
+                </a:solidFill>
+                <a:latin typeface="Calibri" pitchFamily="34" charset="0"/>
+              </a:rPr>
+              <a:t>:</a:t>
+            </a:r>
+            <a:br>
+              <a:rPr lang="de-DE" sz="2800" b="1" dirty="0" smtClean="0">
+                <a:solidFill>
+                  <a:srgbClr val="6ECDD2"/>
+                </a:solidFill>
+                <a:latin typeface="Calibri" pitchFamily="34" charset="0"/>
+              </a:rPr>
+            </a:br>
+            <a:r>
+              <a:rPr lang="de-DE" sz="2800" dirty="0" err="1" smtClean="0">
+                <a:solidFill>
+                  <a:schemeClr val="bg1"/>
+                </a:solidFill>
+                <a:latin typeface="Calibri" pitchFamily="34" charset="0"/>
+              </a:rPr>
+              <a:t>Git</a:t>
+            </a:r>
+            <a:endParaRPr lang="de-DE" sz="2800" dirty="0">
+              <a:solidFill>
+                <a:schemeClr val="bg1"/>
+              </a:solidFill>
+              <a:latin typeface="Calibri" pitchFamily="34" charset="0"/>
+            </a:endParaRPr>
+          </a:p>
+          <a:p>
+            <a:pPr marL="285750" indent="-285750">
+              <a:buFont typeface="Arial" pitchFamily="34" charset="0"/>
+              <a:buChar char="•"/>
+            </a:pPr>
+            <a:r>
+              <a:rPr lang="de-DE" sz="2800" b="1" dirty="0" err="1" smtClean="0">
+                <a:solidFill>
+                  <a:srgbClr val="6ECDD2"/>
+                </a:solidFill>
+                <a:effectLst>
+                  <a:outerShdw blurRad="38100" dist="38100" dir="2700000" algn="tl">
+                    <a:srgbClr val="000000">
+                      <a:alpha val="43137"/>
+                    </a:srgbClr>
+                  </a:outerShdw>
+                </a:effectLst>
+                <a:latin typeface="Calibri" pitchFamily="34" charset="0"/>
+              </a:rPr>
+              <a:t>Metri</a:t>
+            </a:r>
+            <a:r>
+              <a:rPr lang="de-DE" sz="2800" b="1" dirty="0" err="1">
+                <a:solidFill>
+                  <a:srgbClr val="6ECDD2"/>
+                </a:solidFill>
+                <a:effectLst>
+                  <a:outerShdw blurRad="38100" dist="38100" dir="2700000" algn="tl">
+                    <a:srgbClr val="000000">
+                      <a:alpha val="43137"/>
+                    </a:srgbClr>
+                  </a:outerShdw>
+                </a:effectLst>
+                <a:latin typeface="Calibri" pitchFamily="34" charset="0"/>
+              </a:rPr>
+              <a:t>k</a:t>
+            </a:r>
+            <a:r>
+              <a:rPr lang="de-DE" sz="2800" b="1" dirty="0" err="1" smtClean="0">
+                <a:solidFill>
+                  <a:srgbClr val="6ECDD2"/>
+                </a:solidFill>
+                <a:effectLst>
+                  <a:outerShdw blurRad="38100" dist="38100" dir="2700000" algn="tl">
+                    <a:srgbClr val="000000">
+                      <a:alpha val="43137"/>
+                    </a:srgbClr>
+                  </a:outerShdw>
+                </a:effectLst>
+                <a:latin typeface="Calibri" pitchFamily="34" charset="0"/>
+              </a:rPr>
+              <a:t>analyse</a:t>
+            </a:r>
+            <a:r>
+              <a:rPr lang="de-DE" sz="2800" b="1" dirty="0" smtClean="0">
+                <a:solidFill>
+                  <a:srgbClr val="6ECDD2"/>
+                </a:solidFill>
+                <a:effectLst>
+                  <a:outerShdw blurRad="38100" dist="38100" dir="2700000" algn="tl">
+                    <a:srgbClr val="000000">
+                      <a:alpha val="43137"/>
+                    </a:srgbClr>
+                  </a:outerShdw>
+                </a:effectLst>
+                <a:latin typeface="Calibri" pitchFamily="34" charset="0"/>
+              </a:rPr>
+              <a:t> &amp; Codequalität:</a:t>
+            </a:r>
+            <a:r>
+              <a:rPr lang="de-DE" sz="2800" b="1" dirty="0" smtClean="0">
+                <a:solidFill>
+                  <a:srgbClr val="6ECDD2"/>
+                </a:solidFill>
+                <a:latin typeface="Calibri" pitchFamily="34" charset="0"/>
+              </a:rPr>
+              <a:t/>
+            </a:r>
+            <a:br>
+              <a:rPr lang="de-DE" sz="2800" b="1" dirty="0" smtClean="0">
+                <a:solidFill>
+                  <a:srgbClr val="6ECDD2"/>
+                </a:solidFill>
+                <a:latin typeface="Calibri" pitchFamily="34" charset="0"/>
+              </a:rPr>
+            </a:br>
+            <a:r>
+              <a:rPr lang="de-DE" sz="2800" dirty="0" smtClean="0">
+                <a:solidFill>
+                  <a:schemeClr val="bg1"/>
+                </a:solidFill>
+                <a:latin typeface="Calibri" pitchFamily="34" charset="0"/>
+              </a:rPr>
+              <a:t>Sonar</a:t>
+            </a:r>
+            <a:endParaRPr lang="de-DE" sz="2800" dirty="0">
+              <a:solidFill>
+                <a:schemeClr val="bg1"/>
+              </a:solidFill>
+              <a:latin typeface="Calibri" pitchFamily="34" charset="0"/>
+            </a:endParaRPr>
+          </a:p>
+          <a:p>
+            <a:pPr marL="285750" indent="-285750">
+              <a:buFont typeface="Arial" pitchFamily="34" charset="0"/>
+              <a:buChar char="•"/>
+            </a:pPr>
+            <a:r>
+              <a:rPr lang="de-DE" sz="2800" b="1" dirty="0" smtClean="0">
+                <a:solidFill>
+                  <a:srgbClr val="6ECDD2"/>
+                </a:solidFill>
+                <a:effectLst>
+                  <a:outerShdw blurRad="38100" dist="38100" dir="2700000" algn="tl">
+                    <a:srgbClr val="000000">
+                      <a:alpha val="43137"/>
+                    </a:srgbClr>
+                  </a:outerShdw>
+                </a:effectLst>
+                <a:latin typeface="Calibri" pitchFamily="34" charset="0"/>
+              </a:rPr>
+              <a:t>Testabdeckung:</a:t>
+            </a:r>
+            <a:r>
+              <a:rPr lang="de-DE" sz="2800" b="1" dirty="0" smtClean="0">
+                <a:solidFill>
+                  <a:srgbClr val="6ECDD2"/>
+                </a:solidFill>
+                <a:latin typeface="Calibri" pitchFamily="34" charset="0"/>
+              </a:rPr>
+              <a:t/>
+            </a:r>
+            <a:br>
+              <a:rPr lang="de-DE" sz="2800" b="1" dirty="0" smtClean="0">
+                <a:solidFill>
+                  <a:srgbClr val="6ECDD2"/>
+                </a:solidFill>
+                <a:latin typeface="Calibri" pitchFamily="34" charset="0"/>
+              </a:rPr>
+            </a:br>
+            <a:r>
+              <a:rPr lang="de-DE" sz="2800" dirty="0" smtClean="0">
+                <a:solidFill>
+                  <a:schemeClr val="bg1"/>
+                </a:solidFill>
+                <a:latin typeface="Calibri" pitchFamily="34" charset="0"/>
+              </a:rPr>
+              <a:t>Emma</a:t>
+            </a:r>
+            <a:endParaRPr lang="de-DE" sz="2800" dirty="0">
+              <a:solidFill>
+                <a:schemeClr val="bg1"/>
+              </a:solidFill>
+              <a:latin typeface="Calibri" pitchFamily="34" charset="0"/>
+            </a:endParaRPr>
+          </a:p>
+          <a:p>
+            <a:pPr marL="285750" indent="-285750">
+              <a:buFont typeface="Arial" pitchFamily="34" charset="0"/>
+              <a:buChar char="•"/>
+            </a:pPr>
+            <a:r>
+              <a:rPr lang="de-DE" sz="2800" b="1" dirty="0" smtClean="0">
+                <a:solidFill>
+                  <a:srgbClr val="6ECDD2"/>
+                </a:solidFill>
+                <a:effectLst>
+                  <a:outerShdw blurRad="38100" dist="38100" dir="2700000" algn="tl">
+                    <a:srgbClr val="000000">
+                      <a:alpha val="43137"/>
+                    </a:srgbClr>
+                  </a:outerShdw>
+                </a:effectLst>
+                <a:latin typeface="Calibri" pitchFamily="34" charset="0"/>
+              </a:rPr>
+              <a:t>Tests:</a:t>
+            </a:r>
+            <a:r>
+              <a:rPr lang="de-DE" sz="2800" b="1" dirty="0">
+                <a:solidFill>
+                  <a:srgbClr val="6ECDD2"/>
+                </a:solidFill>
+                <a:latin typeface="Calibri" pitchFamily="34" charset="0"/>
+              </a:rPr>
+              <a:t/>
+            </a:r>
+            <a:br>
+              <a:rPr lang="de-DE" sz="2800" b="1" dirty="0">
+                <a:solidFill>
+                  <a:srgbClr val="6ECDD2"/>
+                </a:solidFill>
+                <a:latin typeface="Calibri" pitchFamily="34" charset="0"/>
+              </a:rPr>
+            </a:br>
+            <a:r>
+              <a:rPr lang="de-DE" sz="2800" dirty="0" err="1" smtClean="0">
+                <a:solidFill>
+                  <a:schemeClr val="bg1"/>
+                </a:solidFill>
+                <a:latin typeface="Calibri" pitchFamily="34" charset="0"/>
+              </a:rPr>
+              <a:t>JUnit</a:t>
+            </a:r>
+            <a:r>
+              <a:rPr lang="de-DE" sz="2800" dirty="0">
+                <a:solidFill>
+                  <a:schemeClr val="bg1"/>
+                </a:solidFill>
+                <a:latin typeface="Calibri" pitchFamily="34" charset="0"/>
+              </a:rPr>
+              <a:t> </a:t>
+            </a:r>
+            <a:r>
+              <a:rPr lang="de-DE" sz="2800" dirty="0" smtClean="0">
+                <a:solidFill>
+                  <a:schemeClr val="bg1"/>
+                </a:solidFill>
+                <a:latin typeface="Calibri" pitchFamily="34" charset="0"/>
+              </a:rPr>
+              <a:t>&amp; </a:t>
+            </a:r>
+            <a:r>
+              <a:rPr lang="de-DE" sz="2800" dirty="0" err="1" smtClean="0">
+                <a:solidFill>
+                  <a:schemeClr val="bg1"/>
+                </a:solidFill>
+                <a:latin typeface="Calibri" pitchFamily="34" charset="0"/>
+              </a:rPr>
+              <a:t>Calabash</a:t>
+            </a:r>
+            <a:r>
+              <a:rPr lang="de-DE" sz="2800" dirty="0" smtClean="0">
+                <a:solidFill>
+                  <a:schemeClr val="bg1"/>
+                </a:solidFill>
+                <a:latin typeface="Calibri" pitchFamily="34" charset="0"/>
+              </a:rPr>
+              <a:t> </a:t>
+            </a:r>
+            <a:r>
+              <a:rPr lang="de-DE" sz="2800" dirty="0" err="1" smtClean="0">
+                <a:solidFill>
+                  <a:schemeClr val="bg1"/>
+                </a:solidFill>
+                <a:latin typeface="Calibri" pitchFamily="34" charset="0"/>
+              </a:rPr>
+              <a:t>Android</a:t>
+            </a:r>
+            <a:r>
+              <a:rPr lang="de-DE" sz="2800" b="1" dirty="0" smtClean="0">
+                <a:solidFill>
+                  <a:srgbClr val="6ECDD2"/>
+                </a:solidFill>
+                <a:latin typeface="Calibri" pitchFamily="34" charset="0"/>
+              </a:rPr>
+              <a:t> </a:t>
+            </a:r>
+          </a:p>
+        </p:txBody>
+      </p:sp>
+      <p:sp>
+        <p:nvSpPr>
           <p:cNvPr id="5" name="Titel 1"/>
           <p:cNvSpPr txBox="1">
             <a:spLocks/>
@@ -4398,6 +5441,160 @@
           </a:lstStyle>
           <a:p>
             <a:r>
+              <a:rPr lang="de-DE" dirty="0">
+                <a:latin typeface="Calibri" pitchFamily="34" charset="0"/>
+              </a:rPr>
+              <a:t>Verwendete Tools</a:t>
+            </a:r>
+          </a:p>
+        </p:txBody>
+      </p:sp>
+    </p:spTree>
+    <p:extLst>
+      <p:ext uri="{BB962C8B-B14F-4D97-AF65-F5344CB8AC3E}">
+        <p14:creationId xmlns:p14="http://schemas.microsoft.com/office/powerpoint/2010/main" val="1426639316"/>
+      </p:ext>
+    </p:extLst>
+  </p:cSld>
+  <p:clrMapOvr>
+    <a:masterClrMapping/>
+  </p:clrMapOvr>
+  <p:timing>
+    <p:tnLst>
+      <p:par>
+        <p:cTn id="1" dur="indefinite" restart="never" nodeType="tmRoot"/>
+      </p:par>
+    </p:tnLst>
+  </p:timing>
+</p:sld>
+</file>
+
+<file path=ppt/slides/slide11.xml><?xml version="1.0" encoding="utf-8"?>
+<p:sld xmlns:a="http://schemas.openxmlformats.org/drawingml/2006/main" xmlns:r="http://schemas.openxmlformats.org/officeDocument/2006/relationships" xmlns:p="http://schemas.openxmlformats.org/presentationml/2006/main">
+  <p:cSld>
+    <p:bg>
+      <p:bgPr>
+        <a:blipFill dpi="0" rotWithShape="1">
+          <a:blip r:embed="rId3">
+            <a:lum/>
+          </a:blip>
+          <a:srcRect/>
+          <a:stretch>
+            <a:fillRect/>
+          </a:stretch>
+        </a:blipFill>
+        <a:effectLst/>
+      </p:bgPr>
+    </p:bg>
+    <p:spTree>
+      <p:nvGrpSpPr>
+        <p:cNvPr id="1" name=""/>
+        <p:cNvGrpSpPr/>
+        <p:nvPr/>
+      </p:nvGrpSpPr>
+      <p:grpSpPr>
+        <a:xfrm>
+          <a:off x="0" y="0"/>
+          <a:ext cx="0" cy="0"/>
+          <a:chOff x="0" y="0"/>
+          <a:chExt cx="0" cy="0"/>
+        </a:xfrm>
+      </p:grpSpPr>
+      <p:sp>
+        <p:nvSpPr>
+          <p:cNvPr id="5" name="Titel 1"/>
+          <p:cNvSpPr txBox="1">
+            <a:spLocks/>
+          </p:cNvSpPr>
+          <p:nvPr/>
+        </p:nvSpPr>
+        <p:spPr>
+          <a:xfrm>
+            <a:off x="539552" y="260648"/>
+            <a:ext cx="6172200" cy="1008112"/>
+          </a:xfrm>
+          <a:prstGeom prst="rect">
+            <a:avLst/>
+          </a:prstGeom>
+        </p:spPr>
+        <p:txBody>
+          <a:bodyPr vert="horz" lIns="91440" tIns="45720" rIns="91440" bIns="45720" rtlCol="0" anchor="t">
+            <a:noAutofit/>
+          </a:bodyPr>
+          <a:lstStyle>
+            <a:lvl1pPr algn="l" defTabSz="914400" rtl="0" eaLnBrk="1" latinLnBrk="0" hangingPunct="1">
+              <a:spcBef>
+                <a:spcPct val="0"/>
+              </a:spcBef>
+              <a:buNone/>
+              <a:defRPr sz="4800" b="1" kern="1200" cap="all" baseline="0">
+                <a:solidFill>
+                  <a:schemeClr val="tx1"/>
+                </a:solidFill>
+                <a:latin typeface="+mj-lt"/>
+                <a:ea typeface="+mj-ea"/>
+                <a:cs typeface="+mj-cs"/>
+              </a:defRPr>
+            </a:lvl1pPr>
+            <a:lvl2pPr eaLnBrk="1" hangingPunct="1">
+              <a:defRPr>
+                <a:solidFill>
+                  <a:schemeClr val="tx2"/>
+                </a:solidFill>
+              </a:defRPr>
+            </a:lvl2pPr>
+            <a:lvl3pPr eaLnBrk="1" hangingPunct="1">
+              <a:defRPr>
+                <a:solidFill>
+                  <a:schemeClr val="tx2"/>
+                </a:solidFill>
+              </a:defRPr>
+            </a:lvl3pPr>
+            <a:lvl4pPr eaLnBrk="1" hangingPunct="1">
+              <a:defRPr>
+                <a:solidFill>
+                  <a:schemeClr val="tx2"/>
+                </a:solidFill>
+              </a:defRPr>
+            </a:lvl4pPr>
+            <a:lvl5pPr eaLnBrk="1" hangingPunct="1">
+              <a:defRPr>
+                <a:solidFill>
+                  <a:schemeClr val="tx2"/>
+                </a:solidFill>
+              </a:defRPr>
+            </a:lvl5pPr>
+            <a:lvl6pPr eaLnBrk="1" hangingPunct="1">
+              <a:defRPr>
+                <a:solidFill>
+                  <a:schemeClr val="tx2"/>
+                </a:solidFill>
+              </a:defRPr>
+            </a:lvl6pPr>
+            <a:lvl7pPr eaLnBrk="1" hangingPunct="1">
+              <a:defRPr>
+                <a:solidFill>
+                  <a:schemeClr val="tx2"/>
+                </a:solidFill>
+              </a:defRPr>
+            </a:lvl7pPr>
+            <a:lvl8pPr eaLnBrk="1" hangingPunct="1">
+              <a:defRPr>
+                <a:solidFill>
+                  <a:schemeClr val="tx2"/>
+                </a:solidFill>
+              </a:defRPr>
+            </a:lvl8pPr>
+            <a:lvl9pPr eaLnBrk="1" hangingPunct="1">
+              <a:defRPr>
+                <a:solidFill>
+                  <a:schemeClr val="tx2"/>
+                </a:solidFill>
+              </a:defRPr>
+            </a:lvl9pPr>
+          </a:lstStyle>
+          <a:p>
+            <a:r>
               <a:rPr lang="de-DE" dirty="0" smtClean="0">
                 <a:latin typeface="Calibri" pitchFamily="34" charset="0"/>
               </a:rPr>
@@ -4418,7 +5615,7 @@
           <p:nvPr/>
         </p:nvPicPr>
         <p:blipFill>
-          <a:blip r:embed="rId3">
+          <a:blip r:embed="rId4">
             <a:extLst>
               <a:ext uri="{28A0092B-C50C-407E-A947-70E740481C1C}">
                 <a14:useLocalDpi xmlns:a14="http://schemas.microsoft.com/office/drawing/2010/main" val="0"/>
@@ -4459,13 +5656,13 @@
 </p:sld>
 </file>
 
-<file path=ppt/slides/slide11.xml><?xml version="1.0" encoding="utf-8"?>
+<file path=ppt/slides/slide12.xml><?xml version="1.0" encoding="utf-8"?>
 <p:sld xmlns:a="http://schemas.openxmlformats.org/drawingml/2006/main" xmlns:r="http://schemas.openxmlformats.org/officeDocument/2006/relationships" xmlns:p="http://schemas.openxmlformats.org/presentationml/2006/main">
   <p:cSld>
     <p:bg>
       <p:bgPr>
         <a:blipFill dpi="0" rotWithShape="1">
-          <a:blip r:embed="rId2">
+          <a:blip r:embed="rId3">
             <a:lum/>
           </a:blip>
           <a:srcRect/>
@@ -4617,7 +5814,7 @@
           <p:nvPr/>
         </p:nvPicPr>
         <p:blipFill rotWithShape="1">
-          <a:blip r:embed="rId3">
+          <a:blip r:embed="rId4">
             <a:extLst>
               <a:ext uri="{28A0092B-C50C-407E-A947-70E740481C1C}">
                 <a14:useLocalDpi xmlns:a14="http://schemas.microsoft.com/office/drawing/2010/main" val="0"/>
@@ -4813,13 +6010,13 @@
 </p:sld>
 </file>
 
-<file path=ppt/slides/slide12.xml><?xml version="1.0" encoding="utf-8"?>
+<file path=ppt/slides/slide13.xml><?xml version="1.0" encoding="utf-8"?>
 <p:sld xmlns:a="http://schemas.openxmlformats.org/drawingml/2006/main" xmlns:r="http://schemas.openxmlformats.org/officeDocument/2006/relationships" xmlns:p="http://schemas.openxmlformats.org/presentationml/2006/main">
   <p:cSld>
     <p:bg>
       <p:bgPr>
         <a:blipFill dpi="0" rotWithShape="1">
-          <a:blip r:embed="rId2">
+          <a:blip r:embed="rId3">
             <a:lum/>
           </a:blip>
           <a:srcRect/>
@@ -5387,13 +6584,13 @@
 </p:sld>
 </file>
 
-<file path=ppt/slides/slide13.xml><?xml version="1.0" encoding="utf-8"?>
+<file path=ppt/slides/slide14.xml><?xml version="1.0" encoding="utf-8"?>
 <p:sld xmlns:a="http://schemas.openxmlformats.org/drawingml/2006/main" xmlns:r="http://schemas.openxmlformats.org/officeDocument/2006/relationships" xmlns:p="http://schemas.openxmlformats.org/presentationml/2006/main">
   <p:cSld>
     <p:bg>
       <p:bgPr>
         <a:blipFill dpi="0" rotWithShape="1">
-          <a:blip r:embed="rId2">
+          <a:blip r:embed="rId3">
             <a:lum/>
           </a:blip>
           <a:srcRect/>
@@ -5533,7 +6730,7 @@
           <p:nvPr/>
         </p:nvPicPr>
         <p:blipFill>
-          <a:blip r:embed="rId3">
+          <a:blip r:embed="rId4">
             <a:extLst>
               <a:ext uri="{28A0092B-C50C-407E-A947-70E740481C1C}">
                 <a14:useLocalDpi xmlns:a14="http://schemas.microsoft.com/office/drawing/2010/main" val="0"/>
@@ -5574,7 +6771,7 @@
 </p:sld>
 </file>
 
-<file path=ppt/slides/slide14.xml><?xml version="1.0" encoding="utf-8"?>
+<file path=ppt/slides/slide15.xml><?xml version="1.0" encoding="utf-8"?>
 <p:sld xmlns:a="http://schemas.openxmlformats.org/drawingml/2006/main" xmlns:r="http://schemas.openxmlformats.org/officeDocument/2006/relationships" xmlns:p="http://schemas.openxmlformats.org/presentationml/2006/main">
   <p:cSld>
     <p:bg>
@@ -5942,7 +7139,7 @@
 </p:sld>
 </file>
 
-<file path=ppt/slides/slide15.xml><?xml version="1.0" encoding="utf-8"?>
+<file path=ppt/slides/slide16.xml><?xml version="1.0" encoding="utf-8"?>
 <p:sld xmlns:a="http://schemas.openxmlformats.org/drawingml/2006/main" xmlns:r="http://schemas.openxmlformats.org/officeDocument/2006/relationships" xmlns:p="http://schemas.openxmlformats.org/presentationml/2006/main">
   <p:cSld>
     <p:bg>
@@ -6181,13 +7378,13 @@
 </p:sld>
 </file>
 
-<file path=ppt/slides/slide16.xml><?xml version="1.0" encoding="utf-8"?>
+<file path=ppt/slides/slide17.xml><?xml version="1.0" encoding="utf-8"?>
 <p:sld xmlns:a="http://schemas.openxmlformats.org/drawingml/2006/main" xmlns:r="http://schemas.openxmlformats.org/officeDocument/2006/relationships" xmlns:p="http://schemas.openxmlformats.org/presentationml/2006/main">
   <p:cSld>
     <p:bg>
       <p:bgPr>
         <a:blipFill dpi="0" rotWithShape="1">
-          <a:blip r:embed="rId2">
+          <a:blip r:embed="rId3">
             <a:lum/>
           </a:blip>
           <a:srcRect/>
@@ -6336,7 +7533,7 @@
         </p:xfrm>
         <a:graphic>
           <a:graphicData uri="http://schemas.openxmlformats.org/drawingml/2006/chart">
-            <c:chart xmlns:c="http://schemas.openxmlformats.org/drawingml/2006/chart" xmlns:r="http://schemas.openxmlformats.org/officeDocument/2006/relationships" r:id="rId3"/>
+            <c:chart xmlns:c="http://schemas.openxmlformats.org/drawingml/2006/chart" xmlns:r="http://schemas.openxmlformats.org/officeDocument/2006/relationships" r:id="rId4"/>
           </a:graphicData>
         </a:graphic>
       </p:graphicFrame>
@@ -6358,7 +7555,7 @@
         </p:xfrm>
         <a:graphic>
           <a:graphicData uri="http://schemas.openxmlformats.org/drawingml/2006/chart">
-            <c:chart xmlns:c="http://schemas.openxmlformats.org/drawingml/2006/chart" xmlns:r="http://schemas.openxmlformats.org/officeDocument/2006/relationships" r:id="rId4"/>
+            <c:chart xmlns:c="http://schemas.openxmlformats.org/drawingml/2006/chart" xmlns:r="http://schemas.openxmlformats.org/officeDocument/2006/relationships" r:id="rId5"/>
           </a:graphicData>
         </a:graphic>
       </p:graphicFrame>
@@ -6542,252 +7739,6 @@
     <p:extLst>
       <p:ext uri="{BB962C8B-B14F-4D97-AF65-F5344CB8AC3E}">
         <p14:creationId xmlns:p14="http://schemas.microsoft.com/office/powerpoint/2010/main" val="1029869636"/>
-      </p:ext>
-    </p:extLst>
-  </p:cSld>
-  <p:clrMapOvr>
-    <a:masterClrMapping/>
-  </p:clrMapOvr>
-  <p:timing>
-    <p:tnLst>
-      <p:par>
-        <p:cTn id="1" dur="indefinite" restart="never" nodeType="tmRoot"/>
-      </p:par>
-    </p:tnLst>
-  </p:timing>
-</p:sld>
-</file>
-
-<file path=ppt/slides/slide17.xml><?xml version="1.0" encoding="utf-8"?>
-<p:sld xmlns:a="http://schemas.openxmlformats.org/drawingml/2006/main" xmlns:r="http://schemas.openxmlformats.org/officeDocument/2006/relationships" xmlns:p="http://schemas.openxmlformats.org/presentationml/2006/main">
-  <p:cSld>
-    <p:bg>
-      <p:bgPr>
-        <a:blipFill dpi="0" rotWithShape="1">
-          <a:blip r:embed="rId2">
-            <a:lum/>
-          </a:blip>
-          <a:srcRect/>
-          <a:stretch>
-            <a:fillRect/>
-          </a:stretch>
-        </a:blipFill>
-        <a:effectLst/>
-      </p:bgPr>
-    </p:bg>
-    <p:spTree>
-      <p:nvGrpSpPr>
-        <p:cNvPr id="1" name=""/>
-        <p:cNvGrpSpPr/>
-        <p:nvPr/>
-      </p:nvGrpSpPr>
-      <p:grpSpPr>
-        <a:xfrm>
-          <a:off x="0" y="0"/>
-          <a:ext cx="0" cy="0"/>
-          <a:chOff x="0" y="0"/>
-          <a:chExt cx="0" cy="0"/>
-        </a:xfrm>
-      </p:grpSpPr>
-      <p:sp>
-        <p:nvSpPr>
-          <p:cNvPr id="4" name="Titel 1"/>
-          <p:cNvSpPr txBox="1">
-            <a:spLocks/>
-          </p:cNvSpPr>
-          <p:nvPr/>
-        </p:nvSpPr>
-        <p:spPr>
-          <a:xfrm>
-            <a:off x="539552" y="260648"/>
-            <a:ext cx="6172200" cy="1008112"/>
-          </a:xfrm>
-          <a:prstGeom prst="rect">
-            <a:avLst/>
-          </a:prstGeom>
-        </p:spPr>
-        <p:txBody>
-          <a:bodyPr vert="horz" lIns="91440" tIns="45720" rIns="91440" bIns="45720" rtlCol="0" anchor="t">
-            <a:noAutofit/>
-          </a:bodyPr>
-          <a:lstStyle>
-            <a:lvl1pPr algn="l" defTabSz="914400" rtl="0" eaLnBrk="1" latinLnBrk="0" hangingPunct="1">
-              <a:spcBef>
-                <a:spcPct val="0"/>
-              </a:spcBef>
-              <a:buNone/>
-              <a:defRPr sz="4800" b="1" kern="1200" cap="all" baseline="0">
-                <a:solidFill>
-                  <a:schemeClr val="tx1"/>
-                </a:solidFill>
-                <a:latin typeface="+mj-lt"/>
-                <a:ea typeface="+mj-ea"/>
-                <a:cs typeface="+mj-cs"/>
-              </a:defRPr>
-            </a:lvl1pPr>
-            <a:lvl2pPr eaLnBrk="1" hangingPunct="1">
-              <a:defRPr>
-                <a:solidFill>
-                  <a:schemeClr val="tx2"/>
-                </a:solidFill>
-              </a:defRPr>
-            </a:lvl2pPr>
-            <a:lvl3pPr eaLnBrk="1" hangingPunct="1">
-              <a:defRPr>
-                <a:solidFill>
-                  <a:schemeClr val="tx2"/>
-                </a:solidFill>
-              </a:defRPr>
-            </a:lvl3pPr>
-            <a:lvl4pPr eaLnBrk="1" hangingPunct="1">
-              <a:defRPr>
-                <a:solidFill>
-                  <a:schemeClr val="tx2"/>
-                </a:solidFill>
-              </a:defRPr>
-            </a:lvl4pPr>
-            <a:lvl5pPr eaLnBrk="1" hangingPunct="1">
-              <a:defRPr>
-                <a:solidFill>
-                  <a:schemeClr val="tx2"/>
-                </a:solidFill>
-              </a:defRPr>
-            </a:lvl5pPr>
-            <a:lvl6pPr eaLnBrk="1" hangingPunct="1">
-              <a:defRPr>
-                <a:solidFill>
-                  <a:schemeClr val="tx2"/>
-                </a:solidFill>
-              </a:defRPr>
-            </a:lvl6pPr>
-            <a:lvl7pPr eaLnBrk="1" hangingPunct="1">
-              <a:defRPr>
-                <a:solidFill>
-                  <a:schemeClr val="tx2"/>
-                </a:solidFill>
-              </a:defRPr>
-            </a:lvl7pPr>
-            <a:lvl8pPr eaLnBrk="1" hangingPunct="1">
-              <a:defRPr>
-                <a:solidFill>
-                  <a:schemeClr val="tx2"/>
-                </a:solidFill>
-              </a:defRPr>
-            </a:lvl8pPr>
-            <a:lvl9pPr eaLnBrk="1" hangingPunct="1">
-              <a:defRPr>
-                <a:solidFill>
-                  <a:schemeClr val="tx2"/>
-                </a:solidFill>
-              </a:defRPr>
-            </a:lvl9pPr>
-          </a:lstStyle>
-          <a:p>
-            <a:r>
-              <a:rPr lang="de-DE" dirty="0" err="1" smtClean="0">
-                <a:latin typeface="Calibri" pitchFamily="34" charset="0"/>
-              </a:rPr>
-              <a:t>Metrikanalyse</a:t>
-            </a:r>
-            <a:r>
-              <a:rPr lang="de-DE" dirty="0" smtClean="0">
-                <a:latin typeface="Calibri" pitchFamily="34" charset="0"/>
-              </a:rPr>
-              <a:t> </a:t>
-            </a:r>
-            <a:endParaRPr lang="de-DE" dirty="0">
-              <a:latin typeface="Calibri" pitchFamily="34" charset="0"/>
-            </a:endParaRPr>
-          </a:p>
-        </p:txBody>
-      </p:sp>
-      <p:sp>
-        <p:nvSpPr>
-          <p:cNvPr id="5" name="Textplatzhalter 2"/>
-          <p:cNvSpPr>
-            <a:spLocks noGrp="1"/>
-          </p:cNvSpPr>
-          <p:nvPr>
-            <p:ph type="body" idx="1"/>
-          </p:nvPr>
-        </p:nvSpPr>
-        <p:spPr>
-          <a:xfrm>
-            <a:off x="539552" y="1700808"/>
-            <a:ext cx="7848872" cy="4392488"/>
-          </a:xfrm>
-        </p:spPr>
-        <p:txBody>
-          <a:bodyPr>
-            <a:normAutofit/>
-          </a:bodyPr>
-          <a:lstStyle/>
-          <a:p>
-            <a:pPr marL="285750" indent="-285750">
-              <a:buFont typeface="Arial" pitchFamily="34" charset="0"/>
-              <a:buChar char="•"/>
-            </a:pPr>
-            <a:r>
-              <a:rPr lang="de-DE" sz="2800" b="1" dirty="0" smtClean="0">
-                <a:solidFill>
-                  <a:srgbClr val="6ECDD2"/>
-                </a:solidFill>
-                <a:effectLst>
-                  <a:outerShdw blurRad="38100" dist="38100" dir="2700000" algn="tl">
-                    <a:srgbClr val="000000">
-                      <a:alpha val="43137"/>
-                    </a:srgbClr>
-                  </a:outerShdw>
-                </a:effectLst>
-                <a:latin typeface="Calibri" pitchFamily="34" charset="0"/>
-              </a:rPr>
-              <a:t>Sonar</a:t>
-            </a:r>
-            <a:r>
-              <a:rPr lang="de-DE" sz="2800" b="1" dirty="0" smtClean="0">
-                <a:solidFill>
-                  <a:srgbClr val="6ECDD2"/>
-                </a:solidFill>
-              </a:rPr>
-              <a:t> </a:t>
-            </a:r>
-          </a:p>
-        </p:txBody>
-      </p:sp>
-      <p:pic>
-        <p:nvPicPr>
-          <p:cNvPr id="8" name="Grafik 7"/>
-          <p:cNvPicPr>
-            <a:picLocks noChangeAspect="1"/>
-          </p:cNvPicPr>
-          <p:nvPr/>
-        </p:nvPicPr>
-        <p:blipFill>
-          <a:blip r:embed="rId3">
-            <a:extLst>
-              <a:ext uri="{28A0092B-C50C-407E-A947-70E740481C1C}">
-                <a14:useLocalDpi xmlns:a14="http://schemas.microsoft.com/office/drawing/2010/main" val="0"/>
-              </a:ext>
-            </a:extLst>
-          </a:blip>
-          <a:stretch>
-            <a:fillRect/>
-          </a:stretch>
-        </p:blipFill>
-        <p:spPr>
-          <a:xfrm>
-            <a:off x="539551" y="2490904"/>
-            <a:ext cx="7308605" cy="2666288"/>
-          </a:xfrm>
-          <a:prstGeom prst="rect">
-            <a:avLst/>
-          </a:prstGeom>
-        </p:spPr>
-      </p:pic>
-    </p:spTree>
-    <p:extLst>
-      <p:ext uri="{BB962C8B-B14F-4D97-AF65-F5344CB8AC3E}">
-        <p14:creationId xmlns:p14="http://schemas.microsoft.com/office/powerpoint/2010/main" val="4043003142"/>
       </p:ext>
     </p:extLst>
   </p:cSld>
@@ -6930,10 +7881,16 @@
           </a:lstStyle>
           <a:p>
             <a:r>
+              <a:rPr lang="de-DE" dirty="0" err="1" smtClean="0">
+                <a:latin typeface="Calibri" pitchFamily="34" charset="0"/>
+              </a:rPr>
+              <a:t>Metrikanalyse</a:t>
+            </a:r>
+            <a:r>
               <a:rPr lang="de-DE" dirty="0" smtClean="0">
                 <a:latin typeface="Calibri" pitchFamily="34" charset="0"/>
               </a:rPr>
-              <a:t>Kritische Methode </a:t>
+              <a:t> </a:t>
             </a:r>
             <a:endParaRPr lang="de-DE" dirty="0">
               <a:latin typeface="Calibri" pitchFamily="34" charset="0"/>
@@ -6953,7 +7910,247 @@
         </p:nvSpPr>
         <p:spPr>
           <a:xfrm>
-            <a:off x="2093962" y="5589240"/>
+            <a:off x="539552" y="1700808"/>
+            <a:ext cx="7848872" cy="4392488"/>
+          </a:xfrm>
+        </p:spPr>
+        <p:txBody>
+          <a:bodyPr>
+            <a:normAutofit/>
+          </a:bodyPr>
+          <a:lstStyle/>
+          <a:p>
+            <a:pPr marL="285750" indent="-285750">
+              <a:buFont typeface="Arial" pitchFamily="34" charset="0"/>
+              <a:buChar char="•"/>
+            </a:pPr>
+            <a:r>
+              <a:rPr lang="de-DE" sz="2800" b="1" dirty="0" smtClean="0">
+                <a:solidFill>
+                  <a:srgbClr val="6ECDD2"/>
+                </a:solidFill>
+                <a:effectLst>
+                  <a:outerShdw blurRad="38100" dist="38100" dir="2700000" algn="tl">
+                    <a:srgbClr val="000000">
+                      <a:alpha val="43137"/>
+                    </a:srgbClr>
+                  </a:outerShdw>
+                </a:effectLst>
+                <a:latin typeface="Calibri" pitchFamily="34" charset="0"/>
+              </a:rPr>
+              <a:t>Sonar</a:t>
+            </a:r>
+            <a:r>
+              <a:rPr lang="de-DE" sz="2800" b="1" dirty="0" smtClean="0">
+                <a:solidFill>
+                  <a:srgbClr val="6ECDD2"/>
+                </a:solidFill>
+              </a:rPr>
+              <a:t> </a:t>
+            </a:r>
+          </a:p>
+        </p:txBody>
+      </p:sp>
+      <p:pic>
+        <p:nvPicPr>
+          <p:cNvPr id="8" name="Grafik 7"/>
+          <p:cNvPicPr>
+            <a:picLocks noChangeAspect="1"/>
+          </p:cNvPicPr>
+          <p:nvPr/>
+        </p:nvPicPr>
+        <p:blipFill>
+          <a:blip r:embed="rId4">
+            <a:extLst>
+              <a:ext uri="{28A0092B-C50C-407E-A947-70E740481C1C}">
+                <a14:useLocalDpi xmlns:a14="http://schemas.microsoft.com/office/drawing/2010/main" val="0"/>
+              </a:ext>
+            </a:extLst>
+          </a:blip>
+          <a:stretch>
+            <a:fillRect/>
+          </a:stretch>
+        </p:blipFill>
+        <p:spPr>
+          <a:xfrm>
+            <a:off x="539551" y="2490904"/>
+            <a:ext cx="7308605" cy="2666288"/>
+          </a:xfrm>
+          <a:prstGeom prst="rect">
+            <a:avLst/>
+          </a:prstGeom>
+        </p:spPr>
+      </p:pic>
+    </p:spTree>
+    <p:extLst>
+      <p:ext uri="{BB962C8B-B14F-4D97-AF65-F5344CB8AC3E}">
+        <p14:creationId xmlns:p14="http://schemas.microsoft.com/office/powerpoint/2010/main" val="4043003142"/>
+      </p:ext>
+    </p:extLst>
+  </p:cSld>
+  <p:clrMapOvr>
+    <a:masterClrMapping/>
+  </p:clrMapOvr>
+  <p:timing>
+    <p:tnLst>
+      <p:par>
+        <p:cTn id="1" dur="indefinite" restart="never" nodeType="tmRoot"/>
+      </p:par>
+    </p:tnLst>
+  </p:timing>
+</p:sld>
+</file>
+
+<file path=ppt/slides/slide19.xml><?xml version="1.0" encoding="utf-8"?>
+<p:sld xmlns:a="http://schemas.openxmlformats.org/drawingml/2006/main" xmlns:r="http://schemas.openxmlformats.org/officeDocument/2006/relationships" xmlns:p="http://schemas.openxmlformats.org/presentationml/2006/main">
+  <p:cSld>
+    <p:bg>
+      <p:bgPr>
+        <a:blipFill dpi="0" rotWithShape="1">
+          <a:blip r:embed="rId3">
+            <a:lum/>
+          </a:blip>
+          <a:srcRect/>
+          <a:stretch>
+            <a:fillRect/>
+          </a:stretch>
+        </a:blipFill>
+        <a:effectLst/>
+      </p:bgPr>
+    </p:bg>
+    <p:spTree>
+      <p:nvGrpSpPr>
+        <p:cNvPr id="1" name=""/>
+        <p:cNvGrpSpPr/>
+        <p:nvPr/>
+      </p:nvGrpSpPr>
+      <p:grpSpPr>
+        <a:xfrm>
+          <a:off x="0" y="0"/>
+          <a:ext cx="0" cy="0"/>
+          <a:chOff x="0" y="0"/>
+          <a:chExt cx="0" cy="0"/>
+        </a:xfrm>
+      </p:grpSpPr>
+      <p:sp>
+        <p:nvSpPr>
+          <p:cNvPr id="4" name="Titel 1"/>
+          <p:cNvSpPr txBox="1">
+            <a:spLocks/>
+          </p:cNvSpPr>
+          <p:nvPr/>
+        </p:nvSpPr>
+        <p:spPr>
+          <a:xfrm>
+            <a:off x="539552" y="260648"/>
+            <a:ext cx="6172200" cy="1008112"/>
+          </a:xfrm>
+          <a:prstGeom prst="rect">
+            <a:avLst/>
+          </a:prstGeom>
+        </p:spPr>
+        <p:txBody>
+          <a:bodyPr vert="horz" lIns="91440" tIns="45720" rIns="91440" bIns="45720" rtlCol="0" anchor="t">
+            <a:noAutofit/>
+          </a:bodyPr>
+          <a:lstStyle>
+            <a:lvl1pPr algn="l" defTabSz="914400" rtl="0" eaLnBrk="1" latinLnBrk="0" hangingPunct="1">
+              <a:spcBef>
+                <a:spcPct val="0"/>
+              </a:spcBef>
+              <a:buNone/>
+              <a:defRPr sz="4800" b="1" kern="1200" cap="all" baseline="0">
+                <a:solidFill>
+                  <a:schemeClr val="tx1"/>
+                </a:solidFill>
+                <a:latin typeface="+mj-lt"/>
+                <a:ea typeface="+mj-ea"/>
+                <a:cs typeface="+mj-cs"/>
+              </a:defRPr>
+            </a:lvl1pPr>
+            <a:lvl2pPr eaLnBrk="1" hangingPunct="1">
+              <a:defRPr>
+                <a:solidFill>
+                  <a:schemeClr val="tx2"/>
+                </a:solidFill>
+              </a:defRPr>
+            </a:lvl2pPr>
+            <a:lvl3pPr eaLnBrk="1" hangingPunct="1">
+              <a:defRPr>
+                <a:solidFill>
+                  <a:schemeClr val="tx2"/>
+                </a:solidFill>
+              </a:defRPr>
+            </a:lvl3pPr>
+            <a:lvl4pPr eaLnBrk="1" hangingPunct="1">
+              <a:defRPr>
+                <a:solidFill>
+                  <a:schemeClr val="tx2"/>
+                </a:solidFill>
+              </a:defRPr>
+            </a:lvl4pPr>
+            <a:lvl5pPr eaLnBrk="1" hangingPunct="1">
+              <a:defRPr>
+                <a:solidFill>
+                  <a:schemeClr val="tx2"/>
+                </a:solidFill>
+              </a:defRPr>
+            </a:lvl5pPr>
+            <a:lvl6pPr eaLnBrk="1" hangingPunct="1">
+              <a:defRPr>
+                <a:solidFill>
+                  <a:schemeClr val="tx2"/>
+                </a:solidFill>
+              </a:defRPr>
+            </a:lvl6pPr>
+            <a:lvl7pPr eaLnBrk="1" hangingPunct="1">
+              <a:defRPr>
+                <a:solidFill>
+                  <a:schemeClr val="tx2"/>
+                </a:solidFill>
+              </a:defRPr>
+            </a:lvl7pPr>
+            <a:lvl8pPr eaLnBrk="1" hangingPunct="1">
+              <a:defRPr>
+                <a:solidFill>
+                  <a:schemeClr val="tx2"/>
+                </a:solidFill>
+              </a:defRPr>
+            </a:lvl8pPr>
+            <a:lvl9pPr eaLnBrk="1" hangingPunct="1">
+              <a:defRPr>
+                <a:solidFill>
+                  <a:schemeClr val="tx2"/>
+                </a:solidFill>
+              </a:defRPr>
+            </a:lvl9pPr>
+          </a:lstStyle>
+          <a:p>
+            <a:r>
+              <a:rPr lang="de-DE" dirty="0" smtClean="0">
+                <a:latin typeface="Calibri" pitchFamily="34" charset="0"/>
+              </a:rPr>
+              <a:t>Kritische Methode </a:t>
+            </a:r>
+            <a:endParaRPr lang="de-DE" dirty="0">
+              <a:latin typeface="Calibri" pitchFamily="34" charset="0"/>
+            </a:endParaRPr>
+          </a:p>
+        </p:txBody>
+      </p:sp>
+      <p:sp>
+        <p:nvSpPr>
+          <p:cNvPr id="5" name="Textplatzhalter 2"/>
+          <p:cNvSpPr>
+            <a:spLocks noGrp="1"/>
+          </p:cNvSpPr>
+          <p:nvPr>
+            <p:ph type="body" idx="1"/>
+          </p:nvPr>
+        </p:nvSpPr>
+        <p:spPr>
+          <a:xfrm>
+            <a:off x="800313" y="1700808"/>
             <a:ext cx="2592288" cy="432048"/>
           </a:xfrm>
         </p:spPr>
@@ -7024,7 +8221,7 @@
         </p:blipFill>
         <p:spPr>
           <a:xfrm>
-            <a:off x="528042" y="2276872"/>
+            <a:off x="528042" y="2744924"/>
             <a:ext cx="8316416" cy="3387365"/>
           </a:xfrm>
           <a:prstGeom prst="rect">
@@ -7040,7 +8237,7 @@
         </p:nvSpPr>
         <p:spPr>
           <a:xfrm>
-            <a:off x="539552" y="2852936"/>
+            <a:off x="539552" y="3284984"/>
             <a:ext cx="216024" cy="72008"/>
           </a:xfrm>
           <a:prstGeom prst="rightArrow">
@@ -7095,7 +8292,7 @@
         </p:nvSpPr>
         <p:spPr>
           <a:xfrm>
-            <a:off x="7488324" y="2564904"/>
+            <a:off x="7488324" y="2996952"/>
             <a:ext cx="72008" cy="216024"/>
           </a:xfrm>
           <a:prstGeom prst="downArrow">
@@ -7147,7 +8344,7 @@
         </p:nvSpPr>
         <p:spPr>
           <a:xfrm>
-            <a:off x="1854911" y="5685944"/>
+            <a:off x="561262" y="1797512"/>
             <a:ext cx="216024" cy="211541"/>
           </a:xfrm>
           <a:prstGeom prst="rect">
@@ -7197,7 +8394,7 @@
         </p:nvSpPr>
         <p:spPr>
           <a:xfrm>
-            <a:off x="2093962" y="5915224"/>
+            <a:off x="800313" y="2026792"/>
             <a:ext cx="2592288" cy="432048"/>
           </a:xfrm>
           <a:prstGeom prst="rect">
@@ -7399,7 +8596,7 @@
         </p:nvSpPr>
         <p:spPr>
           <a:xfrm>
-            <a:off x="1854911" y="6011928"/>
+            <a:off x="561262" y="2123496"/>
             <a:ext cx="216024" cy="211541"/>
           </a:xfrm>
           <a:prstGeom prst="rect">
@@ -7447,7 +8644,7 @@
         </p:nvSpPr>
         <p:spPr>
           <a:xfrm>
-            <a:off x="3131840" y="2708920"/>
+            <a:off x="3131840" y="3140968"/>
             <a:ext cx="72008" cy="72008"/>
           </a:xfrm>
           <a:prstGeom prst="downArrow">
@@ -7499,7 +8696,7 @@
         </p:nvSpPr>
         <p:spPr>
           <a:xfrm>
-            <a:off x="5436096" y="2708920"/>
+            <a:off x="5436096" y="3140968"/>
             <a:ext cx="72008" cy="72008"/>
           </a:xfrm>
           <a:prstGeom prst="downArrow">
@@ -7563,7 +8760,562 @@
 </p:sld>
 </file>
 
-<file path=ppt/slides/slide19.xml><?xml version="1.0" encoding="utf-8"?>
+<file path=ppt/slides/slide2.xml><?xml version="1.0" encoding="utf-8"?>
+<p:sld xmlns:a="http://schemas.openxmlformats.org/drawingml/2006/main" xmlns:r="http://schemas.openxmlformats.org/officeDocument/2006/relationships" xmlns:p="http://schemas.openxmlformats.org/presentationml/2006/main">
+  <p:cSld>
+    <p:bg>
+      <p:bgPr>
+        <a:blipFill dpi="0" rotWithShape="1">
+          <a:blip r:embed="rId2">
+            <a:lum/>
+          </a:blip>
+          <a:srcRect/>
+          <a:stretch>
+            <a:fillRect/>
+          </a:stretch>
+        </a:blipFill>
+        <a:effectLst/>
+      </p:bgPr>
+    </p:bg>
+    <p:spTree>
+      <p:nvGrpSpPr>
+        <p:cNvPr id="1" name=""/>
+        <p:cNvGrpSpPr/>
+        <p:nvPr/>
+      </p:nvGrpSpPr>
+      <p:grpSpPr>
+        <a:xfrm>
+          <a:off x="0" y="0"/>
+          <a:ext cx="0" cy="0"/>
+          <a:chOff x="0" y="0"/>
+          <a:chExt cx="0" cy="0"/>
+        </a:xfrm>
+      </p:grpSpPr>
+      <p:sp>
+        <p:nvSpPr>
+          <p:cNvPr id="5" name="Titel 1"/>
+          <p:cNvSpPr txBox="1">
+            <a:spLocks/>
+          </p:cNvSpPr>
+          <p:nvPr/>
+        </p:nvSpPr>
+        <p:spPr>
+          <a:xfrm>
+            <a:off x="539552" y="260648"/>
+            <a:ext cx="6172200" cy="1008112"/>
+          </a:xfrm>
+          <a:prstGeom prst="rect">
+            <a:avLst/>
+          </a:prstGeom>
+        </p:spPr>
+        <p:txBody>
+          <a:bodyPr vert="horz" lIns="91440" tIns="45720" rIns="91440" bIns="45720" rtlCol="0" anchor="t">
+            <a:noAutofit/>
+          </a:bodyPr>
+          <a:lstStyle>
+            <a:lvl1pPr algn="l" defTabSz="914400" rtl="0" eaLnBrk="1" latinLnBrk="0" hangingPunct="1">
+              <a:spcBef>
+                <a:spcPct val="0"/>
+              </a:spcBef>
+              <a:buNone/>
+              <a:defRPr sz="4800" b="1" kern="1200" cap="all" baseline="0">
+                <a:solidFill>
+                  <a:schemeClr val="tx1"/>
+                </a:solidFill>
+                <a:latin typeface="+mj-lt"/>
+                <a:ea typeface="+mj-ea"/>
+                <a:cs typeface="+mj-cs"/>
+              </a:defRPr>
+            </a:lvl1pPr>
+            <a:lvl2pPr eaLnBrk="1" hangingPunct="1">
+              <a:defRPr>
+                <a:solidFill>
+                  <a:schemeClr val="tx2"/>
+                </a:solidFill>
+              </a:defRPr>
+            </a:lvl2pPr>
+            <a:lvl3pPr eaLnBrk="1" hangingPunct="1">
+              <a:defRPr>
+                <a:solidFill>
+                  <a:schemeClr val="tx2"/>
+                </a:solidFill>
+              </a:defRPr>
+            </a:lvl3pPr>
+            <a:lvl4pPr eaLnBrk="1" hangingPunct="1">
+              <a:defRPr>
+                <a:solidFill>
+                  <a:schemeClr val="tx2"/>
+                </a:solidFill>
+              </a:defRPr>
+            </a:lvl4pPr>
+            <a:lvl5pPr eaLnBrk="1" hangingPunct="1">
+              <a:defRPr>
+                <a:solidFill>
+                  <a:schemeClr val="tx2"/>
+                </a:solidFill>
+              </a:defRPr>
+            </a:lvl5pPr>
+            <a:lvl6pPr eaLnBrk="1" hangingPunct="1">
+              <a:defRPr>
+                <a:solidFill>
+                  <a:schemeClr val="tx2"/>
+                </a:solidFill>
+              </a:defRPr>
+            </a:lvl6pPr>
+            <a:lvl7pPr eaLnBrk="1" hangingPunct="1">
+              <a:defRPr>
+                <a:solidFill>
+                  <a:schemeClr val="tx2"/>
+                </a:solidFill>
+              </a:defRPr>
+            </a:lvl7pPr>
+            <a:lvl8pPr eaLnBrk="1" hangingPunct="1">
+              <a:defRPr>
+                <a:solidFill>
+                  <a:schemeClr val="tx2"/>
+                </a:solidFill>
+              </a:defRPr>
+            </a:lvl8pPr>
+            <a:lvl9pPr eaLnBrk="1" hangingPunct="1">
+              <a:defRPr>
+                <a:solidFill>
+                  <a:schemeClr val="tx2"/>
+                </a:solidFill>
+              </a:defRPr>
+            </a:lvl9pPr>
+          </a:lstStyle>
+          <a:p>
+            <a:r>
+              <a:rPr lang="de-DE" dirty="0" err="1" smtClean="0">
+                <a:latin typeface="Calibri" pitchFamily="34" charset="0"/>
+              </a:rPr>
+              <a:t>aGENDA</a:t>
+            </a:r>
+            <a:endParaRPr lang="de-DE" dirty="0">
+              <a:latin typeface="Calibri" pitchFamily="34" charset="0"/>
+            </a:endParaRPr>
+          </a:p>
+        </p:txBody>
+      </p:sp>
+      <p:sp>
+        <p:nvSpPr>
+          <p:cNvPr id="9" name="Textplatzhalter 2"/>
+          <p:cNvSpPr>
+            <a:spLocks noGrp="1"/>
+          </p:cNvSpPr>
+          <p:nvPr>
+            <p:ph type="body" idx="1"/>
+          </p:nvPr>
+        </p:nvSpPr>
+        <p:spPr>
+          <a:xfrm>
+            <a:off x="827584" y="1772816"/>
+            <a:ext cx="7920880" cy="4248472"/>
+          </a:xfrm>
+        </p:spPr>
+        <p:txBody>
+          <a:bodyPr>
+            <a:noAutofit/>
+          </a:bodyPr>
+          <a:lstStyle/>
+          <a:p>
+            <a:pPr marL="514350" indent="-514350">
+              <a:buAutoNum type="arabicPeriod"/>
+            </a:pPr>
+            <a:r>
+              <a:rPr lang="de-DE" sz="2600" b="1" dirty="0" smtClean="0">
+                <a:solidFill>
+                  <a:srgbClr val="6ECDD2"/>
+                </a:solidFill>
+                <a:effectLst>
+                  <a:outerShdw blurRad="38100" dist="38100" dir="2700000" algn="tl">
+                    <a:srgbClr val="000000">
+                      <a:alpha val="43137"/>
+                    </a:srgbClr>
+                  </a:outerShdw>
+                </a:effectLst>
+                <a:latin typeface="Calibri" pitchFamily="34" charset="0"/>
+              </a:rPr>
+              <a:t>Projektidee</a:t>
+            </a:r>
+          </a:p>
+          <a:p>
+            <a:pPr marL="514350" indent="-514350">
+              <a:buAutoNum type="arabicPeriod"/>
+            </a:pPr>
+            <a:r>
+              <a:rPr lang="de-DE" sz="2600" b="1" dirty="0" smtClean="0">
+                <a:solidFill>
+                  <a:srgbClr val="6ECDD2"/>
+                </a:solidFill>
+                <a:effectLst>
+                  <a:outerShdw blurRad="38100" dist="38100" dir="2700000" algn="tl">
+                    <a:srgbClr val="000000">
+                      <a:alpha val="43137"/>
+                    </a:srgbClr>
+                  </a:outerShdw>
+                </a:effectLst>
+                <a:latin typeface="Calibri" pitchFamily="34" charset="0"/>
+              </a:rPr>
+              <a:t>Das Team</a:t>
+            </a:r>
+          </a:p>
+          <a:p>
+            <a:pPr marL="514350" indent="-514350">
+              <a:buAutoNum type="arabicPeriod"/>
+            </a:pPr>
+            <a:r>
+              <a:rPr lang="de-DE" sz="2600" b="1" dirty="0" err="1" smtClean="0">
+                <a:solidFill>
+                  <a:srgbClr val="6ECDD2"/>
+                </a:solidFill>
+                <a:effectLst>
+                  <a:outerShdw blurRad="38100" dist="38100" dir="2700000" algn="tl">
+                    <a:srgbClr val="000000">
+                      <a:alpha val="43137"/>
+                    </a:srgbClr>
+                  </a:outerShdw>
+                </a:effectLst>
+                <a:latin typeface="Calibri" pitchFamily="34" charset="0"/>
+              </a:rPr>
+              <a:t>Use</a:t>
+            </a:r>
+            <a:r>
+              <a:rPr lang="de-DE" sz="2600" b="1" dirty="0" smtClean="0">
+                <a:solidFill>
+                  <a:srgbClr val="6ECDD2"/>
+                </a:solidFill>
+                <a:effectLst>
+                  <a:outerShdw blurRad="38100" dist="38100" dir="2700000" algn="tl">
+                    <a:srgbClr val="000000">
+                      <a:alpha val="43137"/>
+                    </a:srgbClr>
+                  </a:outerShdw>
+                </a:effectLst>
+                <a:latin typeface="Calibri" pitchFamily="34" charset="0"/>
+              </a:rPr>
+              <a:t> Cases &amp; </a:t>
+            </a:r>
+            <a:r>
+              <a:rPr lang="de-DE" sz="2600" b="1" dirty="0" err="1" smtClean="0">
+                <a:solidFill>
+                  <a:srgbClr val="6ECDD2"/>
+                </a:solidFill>
+                <a:effectLst>
+                  <a:outerShdw blurRad="38100" dist="38100" dir="2700000" algn="tl">
+                    <a:srgbClr val="000000">
+                      <a:alpha val="43137"/>
+                    </a:srgbClr>
+                  </a:outerShdw>
+                </a:effectLst>
+                <a:latin typeface="Calibri" pitchFamily="34" charset="0"/>
+              </a:rPr>
+              <a:t>Scope</a:t>
+            </a:r>
+            <a:endParaRPr lang="de-DE" sz="2600" b="1" dirty="0" smtClean="0">
+              <a:solidFill>
+                <a:srgbClr val="6ECDD2"/>
+              </a:solidFill>
+              <a:effectLst>
+                <a:outerShdw blurRad="38100" dist="38100" dir="2700000" algn="tl">
+                  <a:srgbClr val="000000">
+                    <a:alpha val="43137"/>
+                  </a:srgbClr>
+                </a:outerShdw>
+              </a:effectLst>
+              <a:latin typeface="Calibri" pitchFamily="34" charset="0"/>
+            </a:endParaRPr>
+          </a:p>
+          <a:p>
+            <a:pPr marL="514350" indent="-514350">
+              <a:buAutoNum type="arabicPeriod"/>
+            </a:pPr>
+            <a:r>
+              <a:rPr lang="de-DE" sz="2600" b="1" dirty="0" smtClean="0">
+                <a:solidFill>
+                  <a:srgbClr val="6ECDD2"/>
+                </a:solidFill>
+                <a:effectLst>
+                  <a:outerShdw blurRad="38100" dist="38100" dir="2700000" algn="tl">
+                    <a:srgbClr val="000000">
+                      <a:alpha val="43137"/>
+                    </a:srgbClr>
+                  </a:outerShdw>
+                </a:effectLst>
+                <a:latin typeface="Calibri" pitchFamily="34" charset="0"/>
+              </a:rPr>
+              <a:t>Architekturmodell</a:t>
+            </a:r>
+          </a:p>
+          <a:p>
+            <a:pPr marL="514350" indent="-514350">
+              <a:buAutoNum type="arabicPeriod"/>
+            </a:pPr>
+            <a:r>
+              <a:rPr lang="de-DE" sz="2600" b="1" dirty="0" smtClean="0">
+                <a:solidFill>
+                  <a:srgbClr val="6ECDD2"/>
+                </a:solidFill>
+                <a:effectLst>
+                  <a:outerShdw blurRad="38100" dist="38100" dir="2700000" algn="tl">
+                    <a:srgbClr val="000000">
+                      <a:alpha val="43137"/>
+                    </a:srgbClr>
+                  </a:outerShdw>
+                </a:effectLst>
+                <a:latin typeface="Calibri" pitchFamily="34" charset="0"/>
+              </a:rPr>
+              <a:t>Projekt- &amp;</a:t>
+            </a:r>
+            <a:r>
+              <a:rPr lang="de-DE" sz="2600" b="1" dirty="0">
+                <a:solidFill>
+                  <a:srgbClr val="6ECDD2"/>
+                </a:solidFill>
+                <a:effectLst>
+                  <a:outerShdw blurRad="38100" dist="38100" dir="2700000" algn="tl">
+                    <a:srgbClr val="000000">
+                      <a:alpha val="43137"/>
+                    </a:srgbClr>
+                  </a:outerShdw>
+                </a:effectLst>
+                <a:latin typeface="Calibri" pitchFamily="34" charset="0"/>
+              </a:rPr>
+              <a:t> </a:t>
+            </a:r>
+            <a:r>
+              <a:rPr lang="de-DE" sz="2600" b="1" dirty="0" smtClean="0">
+                <a:solidFill>
+                  <a:srgbClr val="6ECDD2"/>
+                </a:solidFill>
+                <a:effectLst>
+                  <a:outerShdw blurRad="38100" dist="38100" dir="2700000" algn="tl">
+                    <a:srgbClr val="000000">
+                      <a:alpha val="43137"/>
+                    </a:srgbClr>
+                  </a:outerShdw>
+                </a:effectLst>
+                <a:latin typeface="Calibri" pitchFamily="34" charset="0"/>
+              </a:rPr>
+              <a:t>Risikomanagement</a:t>
+            </a:r>
+          </a:p>
+          <a:p>
+            <a:pPr marL="514350" indent="-514350">
+              <a:buAutoNum type="arabicPeriod"/>
+            </a:pPr>
+            <a:r>
+              <a:rPr lang="de-DE" sz="2600" b="1" dirty="0" smtClean="0">
+                <a:solidFill>
+                  <a:srgbClr val="6ECDD2"/>
+                </a:solidFill>
+                <a:effectLst>
+                  <a:outerShdw blurRad="38100" dist="38100" dir="2700000" algn="tl">
+                    <a:srgbClr val="000000">
+                      <a:alpha val="43137"/>
+                    </a:srgbClr>
+                  </a:outerShdw>
+                </a:effectLst>
+                <a:latin typeface="Calibri" pitchFamily="34" charset="0"/>
+              </a:rPr>
+              <a:t>Aufwandskalkulation</a:t>
+            </a:r>
+          </a:p>
+          <a:p>
+            <a:pPr marL="514350" indent="-514350">
+              <a:buAutoNum type="arabicPeriod"/>
+            </a:pPr>
+            <a:r>
+              <a:rPr lang="de-DE" sz="2600" b="1" dirty="0" smtClean="0">
+                <a:solidFill>
+                  <a:srgbClr val="6ECDD2"/>
+                </a:solidFill>
+                <a:effectLst>
+                  <a:outerShdw blurRad="38100" dist="38100" dir="2700000" algn="tl">
+                    <a:srgbClr val="000000">
+                      <a:alpha val="43137"/>
+                    </a:srgbClr>
+                  </a:outerShdw>
+                </a:effectLst>
+                <a:latin typeface="Calibri" pitchFamily="34" charset="0"/>
+              </a:rPr>
+              <a:t>Code-</a:t>
+            </a:r>
+            <a:r>
+              <a:rPr lang="de-DE" sz="2600" b="1" dirty="0" err="1">
+                <a:solidFill>
+                  <a:srgbClr val="6ECDD2"/>
+                </a:solidFill>
+                <a:effectLst>
+                  <a:outerShdw blurRad="38100" dist="38100" dir="2700000" algn="tl">
+                    <a:srgbClr val="000000">
+                      <a:alpha val="43137"/>
+                    </a:srgbClr>
+                  </a:outerShdw>
+                </a:effectLst>
+                <a:latin typeface="Calibri" pitchFamily="34" charset="0"/>
+              </a:rPr>
+              <a:t>C</a:t>
+            </a:r>
+            <a:r>
+              <a:rPr lang="de-DE" sz="2600" b="1" dirty="0" err="1" smtClean="0">
+                <a:solidFill>
+                  <a:srgbClr val="6ECDD2"/>
+                </a:solidFill>
+                <a:effectLst>
+                  <a:outerShdw blurRad="38100" dist="38100" dir="2700000" algn="tl">
+                    <a:srgbClr val="000000">
+                      <a:alpha val="43137"/>
+                    </a:srgbClr>
+                  </a:outerShdw>
+                </a:effectLst>
+                <a:latin typeface="Calibri" pitchFamily="34" charset="0"/>
+              </a:rPr>
+              <a:t>overage</a:t>
+            </a:r>
+            <a:r>
+              <a:rPr lang="de-DE" sz="2600" b="1" dirty="0" smtClean="0">
+                <a:solidFill>
+                  <a:srgbClr val="6ECDD2"/>
+                </a:solidFill>
+                <a:effectLst>
+                  <a:outerShdw blurRad="38100" dist="38100" dir="2700000" algn="tl">
+                    <a:srgbClr val="000000">
+                      <a:alpha val="43137"/>
+                    </a:srgbClr>
+                  </a:outerShdw>
+                </a:effectLst>
+                <a:latin typeface="Calibri" pitchFamily="34" charset="0"/>
+              </a:rPr>
+              <a:t> &amp; Code-Qualität</a:t>
+            </a:r>
+          </a:p>
+          <a:p>
+            <a:pPr marL="514350" indent="-514350">
+              <a:buAutoNum type="arabicPeriod"/>
+            </a:pPr>
+            <a:r>
+              <a:rPr lang="de-DE" sz="2600" b="1" dirty="0" smtClean="0">
+                <a:solidFill>
+                  <a:srgbClr val="6ECDD2"/>
+                </a:solidFill>
+                <a:effectLst>
+                  <a:outerShdw blurRad="38100" dist="38100" dir="2700000" algn="tl">
+                    <a:srgbClr val="000000">
+                      <a:alpha val="43137"/>
+                    </a:srgbClr>
+                  </a:outerShdw>
+                </a:effectLst>
+                <a:latin typeface="Calibri" pitchFamily="34" charset="0"/>
+              </a:rPr>
+              <a:t>Live-Demo</a:t>
+            </a:r>
+          </a:p>
+          <a:p>
+            <a:pPr marL="514350" indent="-514350">
+              <a:buAutoNum type="arabicPeriod"/>
+            </a:pPr>
+            <a:endParaRPr lang="de-DE" sz="2600" b="1" dirty="0" smtClean="0">
+              <a:solidFill>
+                <a:srgbClr val="6ECDD2"/>
+              </a:solidFill>
+              <a:effectLst>
+                <a:outerShdw blurRad="38100" dist="38100" dir="2700000" algn="tl">
+                  <a:srgbClr val="000000">
+                    <a:alpha val="43137"/>
+                  </a:srgbClr>
+                </a:outerShdw>
+              </a:effectLst>
+              <a:latin typeface="Calibri" pitchFamily="34" charset="0"/>
+            </a:endParaRPr>
+          </a:p>
+          <a:p>
+            <a:pPr marL="514350" indent="-514350">
+              <a:buAutoNum type="arabicPeriod"/>
+            </a:pPr>
+            <a:endParaRPr lang="de-DE" sz="2600" b="1" dirty="0" smtClean="0">
+              <a:solidFill>
+                <a:srgbClr val="6ECDD2"/>
+              </a:solidFill>
+              <a:effectLst>
+                <a:outerShdw blurRad="38100" dist="38100" dir="2700000" algn="tl">
+                  <a:srgbClr val="000000">
+                    <a:alpha val="43137"/>
+                  </a:srgbClr>
+                </a:outerShdw>
+              </a:effectLst>
+              <a:latin typeface="Calibri" pitchFamily="34" charset="0"/>
+            </a:endParaRPr>
+          </a:p>
+          <a:p>
+            <a:pPr marL="514350" indent="-514350">
+              <a:buAutoNum type="arabicPeriod"/>
+            </a:pPr>
+            <a:endParaRPr lang="de-DE" sz="2600" b="1" dirty="0" smtClean="0">
+              <a:solidFill>
+                <a:srgbClr val="6ECDD2"/>
+              </a:solidFill>
+              <a:effectLst>
+                <a:outerShdw blurRad="38100" dist="38100" dir="2700000" algn="tl">
+                  <a:srgbClr val="000000">
+                    <a:alpha val="43137"/>
+                  </a:srgbClr>
+                </a:outerShdw>
+              </a:effectLst>
+              <a:latin typeface="Calibri" pitchFamily="34" charset="0"/>
+            </a:endParaRPr>
+          </a:p>
+          <a:p>
+            <a:pPr marL="514350" indent="-514350">
+              <a:buAutoNum type="arabicPeriod"/>
+            </a:pPr>
+            <a:endParaRPr lang="de-DE" sz="2600" b="1" dirty="0" smtClean="0">
+              <a:solidFill>
+                <a:srgbClr val="6ECDD2"/>
+              </a:solidFill>
+              <a:effectLst>
+                <a:outerShdw blurRad="38100" dist="38100" dir="2700000" algn="tl">
+                  <a:srgbClr val="000000">
+                    <a:alpha val="43137"/>
+                  </a:srgbClr>
+                </a:outerShdw>
+              </a:effectLst>
+              <a:latin typeface="Calibri" pitchFamily="34" charset="0"/>
+            </a:endParaRPr>
+          </a:p>
+          <a:p>
+            <a:pPr marL="514350" indent="-514350">
+              <a:buAutoNum type="arabicPeriod"/>
+            </a:pPr>
+            <a:endParaRPr lang="de-DE" sz="2600" dirty="0" smtClean="0">
+              <a:solidFill>
+                <a:schemeClr val="bg1"/>
+              </a:solidFill>
+            </a:endParaRPr>
+          </a:p>
+        </p:txBody>
+      </p:sp>
+    </p:spTree>
+    <p:extLst>
+      <p:ext uri="{BB962C8B-B14F-4D97-AF65-F5344CB8AC3E}">
+        <p14:creationId xmlns:p14="http://schemas.microsoft.com/office/powerpoint/2010/main" val="2315052530"/>
+      </p:ext>
+    </p:extLst>
+  </p:cSld>
+  <p:clrMapOvr>
+    <a:masterClrMapping/>
+  </p:clrMapOvr>
+  <p:timing>
+    <p:tnLst>
+      <p:par>
+        <p:cTn id="1" dur="indefinite" restart="never" nodeType="tmRoot"/>
+      </p:par>
+    </p:tnLst>
+  </p:timing>
+</p:sld>
+</file>
+
+<file path=ppt/slides/slide20.xml><?xml version="1.0" encoding="utf-8"?>
 <p:sld xmlns:a="http://schemas.openxmlformats.org/drawingml/2006/main" xmlns:r="http://schemas.openxmlformats.org/officeDocument/2006/relationships" xmlns:p="http://schemas.openxmlformats.org/presentationml/2006/main">
   <p:cSld>
     <p:bg>
@@ -7781,362 +9533,6 @@
 </p:sld>
 </file>
 
-<file path=ppt/slides/slide2.xml><?xml version="1.0" encoding="utf-8"?>
-<p:sld xmlns:a="http://schemas.openxmlformats.org/drawingml/2006/main" xmlns:r="http://schemas.openxmlformats.org/officeDocument/2006/relationships" xmlns:p="http://schemas.openxmlformats.org/presentationml/2006/main">
-  <p:cSld>
-    <p:bg>
-      <p:bgPr>
-        <a:blipFill dpi="0" rotWithShape="1">
-          <a:blip r:embed="rId2">
-            <a:lum/>
-          </a:blip>
-          <a:srcRect/>
-          <a:stretch>
-            <a:fillRect/>
-          </a:stretch>
-        </a:blipFill>
-        <a:effectLst/>
-      </p:bgPr>
-    </p:bg>
-    <p:spTree>
-      <p:nvGrpSpPr>
-        <p:cNvPr id="1" name=""/>
-        <p:cNvGrpSpPr/>
-        <p:nvPr/>
-      </p:nvGrpSpPr>
-      <p:grpSpPr>
-        <a:xfrm>
-          <a:off x="0" y="0"/>
-          <a:ext cx="0" cy="0"/>
-          <a:chOff x="0" y="0"/>
-          <a:chExt cx="0" cy="0"/>
-        </a:xfrm>
-      </p:grpSpPr>
-      <p:sp>
-        <p:nvSpPr>
-          <p:cNvPr id="4" name="Textplatzhalter 2"/>
-          <p:cNvSpPr>
-            <a:spLocks noGrp="1"/>
-          </p:cNvSpPr>
-          <p:nvPr>
-            <p:ph type="body" idx="1"/>
-          </p:nvPr>
-        </p:nvSpPr>
-        <p:spPr>
-          <a:xfrm>
-            <a:off x="578903" y="1700808"/>
-            <a:ext cx="7920880" cy="4248472"/>
-          </a:xfrm>
-        </p:spPr>
-        <p:txBody>
-          <a:bodyPr>
-            <a:noAutofit/>
-          </a:bodyPr>
-          <a:lstStyle/>
-          <a:p>
-            <a:pPr marL="285750" indent="-285750">
-              <a:buFont typeface="Arial" pitchFamily="34" charset="0"/>
-              <a:buChar char="•"/>
-            </a:pPr>
-            <a:r>
-              <a:rPr lang="de-DE" sz="2600" b="1" dirty="0">
-                <a:solidFill>
-                  <a:srgbClr val="6ECDD2"/>
-                </a:solidFill>
-                <a:effectLst>
-                  <a:outerShdw blurRad="38100" dist="38100" dir="2700000" algn="tl">
-                    <a:srgbClr val="000000">
-                      <a:alpha val="43137"/>
-                    </a:srgbClr>
-                  </a:outerShdw>
-                </a:effectLst>
-                <a:latin typeface="Calibri" pitchFamily="34" charset="0"/>
-              </a:rPr>
-              <a:t>Ziel</a:t>
-            </a:r>
-          </a:p>
-          <a:p>
-            <a:pPr lvl="1"/>
-            <a:r>
-              <a:rPr lang="de-DE" sz="2600" dirty="0">
-                <a:solidFill>
-                  <a:schemeClr val="bg1"/>
-                </a:solidFill>
-              </a:rPr>
-              <a:t>Ein amüsantes Spiel  für Groß und Klein zur Förderung von Logik, räumlichem Vorstellungsvermögen und zur Vermittlung von kulturellen Informationen</a:t>
-            </a:r>
-            <a:r>
-              <a:rPr lang="de-DE" sz="2600" dirty="0" smtClean="0">
-                <a:solidFill>
-                  <a:schemeClr val="bg1"/>
-                </a:solidFill>
-              </a:rPr>
-              <a:t>.</a:t>
-            </a:r>
-          </a:p>
-          <a:p>
-            <a:pPr lvl="1"/>
-            <a:endParaRPr lang="de-DE" sz="2600" dirty="0">
-              <a:solidFill>
-                <a:schemeClr val="bg1"/>
-              </a:solidFill>
-            </a:endParaRPr>
-          </a:p>
-          <a:p>
-            <a:pPr marL="742950" lvl="1" indent="-285750">
-              <a:buFont typeface="Arial" pitchFamily="34" charset="0"/>
-              <a:buChar char="•"/>
-            </a:pPr>
-            <a:r>
-              <a:rPr lang="de-DE" sz="2600" dirty="0" smtClean="0">
-                <a:solidFill>
-                  <a:schemeClr val="bg1"/>
-                </a:solidFill>
-              </a:rPr>
-              <a:t>Brettspiel </a:t>
-            </a:r>
-            <a:r>
-              <a:rPr lang="de-DE" sz="2600" dirty="0">
-                <a:solidFill>
-                  <a:schemeClr val="bg1"/>
-                </a:solidFill>
-              </a:rPr>
-              <a:t>„Das verrückte Labyrinth“ </a:t>
-            </a:r>
-            <a:endParaRPr lang="de-DE" sz="2600" dirty="0" smtClean="0">
-              <a:solidFill>
-                <a:schemeClr val="bg1"/>
-              </a:solidFill>
-            </a:endParaRPr>
-          </a:p>
-          <a:p>
-            <a:pPr marL="742950" lvl="1" indent="-285750">
-              <a:buFont typeface="Arial" pitchFamily="34" charset="0"/>
-              <a:buChar char="•"/>
-            </a:pPr>
-            <a:r>
-              <a:rPr lang="de-DE" sz="2600" dirty="0" smtClean="0">
-                <a:solidFill>
-                  <a:schemeClr val="bg1"/>
-                </a:solidFill>
-              </a:rPr>
-              <a:t>abgewandelte </a:t>
-            </a:r>
-            <a:r>
-              <a:rPr lang="de-DE" sz="2600" dirty="0">
-                <a:solidFill>
-                  <a:schemeClr val="bg1"/>
-                </a:solidFill>
-              </a:rPr>
-              <a:t>Form als </a:t>
-            </a:r>
-            <a:r>
-              <a:rPr lang="de-DE" sz="2600" dirty="0" err="1">
-                <a:solidFill>
-                  <a:schemeClr val="bg1"/>
-                </a:solidFill>
-              </a:rPr>
-              <a:t>Android</a:t>
-            </a:r>
-            <a:r>
-              <a:rPr lang="de-DE" sz="2600" dirty="0">
-                <a:solidFill>
-                  <a:schemeClr val="bg1"/>
-                </a:solidFill>
-              </a:rPr>
-              <a:t>-App mit </a:t>
-            </a:r>
-            <a:r>
-              <a:rPr lang="de-DE" sz="2600" dirty="0" smtClean="0">
-                <a:solidFill>
-                  <a:schemeClr val="bg1"/>
-                </a:solidFill>
-              </a:rPr>
-              <a:t>Java </a:t>
-            </a:r>
-          </a:p>
-          <a:p>
-            <a:pPr marL="742950" lvl="1" indent="-285750">
-              <a:buFont typeface="Arial" pitchFamily="34" charset="0"/>
-              <a:buChar char="•"/>
-            </a:pPr>
-            <a:r>
-              <a:rPr lang="de-DE" sz="2600" dirty="0" smtClean="0">
-                <a:solidFill>
-                  <a:schemeClr val="bg1"/>
-                </a:solidFill>
-              </a:rPr>
-              <a:t>für </a:t>
-            </a:r>
-            <a:r>
-              <a:rPr lang="de-DE" sz="2600" dirty="0">
-                <a:solidFill>
-                  <a:schemeClr val="bg1"/>
-                </a:solidFill>
-              </a:rPr>
-              <a:t>1-6 Spieler </a:t>
-            </a:r>
-            <a:endParaRPr lang="de-DE" sz="2600" dirty="0" smtClean="0">
-              <a:solidFill>
-                <a:schemeClr val="bg1"/>
-              </a:solidFill>
-            </a:endParaRPr>
-          </a:p>
-          <a:p>
-            <a:pPr marL="742950" lvl="1" indent="-285750">
-              <a:buFont typeface="Arial" pitchFamily="34" charset="0"/>
-              <a:buChar char="•"/>
-            </a:pPr>
-            <a:r>
-              <a:rPr lang="de-DE" sz="2600" dirty="0" smtClean="0">
-                <a:solidFill>
-                  <a:schemeClr val="bg1"/>
-                </a:solidFill>
-              </a:rPr>
-              <a:t>ab </a:t>
-            </a:r>
-            <a:r>
-              <a:rPr lang="de-DE" sz="2600" dirty="0">
-                <a:solidFill>
-                  <a:schemeClr val="bg1"/>
-                </a:solidFill>
-              </a:rPr>
-              <a:t>7 Jahren </a:t>
-            </a:r>
-            <a:endParaRPr lang="de-DE" sz="2600" dirty="0" smtClean="0">
-              <a:solidFill>
-                <a:schemeClr val="bg1"/>
-              </a:solidFill>
-            </a:endParaRPr>
-          </a:p>
-        </p:txBody>
-      </p:sp>
-      <p:sp>
-        <p:nvSpPr>
-          <p:cNvPr id="6" name="Titel 1"/>
-          <p:cNvSpPr txBox="1">
-            <a:spLocks/>
-          </p:cNvSpPr>
-          <p:nvPr/>
-        </p:nvSpPr>
-        <p:spPr>
-          <a:xfrm>
-            <a:off x="539552" y="260648"/>
-            <a:ext cx="6172200" cy="1008112"/>
-          </a:xfrm>
-          <a:prstGeom prst="rect">
-            <a:avLst/>
-          </a:prstGeom>
-        </p:spPr>
-        <p:txBody>
-          <a:bodyPr vert="horz" lIns="91440" tIns="45720" rIns="91440" bIns="45720" rtlCol="0" anchor="t">
-            <a:noAutofit/>
-          </a:bodyPr>
-          <a:lstStyle>
-            <a:lvl1pPr algn="l" defTabSz="914400" rtl="0" eaLnBrk="1" latinLnBrk="0" hangingPunct="1">
-              <a:spcBef>
-                <a:spcPct val="0"/>
-              </a:spcBef>
-              <a:buNone/>
-              <a:defRPr sz="4800" b="1" kern="1200" cap="all" baseline="0">
-                <a:solidFill>
-                  <a:schemeClr val="tx1"/>
-                </a:solidFill>
-                <a:latin typeface="+mj-lt"/>
-                <a:ea typeface="+mj-ea"/>
-                <a:cs typeface="+mj-cs"/>
-              </a:defRPr>
-            </a:lvl1pPr>
-            <a:lvl2pPr eaLnBrk="1" hangingPunct="1">
-              <a:defRPr>
-                <a:solidFill>
-                  <a:schemeClr val="tx2"/>
-                </a:solidFill>
-              </a:defRPr>
-            </a:lvl2pPr>
-            <a:lvl3pPr eaLnBrk="1" hangingPunct="1">
-              <a:defRPr>
-                <a:solidFill>
-                  <a:schemeClr val="tx2"/>
-                </a:solidFill>
-              </a:defRPr>
-            </a:lvl3pPr>
-            <a:lvl4pPr eaLnBrk="1" hangingPunct="1">
-              <a:defRPr>
-                <a:solidFill>
-                  <a:schemeClr val="tx2"/>
-                </a:solidFill>
-              </a:defRPr>
-            </a:lvl4pPr>
-            <a:lvl5pPr eaLnBrk="1" hangingPunct="1">
-              <a:defRPr>
-                <a:solidFill>
-                  <a:schemeClr val="tx2"/>
-                </a:solidFill>
-              </a:defRPr>
-            </a:lvl5pPr>
-            <a:lvl6pPr eaLnBrk="1" hangingPunct="1">
-              <a:defRPr>
-                <a:solidFill>
-                  <a:schemeClr val="tx2"/>
-                </a:solidFill>
-              </a:defRPr>
-            </a:lvl6pPr>
-            <a:lvl7pPr eaLnBrk="1" hangingPunct="1">
-              <a:defRPr>
-                <a:solidFill>
-                  <a:schemeClr val="tx2"/>
-                </a:solidFill>
-              </a:defRPr>
-            </a:lvl7pPr>
-            <a:lvl8pPr eaLnBrk="1" hangingPunct="1">
-              <a:defRPr>
-                <a:solidFill>
-                  <a:schemeClr val="tx2"/>
-                </a:solidFill>
-              </a:defRPr>
-            </a:lvl8pPr>
-            <a:lvl9pPr eaLnBrk="1" hangingPunct="1">
-              <a:defRPr>
-                <a:solidFill>
-                  <a:schemeClr val="tx2"/>
-                </a:solidFill>
-              </a:defRPr>
-            </a:lvl9pPr>
-          </a:lstStyle>
-          <a:p>
-            <a:r>
-              <a:rPr lang="de-DE" dirty="0" smtClean="0">
-                <a:latin typeface="Calibri" pitchFamily="34" charset="0"/>
-              </a:rPr>
-              <a:t>Projektvorstellung</a:t>
-            </a:r>
-            <a:endParaRPr lang="de-DE" dirty="0">
-              <a:latin typeface="Calibri" pitchFamily="34" charset="0"/>
-            </a:endParaRPr>
-          </a:p>
-        </p:txBody>
-      </p:sp>
-    </p:spTree>
-    <p:extLst>
-      <p:ext uri="{BB962C8B-B14F-4D97-AF65-F5344CB8AC3E}">
-        <p14:creationId xmlns:p14="http://schemas.microsoft.com/office/powerpoint/2010/main" val="2384525814"/>
-      </p:ext>
-    </p:extLst>
-  </p:cSld>
-  <p:clrMapOvr>
-    <a:masterClrMapping/>
-  </p:clrMapOvr>
-  <p:timing>
-    <p:tnLst>
-      <p:par>
-        <p:cTn id="1" dur="indefinite" restart="never" nodeType="tmRoot"/>
-      </p:par>
-    </p:tnLst>
-  </p:timing>
-</p:sld>
-</file>
-
 <file path=ppt/slides/slide3.xml><?xml version="1.0" encoding="utf-8"?>
 <p:sld xmlns:a="http://schemas.openxmlformats.org/drawingml/2006/main" xmlns:r="http://schemas.openxmlformats.org/officeDocument/2006/relationships" xmlns:p="http://schemas.openxmlformats.org/presentationml/2006/main">
   <p:cSld>
@@ -8186,6 +9582,362 @@
         </p:spPr>
         <p:txBody>
           <a:bodyPr>
+            <a:noAutofit/>
+          </a:bodyPr>
+          <a:lstStyle/>
+          <a:p>
+            <a:pPr marL="285750" indent="-285750">
+              <a:buFont typeface="Arial" pitchFamily="34" charset="0"/>
+              <a:buChar char="•"/>
+            </a:pPr>
+            <a:r>
+              <a:rPr lang="de-DE" sz="2600" b="1" dirty="0">
+                <a:solidFill>
+                  <a:srgbClr val="6ECDD2"/>
+                </a:solidFill>
+                <a:effectLst>
+                  <a:outerShdw blurRad="38100" dist="38100" dir="2700000" algn="tl">
+                    <a:srgbClr val="000000">
+                      <a:alpha val="43137"/>
+                    </a:srgbClr>
+                  </a:outerShdw>
+                </a:effectLst>
+                <a:latin typeface="Calibri" pitchFamily="34" charset="0"/>
+              </a:rPr>
+              <a:t>Ziel</a:t>
+            </a:r>
+          </a:p>
+          <a:p>
+            <a:pPr lvl="1"/>
+            <a:r>
+              <a:rPr lang="de-DE" sz="2600" dirty="0">
+                <a:solidFill>
+                  <a:schemeClr val="bg1"/>
+                </a:solidFill>
+              </a:rPr>
+              <a:t>Ein amüsantes Spiel  für Groß und Klein zur Förderung von Logik, räumlichem Vorstellungsvermögen und zur Vermittlung von kulturellen Informationen</a:t>
+            </a:r>
+            <a:r>
+              <a:rPr lang="de-DE" sz="2600" dirty="0" smtClean="0">
+                <a:solidFill>
+                  <a:schemeClr val="bg1"/>
+                </a:solidFill>
+              </a:rPr>
+              <a:t>.</a:t>
+            </a:r>
+          </a:p>
+          <a:p>
+            <a:pPr lvl="1"/>
+            <a:endParaRPr lang="de-DE" sz="2600" dirty="0">
+              <a:solidFill>
+                <a:schemeClr val="bg1"/>
+              </a:solidFill>
+            </a:endParaRPr>
+          </a:p>
+          <a:p>
+            <a:pPr marL="742950" lvl="1" indent="-285750">
+              <a:buFont typeface="Arial" pitchFamily="34" charset="0"/>
+              <a:buChar char="•"/>
+            </a:pPr>
+            <a:r>
+              <a:rPr lang="de-DE" sz="2600" dirty="0" smtClean="0">
+                <a:solidFill>
+                  <a:schemeClr val="bg1"/>
+                </a:solidFill>
+              </a:rPr>
+              <a:t>Brettspiel </a:t>
+            </a:r>
+            <a:r>
+              <a:rPr lang="de-DE" sz="2600" dirty="0">
+                <a:solidFill>
+                  <a:schemeClr val="bg1"/>
+                </a:solidFill>
+              </a:rPr>
+              <a:t>„Das verrückte Labyrinth“ </a:t>
+            </a:r>
+            <a:endParaRPr lang="de-DE" sz="2600" dirty="0" smtClean="0">
+              <a:solidFill>
+                <a:schemeClr val="bg1"/>
+              </a:solidFill>
+            </a:endParaRPr>
+          </a:p>
+          <a:p>
+            <a:pPr marL="742950" lvl="1" indent="-285750">
+              <a:buFont typeface="Arial" pitchFamily="34" charset="0"/>
+              <a:buChar char="•"/>
+            </a:pPr>
+            <a:r>
+              <a:rPr lang="de-DE" sz="2600" dirty="0" smtClean="0">
+                <a:solidFill>
+                  <a:schemeClr val="bg1"/>
+                </a:solidFill>
+              </a:rPr>
+              <a:t>abgewandelte </a:t>
+            </a:r>
+            <a:r>
+              <a:rPr lang="de-DE" sz="2600" dirty="0">
+                <a:solidFill>
+                  <a:schemeClr val="bg1"/>
+                </a:solidFill>
+              </a:rPr>
+              <a:t>Form als </a:t>
+            </a:r>
+            <a:r>
+              <a:rPr lang="de-DE" sz="2600" dirty="0" err="1">
+                <a:solidFill>
+                  <a:schemeClr val="bg1"/>
+                </a:solidFill>
+              </a:rPr>
+              <a:t>Android</a:t>
+            </a:r>
+            <a:r>
+              <a:rPr lang="de-DE" sz="2600" dirty="0">
+                <a:solidFill>
+                  <a:schemeClr val="bg1"/>
+                </a:solidFill>
+              </a:rPr>
+              <a:t>-App mit </a:t>
+            </a:r>
+            <a:r>
+              <a:rPr lang="de-DE" sz="2600" dirty="0" smtClean="0">
+                <a:solidFill>
+                  <a:schemeClr val="bg1"/>
+                </a:solidFill>
+              </a:rPr>
+              <a:t>Java </a:t>
+            </a:r>
+          </a:p>
+          <a:p>
+            <a:pPr marL="742950" lvl="1" indent="-285750">
+              <a:buFont typeface="Arial" pitchFamily="34" charset="0"/>
+              <a:buChar char="•"/>
+            </a:pPr>
+            <a:r>
+              <a:rPr lang="de-DE" sz="2600" dirty="0" smtClean="0">
+                <a:solidFill>
+                  <a:schemeClr val="bg1"/>
+                </a:solidFill>
+              </a:rPr>
+              <a:t>für </a:t>
+            </a:r>
+            <a:r>
+              <a:rPr lang="de-DE" sz="2600" dirty="0">
+                <a:solidFill>
+                  <a:schemeClr val="bg1"/>
+                </a:solidFill>
+              </a:rPr>
+              <a:t>1-6 Spieler </a:t>
+            </a:r>
+            <a:endParaRPr lang="de-DE" sz="2600" dirty="0" smtClean="0">
+              <a:solidFill>
+                <a:schemeClr val="bg1"/>
+              </a:solidFill>
+            </a:endParaRPr>
+          </a:p>
+          <a:p>
+            <a:pPr marL="742950" lvl="1" indent="-285750">
+              <a:buFont typeface="Arial" pitchFamily="34" charset="0"/>
+              <a:buChar char="•"/>
+            </a:pPr>
+            <a:r>
+              <a:rPr lang="de-DE" sz="2600" dirty="0" smtClean="0">
+                <a:solidFill>
+                  <a:schemeClr val="bg1"/>
+                </a:solidFill>
+              </a:rPr>
+              <a:t>ab </a:t>
+            </a:r>
+            <a:r>
+              <a:rPr lang="de-DE" sz="2600" dirty="0">
+                <a:solidFill>
+                  <a:schemeClr val="bg1"/>
+                </a:solidFill>
+              </a:rPr>
+              <a:t>7 Jahren </a:t>
+            </a:r>
+            <a:endParaRPr lang="de-DE" sz="2600" dirty="0" smtClean="0">
+              <a:solidFill>
+                <a:schemeClr val="bg1"/>
+              </a:solidFill>
+            </a:endParaRPr>
+          </a:p>
+        </p:txBody>
+      </p:sp>
+      <p:sp>
+        <p:nvSpPr>
+          <p:cNvPr id="6" name="Titel 1"/>
+          <p:cNvSpPr txBox="1">
+            <a:spLocks/>
+          </p:cNvSpPr>
+          <p:nvPr/>
+        </p:nvSpPr>
+        <p:spPr>
+          <a:xfrm>
+            <a:off x="539552" y="260648"/>
+            <a:ext cx="6172200" cy="1008112"/>
+          </a:xfrm>
+          <a:prstGeom prst="rect">
+            <a:avLst/>
+          </a:prstGeom>
+        </p:spPr>
+        <p:txBody>
+          <a:bodyPr vert="horz" lIns="91440" tIns="45720" rIns="91440" bIns="45720" rtlCol="0" anchor="t">
+            <a:noAutofit/>
+          </a:bodyPr>
+          <a:lstStyle>
+            <a:lvl1pPr algn="l" defTabSz="914400" rtl="0" eaLnBrk="1" latinLnBrk="0" hangingPunct="1">
+              <a:spcBef>
+                <a:spcPct val="0"/>
+              </a:spcBef>
+              <a:buNone/>
+              <a:defRPr sz="4800" b="1" kern="1200" cap="all" baseline="0">
+                <a:solidFill>
+                  <a:schemeClr val="tx1"/>
+                </a:solidFill>
+                <a:latin typeface="+mj-lt"/>
+                <a:ea typeface="+mj-ea"/>
+                <a:cs typeface="+mj-cs"/>
+              </a:defRPr>
+            </a:lvl1pPr>
+            <a:lvl2pPr eaLnBrk="1" hangingPunct="1">
+              <a:defRPr>
+                <a:solidFill>
+                  <a:schemeClr val="tx2"/>
+                </a:solidFill>
+              </a:defRPr>
+            </a:lvl2pPr>
+            <a:lvl3pPr eaLnBrk="1" hangingPunct="1">
+              <a:defRPr>
+                <a:solidFill>
+                  <a:schemeClr val="tx2"/>
+                </a:solidFill>
+              </a:defRPr>
+            </a:lvl3pPr>
+            <a:lvl4pPr eaLnBrk="1" hangingPunct="1">
+              <a:defRPr>
+                <a:solidFill>
+                  <a:schemeClr val="tx2"/>
+                </a:solidFill>
+              </a:defRPr>
+            </a:lvl4pPr>
+            <a:lvl5pPr eaLnBrk="1" hangingPunct="1">
+              <a:defRPr>
+                <a:solidFill>
+                  <a:schemeClr val="tx2"/>
+                </a:solidFill>
+              </a:defRPr>
+            </a:lvl5pPr>
+            <a:lvl6pPr eaLnBrk="1" hangingPunct="1">
+              <a:defRPr>
+                <a:solidFill>
+                  <a:schemeClr val="tx2"/>
+                </a:solidFill>
+              </a:defRPr>
+            </a:lvl6pPr>
+            <a:lvl7pPr eaLnBrk="1" hangingPunct="1">
+              <a:defRPr>
+                <a:solidFill>
+                  <a:schemeClr val="tx2"/>
+                </a:solidFill>
+              </a:defRPr>
+            </a:lvl7pPr>
+            <a:lvl8pPr eaLnBrk="1" hangingPunct="1">
+              <a:defRPr>
+                <a:solidFill>
+                  <a:schemeClr val="tx2"/>
+                </a:solidFill>
+              </a:defRPr>
+            </a:lvl8pPr>
+            <a:lvl9pPr eaLnBrk="1" hangingPunct="1">
+              <a:defRPr>
+                <a:solidFill>
+                  <a:schemeClr val="tx2"/>
+                </a:solidFill>
+              </a:defRPr>
+            </a:lvl9pPr>
+          </a:lstStyle>
+          <a:p>
+            <a:r>
+              <a:rPr lang="de-DE" dirty="0" err="1" smtClean="0">
+                <a:latin typeface="Calibri" pitchFamily="34" charset="0"/>
+              </a:rPr>
+              <a:t>ProjektIDEE</a:t>
+            </a:r>
+            <a:endParaRPr lang="de-DE" dirty="0">
+              <a:latin typeface="Calibri" pitchFamily="34" charset="0"/>
+            </a:endParaRPr>
+          </a:p>
+        </p:txBody>
+      </p:sp>
+    </p:spTree>
+    <p:extLst>
+      <p:ext uri="{BB962C8B-B14F-4D97-AF65-F5344CB8AC3E}">
+        <p14:creationId xmlns:p14="http://schemas.microsoft.com/office/powerpoint/2010/main" val="2384525814"/>
+      </p:ext>
+    </p:extLst>
+  </p:cSld>
+  <p:clrMapOvr>
+    <a:masterClrMapping/>
+  </p:clrMapOvr>
+  <p:timing>
+    <p:tnLst>
+      <p:par>
+        <p:cTn id="1" dur="indefinite" restart="never" nodeType="tmRoot"/>
+      </p:par>
+    </p:tnLst>
+  </p:timing>
+</p:sld>
+</file>
+
+<file path=ppt/slides/slide4.xml><?xml version="1.0" encoding="utf-8"?>
+<p:sld xmlns:a="http://schemas.openxmlformats.org/drawingml/2006/main" xmlns:r="http://schemas.openxmlformats.org/officeDocument/2006/relationships" xmlns:p="http://schemas.openxmlformats.org/presentationml/2006/main">
+  <p:cSld>
+    <p:bg>
+      <p:bgPr>
+        <a:blipFill dpi="0" rotWithShape="1">
+          <a:blip r:embed="rId2">
+            <a:lum/>
+          </a:blip>
+          <a:srcRect/>
+          <a:stretch>
+            <a:fillRect/>
+          </a:stretch>
+        </a:blipFill>
+        <a:effectLst/>
+      </p:bgPr>
+    </p:bg>
+    <p:spTree>
+      <p:nvGrpSpPr>
+        <p:cNvPr id="1" name=""/>
+        <p:cNvGrpSpPr/>
+        <p:nvPr/>
+      </p:nvGrpSpPr>
+      <p:grpSpPr>
+        <a:xfrm>
+          <a:off x="0" y="0"/>
+          <a:ext cx="0" cy="0"/>
+          <a:chOff x="0" y="0"/>
+          <a:chExt cx="0" cy="0"/>
+        </a:xfrm>
+      </p:grpSpPr>
+      <p:sp>
+        <p:nvSpPr>
+          <p:cNvPr id="4" name="Textplatzhalter 2"/>
+          <p:cNvSpPr>
+            <a:spLocks noGrp="1"/>
+          </p:cNvSpPr>
+          <p:nvPr>
+            <p:ph type="body" idx="1"/>
+          </p:nvPr>
+        </p:nvSpPr>
+        <p:spPr>
+          <a:xfrm>
+            <a:off x="578903" y="1700808"/>
+            <a:ext cx="7920880" cy="4248472"/>
+          </a:xfrm>
+        </p:spPr>
+        <p:txBody>
+          <a:bodyPr>
             <a:normAutofit lnSpcReduction="10000"/>
           </a:bodyPr>
           <a:lstStyle/>
@@ -8478,7 +10230,7 @@
 </p:sld>
 </file>
 
-<file path=ppt/slides/slide4.xml><?xml version="1.0" encoding="utf-8"?>
+<file path=ppt/slides/slide5.xml><?xml version="1.0" encoding="utf-8"?>
 <p:sld xmlns:a="http://schemas.openxmlformats.org/drawingml/2006/main" xmlns:r="http://schemas.openxmlformats.org/officeDocument/2006/relationships" xmlns:p="http://schemas.openxmlformats.org/presentationml/2006/main">
   <p:cSld>
     <p:bg>
@@ -8665,7 +10417,7 @@
 </p:sld>
 </file>
 
-<file path=ppt/slides/slide5.xml><?xml version="1.0" encoding="utf-8"?>
+<file path=ppt/slides/slide6.xml><?xml version="1.0" encoding="utf-8"?>
 <p:sld xmlns:a="http://schemas.openxmlformats.org/drawingml/2006/main" xmlns:r="http://schemas.openxmlformats.org/officeDocument/2006/relationships" xmlns:p="http://schemas.openxmlformats.org/presentationml/2006/main">
   <p:cSld>
     <p:bg>
@@ -9060,7 +10812,7 @@
 </p:sld>
 </file>
 
-<file path=ppt/slides/slide6.xml><?xml version="1.0" encoding="utf-8"?>
+<file path=ppt/slides/slide7.xml><?xml version="1.0" encoding="utf-8"?>
 <p:sld xmlns:a="http://schemas.openxmlformats.org/drawingml/2006/main" xmlns:r="http://schemas.openxmlformats.org/officeDocument/2006/relationships" xmlns:p="http://schemas.openxmlformats.org/presentationml/2006/main">
   <p:cSld>
     <p:bg>
@@ -9454,7 +11206,7 @@
 </p:sld>
 </file>
 
-<file path=ppt/slides/slide7.xml><?xml version="1.0" encoding="utf-8"?>
+<file path=ppt/slides/slide8.xml><?xml version="1.0" encoding="utf-8"?>
 <p:sld xmlns:a="http://schemas.openxmlformats.org/drawingml/2006/main" xmlns:r="http://schemas.openxmlformats.org/officeDocument/2006/relationships" xmlns:p="http://schemas.openxmlformats.org/presentationml/2006/main">
   <p:cSld>
     <p:bg>
@@ -9653,7 +11405,7 @@
 </p:sld>
 </file>
 
-<file path=ppt/slides/slide8.xml><?xml version="1.0" encoding="utf-8"?>
+<file path=ppt/slides/slide9.xml><?xml version="1.0" encoding="utf-8"?>
 <p:sld xmlns:a="http://schemas.openxmlformats.org/drawingml/2006/main" xmlns:r="http://schemas.openxmlformats.org/officeDocument/2006/relationships" xmlns:p="http://schemas.openxmlformats.org/presentationml/2006/main">
   <p:cSld>
     <p:bg>
@@ -9821,567 +11573,6 @@
     <p:extLst>
       <p:ext uri="{BB962C8B-B14F-4D97-AF65-F5344CB8AC3E}">
         <p14:creationId xmlns:p14="http://schemas.microsoft.com/office/powerpoint/2010/main" val="2939366223"/>
-      </p:ext>
-    </p:extLst>
-  </p:cSld>
-  <p:clrMapOvr>
-    <a:masterClrMapping/>
-  </p:clrMapOvr>
-  <p:timing>
-    <p:tnLst>
-      <p:par>
-        <p:cTn id="1" dur="indefinite" restart="never" nodeType="tmRoot"/>
-      </p:par>
-    </p:tnLst>
-  </p:timing>
-</p:sld>
-</file>
-
-<file path=ppt/slides/slide9.xml><?xml version="1.0" encoding="utf-8"?>
-<p:sld xmlns:a="http://schemas.openxmlformats.org/drawingml/2006/main" xmlns:r="http://schemas.openxmlformats.org/officeDocument/2006/relationships" xmlns:p="http://schemas.openxmlformats.org/presentationml/2006/main">
-  <p:cSld>
-    <p:bg>
-      <p:bgPr>
-        <a:blipFill dpi="0" rotWithShape="1">
-          <a:blip r:embed="rId2">
-            <a:lum/>
-          </a:blip>
-          <a:srcRect/>
-          <a:stretch>
-            <a:fillRect/>
-          </a:stretch>
-        </a:blipFill>
-        <a:effectLst/>
-      </p:bgPr>
-    </p:bg>
-    <p:spTree>
-      <p:nvGrpSpPr>
-        <p:cNvPr id="1" name=""/>
-        <p:cNvGrpSpPr/>
-        <p:nvPr/>
-      </p:nvGrpSpPr>
-      <p:grpSpPr>
-        <a:xfrm>
-          <a:off x="0" y="0"/>
-          <a:ext cx="0" cy="0"/>
-          <a:chOff x="0" y="0"/>
-          <a:chExt cx="0" cy="0"/>
-        </a:xfrm>
-      </p:grpSpPr>
-      <p:sp>
-        <p:nvSpPr>
-          <p:cNvPr id="4" name="Textplatzhalter 2"/>
-          <p:cNvSpPr>
-            <a:spLocks noGrp="1"/>
-          </p:cNvSpPr>
-          <p:nvPr>
-            <p:ph type="body" idx="1"/>
-          </p:nvPr>
-        </p:nvSpPr>
-        <p:spPr>
-          <a:xfrm>
-            <a:off x="539552" y="1700808"/>
-            <a:ext cx="7848872" cy="4392488"/>
-          </a:xfrm>
-        </p:spPr>
-        <p:txBody>
-          <a:bodyPr>
-            <a:normAutofit lnSpcReduction="10000"/>
-          </a:bodyPr>
-          <a:lstStyle/>
-          <a:p>
-            <a:pPr marL="285750" indent="-285750">
-              <a:buFont typeface="Arial" pitchFamily="34" charset="0"/>
-              <a:buChar char="•"/>
-            </a:pPr>
-            <a:r>
-              <a:rPr lang="de-DE" sz="2800" b="1" dirty="0" smtClean="0">
-                <a:solidFill>
-                  <a:srgbClr val="6ECDD2"/>
-                </a:solidFill>
-                <a:effectLst>
-                  <a:outerShdw blurRad="38100" dist="38100" dir="2700000" algn="tl">
-                    <a:srgbClr val="000000">
-                      <a:alpha val="43137"/>
-                    </a:srgbClr>
-                  </a:outerShdw>
-                </a:effectLst>
-                <a:latin typeface="Calibri" pitchFamily="34" charset="0"/>
-              </a:rPr>
-              <a:t>Projektmanagement:</a:t>
-            </a:r>
-            <a:r>
-              <a:rPr lang="de-DE" sz="2800" b="1" dirty="0" smtClean="0">
-                <a:solidFill>
-                  <a:srgbClr val="6ECDD2"/>
-                </a:solidFill>
-                <a:latin typeface="Calibri" pitchFamily="34" charset="0"/>
-              </a:rPr>
-              <a:t/>
-            </a:r>
-            <a:br>
-              <a:rPr lang="de-DE" sz="2800" b="1" dirty="0" smtClean="0">
-                <a:solidFill>
-                  <a:srgbClr val="6ECDD2"/>
-                </a:solidFill>
-                <a:latin typeface="Calibri" pitchFamily="34" charset="0"/>
-              </a:rPr>
-            </a:br>
-            <a:r>
-              <a:rPr lang="de-DE" sz="2800" dirty="0" err="1" smtClean="0">
-                <a:solidFill>
-                  <a:schemeClr val="bg1"/>
-                </a:solidFill>
-                <a:latin typeface="Calibri" pitchFamily="34" charset="0"/>
-              </a:rPr>
-              <a:t>Jira</a:t>
-            </a:r>
-            <a:r>
-              <a:rPr lang="de-DE" sz="2800" dirty="0" smtClean="0">
-                <a:solidFill>
-                  <a:schemeClr val="bg1"/>
-                </a:solidFill>
-                <a:latin typeface="Calibri" pitchFamily="34" charset="0"/>
-              </a:rPr>
-              <a:t> + </a:t>
-            </a:r>
-            <a:r>
-              <a:rPr lang="de-DE" sz="2800" dirty="0" err="1" smtClean="0">
-                <a:solidFill>
-                  <a:schemeClr val="bg1"/>
-                </a:solidFill>
-                <a:latin typeface="Calibri" pitchFamily="34" charset="0"/>
-              </a:rPr>
-              <a:t>MSProject</a:t>
-            </a:r>
-            <a:endParaRPr lang="de-DE" sz="2800" dirty="0">
-              <a:solidFill>
-                <a:schemeClr val="bg1"/>
-              </a:solidFill>
-              <a:latin typeface="Calibri" pitchFamily="34" charset="0"/>
-            </a:endParaRPr>
-          </a:p>
-          <a:p>
-            <a:pPr marL="285750" indent="-285750">
-              <a:buFont typeface="Arial" pitchFamily="34" charset="0"/>
-              <a:buChar char="•"/>
-            </a:pPr>
-            <a:r>
-              <a:rPr lang="de-DE" sz="2800" b="1" dirty="0" smtClean="0">
-                <a:solidFill>
-                  <a:srgbClr val="6ECDD2"/>
-                </a:solidFill>
-                <a:effectLst>
-                  <a:outerShdw blurRad="38100" dist="38100" dir="2700000" algn="tl">
-                    <a:srgbClr val="000000">
-                      <a:alpha val="43137"/>
-                    </a:srgbClr>
-                  </a:outerShdw>
-                </a:effectLst>
-                <a:latin typeface="Calibri" pitchFamily="34" charset="0"/>
-              </a:rPr>
-              <a:t>Versionskontrolle</a:t>
-            </a:r>
-            <a:r>
-              <a:rPr lang="de-DE" sz="2800" b="1" dirty="0" smtClean="0">
-                <a:solidFill>
-                  <a:srgbClr val="6ECDD2"/>
-                </a:solidFill>
-                <a:latin typeface="Calibri" pitchFamily="34" charset="0"/>
-              </a:rPr>
-              <a:t>:</a:t>
-            </a:r>
-            <a:br>
-              <a:rPr lang="de-DE" sz="2800" b="1" dirty="0" smtClean="0">
-                <a:solidFill>
-                  <a:srgbClr val="6ECDD2"/>
-                </a:solidFill>
-                <a:latin typeface="Calibri" pitchFamily="34" charset="0"/>
-              </a:rPr>
-            </a:br>
-            <a:r>
-              <a:rPr lang="de-DE" sz="2800" dirty="0" err="1" smtClean="0">
-                <a:solidFill>
-                  <a:schemeClr val="bg1"/>
-                </a:solidFill>
-                <a:latin typeface="Calibri" pitchFamily="34" charset="0"/>
-              </a:rPr>
-              <a:t>Git</a:t>
-            </a:r>
-            <a:endParaRPr lang="de-DE" sz="2800" dirty="0">
-              <a:solidFill>
-                <a:schemeClr val="bg1"/>
-              </a:solidFill>
-              <a:latin typeface="Calibri" pitchFamily="34" charset="0"/>
-            </a:endParaRPr>
-          </a:p>
-          <a:p>
-            <a:pPr marL="285750" indent="-285750">
-              <a:buFont typeface="Arial" pitchFamily="34" charset="0"/>
-              <a:buChar char="•"/>
-            </a:pPr>
-            <a:r>
-              <a:rPr lang="de-DE" sz="2800" b="1" dirty="0" err="1" smtClean="0">
-                <a:solidFill>
-                  <a:srgbClr val="6ECDD2"/>
-                </a:solidFill>
-                <a:effectLst>
-                  <a:outerShdw blurRad="38100" dist="38100" dir="2700000" algn="tl">
-                    <a:srgbClr val="000000">
-                      <a:alpha val="43137"/>
-                    </a:srgbClr>
-                  </a:outerShdw>
-                </a:effectLst>
-                <a:latin typeface="Calibri" pitchFamily="34" charset="0"/>
-              </a:rPr>
-              <a:t>Metri</a:t>
-            </a:r>
-            <a:r>
-              <a:rPr lang="de-DE" sz="2800" b="1" dirty="0" err="1">
-                <a:solidFill>
-                  <a:srgbClr val="6ECDD2"/>
-                </a:solidFill>
-                <a:effectLst>
-                  <a:outerShdw blurRad="38100" dist="38100" dir="2700000" algn="tl">
-                    <a:srgbClr val="000000">
-                      <a:alpha val="43137"/>
-                    </a:srgbClr>
-                  </a:outerShdw>
-                </a:effectLst>
-                <a:latin typeface="Calibri" pitchFamily="34" charset="0"/>
-              </a:rPr>
-              <a:t>k</a:t>
-            </a:r>
-            <a:r>
-              <a:rPr lang="de-DE" sz="2800" b="1" dirty="0" err="1" smtClean="0">
-                <a:solidFill>
-                  <a:srgbClr val="6ECDD2"/>
-                </a:solidFill>
-                <a:effectLst>
-                  <a:outerShdw blurRad="38100" dist="38100" dir="2700000" algn="tl">
-                    <a:srgbClr val="000000">
-                      <a:alpha val="43137"/>
-                    </a:srgbClr>
-                  </a:outerShdw>
-                </a:effectLst>
-                <a:latin typeface="Calibri" pitchFamily="34" charset="0"/>
-              </a:rPr>
-              <a:t>analyse</a:t>
-            </a:r>
-            <a:r>
-              <a:rPr lang="de-DE" sz="2800" b="1" dirty="0" smtClean="0">
-                <a:solidFill>
-                  <a:srgbClr val="6ECDD2"/>
-                </a:solidFill>
-                <a:effectLst>
-                  <a:outerShdw blurRad="38100" dist="38100" dir="2700000" algn="tl">
-                    <a:srgbClr val="000000">
-                      <a:alpha val="43137"/>
-                    </a:srgbClr>
-                  </a:outerShdw>
-                </a:effectLst>
-                <a:latin typeface="Calibri" pitchFamily="34" charset="0"/>
-              </a:rPr>
-              <a:t> &amp; Codequalität:</a:t>
-            </a:r>
-            <a:r>
-              <a:rPr lang="de-DE" sz="2800" b="1" dirty="0" smtClean="0">
-                <a:solidFill>
-                  <a:srgbClr val="6ECDD2"/>
-                </a:solidFill>
-                <a:latin typeface="Calibri" pitchFamily="34" charset="0"/>
-              </a:rPr>
-              <a:t/>
-            </a:r>
-            <a:br>
-              <a:rPr lang="de-DE" sz="2800" b="1" dirty="0" smtClean="0">
-                <a:solidFill>
-                  <a:srgbClr val="6ECDD2"/>
-                </a:solidFill>
-                <a:latin typeface="Calibri" pitchFamily="34" charset="0"/>
-              </a:rPr>
-            </a:br>
-            <a:r>
-              <a:rPr lang="de-DE" sz="2800" dirty="0" smtClean="0">
-                <a:solidFill>
-                  <a:schemeClr val="bg1"/>
-                </a:solidFill>
-                <a:latin typeface="Calibri" pitchFamily="34" charset="0"/>
-              </a:rPr>
-              <a:t>Sonar</a:t>
-            </a:r>
-            <a:endParaRPr lang="de-DE" sz="2800" dirty="0">
-              <a:solidFill>
-                <a:schemeClr val="bg1"/>
-              </a:solidFill>
-              <a:latin typeface="Calibri" pitchFamily="34" charset="0"/>
-            </a:endParaRPr>
-          </a:p>
-          <a:p>
-            <a:pPr marL="285750" indent="-285750">
-              <a:buFont typeface="Arial" pitchFamily="34" charset="0"/>
-              <a:buChar char="•"/>
-            </a:pPr>
-            <a:r>
-              <a:rPr lang="de-DE" sz="2800" b="1" dirty="0" smtClean="0">
-                <a:solidFill>
-                  <a:srgbClr val="6ECDD2"/>
-                </a:solidFill>
-                <a:effectLst>
-                  <a:outerShdw blurRad="38100" dist="38100" dir="2700000" algn="tl">
-                    <a:srgbClr val="000000">
-                      <a:alpha val="43137"/>
-                    </a:srgbClr>
-                  </a:outerShdw>
-                </a:effectLst>
-                <a:latin typeface="Calibri" pitchFamily="34" charset="0"/>
-              </a:rPr>
-              <a:t>Testabdeckung:</a:t>
-            </a:r>
-            <a:r>
-              <a:rPr lang="de-DE" sz="2800" b="1" dirty="0" smtClean="0">
-                <a:solidFill>
-                  <a:srgbClr val="6ECDD2"/>
-                </a:solidFill>
-                <a:latin typeface="Calibri" pitchFamily="34" charset="0"/>
-              </a:rPr>
-              <a:t/>
-            </a:r>
-            <a:br>
-              <a:rPr lang="de-DE" sz="2800" b="1" dirty="0" smtClean="0">
-                <a:solidFill>
-                  <a:srgbClr val="6ECDD2"/>
-                </a:solidFill>
-                <a:latin typeface="Calibri" pitchFamily="34" charset="0"/>
-              </a:rPr>
-            </a:br>
-            <a:r>
-              <a:rPr lang="de-DE" sz="2800" dirty="0" smtClean="0">
-                <a:solidFill>
-                  <a:schemeClr val="bg1"/>
-                </a:solidFill>
-                <a:latin typeface="Calibri" pitchFamily="34" charset="0"/>
-              </a:rPr>
-              <a:t>Emma</a:t>
-            </a:r>
-            <a:endParaRPr lang="de-DE" sz="2800" dirty="0">
-              <a:solidFill>
-                <a:schemeClr val="bg1"/>
-              </a:solidFill>
-              <a:latin typeface="Calibri" pitchFamily="34" charset="0"/>
-            </a:endParaRPr>
-          </a:p>
-          <a:p>
-            <a:pPr marL="285750" indent="-285750">
-              <a:buFont typeface="Arial" pitchFamily="34" charset="0"/>
-              <a:buChar char="•"/>
-            </a:pPr>
-            <a:r>
-              <a:rPr lang="de-DE" sz="2800" b="1" dirty="0" smtClean="0">
-                <a:solidFill>
-                  <a:srgbClr val="6ECDD2"/>
-                </a:solidFill>
-                <a:effectLst>
-                  <a:outerShdw blurRad="38100" dist="38100" dir="2700000" algn="tl">
-                    <a:srgbClr val="000000">
-                      <a:alpha val="43137"/>
-                    </a:srgbClr>
-                  </a:outerShdw>
-                </a:effectLst>
-                <a:latin typeface="Calibri" pitchFamily="34" charset="0"/>
-              </a:rPr>
-              <a:t>Tests:</a:t>
-            </a:r>
-            <a:r>
-              <a:rPr lang="de-DE" sz="2800" b="1" dirty="0">
-                <a:solidFill>
-                  <a:srgbClr val="6ECDD2"/>
-                </a:solidFill>
-                <a:latin typeface="Calibri" pitchFamily="34" charset="0"/>
-              </a:rPr>
-              <a:t/>
-            </a:r>
-            <a:br>
-              <a:rPr lang="de-DE" sz="2800" b="1" dirty="0">
-                <a:solidFill>
-                  <a:srgbClr val="6ECDD2"/>
-                </a:solidFill>
-                <a:latin typeface="Calibri" pitchFamily="34" charset="0"/>
-              </a:rPr>
-            </a:br>
-            <a:r>
-              <a:rPr lang="de-DE" sz="2800" dirty="0" err="1" smtClean="0">
-                <a:solidFill>
-                  <a:schemeClr val="bg1"/>
-                </a:solidFill>
-                <a:latin typeface="Calibri" pitchFamily="34" charset="0"/>
-              </a:rPr>
-              <a:t>JUnit</a:t>
-            </a:r>
-            <a:r>
-              <a:rPr lang="de-DE" sz="2800" dirty="0">
-                <a:solidFill>
-                  <a:schemeClr val="bg1"/>
-                </a:solidFill>
-                <a:latin typeface="Calibri" pitchFamily="34" charset="0"/>
-              </a:rPr>
-              <a:t> </a:t>
-            </a:r>
-            <a:r>
-              <a:rPr lang="de-DE" sz="2800" dirty="0" smtClean="0">
-                <a:solidFill>
-                  <a:schemeClr val="bg1"/>
-                </a:solidFill>
-                <a:latin typeface="Calibri" pitchFamily="34" charset="0"/>
-              </a:rPr>
-              <a:t>&amp; </a:t>
-            </a:r>
-            <a:r>
-              <a:rPr lang="de-DE" sz="2800" dirty="0" err="1" smtClean="0">
-                <a:solidFill>
-                  <a:schemeClr val="bg1"/>
-                </a:solidFill>
-                <a:latin typeface="Calibri" pitchFamily="34" charset="0"/>
-              </a:rPr>
-              <a:t>Calabash</a:t>
-            </a:r>
-            <a:r>
-              <a:rPr lang="de-DE" sz="2800" dirty="0" smtClean="0">
-                <a:solidFill>
-                  <a:schemeClr val="bg1"/>
-                </a:solidFill>
-                <a:latin typeface="Calibri" pitchFamily="34" charset="0"/>
-              </a:rPr>
-              <a:t> </a:t>
-            </a:r>
-            <a:r>
-              <a:rPr lang="de-DE" sz="2800" dirty="0" err="1" smtClean="0">
-                <a:solidFill>
-                  <a:schemeClr val="bg1"/>
-                </a:solidFill>
-                <a:latin typeface="Calibri" pitchFamily="34" charset="0"/>
-              </a:rPr>
-              <a:t>Android</a:t>
-            </a:r>
-            <a:r>
-              <a:rPr lang="de-DE" sz="2800" b="1" dirty="0" smtClean="0">
-                <a:solidFill>
-                  <a:srgbClr val="6ECDD2"/>
-                </a:solidFill>
-                <a:latin typeface="Calibri" pitchFamily="34" charset="0"/>
-              </a:rPr>
-              <a:t> </a:t>
-            </a:r>
-          </a:p>
-        </p:txBody>
-      </p:sp>
-      <p:sp>
-        <p:nvSpPr>
-          <p:cNvPr id="5" name="Titel 1"/>
-          <p:cNvSpPr txBox="1">
-            <a:spLocks/>
-          </p:cNvSpPr>
-          <p:nvPr/>
-        </p:nvSpPr>
-        <p:spPr>
-          <a:xfrm>
-            <a:off x="539552" y="260648"/>
-            <a:ext cx="6172200" cy="1008112"/>
-          </a:xfrm>
-          <a:prstGeom prst="rect">
-            <a:avLst/>
-          </a:prstGeom>
-        </p:spPr>
-        <p:txBody>
-          <a:bodyPr vert="horz" lIns="91440" tIns="45720" rIns="91440" bIns="45720" rtlCol="0" anchor="t">
-            <a:noAutofit/>
-          </a:bodyPr>
-          <a:lstStyle>
-            <a:lvl1pPr algn="l" defTabSz="914400" rtl="0" eaLnBrk="1" latinLnBrk="0" hangingPunct="1">
-              <a:spcBef>
-                <a:spcPct val="0"/>
-              </a:spcBef>
-              <a:buNone/>
-              <a:defRPr sz="4800" b="1" kern="1200" cap="all" baseline="0">
-                <a:solidFill>
-                  <a:schemeClr val="tx1"/>
-                </a:solidFill>
-                <a:latin typeface="+mj-lt"/>
-                <a:ea typeface="+mj-ea"/>
-                <a:cs typeface="+mj-cs"/>
-              </a:defRPr>
-            </a:lvl1pPr>
-            <a:lvl2pPr eaLnBrk="1" hangingPunct="1">
-              <a:defRPr>
-                <a:solidFill>
-                  <a:schemeClr val="tx2"/>
-                </a:solidFill>
-              </a:defRPr>
-            </a:lvl2pPr>
-            <a:lvl3pPr eaLnBrk="1" hangingPunct="1">
-              <a:defRPr>
-                <a:solidFill>
-                  <a:schemeClr val="tx2"/>
-                </a:solidFill>
-              </a:defRPr>
-            </a:lvl3pPr>
-            <a:lvl4pPr eaLnBrk="1" hangingPunct="1">
-              <a:defRPr>
-                <a:solidFill>
-                  <a:schemeClr val="tx2"/>
-                </a:solidFill>
-              </a:defRPr>
-            </a:lvl4pPr>
-            <a:lvl5pPr eaLnBrk="1" hangingPunct="1">
-              <a:defRPr>
-                <a:solidFill>
-                  <a:schemeClr val="tx2"/>
-                </a:solidFill>
-              </a:defRPr>
-            </a:lvl5pPr>
-            <a:lvl6pPr eaLnBrk="1" hangingPunct="1">
-              <a:defRPr>
-                <a:solidFill>
-                  <a:schemeClr val="tx2"/>
-                </a:solidFill>
-              </a:defRPr>
-            </a:lvl6pPr>
-            <a:lvl7pPr eaLnBrk="1" hangingPunct="1">
-              <a:defRPr>
-                <a:solidFill>
-                  <a:schemeClr val="tx2"/>
-                </a:solidFill>
-              </a:defRPr>
-            </a:lvl7pPr>
-            <a:lvl8pPr eaLnBrk="1" hangingPunct="1">
-              <a:defRPr>
-                <a:solidFill>
-                  <a:schemeClr val="tx2"/>
-                </a:solidFill>
-              </a:defRPr>
-            </a:lvl8pPr>
-            <a:lvl9pPr eaLnBrk="1" hangingPunct="1">
-              <a:defRPr>
-                <a:solidFill>
-                  <a:schemeClr val="tx2"/>
-                </a:solidFill>
-              </a:defRPr>
-            </a:lvl9pPr>
-          </a:lstStyle>
-          <a:p>
-            <a:r>
-              <a:rPr lang="de-DE" dirty="0">
-                <a:latin typeface="Calibri" pitchFamily="34" charset="0"/>
-              </a:rPr>
-              <a:t>Verwendete Tools</a:t>
-            </a:r>
-          </a:p>
-        </p:txBody>
-      </p:sp>
-    </p:spTree>
-    <p:extLst>
-      <p:ext uri="{BB962C8B-B14F-4D97-AF65-F5344CB8AC3E}">
-        <p14:creationId xmlns:p14="http://schemas.microsoft.com/office/powerpoint/2010/main" val="1426639316"/>
       </p:ext>
     </p:extLst>
   </p:cSld>

--- a/Presentation/abschlusspraesentation.pptx
+++ b/Presentation/abschlusspraesentation.pptx
@@ -225,7 +225,6 @@
           </a:p>
         </c:rich>
       </c:tx>
-      <c:layout/>
       <c:overlay val="0"/>
     </c:title>
     <c:autoTitleDeleted val="0"/>
@@ -438,7 +437,6 @@
           </a:p>
         </c:rich>
       </c:tx>
-      <c:layout/>
       <c:overlay val="0"/>
     </c:title>
     <c:autoTitleDeleted val="0"/>
@@ -11357,7 +11355,7 @@
       </p:sp>
       <p:pic>
         <p:nvPicPr>
-          <p:cNvPr id="2" name="Grafik 1"/>
+          <p:cNvPr id="3" name="Grafik 2"/>
           <p:cNvPicPr>
             <a:picLocks noChangeAspect="1"/>
           </p:cNvPicPr>
@@ -11377,8 +11375,8 @@
         </p:blipFill>
         <p:spPr>
           <a:xfrm>
-            <a:off x="1322339" y="1628800"/>
-            <a:ext cx="6499323" cy="4851408"/>
+            <a:off x="1205626" y="1612015"/>
+            <a:ext cx="6732748" cy="5025647"/>
           </a:xfrm>
           <a:prstGeom prst="rect">
             <a:avLst/>

--- a/Presentation/abschlusspraesentation.pptx
+++ b/Presentation/abschlusspraesentation.pptx
@@ -225,6 +225,7 @@
           </a:p>
         </c:rich>
       </c:tx>
+      <c:layout/>
       <c:overlay val="0"/>
     </c:title>
     <c:autoTitleDeleted val="0"/>
@@ -437,6 +438,7 @@
           </a:p>
         </c:rich>
       </c:tx>
+      <c:layout/>
       <c:overlay val="0"/>
     </c:title>
     <c:autoTitleDeleted val="0"/>
@@ -625,7 +627,7 @@
           <a:p>
             <a:fld id="{BC4AF301-A1F3-4F4B-8D67-079E88C8BBE8}" type="datetimeFigureOut">
               <a:rPr lang="de-DE" smtClean="0"/>
-              <a:t>19.06.2013</a:t>
+              <a:t>25.06.2013</a:t>
             </a:fld>
             <a:endParaRPr lang="de-DE"/>
           </a:p>
@@ -1799,10 +1801,10 @@
           <a:bodyPr/>
           <a:lstStyle/>
           <a:p>
-            <a:fld id="{35338F35-DB24-49B2-A8E9-97B12F03D8AE}" type="datetimeFigureOut">
+            <a:r>
               <a:rPr lang="de-DE" smtClean="0"/>
               <a:t>19.06.2013</a:t>
-            </a:fld>
+            </a:r>
             <a:endParaRPr lang="de-DE"/>
           </a:p>
         </p:txBody>
@@ -1976,10 +1978,10 @@
           <a:bodyPr/>
           <a:lstStyle/>
           <a:p>
-            <a:fld id="{35338F35-DB24-49B2-A8E9-97B12F03D8AE}" type="datetimeFigureOut">
+            <a:r>
               <a:rPr lang="de-DE" smtClean="0"/>
               <a:t>19.06.2013</a:t>
-            </a:fld>
+            </a:r>
             <a:endParaRPr lang="de-DE"/>
           </a:p>
         </p:txBody>
@@ -2174,10 +2176,10 @@
           <a:bodyPr/>
           <a:lstStyle/>
           <a:p>
-            <a:fld id="{35338F35-DB24-49B2-A8E9-97B12F03D8AE}" type="datetimeFigureOut">
+            <a:r>
               <a:rPr lang="de-DE" smtClean="0"/>
               <a:t>19.06.2013</a:t>
-            </a:fld>
+            </a:r>
             <a:endParaRPr lang="de-DE"/>
           </a:p>
         </p:txBody>
@@ -2328,10 +2330,10 @@
           <a:bodyPr/>
           <a:lstStyle/>
           <a:p>
-            <a:fld id="{35338F35-DB24-49B2-A8E9-97B12F03D8AE}" type="datetimeFigureOut">
+            <a:r>
               <a:rPr lang="de-DE" smtClean="0"/>
               <a:t>19.06.2013</a:t>
-            </a:fld>
+            </a:r>
             <a:endParaRPr lang="de-DE"/>
           </a:p>
         </p:txBody>
@@ -2603,10 +2605,10 @@
           <a:bodyPr/>
           <a:lstStyle/>
           <a:p>
-            <a:fld id="{35338F35-DB24-49B2-A8E9-97B12F03D8AE}" type="datetimeFigureOut">
+            <a:r>
               <a:rPr lang="de-DE" smtClean="0"/>
               <a:t>19.06.2013</a:t>
-            </a:fld>
+            </a:r>
             <a:endParaRPr lang="de-DE"/>
           </a:p>
         </p:txBody>
@@ -2902,10 +2904,10 @@
           <a:bodyPr/>
           <a:lstStyle/>
           <a:p>
-            <a:fld id="{35338F35-DB24-49B2-A8E9-97B12F03D8AE}" type="datetimeFigureOut">
+            <a:r>
               <a:rPr lang="de-DE" smtClean="0"/>
               <a:t>19.06.2013</a:t>
-            </a:fld>
+            </a:r>
             <a:endParaRPr lang="de-DE"/>
           </a:p>
         </p:txBody>
@@ -3344,10 +3346,10 @@
           <a:bodyPr/>
           <a:lstStyle/>
           <a:p>
-            <a:fld id="{35338F35-DB24-49B2-A8E9-97B12F03D8AE}" type="datetimeFigureOut">
+            <a:r>
               <a:rPr lang="de-DE" smtClean="0"/>
               <a:t>19.06.2013</a:t>
-            </a:fld>
+            </a:r>
             <a:endParaRPr lang="de-DE"/>
           </a:p>
         </p:txBody>
@@ -3451,10 +3453,10 @@
           <a:bodyPr/>
           <a:lstStyle/>
           <a:p>
-            <a:fld id="{35338F35-DB24-49B2-A8E9-97B12F03D8AE}" type="datetimeFigureOut">
+            <a:r>
               <a:rPr lang="de-DE" smtClean="0"/>
               <a:t>19.06.2013</a:t>
-            </a:fld>
+            </a:r>
             <a:endParaRPr lang="de-DE"/>
           </a:p>
         </p:txBody>
@@ -3571,10 +3573,10 @@
           <a:bodyPr/>
           <a:lstStyle/>
           <a:p>
-            <a:fld id="{35338F35-DB24-49B2-A8E9-97B12F03D8AE}" type="datetimeFigureOut">
+            <a:r>
               <a:rPr lang="de-DE" smtClean="0"/>
               <a:t>19.06.2013</a:t>
-            </a:fld>
+            </a:r>
             <a:endParaRPr lang="de-DE"/>
           </a:p>
         </p:txBody>
@@ -3856,10 +3858,10 @@
           <a:bodyPr/>
           <a:lstStyle/>
           <a:p>
-            <a:fld id="{35338F35-DB24-49B2-A8E9-97B12F03D8AE}" type="datetimeFigureOut">
+            <a:r>
               <a:rPr lang="de-DE" smtClean="0"/>
               <a:t>19.06.2013</a:t>
-            </a:fld>
+            </a:r>
             <a:endParaRPr lang="de-DE"/>
           </a:p>
         </p:txBody>
@@ -4127,10 +4129,10 @@
           <a:bodyPr/>
           <a:lstStyle/>
           <a:p>
-            <a:fld id="{35338F35-DB24-49B2-A8E9-97B12F03D8AE}" type="datetimeFigureOut">
+            <a:r>
               <a:rPr lang="de-DE" smtClean="0"/>
               <a:t>19.06.2013</a:t>
-            </a:fld>
+            </a:r>
             <a:endParaRPr lang="de-DE"/>
           </a:p>
         </p:txBody>
@@ -4347,10 +4349,10 @@
             </a:lvl1pPr>
           </a:lstStyle>
           <a:p>
-            <a:fld id="{35338F35-DB24-49B2-A8E9-97B12F03D8AE}" type="datetimeFigureOut">
+            <a:r>
               <a:rPr lang="de-DE" smtClean="0"/>
               <a:t>19.06.2013</a:t>
-            </a:fld>
+            </a:r>
             <a:endParaRPr lang="de-DE"/>
           </a:p>
         </p:txBody>
@@ -4454,6 +4456,7 @@
       </p:par>
     </p:tnLst>
   </p:timing>
+  <p:hf sldNum="0" hdr="0" ftr="0"/>
   <p:txStyles>
     <p:titleStyle>
       <a:lvl1pPr algn="l" defTabSz="914400" rtl="0" eaLnBrk="1" latinLnBrk="0" hangingPunct="1">
@@ -4886,6 +4889,29 @@
           </a:p>
         </p:txBody>
       </p:sp>
+      <p:sp>
+        <p:nvSpPr>
+          <p:cNvPr id="3" name="Datumsplatzhalter 2"/>
+          <p:cNvSpPr>
+            <a:spLocks noGrp="1"/>
+          </p:cNvSpPr>
+          <p:nvPr>
+            <p:ph type="dt" sz="half" idx="10"/>
+          </p:nvPr>
+        </p:nvSpPr>
+        <p:spPr/>
+        <p:txBody>
+          <a:bodyPr/>
+          <a:lstStyle/>
+          <a:p>
+            <a:r>
+              <a:rPr lang="de-DE" smtClean="0"/>
+              <a:t>19.06.2013</a:t>
+            </a:r>
+            <a:endParaRPr lang="de-DE"/>
+          </a:p>
+        </p:txBody>
+      </p:sp>
     </p:spTree>
     <p:extLst>
       <p:ext uri="{BB962C8B-B14F-4D97-AF65-F5344CB8AC3E}">
@@ -5447,6 +5473,29 @@
           </a:p>
         </p:txBody>
       </p:sp>
+      <p:sp>
+        <p:nvSpPr>
+          <p:cNvPr id="2" name="Datumsplatzhalter 1"/>
+          <p:cNvSpPr>
+            <a:spLocks noGrp="1"/>
+          </p:cNvSpPr>
+          <p:nvPr>
+            <p:ph type="dt" sz="half" idx="10"/>
+          </p:nvPr>
+        </p:nvSpPr>
+        <p:spPr/>
+        <p:txBody>
+          <a:bodyPr/>
+          <a:lstStyle/>
+          <a:p>
+            <a:r>
+              <a:rPr lang="de-DE" smtClean="0"/>
+              <a:t>19.06.2013</a:t>
+            </a:r>
+            <a:endParaRPr lang="de-DE"/>
+          </a:p>
+        </p:txBody>
+      </p:sp>
     </p:spTree>
     <p:extLst>
       <p:ext uri="{BB962C8B-B14F-4D97-AF65-F5344CB8AC3E}">
@@ -5634,6 +5683,29 @@
           </a:prstGeom>
         </p:spPr>
       </p:pic>
+      <p:sp>
+        <p:nvSpPr>
+          <p:cNvPr id="2" name="Datumsplatzhalter 1"/>
+          <p:cNvSpPr>
+            <a:spLocks noGrp="1"/>
+          </p:cNvSpPr>
+          <p:nvPr>
+            <p:ph type="dt" sz="half" idx="10"/>
+          </p:nvPr>
+        </p:nvSpPr>
+        <p:spPr/>
+        <p:txBody>
+          <a:bodyPr/>
+          <a:lstStyle/>
+          <a:p>
+            <a:r>
+              <a:rPr lang="de-DE" smtClean="0"/>
+              <a:t>19.06.2013</a:t>
+            </a:r>
+            <a:endParaRPr lang="de-DE"/>
+          </a:p>
+        </p:txBody>
+      </p:sp>
     </p:spTree>
     <p:extLst>
       <p:ext uri="{BB962C8B-B14F-4D97-AF65-F5344CB8AC3E}">
@@ -5985,6 +6057,29 @@
                 <a:schemeClr val="bg1"/>
               </a:solidFill>
             </a:endParaRPr>
+          </a:p>
+        </p:txBody>
+      </p:sp>
+      <p:sp>
+        <p:nvSpPr>
+          <p:cNvPr id="7" name="Datumsplatzhalter 6"/>
+          <p:cNvSpPr>
+            <a:spLocks noGrp="1"/>
+          </p:cNvSpPr>
+          <p:nvPr>
+            <p:ph type="dt" sz="half" idx="10"/>
+          </p:nvPr>
+        </p:nvSpPr>
+        <p:spPr/>
+        <p:txBody>
+          <a:bodyPr/>
+          <a:lstStyle/>
+          <a:p>
+            <a:r>
+              <a:rPr lang="de-DE" smtClean="0"/>
+              <a:t>19.06.2013</a:t>
+            </a:r>
+            <a:endParaRPr lang="de-DE"/>
           </a:p>
         </p:txBody>
       </p:sp>
@@ -6562,6 +6657,29 @@
           </a:p>
         </p:txBody>
       </p:sp>
+      <p:sp>
+        <p:nvSpPr>
+          <p:cNvPr id="4" name="Datumsplatzhalter 3"/>
+          <p:cNvSpPr>
+            <a:spLocks noGrp="1"/>
+          </p:cNvSpPr>
+          <p:nvPr>
+            <p:ph type="dt" sz="half" idx="10"/>
+          </p:nvPr>
+        </p:nvSpPr>
+        <p:spPr/>
+        <p:txBody>
+          <a:bodyPr/>
+          <a:lstStyle/>
+          <a:p>
+            <a:r>
+              <a:rPr lang="de-DE" smtClean="0"/>
+              <a:t>19.06.2013</a:t>
+            </a:r>
+            <a:endParaRPr lang="de-DE"/>
+          </a:p>
+        </p:txBody>
+      </p:sp>
     </p:spTree>
     <p:extLst>
       <p:ext uri="{BB962C8B-B14F-4D97-AF65-F5344CB8AC3E}">
@@ -6749,6 +6867,29 @@
           </a:prstGeom>
         </p:spPr>
       </p:pic>
+      <p:sp>
+        <p:nvSpPr>
+          <p:cNvPr id="2" name="Datumsplatzhalter 1"/>
+          <p:cNvSpPr>
+            <a:spLocks noGrp="1"/>
+          </p:cNvSpPr>
+          <p:nvPr>
+            <p:ph type="dt" sz="half" idx="10"/>
+          </p:nvPr>
+        </p:nvSpPr>
+        <p:spPr/>
+        <p:txBody>
+          <a:bodyPr/>
+          <a:lstStyle/>
+          <a:p>
+            <a:r>
+              <a:rPr lang="de-DE" smtClean="0"/>
+              <a:t>19.06.2013</a:t>
+            </a:r>
+            <a:endParaRPr lang="de-DE"/>
+          </a:p>
+        </p:txBody>
+      </p:sp>
     </p:spTree>
     <p:extLst>
       <p:ext uri="{BB962C8B-B14F-4D97-AF65-F5344CB8AC3E}">
@@ -7117,6 +7258,29 @@
           </a:prstGeom>
         </p:spPr>
       </p:pic>
+      <p:sp>
+        <p:nvSpPr>
+          <p:cNvPr id="4" name="Datumsplatzhalter 3"/>
+          <p:cNvSpPr>
+            <a:spLocks noGrp="1"/>
+          </p:cNvSpPr>
+          <p:nvPr>
+            <p:ph type="dt" sz="half" idx="10"/>
+          </p:nvPr>
+        </p:nvSpPr>
+        <p:spPr/>
+        <p:txBody>
+          <a:bodyPr/>
+          <a:lstStyle/>
+          <a:p>
+            <a:r>
+              <a:rPr lang="de-DE" smtClean="0"/>
+              <a:t>19.06.2013</a:t>
+            </a:r>
+            <a:endParaRPr lang="de-DE"/>
+          </a:p>
+        </p:txBody>
+      </p:sp>
     </p:spTree>
     <p:extLst>
       <p:ext uri="{BB962C8B-B14F-4D97-AF65-F5344CB8AC3E}">
@@ -7356,6 +7520,29 @@
           </a:prstGeom>
         </p:spPr>
       </p:pic>
+      <p:sp>
+        <p:nvSpPr>
+          <p:cNvPr id="2" name="Datumsplatzhalter 1"/>
+          <p:cNvSpPr>
+            <a:spLocks noGrp="1"/>
+          </p:cNvSpPr>
+          <p:nvPr>
+            <p:ph type="dt" sz="half" idx="10"/>
+          </p:nvPr>
+        </p:nvSpPr>
+        <p:spPr/>
+        <p:txBody>
+          <a:bodyPr/>
+          <a:lstStyle/>
+          <a:p>
+            <a:r>
+              <a:rPr lang="de-DE" smtClean="0"/>
+              <a:t>19.06.2013</a:t>
+            </a:r>
+            <a:endParaRPr lang="de-DE"/>
+          </a:p>
+        </p:txBody>
+      </p:sp>
     </p:spTree>
     <p:extLst>
       <p:ext uri="{BB962C8B-B14F-4D97-AF65-F5344CB8AC3E}">
@@ -7733,6 +7920,29 @@
           </a:p>
         </p:txBody>
       </p:sp>
+      <p:sp>
+        <p:nvSpPr>
+          <p:cNvPr id="2" name="Datumsplatzhalter 1"/>
+          <p:cNvSpPr>
+            <a:spLocks noGrp="1"/>
+          </p:cNvSpPr>
+          <p:nvPr>
+            <p:ph type="dt" sz="half" idx="10"/>
+          </p:nvPr>
+        </p:nvSpPr>
+        <p:spPr/>
+        <p:txBody>
+          <a:bodyPr/>
+          <a:lstStyle/>
+          <a:p>
+            <a:r>
+              <a:rPr lang="de-DE" smtClean="0"/>
+              <a:t>19.06.2013</a:t>
+            </a:r>
+            <a:endParaRPr lang="de-DE"/>
+          </a:p>
+        </p:txBody>
+      </p:sp>
     </p:spTree>
     <p:extLst>
       <p:ext uri="{BB962C8B-B14F-4D97-AF65-F5344CB8AC3E}">
@@ -7979,6 +8189,29 @@
           </a:prstGeom>
         </p:spPr>
       </p:pic>
+      <p:sp>
+        <p:nvSpPr>
+          <p:cNvPr id="2" name="Datumsplatzhalter 1"/>
+          <p:cNvSpPr>
+            <a:spLocks noGrp="1"/>
+          </p:cNvSpPr>
+          <p:nvPr>
+            <p:ph type="dt" sz="half" idx="10"/>
+          </p:nvPr>
+        </p:nvSpPr>
+        <p:spPr/>
+        <p:txBody>
+          <a:bodyPr/>
+          <a:lstStyle/>
+          <a:p>
+            <a:r>
+              <a:rPr lang="de-DE" smtClean="0"/>
+              <a:t>19.06.2013</a:t>
+            </a:r>
+            <a:endParaRPr lang="de-DE"/>
+          </a:p>
+        </p:txBody>
+      </p:sp>
     </p:spTree>
     <p:extLst>
       <p:ext uri="{BB962C8B-B14F-4D97-AF65-F5344CB8AC3E}">
@@ -8738,6 +8971,29 @@
           </a:p>
         </p:txBody>
       </p:sp>
+      <p:sp>
+        <p:nvSpPr>
+          <p:cNvPr id="2" name="Datumsplatzhalter 1"/>
+          <p:cNvSpPr>
+            <a:spLocks noGrp="1"/>
+          </p:cNvSpPr>
+          <p:nvPr>
+            <p:ph type="dt" sz="half" idx="10"/>
+          </p:nvPr>
+        </p:nvSpPr>
+        <p:spPr/>
+        <p:txBody>
+          <a:bodyPr/>
+          <a:lstStyle/>
+          <a:p>
+            <a:r>
+              <a:rPr lang="de-DE" smtClean="0"/>
+              <a:t>19.06.2013</a:t>
+            </a:r>
+            <a:endParaRPr lang="de-DE"/>
+          </a:p>
+        </p:txBody>
+      </p:sp>
     </p:spTree>
     <p:extLst>
       <p:ext uri="{BB962C8B-B14F-4D97-AF65-F5344CB8AC3E}">
@@ -9293,6 +9549,29 @@
           </a:p>
         </p:txBody>
       </p:sp>
+      <p:sp>
+        <p:nvSpPr>
+          <p:cNvPr id="2" name="Datumsplatzhalter 1"/>
+          <p:cNvSpPr>
+            <a:spLocks noGrp="1"/>
+          </p:cNvSpPr>
+          <p:nvPr>
+            <p:ph type="dt" sz="half" idx="10"/>
+          </p:nvPr>
+        </p:nvSpPr>
+        <p:spPr/>
+        <p:txBody>
+          <a:bodyPr/>
+          <a:lstStyle/>
+          <a:p>
+            <a:r>
+              <a:rPr lang="de-DE" smtClean="0"/>
+              <a:t>19.06.2013</a:t>
+            </a:r>
+            <a:endParaRPr lang="de-DE"/>
+          </a:p>
+        </p:txBody>
+      </p:sp>
     </p:spTree>
     <p:extLst>
       <p:ext uri="{BB962C8B-B14F-4D97-AF65-F5344CB8AC3E}">
@@ -9511,6 +9790,29 @@
           </a:prstGeom>
         </p:spPr>
       </p:pic>
+      <p:sp>
+        <p:nvSpPr>
+          <p:cNvPr id="4" name="Datumsplatzhalter 3"/>
+          <p:cNvSpPr>
+            <a:spLocks noGrp="1"/>
+          </p:cNvSpPr>
+          <p:nvPr>
+            <p:ph type="dt" sz="half" idx="10"/>
+          </p:nvPr>
+        </p:nvSpPr>
+        <p:spPr/>
+        <p:txBody>
+          <a:bodyPr/>
+          <a:lstStyle/>
+          <a:p>
+            <a:r>
+              <a:rPr lang="de-DE" smtClean="0"/>
+              <a:t>19.06.2013</a:t>
+            </a:r>
+            <a:endParaRPr lang="de-DE"/>
+          </a:p>
+        </p:txBody>
+      </p:sp>
     </p:spTree>
     <p:extLst>
       <p:ext uri="{BB962C8B-B14F-4D97-AF65-F5344CB8AC3E}">
@@ -9867,6 +10169,29 @@
           </a:p>
         </p:txBody>
       </p:sp>
+      <p:sp>
+        <p:nvSpPr>
+          <p:cNvPr id="2" name="Datumsplatzhalter 1"/>
+          <p:cNvSpPr>
+            <a:spLocks noGrp="1"/>
+          </p:cNvSpPr>
+          <p:nvPr>
+            <p:ph type="dt" sz="half" idx="10"/>
+          </p:nvPr>
+        </p:nvSpPr>
+        <p:spPr/>
+        <p:txBody>
+          <a:bodyPr/>
+          <a:lstStyle/>
+          <a:p>
+            <a:r>
+              <a:rPr lang="de-DE" smtClean="0"/>
+              <a:t>19.06.2013</a:t>
+            </a:r>
+            <a:endParaRPr lang="de-DE"/>
+          </a:p>
+        </p:txBody>
+      </p:sp>
     </p:spTree>
     <p:extLst>
       <p:ext uri="{BB962C8B-B14F-4D97-AF65-F5344CB8AC3E}">
@@ -10208,6 +10533,29 @@
           </a:p>
         </p:txBody>
       </p:sp>
+      <p:sp>
+        <p:nvSpPr>
+          <p:cNvPr id="2" name="Datumsplatzhalter 1"/>
+          <p:cNvSpPr>
+            <a:spLocks noGrp="1"/>
+          </p:cNvSpPr>
+          <p:nvPr>
+            <p:ph type="dt" sz="half" idx="10"/>
+          </p:nvPr>
+        </p:nvSpPr>
+        <p:spPr/>
+        <p:txBody>
+          <a:bodyPr/>
+          <a:lstStyle/>
+          <a:p>
+            <a:r>
+              <a:rPr lang="de-DE" smtClean="0"/>
+              <a:t>19.06.2013</a:t>
+            </a:r>
+            <a:endParaRPr lang="de-DE"/>
+          </a:p>
+        </p:txBody>
+      </p:sp>
     </p:spTree>
     <p:extLst>
       <p:ext uri="{BB962C8B-B14F-4D97-AF65-F5344CB8AC3E}">
@@ -10395,6 +10743,29 @@
           </a:prstGeom>
         </p:spPr>
       </p:pic>
+      <p:sp>
+        <p:nvSpPr>
+          <p:cNvPr id="3" name="Datumsplatzhalter 2"/>
+          <p:cNvSpPr>
+            <a:spLocks noGrp="1"/>
+          </p:cNvSpPr>
+          <p:nvPr>
+            <p:ph type="dt" sz="half" idx="10"/>
+          </p:nvPr>
+        </p:nvSpPr>
+        <p:spPr/>
+        <p:txBody>
+          <a:bodyPr/>
+          <a:lstStyle/>
+          <a:p>
+            <a:r>
+              <a:rPr lang="de-DE" smtClean="0"/>
+              <a:t>19.06.2013</a:t>
+            </a:r>
+            <a:endParaRPr lang="de-DE"/>
+          </a:p>
+        </p:txBody>
+      </p:sp>
     </p:spTree>
     <p:extLst>
       <p:ext uri="{BB962C8B-B14F-4D97-AF65-F5344CB8AC3E}">
@@ -10787,6 +11158,29 @@
               </a:rPr>
               <a:t>Spielzug/-platten animieren</a:t>
             </a:r>
+          </a:p>
+        </p:txBody>
+      </p:sp>
+      <p:sp>
+        <p:nvSpPr>
+          <p:cNvPr id="4" name="Datumsplatzhalter 3"/>
+          <p:cNvSpPr>
+            <a:spLocks noGrp="1"/>
+          </p:cNvSpPr>
+          <p:nvPr>
+            <p:ph type="dt" sz="half" idx="10"/>
+          </p:nvPr>
+        </p:nvSpPr>
+        <p:spPr/>
+        <p:txBody>
+          <a:bodyPr/>
+          <a:lstStyle/>
+          <a:p>
+            <a:r>
+              <a:rPr lang="de-DE" smtClean="0"/>
+              <a:t>19.06.2013</a:t>
+            </a:r>
+            <a:endParaRPr lang="de-DE"/>
           </a:p>
         </p:txBody>
       </p:sp>
@@ -11184,6 +11578,29 @@
           </a:prstGeom>
         </p:spPr>
       </p:pic>
+      <p:sp>
+        <p:nvSpPr>
+          <p:cNvPr id="7" name="Datumsplatzhalter 6"/>
+          <p:cNvSpPr>
+            <a:spLocks noGrp="1"/>
+          </p:cNvSpPr>
+          <p:nvPr>
+            <p:ph type="dt" sz="half" idx="10"/>
+          </p:nvPr>
+        </p:nvSpPr>
+        <p:spPr/>
+        <p:txBody>
+          <a:bodyPr/>
+          <a:lstStyle/>
+          <a:p>
+            <a:r>
+              <a:rPr lang="de-DE" smtClean="0"/>
+              <a:t>19.06.2013</a:t>
+            </a:r>
+            <a:endParaRPr lang="de-DE"/>
+          </a:p>
+        </p:txBody>
+      </p:sp>
     </p:spTree>
     <p:extLst>
       <p:ext uri="{BB962C8B-B14F-4D97-AF65-F5344CB8AC3E}">
@@ -11383,6 +11800,29 @@
           </a:prstGeom>
         </p:spPr>
       </p:pic>
+      <p:sp>
+        <p:nvSpPr>
+          <p:cNvPr id="2" name="Datumsplatzhalter 1"/>
+          <p:cNvSpPr>
+            <a:spLocks noGrp="1"/>
+          </p:cNvSpPr>
+          <p:nvPr>
+            <p:ph type="dt" sz="half" idx="10"/>
+          </p:nvPr>
+        </p:nvSpPr>
+        <p:spPr/>
+        <p:txBody>
+          <a:bodyPr/>
+          <a:lstStyle/>
+          <a:p>
+            <a:r>
+              <a:rPr lang="de-DE" smtClean="0"/>
+              <a:t>19.06.2013</a:t>
+            </a:r>
+            <a:endParaRPr lang="de-DE"/>
+          </a:p>
+        </p:txBody>
+      </p:sp>
     </p:spTree>
     <p:extLst>
       <p:ext uri="{BB962C8B-B14F-4D97-AF65-F5344CB8AC3E}">
@@ -11567,6 +12007,29 @@
           </a:prstGeom>
         </p:spPr>
       </p:pic>
+      <p:sp>
+        <p:nvSpPr>
+          <p:cNvPr id="2" name="Datumsplatzhalter 1"/>
+          <p:cNvSpPr>
+            <a:spLocks noGrp="1"/>
+          </p:cNvSpPr>
+          <p:nvPr>
+            <p:ph type="dt" sz="half" idx="10"/>
+          </p:nvPr>
+        </p:nvSpPr>
+        <p:spPr/>
+        <p:txBody>
+          <a:bodyPr/>
+          <a:lstStyle/>
+          <a:p>
+            <a:r>
+              <a:rPr lang="de-DE" smtClean="0"/>
+              <a:t>19.06.2013</a:t>
+            </a:r>
+            <a:endParaRPr lang="de-DE"/>
+          </a:p>
+        </p:txBody>
+      </p:sp>
     </p:spTree>
     <p:extLst>
       <p:ext uri="{BB962C8B-B14F-4D97-AF65-F5344CB8AC3E}">
